--- a/doc/시스템 개념.pptx
+++ b/doc/시스템 개념.pptx
@@ -6,9 +6,13 @@
   </p:sldMasterIdLst>
   <p:sldIdLst>
     <p:sldId id="256" r:id="rId2"/>
-    <p:sldId id="258" r:id="rId3"/>
-    <p:sldId id="259" r:id="rId4"/>
-    <p:sldId id="260" r:id="rId5"/>
+    <p:sldId id="262" r:id="rId3"/>
+    <p:sldId id="261" r:id="rId4"/>
+    <p:sldId id="264" r:id="rId5"/>
+    <p:sldId id="265" r:id="rId6"/>
+    <p:sldId id="259" r:id="rId7"/>
+    <p:sldId id="260" r:id="rId8"/>
+    <p:sldId id="258" r:id="rId9"/>
   </p:sldIdLst>
   <p:sldSz cx="12192000" cy="6858000"/>
   <p:notesSz cx="6858000" cy="9144000"/>
@@ -1545,40 +1549,40 @@
     </dgm:pt>
   </dgm:ptLst>
   <dgm:cxnLst>
+    <dgm:cxn modelId="{1872435F-7E44-4DB1-86C1-89469AD16A32}" srcId="{71403A17-7633-40C1-9DD1-F48010F1D42F}" destId="{45FE60E3-5329-4FC6-BF52-2E8D5F6E393C}" srcOrd="2" destOrd="0" parTransId="{9E26B424-6F55-4A71-BF93-43F2E15A1DD7}" sibTransId="{D8E4B919-6F3E-44A4-A58C-CD0CCD6C9492}"/>
+    <dgm:cxn modelId="{E853CAB3-0BDC-4A64-AC3B-7B50CD4CE8D2}" type="presOf" srcId="{CDBD3D8E-3522-4951-9FF8-0D8486CBEAF3}" destId="{4522B831-3FD9-46A4-8BBC-6881DC1BD5F6}" srcOrd="1" destOrd="2" presId="urn:microsoft.com/office/officeart/2005/8/layout/venn1"/>
+    <dgm:cxn modelId="{81D5E39D-560B-48FD-A79F-A200E3614BFB}" type="presOf" srcId="{F5800B0D-DBFD-46C6-B468-75CC55379768}" destId="{4522B831-3FD9-46A4-8BBC-6881DC1BD5F6}" srcOrd="1" destOrd="1" presId="urn:microsoft.com/office/officeart/2005/8/layout/venn1"/>
+    <dgm:cxn modelId="{020DE9EC-A35A-4F45-9BAB-D3D823B0CB55}" type="presOf" srcId="{45FE60E3-5329-4FC6-BF52-2E8D5F6E393C}" destId="{3F2F6218-954C-4A34-8C2E-74C8F0FF1D71}" srcOrd="0" destOrd="3" presId="urn:microsoft.com/office/officeart/2005/8/layout/venn1"/>
+    <dgm:cxn modelId="{6C932DDB-2F5F-4FD9-AC45-1ED8B572AA69}" type="presOf" srcId="{286E7E16-A8BE-464F-BA00-DB570C2B0AB3}" destId="{B8D1994B-08EB-499F-8D8D-6B697550A969}" srcOrd="0" destOrd="3" presId="urn:microsoft.com/office/officeart/2005/8/layout/venn1"/>
     <dgm:cxn modelId="{696B3D13-4F41-49A1-BC08-EB7FA8E03E97}" type="presOf" srcId="{71403A17-7633-40C1-9DD1-F48010F1D42F}" destId="{C1417630-0DF0-46E2-8BE3-3ADBF55A5E74}" srcOrd="1" destOrd="0" presId="urn:microsoft.com/office/officeart/2005/8/layout/venn1"/>
+    <dgm:cxn modelId="{03808C10-DE17-4885-98B6-4D550AB48776}" srcId="{15340374-ADE8-41BE-9FCB-E95A20BEEB6C}" destId="{A2184906-6E96-4BFF-A216-2CDCC29C7387}" srcOrd="2" destOrd="0" parTransId="{A5E20DB2-7C06-40E4-92CD-7C620C12834B}" sibTransId="{E6903F04-4159-4A80-B6F4-6219F3E817D4}"/>
+    <dgm:cxn modelId="{A5F849D4-095B-45AD-9C34-EF648DF90319}" type="presOf" srcId="{1F5CB5FF-85F2-4F33-BD67-4C99B6B76D3B}" destId="{3F2F6218-954C-4A34-8C2E-74C8F0FF1D71}" srcOrd="0" destOrd="1" presId="urn:microsoft.com/office/officeart/2005/8/layout/venn1"/>
+    <dgm:cxn modelId="{46FD4F7C-F410-477E-A876-9AAF1F37B5D4}" srcId="{A2184906-6E96-4BFF-A216-2CDCC29C7387}" destId="{D394152D-0036-4447-9299-97FF6C305010}" srcOrd="1" destOrd="0" parTransId="{F3A8BC52-E7F2-4D91-9F17-E67D9A03C8BD}" sibTransId="{C91E8421-6DD9-46FC-AD05-759DEAA8ECA2}"/>
+    <dgm:cxn modelId="{6EA6E512-FFF6-49BD-B23D-BE834808BCBE}" srcId="{71403A17-7633-40C1-9DD1-F48010F1D42F}" destId="{1F5CB5FF-85F2-4F33-BD67-4C99B6B76D3B}" srcOrd="0" destOrd="0" parTransId="{F2E51F6F-9907-4AF4-89EF-5C151FB53009}" sibTransId="{4EA8AD30-241D-4E18-8B51-D192124A966A}"/>
+    <dgm:cxn modelId="{71298D5B-0F8F-4A19-8225-25A992FE7F3F}" srcId="{71403A17-7633-40C1-9DD1-F48010F1D42F}" destId="{457308CD-8D94-4D65-ABB6-F4DBD4292B5A}" srcOrd="1" destOrd="0" parTransId="{8E129A2C-705F-4E7B-A2DB-8FD53FD20047}" sibTransId="{31E781C3-6691-411E-A777-E8FF0E17C6D1}"/>
+    <dgm:cxn modelId="{422F0330-C025-4A10-85B6-92DFB1F6B1EB}" type="presOf" srcId="{E3536D26-453B-4E26-B4B8-CB924A57BEA3}" destId="{28279656-3B19-4C60-B0CB-CC9D49852849}" srcOrd="0" destOrd="0" presId="urn:microsoft.com/office/officeart/2005/8/layout/venn1"/>
+    <dgm:cxn modelId="{9C84ECAA-8D57-44F9-AE50-2D1A997329D7}" type="presOf" srcId="{B7501A83-673F-48D3-901C-1A5638320F98}" destId="{9F8B2F5E-0CD2-4EE1-A20B-E04095427357}" srcOrd="1" destOrd="1" presId="urn:microsoft.com/office/officeart/2005/8/layout/venn1"/>
     <dgm:cxn modelId="{07F8E6AA-B4DE-4D2B-AB16-FD6C01C8EA98}" type="presOf" srcId="{F5800B0D-DBFD-46C6-B468-75CC55379768}" destId="{28279656-3B19-4C60-B0CB-CC9D49852849}" srcOrd="0" destOrd="1" presId="urn:microsoft.com/office/officeart/2005/8/layout/venn1"/>
+    <dgm:cxn modelId="{825ABFBB-D125-43C6-91B1-90E8FA8C9BA8}" type="presOf" srcId="{D394152D-0036-4447-9299-97FF6C305010}" destId="{9F8B2F5E-0CD2-4EE1-A20B-E04095427357}" srcOrd="1" destOrd="2" presId="urn:microsoft.com/office/officeart/2005/8/layout/venn1"/>
+    <dgm:cxn modelId="{9CCCD6CB-005D-4480-BD18-DBE2B45800DD}" srcId="{A2184906-6E96-4BFF-A216-2CDCC29C7387}" destId="{B7501A83-673F-48D3-901C-1A5638320F98}" srcOrd="0" destOrd="0" parTransId="{BAF783B5-6488-4B87-9BF3-CC8B669A2DA2}" sibTransId="{77800786-83DB-45ED-8704-04AD81BC9665}"/>
+    <dgm:cxn modelId="{7271D029-7630-47A8-9F1C-3DFA97F37A01}" type="presOf" srcId="{A2184906-6E96-4BFF-A216-2CDCC29C7387}" destId="{B8D1994B-08EB-499F-8D8D-6B697550A969}" srcOrd="0" destOrd="0" presId="urn:microsoft.com/office/officeart/2005/8/layout/venn1"/>
+    <dgm:cxn modelId="{FAF56295-6EA4-43D9-8F62-3555F0380F83}" srcId="{15340374-ADE8-41BE-9FCB-E95A20BEEB6C}" destId="{71403A17-7633-40C1-9DD1-F48010F1D42F}" srcOrd="1" destOrd="0" parTransId="{67B5E8E2-6CE7-461C-9A6F-1A373D6519D6}" sibTransId="{086E3947-CE65-401E-BE6A-4133465ADE09}"/>
+    <dgm:cxn modelId="{C84AF86C-7743-4671-A55A-DE8EC0082B15}" srcId="{15340374-ADE8-41BE-9FCB-E95A20BEEB6C}" destId="{E3536D26-453B-4E26-B4B8-CB924A57BEA3}" srcOrd="0" destOrd="0" parTransId="{87359AA6-D096-4144-B525-837972547487}" sibTransId="{049667EC-DE78-4FD8-9AB0-0381F293E3FA}"/>
+    <dgm:cxn modelId="{1A740AE2-370D-4532-82A9-2B87964A9B96}" type="presOf" srcId="{1F5CB5FF-85F2-4F33-BD67-4C99B6B76D3B}" destId="{C1417630-0DF0-46E2-8BE3-3ADBF55A5E74}" srcOrd="1" destOrd="1" presId="urn:microsoft.com/office/officeart/2005/8/layout/venn1"/>
+    <dgm:cxn modelId="{A36AC054-93EE-4C58-AAAF-32A4F4D37229}" type="presOf" srcId="{71403A17-7633-40C1-9DD1-F48010F1D42F}" destId="{3F2F6218-954C-4A34-8C2E-74C8F0FF1D71}" srcOrd="0" destOrd="0" presId="urn:microsoft.com/office/officeart/2005/8/layout/venn1"/>
+    <dgm:cxn modelId="{EC3C6870-978B-4CEE-8B1A-CFAC3D3FDA3C}" type="presOf" srcId="{286E7E16-A8BE-464F-BA00-DB570C2B0AB3}" destId="{9F8B2F5E-0CD2-4EE1-A20B-E04095427357}" srcOrd="1" destOrd="3" presId="urn:microsoft.com/office/officeart/2005/8/layout/venn1"/>
+    <dgm:cxn modelId="{BE6117D3-2FAC-432A-B42A-046602E9D6CB}" type="presOf" srcId="{457308CD-8D94-4D65-ABB6-F4DBD4292B5A}" destId="{C1417630-0DF0-46E2-8BE3-3ADBF55A5E74}" srcOrd="1" destOrd="2" presId="urn:microsoft.com/office/officeart/2005/8/layout/venn1"/>
+    <dgm:cxn modelId="{F7800975-CDAC-4274-B8DD-B2EF385C0EC3}" type="presOf" srcId="{D394152D-0036-4447-9299-97FF6C305010}" destId="{B8D1994B-08EB-499F-8D8D-6B697550A969}" srcOrd="0" destOrd="2" presId="urn:microsoft.com/office/officeart/2005/8/layout/venn1"/>
     <dgm:cxn modelId="{643184E1-C9B8-4702-AB78-D119F8CA500D}" srcId="{A2184906-6E96-4BFF-A216-2CDCC29C7387}" destId="{286E7E16-A8BE-464F-BA00-DB570C2B0AB3}" srcOrd="2" destOrd="0" parTransId="{718FBCBD-3AB4-48C2-81D2-71EA7BCA7744}" sibTransId="{CB42638A-034D-4692-8DDC-76AD77C29BEB}"/>
-    <dgm:cxn modelId="{422F0330-C025-4A10-85B6-92DFB1F6B1EB}" type="presOf" srcId="{E3536D26-453B-4E26-B4B8-CB924A57BEA3}" destId="{28279656-3B19-4C60-B0CB-CC9D49852849}" srcOrd="0" destOrd="0" presId="urn:microsoft.com/office/officeart/2005/8/layout/venn1"/>
+    <dgm:cxn modelId="{7A7F530B-2A9A-4E4C-9861-B05567EC4B0B}" type="presOf" srcId="{457308CD-8D94-4D65-ABB6-F4DBD4292B5A}" destId="{3F2F6218-954C-4A34-8C2E-74C8F0FF1D71}" srcOrd="0" destOrd="2" presId="urn:microsoft.com/office/officeart/2005/8/layout/venn1"/>
+    <dgm:cxn modelId="{AD1B2CC9-6EDE-41D7-A451-36BCCCE405D3}" type="presOf" srcId="{E3536D26-453B-4E26-B4B8-CB924A57BEA3}" destId="{4522B831-3FD9-46A4-8BBC-6881DC1BD5F6}" srcOrd="1" destOrd="0" presId="urn:microsoft.com/office/officeart/2005/8/layout/venn1"/>
     <dgm:cxn modelId="{A0810127-8366-4173-A3EC-E82FEDFCAD09}" type="presOf" srcId="{15340374-ADE8-41BE-9FCB-E95A20BEEB6C}" destId="{6651E0AF-CE0F-4162-B8DB-468E33360625}" srcOrd="0" destOrd="0" presId="urn:microsoft.com/office/officeart/2005/8/layout/venn1"/>
-    <dgm:cxn modelId="{FAF56295-6EA4-43D9-8F62-3555F0380F83}" srcId="{15340374-ADE8-41BE-9FCB-E95A20BEEB6C}" destId="{71403A17-7633-40C1-9DD1-F48010F1D42F}" srcOrd="1" destOrd="0" parTransId="{67B5E8E2-6CE7-461C-9A6F-1A373D6519D6}" sibTransId="{086E3947-CE65-401E-BE6A-4133465ADE09}"/>
-    <dgm:cxn modelId="{03808C10-DE17-4885-98B6-4D550AB48776}" srcId="{15340374-ADE8-41BE-9FCB-E95A20BEEB6C}" destId="{A2184906-6E96-4BFF-A216-2CDCC29C7387}" srcOrd="2" destOrd="0" parTransId="{A5E20DB2-7C06-40E4-92CD-7C620C12834B}" sibTransId="{E6903F04-4159-4A80-B6F4-6219F3E817D4}"/>
-    <dgm:cxn modelId="{9C84ECAA-8D57-44F9-AE50-2D1A997329D7}" type="presOf" srcId="{B7501A83-673F-48D3-901C-1A5638320F98}" destId="{9F8B2F5E-0CD2-4EE1-A20B-E04095427357}" srcOrd="1" destOrd="1" presId="urn:microsoft.com/office/officeart/2005/8/layout/venn1"/>
-    <dgm:cxn modelId="{1872435F-7E44-4DB1-86C1-89469AD16A32}" srcId="{71403A17-7633-40C1-9DD1-F48010F1D42F}" destId="{45FE60E3-5329-4FC6-BF52-2E8D5F6E393C}" srcOrd="2" destOrd="0" parTransId="{9E26B424-6F55-4A71-BF93-43F2E15A1DD7}" sibTransId="{D8E4B919-6F3E-44A4-A58C-CD0CCD6C9492}"/>
-    <dgm:cxn modelId="{F7800975-CDAC-4274-B8DD-B2EF385C0EC3}" type="presOf" srcId="{D394152D-0036-4447-9299-97FF6C305010}" destId="{B8D1994B-08EB-499F-8D8D-6B697550A969}" srcOrd="0" destOrd="2" presId="urn:microsoft.com/office/officeart/2005/8/layout/venn1"/>
-    <dgm:cxn modelId="{E853CAB3-0BDC-4A64-AC3B-7B50CD4CE8D2}" type="presOf" srcId="{CDBD3D8E-3522-4951-9FF8-0D8486CBEAF3}" destId="{4522B831-3FD9-46A4-8BBC-6881DC1BD5F6}" srcOrd="1" destOrd="2" presId="urn:microsoft.com/office/officeart/2005/8/layout/venn1"/>
-    <dgm:cxn modelId="{71298D5B-0F8F-4A19-8225-25A992FE7F3F}" srcId="{71403A17-7633-40C1-9DD1-F48010F1D42F}" destId="{457308CD-8D94-4D65-ABB6-F4DBD4292B5A}" srcOrd="1" destOrd="0" parTransId="{8E129A2C-705F-4E7B-A2DB-8FD53FD20047}" sibTransId="{31E781C3-6691-411E-A777-E8FF0E17C6D1}"/>
-    <dgm:cxn modelId="{EC3C6870-978B-4CEE-8B1A-CFAC3D3FDA3C}" type="presOf" srcId="{286E7E16-A8BE-464F-BA00-DB570C2B0AB3}" destId="{9F8B2F5E-0CD2-4EE1-A20B-E04095427357}" srcOrd="1" destOrd="3" presId="urn:microsoft.com/office/officeart/2005/8/layout/venn1"/>
-    <dgm:cxn modelId="{020DE9EC-A35A-4F45-9BAB-D3D823B0CB55}" type="presOf" srcId="{45FE60E3-5329-4FC6-BF52-2E8D5F6E393C}" destId="{3F2F6218-954C-4A34-8C2E-74C8F0FF1D71}" srcOrd="0" destOrd="3" presId="urn:microsoft.com/office/officeart/2005/8/layout/venn1"/>
+    <dgm:cxn modelId="{D1DAB7D9-5B22-4EDE-8638-53F24C8B99D2}" type="presOf" srcId="{A2184906-6E96-4BFF-A216-2CDCC29C7387}" destId="{9F8B2F5E-0CD2-4EE1-A20B-E04095427357}" srcOrd="1" destOrd="0" presId="urn:microsoft.com/office/officeart/2005/8/layout/venn1"/>
     <dgm:cxn modelId="{717CCFC6-DF4F-4529-84A6-A6A4E73EDEA1}" srcId="{E3536D26-453B-4E26-B4B8-CB924A57BEA3}" destId="{CDBD3D8E-3522-4951-9FF8-0D8486CBEAF3}" srcOrd="1" destOrd="0" parTransId="{8DB145C8-1D1A-4E60-A01D-3CE136F64F76}" sibTransId="{28F75634-104C-4200-B3F8-641EBF3C8931}"/>
-    <dgm:cxn modelId="{7A7F530B-2A9A-4E4C-9861-B05567EC4B0B}" type="presOf" srcId="{457308CD-8D94-4D65-ABB6-F4DBD4292B5A}" destId="{3F2F6218-954C-4A34-8C2E-74C8F0FF1D71}" srcOrd="0" destOrd="2" presId="urn:microsoft.com/office/officeart/2005/8/layout/venn1"/>
-    <dgm:cxn modelId="{BE6117D3-2FAC-432A-B42A-046602E9D6CB}" type="presOf" srcId="{457308CD-8D94-4D65-ABB6-F4DBD4292B5A}" destId="{C1417630-0DF0-46E2-8BE3-3ADBF55A5E74}" srcOrd="1" destOrd="2" presId="urn:microsoft.com/office/officeart/2005/8/layout/venn1"/>
-    <dgm:cxn modelId="{A36AC054-93EE-4C58-AAAF-32A4F4D37229}" type="presOf" srcId="{71403A17-7633-40C1-9DD1-F48010F1D42F}" destId="{3F2F6218-954C-4A34-8C2E-74C8F0FF1D71}" srcOrd="0" destOrd="0" presId="urn:microsoft.com/office/officeart/2005/8/layout/venn1"/>
-    <dgm:cxn modelId="{7271D029-7630-47A8-9F1C-3DFA97F37A01}" type="presOf" srcId="{A2184906-6E96-4BFF-A216-2CDCC29C7387}" destId="{B8D1994B-08EB-499F-8D8D-6B697550A969}" srcOrd="0" destOrd="0" presId="urn:microsoft.com/office/officeart/2005/8/layout/venn1"/>
-    <dgm:cxn modelId="{6C932DDB-2F5F-4FD9-AC45-1ED8B572AA69}" type="presOf" srcId="{286E7E16-A8BE-464F-BA00-DB570C2B0AB3}" destId="{B8D1994B-08EB-499F-8D8D-6B697550A969}" srcOrd="0" destOrd="3" presId="urn:microsoft.com/office/officeart/2005/8/layout/venn1"/>
-    <dgm:cxn modelId="{C84AF86C-7743-4671-A55A-DE8EC0082B15}" srcId="{15340374-ADE8-41BE-9FCB-E95A20BEEB6C}" destId="{E3536D26-453B-4E26-B4B8-CB924A57BEA3}" srcOrd="0" destOrd="0" parTransId="{87359AA6-D096-4144-B525-837972547487}" sibTransId="{049667EC-DE78-4FD8-9AB0-0381F293E3FA}"/>
-    <dgm:cxn modelId="{825ABFBB-D125-43C6-91B1-90E8FA8C9BA8}" type="presOf" srcId="{D394152D-0036-4447-9299-97FF6C305010}" destId="{9F8B2F5E-0CD2-4EE1-A20B-E04095427357}" srcOrd="1" destOrd="2" presId="urn:microsoft.com/office/officeart/2005/8/layout/venn1"/>
-    <dgm:cxn modelId="{46FD4F7C-F410-477E-A876-9AAF1F37B5D4}" srcId="{A2184906-6E96-4BFF-A216-2CDCC29C7387}" destId="{D394152D-0036-4447-9299-97FF6C305010}" srcOrd="1" destOrd="0" parTransId="{F3A8BC52-E7F2-4D91-9F17-E67D9A03C8BD}" sibTransId="{C91E8421-6DD9-46FC-AD05-759DEAA8ECA2}"/>
-    <dgm:cxn modelId="{9CCCD6CB-005D-4480-BD18-DBE2B45800DD}" srcId="{A2184906-6E96-4BFF-A216-2CDCC29C7387}" destId="{B7501A83-673F-48D3-901C-1A5638320F98}" srcOrd="0" destOrd="0" parTransId="{BAF783B5-6488-4B87-9BF3-CC8B669A2DA2}" sibTransId="{77800786-83DB-45ED-8704-04AD81BC9665}"/>
-    <dgm:cxn modelId="{6EA6E512-FFF6-49BD-B23D-BE834808BCBE}" srcId="{71403A17-7633-40C1-9DD1-F48010F1D42F}" destId="{1F5CB5FF-85F2-4F33-BD67-4C99B6B76D3B}" srcOrd="0" destOrd="0" parTransId="{F2E51F6F-9907-4AF4-89EF-5C151FB53009}" sibTransId="{4EA8AD30-241D-4E18-8B51-D192124A966A}"/>
-    <dgm:cxn modelId="{1A740AE2-370D-4532-82A9-2B87964A9B96}" type="presOf" srcId="{1F5CB5FF-85F2-4F33-BD67-4C99B6B76D3B}" destId="{C1417630-0DF0-46E2-8BE3-3ADBF55A5E74}" srcOrd="1" destOrd="1" presId="urn:microsoft.com/office/officeart/2005/8/layout/venn1"/>
-    <dgm:cxn modelId="{10302CE5-8019-4AF0-926C-51A3AAB4FDAD}" type="presOf" srcId="{CDBD3D8E-3522-4951-9FF8-0D8486CBEAF3}" destId="{28279656-3B19-4C60-B0CB-CC9D49852849}" srcOrd="0" destOrd="2" presId="urn:microsoft.com/office/officeart/2005/8/layout/venn1"/>
-    <dgm:cxn modelId="{F620EB41-558D-4764-B7DC-5F7653C9A2E0}" type="presOf" srcId="{45FE60E3-5329-4FC6-BF52-2E8D5F6E393C}" destId="{C1417630-0DF0-46E2-8BE3-3ADBF55A5E74}" srcOrd="1" destOrd="3" presId="urn:microsoft.com/office/officeart/2005/8/layout/venn1"/>
-    <dgm:cxn modelId="{81D5E39D-560B-48FD-A79F-A200E3614BFB}" type="presOf" srcId="{F5800B0D-DBFD-46C6-B468-75CC55379768}" destId="{4522B831-3FD9-46A4-8BBC-6881DC1BD5F6}" srcOrd="1" destOrd="1" presId="urn:microsoft.com/office/officeart/2005/8/layout/venn1"/>
-    <dgm:cxn modelId="{A5F849D4-095B-45AD-9C34-EF648DF90319}" type="presOf" srcId="{1F5CB5FF-85F2-4F33-BD67-4C99B6B76D3B}" destId="{3F2F6218-954C-4A34-8C2E-74C8F0FF1D71}" srcOrd="0" destOrd="1" presId="urn:microsoft.com/office/officeart/2005/8/layout/venn1"/>
     <dgm:cxn modelId="{0E7FF733-D484-40BF-8AF8-CA9B9062131A}" type="presOf" srcId="{B7501A83-673F-48D3-901C-1A5638320F98}" destId="{B8D1994B-08EB-499F-8D8D-6B697550A969}" srcOrd="0" destOrd="1" presId="urn:microsoft.com/office/officeart/2005/8/layout/venn1"/>
     <dgm:cxn modelId="{D95F334F-FC08-4B06-9F87-C1D1C5130939}" srcId="{E3536D26-453B-4E26-B4B8-CB924A57BEA3}" destId="{F5800B0D-DBFD-46C6-B468-75CC55379768}" srcOrd="0" destOrd="0" parTransId="{635337F6-6FA1-4204-A496-DC577A4EA034}" sibTransId="{858E93E1-8B88-40AB-9CB2-2DFDE67A31F2}"/>
-    <dgm:cxn modelId="{D1DAB7D9-5B22-4EDE-8638-53F24C8B99D2}" type="presOf" srcId="{A2184906-6E96-4BFF-A216-2CDCC29C7387}" destId="{9F8B2F5E-0CD2-4EE1-A20B-E04095427357}" srcOrd="1" destOrd="0" presId="urn:microsoft.com/office/officeart/2005/8/layout/venn1"/>
-    <dgm:cxn modelId="{AD1B2CC9-6EDE-41D7-A451-36BCCCE405D3}" type="presOf" srcId="{E3536D26-453B-4E26-B4B8-CB924A57BEA3}" destId="{4522B831-3FD9-46A4-8BBC-6881DC1BD5F6}" srcOrd="1" destOrd="0" presId="urn:microsoft.com/office/officeart/2005/8/layout/venn1"/>
+    <dgm:cxn modelId="{F620EB41-558D-4764-B7DC-5F7653C9A2E0}" type="presOf" srcId="{45FE60E3-5329-4FC6-BF52-2E8D5F6E393C}" destId="{C1417630-0DF0-46E2-8BE3-3ADBF55A5E74}" srcOrd="1" destOrd="3" presId="urn:microsoft.com/office/officeart/2005/8/layout/venn1"/>
+    <dgm:cxn modelId="{10302CE5-8019-4AF0-926C-51A3AAB4FDAD}" type="presOf" srcId="{CDBD3D8E-3522-4951-9FF8-0D8486CBEAF3}" destId="{28279656-3B19-4C60-B0CB-CC9D49852849}" srcOrd="0" destOrd="2" presId="urn:microsoft.com/office/officeart/2005/8/layout/venn1"/>
     <dgm:cxn modelId="{C5F881AC-DF2F-43A8-9F7B-E42F52D4D439}" type="presParOf" srcId="{6651E0AF-CE0F-4162-B8DB-468E33360625}" destId="{28279656-3B19-4C60-B0CB-CC9D49852849}" srcOrd="0" destOrd="0" presId="urn:microsoft.com/office/officeart/2005/8/layout/venn1"/>
     <dgm:cxn modelId="{30C2E55D-50CE-4468-927A-4775B9CF2F1B}" type="presParOf" srcId="{6651E0AF-CE0F-4162-B8DB-468E33360625}" destId="{4522B831-3FD9-46A4-8BBC-6881DC1BD5F6}" srcOrd="1" destOrd="0" presId="urn:microsoft.com/office/officeart/2005/8/layout/venn1"/>
     <dgm:cxn modelId="{EAAE165D-5E1B-4F00-A91C-C1E275DECB2F}" type="presParOf" srcId="{6651E0AF-CE0F-4162-B8DB-468E33360625}" destId="{3F2F6218-954C-4A34-8C2E-74C8F0FF1D71}" srcOrd="2" destOrd="0" presId="urn:microsoft.com/office/officeart/2005/8/layout/venn1"/>
@@ -4034,7 +4038,7 @@
           <a:p>
             <a:fld id="{3C9918EF-AF9F-43F7-8C5C-CC604C6A12F3}" type="datetimeFigureOut">
               <a:rPr lang="ko-KR" altLang="en-US" smtClean="0"/>
-              <a:t>2024-01-18</a:t>
+              <a:t>2024-01-30</a:t>
             </a:fld>
             <a:endParaRPr lang="ko-KR" altLang="en-US"/>
           </a:p>
@@ -4204,7 +4208,7 @@
           <a:p>
             <a:fld id="{3C9918EF-AF9F-43F7-8C5C-CC604C6A12F3}" type="datetimeFigureOut">
               <a:rPr lang="ko-KR" altLang="en-US" smtClean="0"/>
-              <a:t>2024-01-18</a:t>
+              <a:t>2024-01-30</a:t>
             </a:fld>
             <a:endParaRPr lang="ko-KR" altLang="en-US"/>
           </a:p>
@@ -4384,7 +4388,7 @@
           <a:p>
             <a:fld id="{3C9918EF-AF9F-43F7-8C5C-CC604C6A12F3}" type="datetimeFigureOut">
               <a:rPr lang="ko-KR" altLang="en-US" smtClean="0"/>
-              <a:t>2024-01-18</a:t>
+              <a:t>2024-01-30</a:t>
             </a:fld>
             <a:endParaRPr lang="ko-KR" altLang="en-US"/>
           </a:p>
@@ -4554,7 +4558,7 @@
           <a:p>
             <a:fld id="{3C9918EF-AF9F-43F7-8C5C-CC604C6A12F3}" type="datetimeFigureOut">
               <a:rPr lang="ko-KR" altLang="en-US" smtClean="0"/>
-              <a:t>2024-01-18</a:t>
+              <a:t>2024-01-30</a:t>
             </a:fld>
             <a:endParaRPr lang="ko-KR" altLang="en-US"/>
           </a:p>
@@ -4800,7 +4804,7 @@
           <a:p>
             <a:fld id="{3C9918EF-AF9F-43F7-8C5C-CC604C6A12F3}" type="datetimeFigureOut">
               <a:rPr lang="ko-KR" altLang="en-US" smtClean="0"/>
-              <a:t>2024-01-18</a:t>
+              <a:t>2024-01-30</a:t>
             </a:fld>
             <a:endParaRPr lang="ko-KR" altLang="en-US"/>
           </a:p>
@@ -5032,7 +5036,7 @@
           <a:p>
             <a:fld id="{3C9918EF-AF9F-43F7-8C5C-CC604C6A12F3}" type="datetimeFigureOut">
               <a:rPr lang="ko-KR" altLang="en-US" smtClean="0"/>
-              <a:t>2024-01-18</a:t>
+              <a:t>2024-01-30</a:t>
             </a:fld>
             <a:endParaRPr lang="ko-KR" altLang="en-US"/>
           </a:p>
@@ -5399,7 +5403,7 @@
           <a:p>
             <a:fld id="{3C9918EF-AF9F-43F7-8C5C-CC604C6A12F3}" type="datetimeFigureOut">
               <a:rPr lang="ko-KR" altLang="en-US" smtClean="0"/>
-              <a:t>2024-01-18</a:t>
+              <a:t>2024-01-30</a:t>
             </a:fld>
             <a:endParaRPr lang="ko-KR" altLang="en-US"/>
           </a:p>
@@ -5517,7 +5521,7 @@
           <a:p>
             <a:fld id="{3C9918EF-AF9F-43F7-8C5C-CC604C6A12F3}" type="datetimeFigureOut">
               <a:rPr lang="ko-KR" altLang="en-US" smtClean="0"/>
-              <a:t>2024-01-18</a:t>
+              <a:t>2024-01-30</a:t>
             </a:fld>
             <a:endParaRPr lang="ko-KR" altLang="en-US"/>
           </a:p>
@@ -5612,7 +5616,7 @@
           <a:p>
             <a:fld id="{3C9918EF-AF9F-43F7-8C5C-CC604C6A12F3}" type="datetimeFigureOut">
               <a:rPr lang="ko-KR" altLang="en-US" smtClean="0"/>
-              <a:t>2024-01-18</a:t>
+              <a:t>2024-01-30</a:t>
             </a:fld>
             <a:endParaRPr lang="ko-KR" altLang="en-US"/>
           </a:p>
@@ -5889,7 +5893,7 @@
           <a:p>
             <a:fld id="{3C9918EF-AF9F-43F7-8C5C-CC604C6A12F3}" type="datetimeFigureOut">
               <a:rPr lang="ko-KR" altLang="en-US" smtClean="0"/>
-              <a:t>2024-01-18</a:t>
+              <a:t>2024-01-30</a:t>
             </a:fld>
             <a:endParaRPr lang="ko-KR" altLang="en-US"/>
           </a:p>
@@ -6142,7 +6146,7 @@
           <a:p>
             <a:fld id="{3C9918EF-AF9F-43F7-8C5C-CC604C6A12F3}" type="datetimeFigureOut">
               <a:rPr lang="ko-KR" altLang="en-US" smtClean="0"/>
-              <a:t>2024-01-18</a:t>
+              <a:t>2024-01-30</a:t>
             </a:fld>
             <a:endParaRPr lang="ko-KR" altLang="en-US"/>
           </a:p>
@@ -6355,7 +6359,7 @@
           <a:p>
             <a:fld id="{3C9918EF-AF9F-43F7-8C5C-CC604C6A12F3}" type="datetimeFigureOut">
               <a:rPr lang="ko-KR" altLang="en-US" smtClean="0"/>
-              <a:t>2024-01-18</a:t>
+              <a:t>2024-01-30</a:t>
             </a:fld>
             <a:endParaRPr lang="ko-KR" altLang="en-US"/>
           </a:p>
@@ -6830,16 +6834,7 @@
                 </a:solidFill>
                 <a:latin typeface="+mj-lt"/>
               </a:rPr>
-              <a:t>전산 관리 </a:t>
-            </a:r>
-            <a:r>
-              <a:rPr lang="ko-KR" altLang="en-US" sz="4000" b="1" dirty="0" smtClean="0">
-                <a:solidFill>
-                  <a:schemeClr val="tx1"/>
-                </a:solidFill>
-                <a:latin typeface="+mj-lt"/>
-              </a:rPr>
-              <a:t>시스템</a:t>
+              <a:t>전산 관리 시스템</a:t>
             </a:r>
             <a:endParaRPr lang="ko-KR" altLang="en-US" sz="4000" b="1" dirty="0">
               <a:solidFill>
@@ -7016,7 +7011,7 @@
         </p:nvSpPr>
         <p:spPr>
           <a:xfrm>
-            <a:off x="0" y="0"/>
+            <a:off x="102641" y="111972"/>
             <a:ext cx="5436524" cy="540327"/>
           </a:xfrm>
         </p:spPr>
@@ -7042,1323 +7037,34 @@
           </a:p>
         </p:txBody>
       </p:sp>
-      <p:grpSp>
-        <p:nvGrpSpPr>
-          <p:cNvPr id="45" name="그룹 44"/>
-          <p:cNvGrpSpPr/>
+      <p:pic>
+        <p:nvPicPr>
+          <p:cNvPr id="25" name="그림 24"/>
+          <p:cNvPicPr>
+            <a:picLocks noChangeAspect="1"/>
+          </p:cNvPicPr>
           <p:nvPr/>
-        </p:nvGrpSpPr>
-        <p:grpSpPr>
+        </p:nvPicPr>
+        <p:blipFill>
+          <a:blip r:embed="rId2"/>
+          <a:stretch>
+            <a:fillRect/>
+          </a:stretch>
+        </p:blipFill>
+        <p:spPr>
           <a:xfrm>
-            <a:off x="1057275" y="540327"/>
-            <a:ext cx="9915526" cy="5940366"/>
-            <a:chOff x="1057275" y="540327"/>
-            <a:chExt cx="9915526" cy="5940366"/>
+            <a:off x="1344322" y="797475"/>
+            <a:ext cx="9485604" cy="5560914"/>
           </a:xfrm>
-        </p:grpSpPr>
-        <p:sp>
-          <p:nvSpPr>
-            <p:cNvPr id="4" name="모서리가 둥근 직사각형 3"/>
-            <p:cNvSpPr/>
-            <p:nvPr/>
-          </p:nvSpPr>
-          <p:spPr>
-            <a:xfrm>
-              <a:off x="1057275" y="540328"/>
-              <a:ext cx="4927887" cy="5940365"/>
-            </a:xfrm>
-            <a:prstGeom prst="roundRect">
-              <a:avLst>
-                <a:gd name="adj" fmla="val 2978"/>
-              </a:avLst>
-            </a:prstGeom>
-            <a:noFill/>
-            <a:ln w="28575">
-              <a:solidFill>
-                <a:schemeClr val="accent1"/>
-              </a:solidFill>
-              <a:prstDash val="dash"/>
-            </a:ln>
-          </p:spPr>
-          <p:style>
-            <a:lnRef idx="2">
-              <a:schemeClr val="accent1">
-                <a:shade val="50000"/>
-              </a:schemeClr>
-            </a:lnRef>
-            <a:fillRef idx="1">
-              <a:schemeClr val="accent1"/>
-            </a:fillRef>
-            <a:effectRef idx="0">
-              <a:schemeClr val="accent1"/>
-            </a:effectRef>
-            <a:fontRef idx="minor">
-              <a:schemeClr val="lt1"/>
-            </a:fontRef>
-          </p:style>
-          <p:txBody>
-            <a:bodyPr rtlCol="0" anchor="t"/>
-            <a:lstStyle/>
-            <a:p>
-              <a:r>
-                <a:rPr lang="en-US" altLang="ko-KR" sz="4000" b="1" dirty="0" err="1" smtClean="0">
-                  <a:solidFill>
-                    <a:sysClr val="windowText" lastClr="000000"/>
-                  </a:solidFill>
-                </a:rPr>
-                <a:t>DTw</a:t>
-              </a:r>
-              <a:endParaRPr lang="ko-KR" altLang="en-US" sz="4000" b="1" dirty="0">
-                <a:solidFill>
-                  <a:sysClr val="windowText" lastClr="000000"/>
-                </a:solidFill>
-              </a:endParaRPr>
-            </a:p>
-          </p:txBody>
-        </p:sp>
-        <p:sp>
-          <p:nvSpPr>
-            <p:cNvPr id="13" name="모서리가 둥근 직사각형 12"/>
-            <p:cNvSpPr/>
-            <p:nvPr/>
-          </p:nvSpPr>
-          <p:spPr>
-            <a:xfrm>
-              <a:off x="5985162" y="540327"/>
-              <a:ext cx="4987639" cy="5940366"/>
-            </a:xfrm>
-            <a:prstGeom prst="roundRect">
-              <a:avLst>
-                <a:gd name="adj" fmla="val 2550"/>
-              </a:avLst>
-            </a:prstGeom>
-            <a:noFill/>
-            <a:ln w="28575">
-              <a:solidFill>
-                <a:srgbClr val="00B050"/>
-              </a:solidFill>
-              <a:prstDash val="dash"/>
-            </a:ln>
-          </p:spPr>
-          <p:style>
-            <a:lnRef idx="2">
-              <a:schemeClr val="accent1">
-                <a:shade val="50000"/>
-              </a:schemeClr>
-            </a:lnRef>
-            <a:fillRef idx="1">
-              <a:schemeClr val="accent1"/>
-            </a:fillRef>
-            <a:effectRef idx="0">
-              <a:schemeClr val="accent1"/>
-            </a:effectRef>
-            <a:fontRef idx="minor">
-              <a:schemeClr val="lt1"/>
-            </a:fontRef>
-          </p:style>
-          <p:txBody>
-            <a:bodyPr rtlCol="0" anchor="t" anchorCtr="0"/>
-            <a:lstStyle/>
-            <a:p>
-              <a:pPr algn="r"/>
-              <a:r>
-                <a:rPr lang="en-US" altLang="ko-KR" sz="4000" b="1" dirty="0" smtClean="0">
-                  <a:solidFill>
-                    <a:schemeClr val="tx1"/>
-                  </a:solidFill>
-                </a:rPr>
-                <a:t>Real World</a:t>
-              </a:r>
-              <a:endParaRPr lang="en-US" altLang="ko-KR" sz="4000" b="1" dirty="0" smtClean="0">
-                <a:solidFill>
-                  <a:schemeClr val="tx1"/>
-                </a:solidFill>
-              </a:endParaRPr>
-            </a:p>
-          </p:txBody>
-        </p:sp>
-        <p:sp>
-          <p:nvSpPr>
-            <p:cNvPr id="5" name="모서리가 둥근 직사각형 4"/>
-            <p:cNvSpPr/>
-            <p:nvPr/>
-          </p:nvSpPr>
-          <p:spPr>
-            <a:xfrm>
-              <a:off x="1461875" y="1240895"/>
-              <a:ext cx="1708249" cy="5010606"/>
-            </a:xfrm>
-            <a:prstGeom prst="roundRect">
-              <a:avLst/>
-            </a:prstGeom>
-          </p:spPr>
-          <p:style>
-            <a:lnRef idx="2">
-              <a:schemeClr val="accent5">
-                <a:shade val="50000"/>
-              </a:schemeClr>
-            </a:lnRef>
-            <a:fillRef idx="1">
-              <a:schemeClr val="accent5"/>
-            </a:fillRef>
-            <a:effectRef idx="0">
-              <a:schemeClr val="accent5"/>
-            </a:effectRef>
-            <a:fontRef idx="minor">
-              <a:schemeClr val="lt1"/>
-            </a:fontRef>
-          </p:style>
-          <p:txBody>
-            <a:bodyPr rtlCol="0" anchor="ctr"/>
-            <a:lstStyle/>
-            <a:p>
-              <a:pPr algn="ctr"/>
-              <a:r>
-                <a:rPr lang="en-US" altLang="ko-KR" sz="2400" b="1" dirty="0" smtClean="0"/>
-                <a:t>Sim.</a:t>
-              </a:r>
-              <a:endParaRPr lang="en-US" altLang="ko-KR" sz="2400" b="1" dirty="0" smtClean="0"/>
-            </a:p>
-            <a:p>
-              <a:pPr algn="ctr"/>
-              <a:r>
-                <a:rPr lang="en-US" altLang="ko-KR" sz="2400" b="1" dirty="0" smtClean="0"/>
-                <a:t>(</a:t>
-              </a:r>
-              <a:r>
-                <a:rPr lang="en-US" altLang="ko-KR" sz="2400" b="1" dirty="0" err="1" smtClean="0"/>
-                <a:t>RoboDK</a:t>
-              </a:r>
-              <a:r>
-                <a:rPr lang="en-US" altLang="ko-KR" sz="2400" b="1" dirty="0" smtClean="0"/>
-                <a:t>)</a:t>
-              </a:r>
-              <a:endParaRPr lang="ko-KR" altLang="en-US" sz="2400" b="1" dirty="0"/>
-            </a:p>
-          </p:txBody>
-        </p:sp>
-        <p:sp>
-          <p:nvSpPr>
-            <p:cNvPr id="7" name="모서리가 둥근 직사각형 6"/>
-            <p:cNvSpPr/>
-            <p:nvPr/>
-          </p:nvSpPr>
-          <p:spPr>
-            <a:xfrm>
-              <a:off x="3966106" y="1240895"/>
-              <a:ext cx="4156245" cy="1324857"/>
-            </a:xfrm>
-            <a:prstGeom prst="roundRect">
-              <a:avLst/>
-            </a:prstGeom>
-          </p:spPr>
-          <p:style>
-            <a:lnRef idx="2">
-              <a:schemeClr val="accent4">
-                <a:shade val="50000"/>
-              </a:schemeClr>
-            </a:lnRef>
-            <a:fillRef idx="1">
-              <a:schemeClr val="accent4"/>
-            </a:fillRef>
-            <a:effectRef idx="0">
-              <a:schemeClr val="accent4"/>
-            </a:effectRef>
-            <a:fontRef idx="minor">
-              <a:schemeClr val="lt1"/>
-            </a:fontRef>
-          </p:style>
-          <p:txBody>
-            <a:bodyPr rtlCol="0" anchor="ctr"/>
-            <a:lstStyle/>
-            <a:p>
-              <a:pPr algn="ctr"/>
-              <a:r>
-                <a:rPr lang="en-US" altLang="ko-KR" sz="2400" b="1" dirty="0" smtClean="0"/>
-                <a:t>WCS </a:t>
-              </a:r>
-              <a:endParaRPr lang="en-US" altLang="ko-KR" sz="2400" b="1" dirty="0" smtClean="0"/>
-            </a:p>
-            <a:p>
-              <a:pPr algn="ctr"/>
-              <a:r>
-                <a:rPr lang="en-US" altLang="ko-KR" sz="2400" b="1" dirty="0" smtClean="0"/>
-                <a:t>(SPS, MICUBE</a:t>
-              </a:r>
-              <a:r>
-                <a:rPr lang="en-US" altLang="ko-KR" sz="2400" b="1" dirty="0" smtClean="0"/>
-                <a:t>)</a:t>
-              </a:r>
-              <a:endParaRPr lang="ko-KR" altLang="en-US" sz="2400" b="1" dirty="0"/>
-            </a:p>
-          </p:txBody>
-        </p:sp>
-        <p:sp>
-          <p:nvSpPr>
-            <p:cNvPr id="8" name="모서리가 둥근 직사각형 7"/>
-            <p:cNvSpPr/>
-            <p:nvPr/>
-          </p:nvSpPr>
-          <p:spPr>
-            <a:xfrm>
-              <a:off x="3966106" y="3062828"/>
-              <a:ext cx="4179233" cy="658707"/>
-            </a:xfrm>
-            <a:prstGeom prst="roundRect">
-              <a:avLst/>
-            </a:prstGeom>
-          </p:spPr>
-          <p:style>
-            <a:lnRef idx="2">
-              <a:schemeClr val="accent2">
-                <a:shade val="50000"/>
-              </a:schemeClr>
-            </a:lnRef>
-            <a:fillRef idx="1">
-              <a:schemeClr val="accent2"/>
-            </a:fillRef>
-            <a:effectRef idx="0">
-              <a:schemeClr val="accent2"/>
-            </a:effectRef>
-            <a:fontRef idx="minor">
-              <a:schemeClr val="lt1"/>
-            </a:fontRef>
-          </p:style>
-          <p:txBody>
-            <a:bodyPr rtlCol="0" anchor="ctr"/>
-            <a:lstStyle/>
-            <a:p>
-              <a:pPr algn="ctr"/>
-              <a:r>
-                <a:rPr lang="en-US" altLang="ko-KR" b="1" dirty="0" smtClean="0"/>
-                <a:t>M/W</a:t>
-              </a:r>
-            </a:p>
-            <a:p>
-              <a:pPr algn="ctr"/>
-              <a:r>
-                <a:rPr lang="en-US" altLang="ko-KR" b="1" dirty="0" smtClean="0"/>
-                <a:t>(SPS)</a:t>
-              </a:r>
-              <a:endParaRPr lang="ko-KR" altLang="en-US" b="1" dirty="0"/>
-            </a:p>
-          </p:txBody>
-        </p:sp>
-        <p:sp>
-          <p:nvSpPr>
-            <p:cNvPr id="11" name="왼쪽 화살표 10"/>
-            <p:cNvSpPr/>
-            <p:nvPr/>
-          </p:nvSpPr>
-          <p:spPr>
-            <a:xfrm>
-              <a:off x="2927714" y="1864526"/>
-              <a:ext cx="1314953" cy="868104"/>
-            </a:xfrm>
-            <a:prstGeom prst="leftArrow">
-              <a:avLst/>
-            </a:prstGeom>
-          </p:spPr>
-          <p:style>
-            <a:lnRef idx="2">
-              <a:schemeClr val="accent4">
-                <a:shade val="50000"/>
-              </a:schemeClr>
-            </a:lnRef>
-            <a:fillRef idx="1">
-              <a:schemeClr val="accent4"/>
-            </a:fillRef>
-            <a:effectRef idx="0">
-              <a:schemeClr val="accent4"/>
-            </a:effectRef>
-            <a:fontRef idx="minor">
-              <a:schemeClr val="lt1"/>
-            </a:fontRef>
-          </p:style>
-          <p:txBody>
-            <a:bodyPr lIns="0" tIns="0" rIns="0" bIns="0" rtlCol="0" anchor="ctr">
-              <a:noAutofit/>
-            </a:bodyPr>
-            <a:lstStyle/>
-            <a:p>
-              <a:pPr algn="ctr"/>
-              <a:r>
-                <a:rPr lang="ko-KR" altLang="en-US" sz="1200" b="1" dirty="0" smtClean="0">
-                  <a:solidFill>
-                    <a:schemeClr val="tx1"/>
-                  </a:solidFill>
-                </a:rPr>
-                <a:t>설비 제어</a:t>
-              </a:r>
-              <a:endParaRPr lang="ko-KR" altLang="en-US" sz="1200" b="1" dirty="0">
-                <a:solidFill>
-                  <a:schemeClr val="tx1"/>
-                </a:solidFill>
-              </a:endParaRPr>
-            </a:p>
-          </p:txBody>
-        </p:sp>
-        <p:sp>
-          <p:nvSpPr>
-            <p:cNvPr id="15" name="오른쪽 화살표 14"/>
-            <p:cNvSpPr/>
-            <p:nvPr/>
-          </p:nvSpPr>
-          <p:spPr>
-            <a:xfrm>
-              <a:off x="2929164" y="1152376"/>
-              <a:ext cx="1314953" cy="868104"/>
-            </a:xfrm>
-            <a:prstGeom prst="rightArrow">
-              <a:avLst/>
-            </a:prstGeom>
-          </p:spPr>
-          <p:style>
-            <a:lnRef idx="2">
-              <a:schemeClr val="accent5">
-                <a:shade val="50000"/>
-              </a:schemeClr>
-            </a:lnRef>
-            <a:fillRef idx="1">
-              <a:schemeClr val="accent5"/>
-            </a:fillRef>
-            <a:effectRef idx="0">
-              <a:schemeClr val="accent5"/>
-            </a:effectRef>
-            <a:fontRef idx="minor">
-              <a:schemeClr val="lt1"/>
-            </a:fontRef>
-          </p:style>
-          <p:txBody>
-            <a:bodyPr lIns="0" tIns="0" rIns="0" bIns="0" rtlCol="0" anchor="ctr">
-              <a:noAutofit/>
-            </a:bodyPr>
-            <a:lstStyle/>
-            <a:p>
-              <a:pPr algn="ctr"/>
-              <a:r>
-                <a:rPr lang="ko-KR" altLang="en-US" sz="1200" b="1" dirty="0" smtClean="0"/>
-                <a:t>가상 물리 정보</a:t>
-              </a:r>
-              <a:endParaRPr lang="ko-KR" altLang="en-US" sz="1200" b="1" dirty="0"/>
-            </a:p>
-          </p:txBody>
-        </p:sp>
-        <p:grpSp>
-          <p:nvGrpSpPr>
-            <p:cNvPr id="31" name="그룹 30"/>
-            <p:cNvGrpSpPr/>
-            <p:nvPr/>
-          </p:nvGrpSpPr>
-          <p:grpSpPr>
-            <a:xfrm>
-              <a:off x="3966106" y="4135232"/>
-              <a:ext cx="4179233" cy="2116269"/>
-              <a:chOff x="5561045" y="2634868"/>
-              <a:chExt cx="2799184" cy="4392752"/>
-            </a:xfrm>
-          </p:grpSpPr>
-          <p:sp>
-            <p:nvSpPr>
-              <p:cNvPr id="29" name="모서리가 둥근 직사각형 28"/>
-              <p:cNvSpPr/>
-              <p:nvPr/>
-            </p:nvSpPr>
-            <p:spPr>
-              <a:xfrm>
-                <a:off x="5561045" y="2634868"/>
-                <a:ext cx="2799184" cy="4392752"/>
-              </a:xfrm>
-              <a:prstGeom prst="roundRect">
-                <a:avLst>
-                  <a:gd name="adj" fmla="val 6334"/>
-                </a:avLst>
-              </a:prstGeom>
-              <a:solidFill>
-                <a:srgbClr val="FFFFFF">
-                  <a:alpha val="70000"/>
-                </a:srgbClr>
-              </a:solidFill>
-              <a:ln w="28575">
-                <a:solidFill>
-                  <a:srgbClr val="FFC000"/>
-                </a:solidFill>
-                <a:prstDash val="dash"/>
-              </a:ln>
-            </p:spPr>
-            <p:style>
-              <a:lnRef idx="2">
-                <a:schemeClr val="accent1">
-                  <a:shade val="50000"/>
-                </a:schemeClr>
-              </a:lnRef>
-              <a:fillRef idx="1">
-                <a:schemeClr val="accent1"/>
-              </a:fillRef>
-              <a:effectRef idx="0">
-                <a:schemeClr val="accent1"/>
-              </a:effectRef>
-              <a:fontRef idx="minor">
-                <a:schemeClr val="lt1"/>
-              </a:fontRef>
-            </p:style>
-            <p:txBody>
-              <a:bodyPr bIns="0" rtlCol="0" anchor="b"/>
-              <a:lstStyle/>
-              <a:p>
-                <a:pPr algn="ctr"/>
-                <a:r>
-                  <a:rPr lang="ko-KR" altLang="en-US" sz="1600" b="1" dirty="0" smtClean="0">
-                    <a:solidFill>
-                      <a:schemeClr val="tx1"/>
-                    </a:solidFill>
-                  </a:rPr>
-                  <a:t>창고 전산 관리 </a:t>
-                </a:r>
-                <a:r>
-                  <a:rPr lang="en-US" altLang="ko-KR" sz="1600" b="1" dirty="0" smtClean="0">
-                    <a:solidFill>
-                      <a:schemeClr val="tx1"/>
-                    </a:solidFill>
-                  </a:rPr>
-                  <a:t>S/W</a:t>
-                </a:r>
-                <a:endParaRPr lang="ko-KR" altLang="en-US" sz="1600" b="1" dirty="0">
-                  <a:solidFill>
-                    <a:schemeClr val="tx1"/>
-                  </a:solidFill>
-                </a:endParaRPr>
-              </a:p>
-            </p:txBody>
-          </p:sp>
-          <p:sp>
-            <p:nvSpPr>
-              <p:cNvPr id="6" name="모서리가 둥근 직사각형 5"/>
-              <p:cNvSpPr/>
-              <p:nvPr/>
-            </p:nvSpPr>
-            <p:spPr>
-              <a:xfrm>
-                <a:off x="5689429" y="4115787"/>
-                <a:ext cx="1223947" cy="2282010"/>
-              </a:xfrm>
-              <a:prstGeom prst="roundRect">
-                <a:avLst>
-                  <a:gd name="adj" fmla="val 0"/>
-                </a:avLst>
-              </a:prstGeom>
-            </p:spPr>
-            <p:style>
-              <a:lnRef idx="2">
-                <a:schemeClr val="accent1">
-                  <a:shade val="50000"/>
-                </a:schemeClr>
-              </a:lnRef>
-              <a:fillRef idx="1">
-                <a:schemeClr val="accent1"/>
-              </a:fillRef>
-              <a:effectRef idx="0">
-                <a:schemeClr val="accent1"/>
-              </a:effectRef>
-              <a:fontRef idx="minor">
-                <a:schemeClr val="lt1"/>
-              </a:fontRef>
-            </p:style>
-            <p:txBody>
-              <a:bodyPr rtlCol="0" anchor="ctr"/>
-              <a:lstStyle/>
-              <a:p>
-                <a:pPr algn="ctr"/>
-                <a:r>
-                  <a:rPr lang="en-US" altLang="ko-KR" dirty="0" smtClean="0"/>
-                  <a:t>WES</a:t>
-                </a:r>
-                <a:endParaRPr lang="en-US" altLang="ko-KR" dirty="0" smtClean="0"/>
-              </a:p>
-              <a:p>
-                <a:pPr algn="ctr"/>
-                <a:r>
-                  <a:rPr lang="en-US" altLang="ko-KR" dirty="0" smtClean="0"/>
-                  <a:t>(</a:t>
-                </a:r>
-                <a:r>
-                  <a:rPr lang="ko-KR" altLang="en-US" dirty="0" smtClean="0"/>
-                  <a:t>구성 필요</a:t>
-                </a:r>
-                <a:r>
-                  <a:rPr lang="en-US" altLang="ko-KR" dirty="0" smtClean="0"/>
-                  <a:t>)</a:t>
-                </a:r>
-                <a:endParaRPr lang="ko-KR" altLang="en-US" dirty="0"/>
-              </a:p>
-            </p:txBody>
-          </p:sp>
-          <p:sp>
-            <p:nvSpPr>
-              <p:cNvPr id="12" name="모서리가 둥근 직사각형 11"/>
-              <p:cNvSpPr/>
-              <p:nvPr/>
-            </p:nvSpPr>
-            <p:spPr>
-              <a:xfrm>
-                <a:off x="6913376" y="4115785"/>
-                <a:ext cx="1316225" cy="2282010"/>
-              </a:xfrm>
-              <a:prstGeom prst="roundRect">
-                <a:avLst>
-                  <a:gd name="adj" fmla="val 0"/>
-                </a:avLst>
-              </a:prstGeom>
-              <a:ln w="12700">
-                <a:solidFill>
-                  <a:schemeClr val="accent6">
-                    <a:lumMod val="75000"/>
-                  </a:schemeClr>
-                </a:solidFill>
-              </a:ln>
-            </p:spPr>
-            <p:style>
-              <a:lnRef idx="3">
-                <a:schemeClr val="lt1"/>
-              </a:lnRef>
-              <a:fillRef idx="1">
-                <a:schemeClr val="accent6"/>
-              </a:fillRef>
-              <a:effectRef idx="1">
-                <a:schemeClr val="accent6"/>
-              </a:effectRef>
-              <a:fontRef idx="minor">
-                <a:schemeClr val="lt1"/>
-              </a:fontRef>
-            </p:style>
-            <p:txBody>
-              <a:bodyPr rtlCol="0" anchor="ctr"/>
-              <a:lstStyle/>
-              <a:p>
-                <a:pPr algn="ctr"/>
-                <a:r>
-                  <a:rPr lang="en-US" altLang="ko-KR" dirty="0" smtClean="0"/>
-                  <a:t>WMS</a:t>
-                </a:r>
-                <a:endParaRPr lang="en-US" altLang="ko-KR" dirty="0" smtClean="0"/>
-              </a:p>
-              <a:p>
-                <a:pPr algn="ctr"/>
-                <a:r>
-                  <a:rPr lang="en-US" altLang="ko-KR" dirty="0" smtClean="0"/>
-                  <a:t>(Open</a:t>
-                </a:r>
-                <a:r>
-                  <a:rPr lang="ko-KR" altLang="en-US" dirty="0" smtClean="0"/>
-                  <a:t> </a:t>
-                </a:r>
-                <a:r>
-                  <a:rPr lang="en-US" altLang="ko-KR" dirty="0" smtClean="0"/>
-                  <a:t>Source)</a:t>
-                </a:r>
-                <a:endParaRPr lang="ko-KR" altLang="en-US" dirty="0"/>
-              </a:p>
-            </p:txBody>
-          </p:sp>
-          <p:sp>
-            <p:nvSpPr>
-              <p:cNvPr id="30" name="모서리가 둥근 직사각형 29"/>
-              <p:cNvSpPr/>
-              <p:nvPr/>
-            </p:nvSpPr>
-            <p:spPr>
-              <a:xfrm>
-                <a:off x="5689429" y="2949510"/>
-                <a:ext cx="2540172" cy="1166273"/>
-              </a:xfrm>
-              <a:prstGeom prst="roundRect">
-                <a:avLst>
-                  <a:gd name="adj" fmla="val 0"/>
-                </a:avLst>
-              </a:prstGeom>
-            </p:spPr>
-            <p:style>
-              <a:lnRef idx="2">
-                <a:schemeClr val="accent3">
-                  <a:shade val="50000"/>
-                </a:schemeClr>
-              </a:lnRef>
-              <a:fillRef idx="1">
-                <a:schemeClr val="accent3"/>
-              </a:fillRef>
-              <a:effectRef idx="0">
-                <a:schemeClr val="accent3"/>
-              </a:effectRef>
-              <a:fontRef idx="minor">
-                <a:schemeClr val="lt1"/>
-              </a:fontRef>
-            </p:style>
-            <p:txBody>
-              <a:bodyPr rtlCol="0" anchor="ctr"/>
-              <a:lstStyle/>
-              <a:p>
-                <a:pPr algn="ctr"/>
-                <a:r>
-                  <a:rPr lang="en-US" altLang="ko-KR" b="1" dirty="0" smtClean="0"/>
-                  <a:t>DB</a:t>
-                </a:r>
-                <a:endParaRPr lang="ko-KR" altLang="en-US" b="1" dirty="0"/>
-              </a:p>
-            </p:txBody>
-          </p:sp>
-        </p:grpSp>
-        <p:sp>
-          <p:nvSpPr>
-            <p:cNvPr id="32" name="위쪽 화살표 31"/>
-            <p:cNvSpPr/>
-            <p:nvPr/>
-          </p:nvSpPr>
-          <p:spPr>
-            <a:xfrm>
-              <a:off x="4469624" y="2406483"/>
-              <a:ext cx="1204378" cy="786530"/>
-            </a:xfrm>
-            <a:prstGeom prst="upArrow">
-              <a:avLst/>
-            </a:prstGeom>
-          </p:spPr>
-          <p:style>
-            <a:lnRef idx="2">
-              <a:schemeClr val="accent2">
-                <a:shade val="50000"/>
-              </a:schemeClr>
-            </a:lnRef>
-            <a:fillRef idx="1">
-              <a:schemeClr val="accent2"/>
-            </a:fillRef>
-            <a:effectRef idx="0">
-              <a:schemeClr val="accent2"/>
-            </a:effectRef>
-            <a:fontRef idx="minor">
-              <a:schemeClr val="lt1"/>
-            </a:fontRef>
-          </p:style>
-          <p:txBody>
-            <a:bodyPr lIns="0" tIns="0" rIns="0" bIns="0" rtlCol="0" anchor="ctr">
-              <a:noAutofit/>
-            </a:bodyPr>
-            <a:lstStyle/>
-            <a:p>
-              <a:pPr algn="ctr"/>
-              <a:r>
-                <a:rPr lang="ko-KR" altLang="en-US" sz="1200" b="1" dirty="0">
-                  <a:solidFill>
-                    <a:schemeClr val="tx1"/>
-                  </a:solidFill>
-                </a:rPr>
-                <a:t>제어 </a:t>
-              </a:r>
-              <a:endParaRPr lang="en-US" altLang="ko-KR" sz="1200" b="1" dirty="0" smtClean="0">
-                <a:solidFill>
-                  <a:schemeClr val="tx1"/>
-                </a:solidFill>
-              </a:endParaRPr>
-            </a:p>
-            <a:p>
-              <a:pPr algn="ctr"/>
-              <a:r>
-                <a:rPr lang="ko-KR" altLang="en-US" sz="1200" b="1" dirty="0" smtClean="0">
-                  <a:solidFill>
-                    <a:schemeClr val="tx1"/>
-                  </a:solidFill>
-                </a:rPr>
-                <a:t>정보</a:t>
-              </a:r>
-              <a:endParaRPr lang="ko-KR" altLang="en-US" sz="1200" b="1" dirty="0">
-                <a:solidFill>
-                  <a:schemeClr val="tx1"/>
-                </a:solidFill>
-              </a:endParaRPr>
-            </a:p>
-          </p:txBody>
-        </p:sp>
-        <p:sp>
-          <p:nvSpPr>
-            <p:cNvPr id="36" name="아래쪽 화살표 35"/>
-            <p:cNvSpPr/>
-            <p:nvPr/>
-          </p:nvSpPr>
-          <p:spPr>
-            <a:xfrm>
-              <a:off x="6389762" y="2406483"/>
-              <a:ext cx="1118366" cy="786530"/>
-            </a:xfrm>
-            <a:prstGeom prst="downArrow">
-              <a:avLst/>
-            </a:prstGeom>
-          </p:spPr>
-          <p:style>
-            <a:lnRef idx="2">
-              <a:schemeClr val="accent4">
-                <a:shade val="50000"/>
-              </a:schemeClr>
-            </a:lnRef>
-            <a:fillRef idx="1">
-              <a:schemeClr val="accent4"/>
-            </a:fillRef>
-            <a:effectRef idx="0">
-              <a:schemeClr val="accent4"/>
-            </a:effectRef>
-            <a:fontRef idx="minor">
-              <a:schemeClr val="lt1"/>
-            </a:fontRef>
-          </p:style>
-          <p:txBody>
-            <a:bodyPr lIns="0" tIns="0" rIns="0" bIns="0" rtlCol="0" anchor="ctr">
-              <a:noAutofit/>
-            </a:bodyPr>
-            <a:lstStyle/>
-            <a:p>
-              <a:pPr algn="ctr"/>
-              <a:r>
-                <a:rPr lang="ko-KR" altLang="en-US" sz="1200" b="1" dirty="0" smtClean="0">
-                  <a:solidFill>
-                    <a:schemeClr val="tx1"/>
-                  </a:solidFill>
-                </a:rPr>
-                <a:t>제어 </a:t>
-              </a:r>
-              <a:endParaRPr lang="en-US" altLang="ko-KR" sz="1200" b="1" dirty="0" smtClean="0">
-                <a:solidFill>
-                  <a:schemeClr val="tx1"/>
-                </a:solidFill>
-              </a:endParaRPr>
-            </a:p>
-            <a:p>
-              <a:pPr algn="ctr"/>
-              <a:r>
-                <a:rPr lang="ko-KR" altLang="en-US" sz="1200" b="1" dirty="0" smtClean="0">
-                  <a:solidFill>
-                    <a:schemeClr val="tx1"/>
-                  </a:solidFill>
-                </a:rPr>
-                <a:t>결과</a:t>
-              </a:r>
-              <a:endParaRPr lang="ko-KR" altLang="en-US" sz="1200" b="1" dirty="0">
-                <a:solidFill>
-                  <a:schemeClr val="tx1"/>
-                </a:solidFill>
-              </a:endParaRPr>
-            </a:p>
-          </p:txBody>
-        </p:sp>
-        <p:sp>
-          <p:nvSpPr>
-            <p:cNvPr id="37" name="위쪽 화살표 36"/>
-            <p:cNvSpPr/>
-            <p:nvPr/>
-          </p:nvSpPr>
-          <p:spPr>
-            <a:xfrm>
-              <a:off x="4469624" y="3655975"/>
-              <a:ext cx="1204378" cy="786530"/>
-            </a:xfrm>
-            <a:prstGeom prst="upArrow">
-              <a:avLst/>
-            </a:prstGeom>
-          </p:spPr>
-          <p:style>
-            <a:lnRef idx="2">
-              <a:schemeClr val="accent3">
-                <a:shade val="50000"/>
-              </a:schemeClr>
-            </a:lnRef>
-            <a:fillRef idx="1">
-              <a:schemeClr val="accent3"/>
-            </a:fillRef>
-            <a:effectRef idx="0">
-              <a:schemeClr val="accent3"/>
-            </a:effectRef>
-            <a:fontRef idx="minor">
-              <a:schemeClr val="lt1"/>
-            </a:fontRef>
-          </p:style>
-          <p:txBody>
-            <a:bodyPr lIns="0" tIns="0" rIns="0" bIns="0" rtlCol="0" anchor="ctr">
-              <a:noAutofit/>
-            </a:bodyPr>
-            <a:lstStyle/>
-            <a:p>
-              <a:pPr algn="ctr"/>
-              <a:r>
-                <a:rPr lang="ko-KR" altLang="en-US" sz="1200" b="1" dirty="0" smtClean="0">
-                  <a:solidFill>
-                    <a:schemeClr val="tx1"/>
-                  </a:solidFill>
-                </a:rPr>
-                <a:t>위치 </a:t>
-              </a:r>
-              <a:endParaRPr lang="en-US" altLang="ko-KR" sz="1200" b="1" dirty="0" smtClean="0">
-                <a:solidFill>
-                  <a:schemeClr val="tx1"/>
-                </a:solidFill>
-              </a:endParaRPr>
-            </a:p>
-            <a:p>
-              <a:pPr algn="ctr"/>
-              <a:r>
-                <a:rPr lang="ko-KR" altLang="en-US" sz="1200" b="1" dirty="0" smtClean="0">
-                  <a:solidFill>
-                    <a:schemeClr val="tx1"/>
-                  </a:solidFill>
-                </a:rPr>
-                <a:t>정보</a:t>
-              </a:r>
-              <a:endParaRPr lang="ko-KR" altLang="en-US" sz="1200" b="1" dirty="0">
-                <a:solidFill>
-                  <a:schemeClr val="tx1"/>
-                </a:solidFill>
-              </a:endParaRPr>
-            </a:p>
-          </p:txBody>
-        </p:sp>
-        <p:sp>
-          <p:nvSpPr>
-            <p:cNvPr id="38" name="아래쪽 화살표 37"/>
-            <p:cNvSpPr/>
-            <p:nvPr/>
-          </p:nvSpPr>
-          <p:spPr>
-            <a:xfrm>
-              <a:off x="6389762" y="3655975"/>
-              <a:ext cx="1118366" cy="786530"/>
-            </a:xfrm>
-            <a:prstGeom prst="downArrow">
-              <a:avLst/>
-            </a:prstGeom>
-          </p:spPr>
-          <p:style>
-            <a:lnRef idx="2">
-              <a:schemeClr val="accent2">
-                <a:shade val="50000"/>
-              </a:schemeClr>
-            </a:lnRef>
-            <a:fillRef idx="1">
-              <a:schemeClr val="accent2"/>
-            </a:fillRef>
-            <a:effectRef idx="0">
-              <a:schemeClr val="accent2"/>
-            </a:effectRef>
-            <a:fontRef idx="minor">
-              <a:schemeClr val="lt1"/>
-            </a:fontRef>
-          </p:style>
-          <p:txBody>
-            <a:bodyPr lIns="0" tIns="0" rIns="0" bIns="0" rtlCol="0" anchor="ctr">
-              <a:noAutofit/>
-            </a:bodyPr>
-            <a:lstStyle/>
-            <a:p>
-              <a:pPr algn="ctr"/>
-              <a:r>
-                <a:rPr lang="ko-KR" altLang="en-US" sz="1200" b="1" dirty="0" smtClean="0">
-                  <a:solidFill>
-                    <a:schemeClr val="tx1"/>
-                  </a:solidFill>
-                </a:rPr>
-                <a:t>제어 </a:t>
-              </a:r>
-              <a:endParaRPr lang="en-US" altLang="ko-KR" sz="1200" b="1" dirty="0" smtClean="0">
-                <a:solidFill>
-                  <a:schemeClr val="tx1"/>
-                </a:solidFill>
-              </a:endParaRPr>
-            </a:p>
-            <a:p>
-              <a:pPr algn="ctr"/>
-              <a:r>
-                <a:rPr lang="ko-KR" altLang="en-US" sz="1200" b="1" dirty="0" smtClean="0">
-                  <a:solidFill>
-                    <a:schemeClr val="tx1"/>
-                  </a:solidFill>
-                </a:rPr>
-                <a:t>결과</a:t>
-              </a:r>
-              <a:endParaRPr lang="ko-KR" altLang="en-US" sz="1200" b="1" dirty="0">
-                <a:solidFill>
-                  <a:schemeClr val="tx1"/>
-                </a:solidFill>
-              </a:endParaRPr>
-            </a:p>
-          </p:txBody>
-        </p:sp>
-        <p:sp>
-          <p:nvSpPr>
-            <p:cNvPr id="39" name="모서리가 둥근 직사각형 38"/>
-            <p:cNvSpPr/>
-            <p:nvPr/>
-          </p:nvSpPr>
-          <p:spPr>
-            <a:xfrm>
-              <a:off x="8892204" y="1240895"/>
-              <a:ext cx="1708249" cy="5010606"/>
-            </a:xfrm>
-            <a:prstGeom prst="roundRect">
-              <a:avLst/>
-            </a:prstGeom>
-          </p:spPr>
-          <p:style>
-            <a:lnRef idx="2">
-              <a:schemeClr val="accent5">
-                <a:shade val="50000"/>
-              </a:schemeClr>
-            </a:lnRef>
-            <a:fillRef idx="1">
-              <a:schemeClr val="accent5"/>
-            </a:fillRef>
-            <a:effectRef idx="0">
-              <a:schemeClr val="accent5"/>
-            </a:effectRef>
-            <a:fontRef idx="minor">
-              <a:schemeClr val="lt1"/>
-            </a:fontRef>
-          </p:style>
-          <p:txBody>
-            <a:bodyPr rtlCol="0" anchor="ctr"/>
-            <a:lstStyle/>
-            <a:p>
-              <a:pPr algn="ctr"/>
-              <a:r>
-                <a:rPr lang="en-US" altLang="ko-KR" sz="2400" b="1" dirty="0" smtClean="0"/>
-                <a:t>PLC</a:t>
-              </a:r>
-              <a:endParaRPr lang="ko-KR" altLang="en-US" sz="2400" b="1" dirty="0"/>
-            </a:p>
-          </p:txBody>
-        </p:sp>
-        <p:sp>
-          <p:nvSpPr>
-            <p:cNvPr id="40" name="왼쪽 화살표 39"/>
-            <p:cNvSpPr/>
-            <p:nvPr/>
-          </p:nvSpPr>
-          <p:spPr>
-            <a:xfrm>
-              <a:off x="7781182" y="1139355"/>
-              <a:ext cx="1314953" cy="868104"/>
-            </a:xfrm>
-            <a:prstGeom prst="leftArrow">
-              <a:avLst/>
-            </a:prstGeom>
-          </p:spPr>
-          <p:style>
-            <a:lnRef idx="2">
-              <a:schemeClr val="accent5">
-                <a:shade val="50000"/>
-              </a:schemeClr>
-            </a:lnRef>
-            <a:fillRef idx="1">
-              <a:schemeClr val="accent5"/>
-            </a:fillRef>
-            <a:effectRef idx="0">
-              <a:schemeClr val="accent5"/>
-            </a:effectRef>
-            <a:fontRef idx="minor">
-              <a:schemeClr val="lt1"/>
-            </a:fontRef>
-          </p:style>
-          <p:txBody>
-            <a:bodyPr lIns="0" tIns="0" rIns="0" bIns="0" rtlCol="0" anchor="ctr">
-              <a:noAutofit/>
-            </a:bodyPr>
-            <a:lstStyle/>
-            <a:p>
-              <a:pPr algn="ctr"/>
-              <a:r>
-                <a:rPr lang="ko-KR" altLang="en-US" sz="1200" b="1" dirty="0"/>
-                <a:t>가상 물리 </a:t>
-              </a:r>
-              <a:r>
-                <a:rPr lang="ko-KR" altLang="en-US" sz="1200" b="1" dirty="0" smtClean="0"/>
-                <a:t>정보</a:t>
-              </a:r>
-              <a:endParaRPr lang="ko-KR" altLang="en-US" sz="1200" b="1" dirty="0"/>
-            </a:p>
-          </p:txBody>
-        </p:sp>
-        <p:sp>
-          <p:nvSpPr>
-            <p:cNvPr id="41" name="오른쪽 화살표 40"/>
-            <p:cNvSpPr/>
-            <p:nvPr/>
-          </p:nvSpPr>
-          <p:spPr>
-            <a:xfrm>
-              <a:off x="7781182" y="1865029"/>
-              <a:ext cx="1314953" cy="868104"/>
-            </a:xfrm>
-            <a:prstGeom prst="rightArrow">
-              <a:avLst/>
-            </a:prstGeom>
-          </p:spPr>
-          <p:style>
-            <a:lnRef idx="2">
-              <a:schemeClr val="accent4">
-                <a:shade val="50000"/>
-              </a:schemeClr>
-            </a:lnRef>
-            <a:fillRef idx="1">
-              <a:schemeClr val="accent4"/>
-            </a:fillRef>
-            <a:effectRef idx="0">
-              <a:schemeClr val="accent4"/>
-            </a:effectRef>
-            <a:fontRef idx="minor">
-              <a:schemeClr val="lt1"/>
-            </a:fontRef>
-          </p:style>
-          <p:txBody>
-            <a:bodyPr lIns="0" tIns="0" rIns="0" bIns="0" rtlCol="0" anchor="ctr">
-              <a:noAutofit/>
-            </a:bodyPr>
-            <a:lstStyle/>
-            <a:p>
-              <a:pPr algn="ctr"/>
-              <a:r>
-                <a:rPr lang="ko-KR" altLang="en-US" sz="1200" b="1" dirty="0">
-                  <a:solidFill>
-                    <a:schemeClr val="tx1"/>
-                  </a:solidFill>
-                </a:rPr>
-                <a:t>설비 </a:t>
-              </a:r>
-              <a:r>
-                <a:rPr lang="ko-KR" altLang="en-US" sz="1200" b="1" dirty="0" smtClean="0">
-                  <a:solidFill>
-                    <a:schemeClr val="tx1"/>
-                  </a:solidFill>
-                </a:rPr>
-                <a:t>제어</a:t>
-              </a:r>
-              <a:endParaRPr lang="ko-KR" altLang="en-US" sz="1200" b="1" dirty="0">
-                <a:solidFill>
-                  <a:schemeClr val="tx1"/>
-                </a:solidFill>
-              </a:endParaRPr>
-            </a:p>
-          </p:txBody>
-        </p:sp>
-        <p:sp>
-          <p:nvSpPr>
-            <p:cNvPr id="43" name="직사각형 42"/>
-            <p:cNvSpPr/>
-            <p:nvPr/>
-          </p:nvSpPr>
-          <p:spPr>
-            <a:xfrm>
-              <a:off x="4158464" y="4850924"/>
-              <a:ext cx="3792523" cy="1099391"/>
-            </a:xfrm>
-            <a:prstGeom prst="rect">
-              <a:avLst/>
-            </a:prstGeom>
-            <a:gradFill>
-              <a:gsLst>
-                <a:gs pos="50000">
-                  <a:srgbClr val="5B9BD5"/>
-                </a:gs>
-                <a:gs pos="50000">
-                  <a:srgbClr val="70AD47"/>
-                </a:gs>
-              </a:gsLst>
-              <a:lin ang="1800000" scaled="0"/>
-            </a:gradFill>
-          </p:spPr>
-          <p:style>
-            <a:lnRef idx="2">
-              <a:schemeClr val="accent1">
-                <a:shade val="50000"/>
-              </a:schemeClr>
-            </a:lnRef>
-            <a:fillRef idx="1">
-              <a:schemeClr val="accent1"/>
-            </a:fillRef>
-            <a:effectRef idx="0">
-              <a:schemeClr val="accent1"/>
-            </a:effectRef>
-            <a:fontRef idx="minor">
-              <a:schemeClr val="lt1"/>
-            </a:fontRef>
-          </p:style>
-          <p:txBody>
-            <a:bodyPr lIns="144000" tIns="288000" rIns="144000" bIns="252000" numCol="2" spcCol="72000" rtlCol="0" anchor="ctr">
-              <a:normAutofit fontScale="55000" lnSpcReduction="20000"/>
-            </a:bodyPr>
-            <a:lstStyle/>
-            <a:p>
-              <a:pPr algn="ctr"/>
-              <a:r>
-                <a:rPr lang="en-US" altLang="ko-KR" sz="3600" b="1" dirty="0" smtClean="0"/>
-                <a:t>WES</a:t>
-              </a:r>
-            </a:p>
-            <a:p>
-              <a:pPr algn="ctr"/>
-              <a:r>
-                <a:rPr lang="en-US" altLang="ko-KR" sz="3600" b="1" dirty="0" smtClean="0"/>
-                <a:t>(</a:t>
-              </a:r>
-              <a:r>
-                <a:rPr lang="ko-KR" altLang="en-US" sz="3600" b="1" dirty="0" smtClean="0"/>
-                <a:t>구성 필요</a:t>
-              </a:r>
-              <a:r>
-                <a:rPr lang="en-US" altLang="ko-KR" sz="3600" b="1" dirty="0" smtClean="0"/>
-                <a:t>)</a:t>
-              </a:r>
-              <a:r>
-                <a:rPr lang="en-US" altLang="ko-KR" sz="3600" b="1" dirty="0"/>
-                <a:t> </a:t>
-              </a:r>
-            </a:p>
-            <a:p>
-              <a:pPr algn="ctr"/>
-              <a:r>
-                <a:rPr lang="en-US" altLang="ko-KR" sz="3600" b="1" dirty="0" smtClean="0"/>
-                <a:t>WMS</a:t>
-              </a:r>
-              <a:endParaRPr lang="en-US" altLang="ko-KR" sz="3600" b="1" dirty="0"/>
-            </a:p>
-            <a:p>
-              <a:pPr algn="ctr"/>
-              <a:r>
-                <a:rPr lang="en-US" altLang="ko-KR" sz="3600" b="1" dirty="0"/>
-                <a:t>(Open</a:t>
-              </a:r>
-              <a:r>
-                <a:rPr lang="ko-KR" altLang="en-US" sz="3600" b="1" dirty="0"/>
-                <a:t> </a:t>
-              </a:r>
-              <a:r>
-                <a:rPr lang="en-US" altLang="ko-KR" sz="3600" b="1" dirty="0"/>
-                <a:t>Source</a:t>
-              </a:r>
-              <a:r>
-                <a:rPr lang="en-US" altLang="ko-KR" sz="3600" b="1" dirty="0" smtClean="0"/>
-                <a:t>)</a:t>
-              </a:r>
-              <a:endParaRPr lang="ko-KR" altLang="en-US" sz="3600" b="1" dirty="0"/>
-            </a:p>
-          </p:txBody>
-        </p:sp>
-        <p:sp>
-          <p:nvSpPr>
-            <p:cNvPr id="16" name="왼쪽 화살표 15"/>
-            <p:cNvSpPr/>
-            <p:nvPr/>
-          </p:nvSpPr>
-          <p:spPr>
-            <a:xfrm>
-              <a:off x="7571714" y="4135232"/>
-              <a:ext cx="1486800" cy="785117"/>
-            </a:xfrm>
-            <a:prstGeom prst="leftArrow">
-              <a:avLst/>
-            </a:prstGeom>
-          </p:spPr>
-          <p:style>
-            <a:lnRef idx="2">
-              <a:schemeClr val="accent5">
-                <a:shade val="50000"/>
-              </a:schemeClr>
-            </a:lnRef>
-            <a:fillRef idx="1">
-              <a:schemeClr val="accent5"/>
-            </a:fillRef>
-            <a:effectRef idx="0">
-              <a:schemeClr val="accent5"/>
-            </a:effectRef>
-            <a:fontRef idx="minor">
-              <a:schemeClr val="lt1"/>
-            </a:fontRef>
-          </p:style>
-          <p:txBody>
-            <a:bodyPr lIns="0" tIns="0" rIns="0" bIns="0" rtlCol="0" anchor="ctr">
-              <a:noAutofit/>
-            </a:bodyPr>
-            <a:lstStyle/>
-            <a:p>
-              <a:pPr algn="ctr"/>
-              <a:r>
-                <a:rPr lang="ko-KR" altLang="en-US" sz="1200" b="1" dirty="0"/>
-                <a:t>상품</a:t>
-              </a:r>
-              <a:r>
-                <a:rPr lang="en-US" altLang="ko-KR" sz="1200" b="1" dirty="0"/>
-                <a:t> </a:t>
-              </a:r>
-              <a:r>
-                <a:rPr lang="ko-KR" altLang="en-US" sz="1200" b="1" dirty="0"/>
-                <a:t>위치 정보</a:t>
-              </a:r>
-              <a:endParaRPr lang="ko-KR" altLang="en-US" sz="1200" b="1" dirty="0"/>
-            </a:p>
-          </p:txBody>
-        </p:sp>
-        <p:sp>
-          <p:nvSpPr>
-            <p:cNvPr id="33" name="오른쪽 화살표 32"/>
-            <p:cNvSpPr/>
-            <p:nvPr/>
-          </p:nvSpPr>
-          <p:spPr>
-            <a:xfrm>
-              <a:off x="3048000" y="4136189"/>
-              <a:ext cx="1485900" cy="868104"/>
-            </a:xfrm>
-            <a:prstGeom prst="rightArrow">
-              <a:avLst/>
-            </a:prstGeom>
-          </p:spPr>
-          <p:style>
-            <a:lnRef idx="2">
-              <a:schemeClr val="accent5">
-                <a:shade val="50000"/>
-              </a:schemeClr>
-            </a:lnRef>
-            <a:fillRef idx="1">
-              <a:schemeClr val="accent5"/>
-            </a:fillRef>
-            <a:effectRef idx="0">
-              <a:schemeClr val="accent5"/>
-            </a:effectRef>
-            <a:fontRef idx="minor">
-              <a:schemeClr val="lt1"/>
-            </a:fontRef>
-          </p:style>
-          <p:txBody>
-            <a:bodyPr lIns="0" tIns="0" rIns="0" bIns="0" rtlCol="0" anchor="ctr">
-              <a:noAutofit/>
-            </a:bodyPr>
-            <a:lstStyle/>
-            <a:p>
-              <a:pPr algn="ctr"/>
-              <a:r>
-                <a:rPr lang="ko-KR" altLang="en-US" sz="1200" b="1" dirty="0" smtClean="0"/>
-                <a:t>상품</a:t>
-              </a:r>
-              <a:r>
-                <a:rPr lang="en-US" altLang="ko-KR" sz="1200" b="1" dirty="0" smtClean="0"/>
-                <a:t> </a:t>
-              </a:r>
-              <a:r>
-                <a:rPr lang="ko-KR" altLang="en-US" sz="1200" b="1" dirty="0" smtClean="0"/>
-                <a:t>위치 정보</a:t>
-              </a:r>
-              <a:endParaRPr lang="ko-KR" altLang="en-US" sz="1200" b="1" dirty="0"/>
-            </a:p>
-          </p:txBody>
-        </p:sp>
-      </p:grpSp>
+          <a:prstGeom prst="rect">
+            <a:avLst/>
+          </a:prstGeom>
+        </p:spPr>
+      </p:pic>
     </p:spTree>
     <p:extLst>
       <p:ext uri="{BB962C8B-B14F-4D97-AF65-F5344CB8AC3E}">
-        <p14:creationId xmlns:p14="http://schemas.microsoft.com/office/powerpoint/2010/main" val="1761311731"/>
+        <p14:creationId xmlns:p14="http://schemas.microsoft.com/office/powerpoint/2010/main" val="3445033177"/>
       </p:ext>
     </p:extLst>
   </p:cSld>
@@ -8376,6 +7082,353 @@
 </file>
 
 <file path=ppt/slides/slide3.xml><?xml version="1.0" encoding="utf-8"?>
+<p:sld xmlns:a="http://schemas.openxmlformats.org/drawingml/2006/main" xmlns:r="http://schemas.openxmlformats.org/officeDocument/2006/relationships" xmlns:p="http://schemas.openxmlformats.org/presentationml/2006/main">
+  <p:cSld>
+    <p:spTree>
+      <p:nvGrpSpPr>
+        <p:cNvPr id="1" name=""/>
+        <p:cNvGrpSpPr/>
+        <p:nvPr/>
+      </p:nvGrpSpPr>
+      <p:grpSpPr>
+        <a:xfrm>
+          <a:off x="0" y="0"/>
+          <a:ext cx="0" cy="0"/>
+          <a:chOff x="0" y="0"/>
+          <a:chExt cx="0" cy="0"/>
+        </a:xfrm>
+      </p:grpSpPr>
+      <p:sp>
+        <p:nvSpPr>
+          <p:cNvPr id="10" name="제목 9"/>
+          <p:cNvSpPr>
+            <a:spLocks noGrp="1"/>
+          </p:cNvSpPr>
+          <p:nvPr>
+            <p:ph type="title"/>
+          </p:nvPr>
+        </p:nvSpPr>
+        <p:spPr>
+          <a:xfrm>
+            <a:off x="0" y="0"/>
+            <a:ext cx="5436524" cy="540327"/>
+          </a:xfrm>
+        </p:spPr>
+        <p:txBody>
+          <a:bodyPr>
+            <a:noAutofit/>
+          </a:bodyPr>
+          <a:lstStyle/>
+          <a:p>
+            <a:r>
+              <a:rPr lang="ko-KR" altLang="en-US" sz="3200" dirty="0" smtClean="0"/>
+              <a:t>시스템</a:t>
+            </a:r>
+            <a:r>
+              <a:rPr lang="en-US" altLang="ko-KR" sz="3200" dirty="0" smtClean="0"/>
+              <a:t> </a:t>
+            </a:r>
+            <a:r>
+              <a:rPr lang="ko-KR" altLang="en-US" sz="3200" dirty="0" smtClean="0"/>
+              <a:t>구성 계획 </a:t>
+            </a:r>
+            <a:r>
+              <a:rPr lang="en-US" altLang="ko-KR" sz="3200" dirty="0" smtClean="0"/>
+              <a:t>: 2</a:t>
+            </a:r>
+            <a:r>
+              <a:rPr lang="ko-KR" altLang="en-US" sz="3200" dirty="0" smtClean="0"/>
+              <a:t>월 중순</a:t>
+            </a:r>
+            <a:endParaRPr lang="ko-KR" altLang="en-US" sz="3200" dirty="0"/>
+          </a:p>
+        </p:txBody>
+      </p:sp>
+      <p:pic>
+        <p:nvPicPr>
+          <p:cNvPr id="19" name="그림 18"/>
+          <p:cNvPicPr>
+            <a:picLocks noChangeAspect="1"/>
+          </p:cNvPicPr>
+          <p:nvPr/>
+        </p:nvPicPr>
+        <p:blipFill>
+          <a:blip r:embed="rId2">
+            <a:lum bright="70000" contrast="-70000"/>
+          </a:blip>
+          <a:stretch>
+            <a:fillRect/>
+          </a:stretch>
+        </p:blipFill>
+        <p:spPr>
+          <a:xfrm>
+            <a:off x="1342800" y="799200"/>
+            <a:ext cx="9487459" cy="5562000"/>
+          </a:xfrm>
+          <a:prstGeom prst="rect">
+            <a:avLst/>
+          </a:prstGeom>
+        </p:spPr>
+      </p:pic>
+      <p:pic>
+        <p:nvPicPr>
+          <p:cNvPr id="195" name="그림 194"/>
+          <p:cNvPicPr>
+            <a:picLocks noChangeAspect="1"/>
+          </p:cNvPicPr>
+          <p:nvPr/>
+        </p:nvPicPr>
+        <p:blipFill>
+          <a:blip r:embed="rId3"/>
+          <a:stretch>
+            <a:fillRect/>
+          </a:stretch>
+        </p:blipFill>
+        <p:spPr>
+          <a:xfrm>
+            <a:off x="1342800" y="799200"/>
+            <a:ext cx="6755466" cy="5562000"/>
+          </a:xfrm>
+          <a:prstGeom prst="rect">
+            <a:avLst/>
+          </a:prstGeom>
+        </p:spPr>
+      </p:pic>
+    </p:spTree>
+    <p:extLst>
+      <p:ext uri="{BB962C8B-B14F-4D97-AF65-F5344CB8AC3E}">
+        <p14:creationId xmlns:p14="http://schemas.microsoft.com/office/powerpoint/2010/main" val="2965944520"/>
+      </p:ext>
+    </p:extLst>
+  </p:cSld>
+  <p:clrMapOvr>
+    <a:masterClrMapping/>
+  </p:clrMapOvr>
+  <p:timing>
+    <p:tnLst>
+      <p:par>
+        <p:cTn id="1" dur="indefinite" restart="never" nodeType="tmRoot"/>
+      </p:par>
+    </p:tnLst>
+  </p:timing>
+</p:sld>
+</file>
+
+<file path=ppt/slides/slide4.xml><?xml version="1.0" encoding="utf-8"?>
+<p:sld xmlns:a="http://schemas.openxmlformats.org/drawingml/2006/main" xmlns:r="http://schemas.openxmlformats.org/officeDocument/2006/relationships" xmlns:p="http://schemas.openxmlformats.org/presentationml/2006/main">
+  <p:cSld>
+    <p:spTree>
+      <p:nvGrpSpPr>
+        <p:cNvPr id="1" name=""/>
+        <p:cNvGrpSpPr/>
+        <p:nvPr/>
+      </p:nvGrpSpPr>
+      <p:grpSpPr>
+        <a:xfrm>
+          <a:off x="0" y="0"/>
+          <a:ext cx="0" cy="0"/>
+          <a:chOff x="0" y="0"/>
+          <a:chExt cx="0" cy="0"/>
+        </a:xfrm>
+      </p:grpSpPr>
+      <p:sp>
+        <p:nvSpPr>
+          <p:cNvPr id="10" name="제목 9"/>
+          <p:cNvSpPr>
+            <a:spLocks noGrp="1"/>
+          </p:cNvSpPr>
+          <p:nvPr>
+            <p:ph type="title"/>
+          </p:nvPr>
+        </p:nvSpPr>
+        <p:spPr>
+          <a:xfrm>
+            <a:off x="0" y="0"/>
+            <a:ext cx="5436524" cy="540327"/>
+          </a:xfrm>
+        </p:spPr>
+        <p:txBody>
+          <a:bodyPr>
+            <a:noAutofit/>
+          </a:bodyPr>
+          <a:lstStyle/>
+          <a:p>
+            <a:r>
+              <a:rPr lang="ko-KR" altLang="en-US" sz="3200" dirty="0" smtClean="0"/>
+              <a:t>시스템</a:t>
+            </a:r>
+            <a:r>
+              <a:rPr lang="en-US" altLang="ko-KR" sz="3200" dirty="0" smtClean="0"/>
+              <a:t> </a:t>
+            </a:r>
+            <a:r>
+              <a:rPr lang="ko-KR" altLang="en-US" sz="3200" dirty="0" smtClean="0"/>
+              <a:t>구성 계획 </a:t>
+            </a:r>
+            <a:r>
+              <a:rPr lang="en-US" altLang="ko-KR" sz="3200" dirty="0" smtClean="0"/>
+              <a:t>: 2</a:t>
+            </a:r>
+            <a:r>
+              <a:rPr lang="ko-KR" altLang="en-US" sz="3200" dirty="0" smtClean="0"/>
+              <a:t>월 </a:t>
+            </a:r>
+            <a:endParaRPr lang="ko-KR" altLang="en-US" sz="3200" dirty="0"/>
+          </a:p>
+        </p:txBody>
+      </p:sp>
+      <p:pic>
+        <p:nvPicPr>
+          <p:cNvPr id="5" name="그림 4"/>
+          <p:cNvPicPr>
+            <a:picLocks noChangeAspect="1"/>
+          </p:cNvPicPr>
+          <p:nvPr/>
+        </p:nvPicPr>
+        <p:blipFill>
+          <a:blip r:embed="rId2"/>
+          <a:stretch>
+            <a:fillRect/>
+          </a:stretch>
+        </p:blipFill>
+        <p:spPr>
+          <a:xfrm>
+            <a:off x="1344322" y="797475"/>
+            <a:ext cx="9485604" cy="5560914"/>
+          </a:xfrm>
+          <a:prstGeom prst="rect">
+            <a:avLst/>
+          </a:prstGeom>
+        </p:spPr>
+      </p:pic>
+    </p:spTree>
+    <p:extLst>
+      <p:ext uri="{BB962C8B-B14F-4D97-AF65-F5344CB8AC3E}">
+        <p14:creationId xmlns:p14="http://schemas.microsoft.com/office/powerpoint/2010/main" val="1622379398"/>
+      </p:ext>
+    </p:extLst>
+  </p:cSld>
+  <p:clrMapOvr>
+    <a:masterClrMapping/>
+  </p:clrMapOvr>
+  <p:timing>
+    <p:tnLst>
+      <p:par>
+        <p:cTn id="1" dur="indefinite" restart="never" nodeType="tmRoot"/>
+      </p:par>
+    </p:tnLst>
+  </p:timing>
+</p:sld>
+</file>
+
+<file path=ppt/slides/slide5.xml><?xml version="1.0" encoding="utf-8"?>
+<p:sld xmlns:a="http://schemas.openxmlformats.org/drawingml/2006/main" xmlns:r="http://schemas.openxmlformats.org/officeDocument/2006/relationships" xmlns:p="http://schemas.openxmlformats.org/presentationml/2006/main">
+  <p:cSld>
+    <p:spTree>
+      <p:nvGrpSpPr>
+        <p:cNvPr id="1" name=""/>
+        <p:cNvGrpSpPr/>
+        <p:nvPr/>
+      </p:nvGrpSpPr>
+      <p:grpSpPr>
+        <a:xfrm>
+          <a:off x="0" y="0"/>
+          <a:ext cx="0" cy="0"/>
+          <a:chOff x="0" y="0"/>
+          <a:chExt cx="0" cy="0"/>
+        </a:xfrm>
+      </p:grpSpPr>
+      <p:sp>
+        <p:nvSpPr>
+          <p:cNvPr id="10" name="제목 9"/>
+          <p:cNvSpPr>
+            <a:spLocks noGrp="1"/>
+          </p:cNvSpPr>
+          <p:nvPr>
+            <p:ph type="title"/>
+          </p:nvPr>
+        </p:nvSpPr>
+        <p:spPr>
+          <a:xfrm>
+            <a:off x="0" y="0"/>
+            <a:ext cx="5436524" cy="540327"/>
+          </a:xfrm>
+        </p:spPr>
+        <p:txBody>
+          <a:bodyPr>
+            <a:noAutofit/>
+          </a:bodyPr>
+          <a:lstStyle/>
+          <a:p>
+            <a:r>
+              <a:rPr lang="ko-KR" altLang="en-US" sz="3200" dirty="0" smtClean="0"/>
+              <a:t>시스템</a:t>
+            </a:r>
+            <a:r>
+              <a:rPr lang="en-US" altLang="ko-KR" sz="3200" dirty="0" smtClean="0"/>
+              <a:t> </a:t>
+            </a:r>
+            <a:r>
+              <a:rPr lang="ko-KR" altLang="en-US" sz="3200" dirty="0" smtClean="0"/>
+              <a:t>구성 계획 </a:t>
+            </a:r>
+            <a:r>
+              <a:rPr lang="en-US" altLang="ko-KR" sz="3200" dirty="0" smtClean="0"/>
+              <a:t>: 2</a:t>
+            </a:r>
+            <a:r>
+              <a:rPr lang="ko-KR" altLang="en-US" sz="3200" dirty="0" smtClean="0"/>
+              <a:t>월 중순</a:t>
+            </a:r>
+            <a:endParaRPr lang="ko-KR" altLang="en-US" sz="3200" dirty="0"/>
+          </a:p>
+        </p:txBody>
+      </p:sp>
+      <p:pic>
+        <p:nvPicPr>
+          <p:cNvPr id="5" name="그림 4"/>
+          <p:cNvPicPr>
+            <a:picLocks noChangeAspect="1"/>
+          </p:cNvPicPr>
+          <p:nvPr/>
+        </p:nvPicPr>
+        <p:blipFill>
+          <a:blip r:embed="rId2"/>
+          <a:stretch>
+            <a:fillRect/>
+          </a:stretch>
+        </p:blipFill>
+        <p:spPr>
+          <a:xfrm>
+            <a:off x="1344322" y="797475"/>
+            <a:ext cx="9485604" cy="5560914"/>
+          </a:xfrm>
+          <a:prstGeom prst="rect">
+            <a:avLst/>
+          </a:prstGeom>
+        </p:spPr>
+      </p:pic>
+    </p:spTree>
+    <p:extLst>
+      <p:ext uri="{BB962C8B-B14F-4D97-AF65-F5344CB8AC3E}">
+        <p14:creationId xmlns:p14="http://schemas.microsoft.com/office/powerpoint/2010/main" val="3224606993"/>
+      </p:ext>
+    </p:extLst>
+  </p:cSld>
+  <p:clrMapOvr>
+    <a:masterClrMapping/>
+  </p:clrMapOvr>
+  <p:timing>
+    <p:tnLst>
+      <p:par>
+        <p:cTn id="1" dur="indefinite" restart="never" nodeType="tmRoot"/>
+      </p:par>
+    </p:tnLst>
+  </p:timing>
+</p:sld>
+</file>
+
+<file path=ppt/slides/slide6.xml><?xml version="1.0" encoding="utf-8"?>
 <p:sld xmlns:a="http://schemas.openxmlformats.org/drawingml/2006/main" xmlns:r="http://schemas.openxmlformats.org/officeDocument/2006/relationships" xmlns:p="http://schemas.openxmlformats.org/presentationml/2006/main">
   <p:cSld>
     <p:spTree>
@@ -8904,7 +7957,6 @@
                 <a:rPr lang="en-US" altLang="ko-KR" sz="2800" b="1" dirty="0" smtClean="0"/>
                 <a:t>WES</a:t>
               </a:r>
-              <a:endParaRPr lang="en-US" altLang="ko-KR" sz="2800" b="1" dirty="0" smtClean="0"/>
             </a:p>
             <a:p>
               <a:pPr algn="ctr"/>
@@ -8979,7 +8031,6 @@
                 <a:rPr lang="en-US" altLang="ko-KR" sz="2800" b="1" dirty="0" smtClean="0"/>
                 <a:t>WMS</a:t>
               </a:r>
-              <a:endParaRPr lang="en-US" altLang="ko-KR" sz="2800" b="1" dirty="0" smtClean="0"/>
             </a:p>
             <a:p>
               <a:pPr algn="ctr"/>
@@ -9226,7 +8277,7 @@
 </p:sld>
 </file>
 
-<file path=ppt/slides/slide4.xml><?xml version="1.0" encoding="utf-8"?>
+<file path=ppt/slides/slide7.xml><?xml version="1.0" encoding="utf-8"?>
 <p:sld xmlns:a="http://schemas.openxmlformats.org/drawingml/2006/main" xmlns:r="http://schemas.openxmlformats.org/officeDocument/2006/relationships" xmlns:p="http://schemas.openxmlformats.org/presentationml/2006/main">
   <p:cSld>
     <p:spTree>
@@ -9854,7 +8905,6 @@
                 <a:rPr lang="en-US" altLang="ko-KR" sz="2800" b="1" dirty="0" smtClean="0"/>
                 <a:t>WES</a:t>
               </a:r>
-              <a:endParaRPr lang="en-US" altLang="ko-KR" sz="2800" b="1" dirty="0" smtClean="0"/>
             </a:p>
             <a:p>
               <a:pPr algn="ctr"/>
@@ -9921,7 +8971,6 @@
                 <a:rPr lang="en-US" altLang="ko-KR" sz="2800" b="1" dirty="0" smtClean="0"/>
                 <a:t>WMS</a:t>
               </a:r>
-              <a:endParaRPr lang="en-US" altLang="ko-KR" sz="2800" b="1" dirty="0" smtClean="0"/>
             </a:p>
             <a:p>
               <a:pPr algn="ctr"/>
@@ -10152,6 +9201,1397 @@
     <p:extLst>
       <p:ext uri="{BB962C8B-B14F-4D97-AF65-F5344CB8AC3E}">
         <p14:creationId xmlns:p14="http://schemas.microsoft.com/office/powerpoint/2010/main" val="4291967155"/>
+      </p:ext>
+    </p:extLst>
+  </p:cSld>
+  <p:clrMapOvr>
+    <a:masterClrMapping/>
+  </p:clrMapOvr>
+  <p:timing>
+    <p:tnLst>
+      <p:par>
+        <p:cTn id="1" dur="indefinite" restart="never" nodeType="tmRoot"/>
+      </p:par>
+    </p:tnLst>
+  </p:timing>
+</p:sld>
+</file>
+
+<file path=ppt/slides/slide8.xml><?xml version="1.0" encoding="utf-8"?>
+<p:sld xmlns:a="http://schemas.openxmlformats.org/drawingml/2006/main" xmlns:r="http://schemas.openxmlformats.org/officeDocument/2006/relationships" xmlns:p="http://schemas.openxmlformats.org/presentationml/2006/main">
+  <p:cSld>
+    <p:spTree>
+      <p:nvGrpSpPr>
+        <p:cNvPr id="1" name=""/>
+        <p:cNvGrpSpPr/>
+        <p:nvPr/>
+      </p:nvGrpSpPr>
+      <p:grpSpPr>
+        <a:xfrm>
+          <a:off x="0" y="0"/>
+          <a:ext cx="0" cy="0"/>
+          <a:chOff x="0" y="0"/>
+          <a:chExt cx="0" cy="0"/>
+        </a:xfrm>
+      </p:grpSpPr>
+      <p:sp>
+        <p:nvSpPr>
+          <p:cNvPr id="10" name="제목 9"/>
+          <p:cNvSpPr>
+            <a:spLocks noGrp="1"/>
+          </p:cNvSpPr>
+          <p:nvPr>
+            <p:ph type="title"/>
+          </p:nvPr>
+        </p:nvSpPr>
+        <p:spPr>
+          <a:xfrm>
+            <a:off x="102641" y="111972"/>
+            <a:ext cx="5436524" cy="540327"/>
+          </a:xfrm>
+        </p:spPr>
+        <p:txBody>
+          <a:bodyPr>
+            <a:noAutofit/>
+          </a:bodyPr>
+          <a:lstStyle/>
+          <a:p>
+            <a:r>
+              <a:rPr lang="ko-KR" altLang="en-US" sz="3200" dirty="0" smtClean="0"/>
+              <a:t>시스템</a:t>
+            </a:r>
+            <a:r>
+              <a:rPr lang="en-US" altLang="ko-KR" sz="3200" dirty="0" smtClean="0"/>
+              <a:t> </a:t>
+            </a:r>
+            <a:r>
+              <a:rPr lang="ko-KR" altLang="en-US" sz="3200" dirty="0" smtClean="0"/>
+              <a:t>구성</a:t>
+            </a:r>
+            <a:endParaRPr lang="ko-KR" altLang="en-US" sz="3200" dirty="0"/>
+          </a:p>
+        </p:txBody>
+      </p:sp>
+      <p:sp>
+        <p:nvSpPr>
+          <p:cNvPr id="4" name="모서리가 둥근 직사각형 3"/>
+          <p:cNvSpPr/>
+          <p:nvPr/>
+        </p:nvSpPr>
+        <p:spPr>
+          <a:xfrm>
+            <a:off x="1122592" y="652300"/>
+            <a:ext cx="4964532" cy="5940365"/>
+          </a:xfrm>
+          <a:prstGeom prst="roundRect">
+            <a:avLst>
+              <a:gd name="adj" fmla="val 2978"/>
+            </a:avLst>
+          </a:prstGeom>
+          <a:noFill/>
+          <a:ln w="28575">
+            <a:solidFill>
+              <a:schemeClr val="accent1"/>
+            </a:solidFill>
+            <a:prstDash val="dash"/>
+          </a:ln>
+        </p:spPr>
+        <p:style>
+          <a:lnRef idx="2">
+            <a:schemeClr val="accent1">
+              <a:shade val="50000"/>
+            </a:schemeClr>
+          </a:lnRef>
+          <a:fillRef idx="1">
+            <a:schemeClr val="accent1"/>
+          </a:fillRef>
+          <a:effectRef idx="0">
+            <a:schemeClr val="accent1"/>
+          </a:effectRef>
+          <a:fontRef idx="minor">
+            <a:schemeClr val="lt1"/>
+          </a:fontRef>
+        </p:style>
+        <p:txBody>
+          <a:bodyPr rtlCol="0" anchor="t"/>
+          <a:lstStyle/>
+          <a:p>
+            <a:r>
+              <a:rPr lang="en-US" altLang="ko-KR" sz="4000" b="1" dirty="0" err="1" smtClean="0">
+                <a:solidFill>
+                  <a:sysClr val="windowText" lastClr="000000"/>
+                </a:solidFill>
+              </a:rPr>
+              <a:t>DTw</a:t>
+            </a:r>
+            <a:endParaRPr lang="ko-KR" altLang="en-US" sz="4000" b="1" dirty="0">
+              <a:solidFill>
+                <a:sysClr val="windowText" lastClr="000000"/>
+              </a:solidFill>
+            </a:endParaRPr>
+          </a:p>
+        </p:txBody>
+      </p:sp>
+      <p:sp>
+        <p:nvSpPr>
+          <p:cNvPr id="13" name="모서리가 둥근 직사각형 12"/>
+          <p:cNvSpPr/>
+          <p:nvPr/>
+        </p:nvSpPr>
+        <p:spPr>
+          <a:xfrm>
+            <a:off x="6087802" y="652299"/>
+            <a:ext cx="4968978" cy="5940366"/>
+          </a:xfrm>
+          <a:prstGeom prst="roundRect">
+            <a:avLst>
+              <a:gd name="adj" fmla="val 2550"/>
+            </a:avLst>
+          </a:prstGeom>
+          <a:noFill/>
+          <a:ln w="28575">
+            <a:solidFill>
+              <a:srgbClr val="00B050"/>
+            </a:solidFill>
+            <a:prstDash val="dash"/>
+          </a:ln>
+        </p:spPr>
+        <p:style>
+          <a:lnRef idx="2">
+            <a:schemeClr val="accent1">
+              <a:shade val="50000"/>
+            </a:schemeClr>
+          </a:lnRef>
+          <a:fillRef idx="1">
+            <a:schemeClr val="accent1"/>
+          </a:fillRef>
+          <a:effectRef idx="0">
+            <a:schemeClr val="accent1"/>
+          </a:effectRef>
+          <a:fontRef idx="minor">
+            <a:schemeClr val="lt1"/>
+          </a:fontRef>
+        </p:style>
+        <p:txBody>
+          <a:bodyPr rtlCol="0" anchor="t" anchorCtr="0"/>
+          <a:lstStyle/>
+          <a:p>
+            <a:pPr algn="r"/>
+            <a:r>
+              <a:rPr lang="en-US" altLang="ko-KR" sz="4000" b="1" dirty="0" smtClean="0">
+                <a:solidFill>
+                  <a:schemeClr val="tx1"/>
+                </a:solidFill>
+              </a:rPr>
+              <a:t>Real World</a:t>
+            </a:r>
+          </a:p>
+        </p:txBody>
+      </p:sp>
+      <p:sp>
+        <p:nvSpPr>
+          <p:cNvPr id="5" name="모서리가 둥근 직사각형 4"/>
+          <p:cNvSpPr/>
+          <p:nvPr/>
+        </p:nvSpPr>
+        <p:spPr>
+          <a:xfrm>
+            <a:off x="1564516" y="1352867"/>
+            <a:ext cx="1708249" cy="5010606"/>
+          </a:xfrm>
+          <a:prstGeom prst="roundRect">
+            <a:avLst/>
+          </a:prstGeom>
+        </p:spPr>
+        <p:style>
+          <a:lnRef idx="2">
+            <a:schemeClr val="accent5">
+              <a:shade val="50000"/>
+            </a:schemeClr>
+          </a:lnRef>
+          <a:fillRef idx="1">
+            <a:schemeClr val="accent5"/>
+          </a:fillRef>
+          <a:effectRef idx="0">
+            <a:schemeClr val="accent5"/>
+          </a:effectRef>
+          <a:fontRef idx="minor">
+            <a:schemeClr val="lt1"/>
+          </a:fontRef>
+        </p:style>
+        <p:txBody>
+          <a:bodyPr rtlCol="0" anchor="ctr"/>
+          <a:lstStyle/>
+          <a:p>
+            <a:pPr algn="ctr"/>
+            <a:r>
+              <a:rPr lang="en-US" altLang="ko-KR" sz="2400" b="1" dirty="0" smtClean="0"/>
+              <a:t>Sim.</a:t>
+            </a:r>
+          </a:p>
+          <a:p>
+            <a:pPr algn="ctr"/>
+            <a:endParaRPr lang="en-US" altLang="ko-KR" sz="2400" b="1" dirty="0" smtClean="0"/>
+          </a:p>
+          <a:p>
+            <a:pPr algn="ctr"/>
+            <a:r>
+              <a:rPr lang="en-US" altLang="ko-KR" sz="2400" b="1" dirty="0" smtClean="0"/>
+              <a:t>(</a:t>
+            </a:r>
+            <a:r>
+              <a:rPr lang="en-US" altLang="ko-KR" sz="2400" b="1" dirty="0" err="1" smtClean="0"/>
+              <a:t>RoboDK</a:t>
+            </a:r>
+            <a:r>
+              <a:rPr lang="en-US" altLang="ko-KR" sz="2400" b="1" dirty="0" smtClean="0"/>
+              <a:t>)</a:t>
+            </a:r>
+            <a:endParaRPr lang="ko-KR" altLang="en-US" sz="2400" b="1" dirty="0"/>
+          </a:p>
+        </p:txBody>
+      </p:sp>
+      <p:sp>
+        <p:nvSpPr>
+          <p:cNvPr id="7" name="모서리가 둥근 직사각형 6"/>
+          <p:cNvSpPr/>
+          <p:nvPr/>
+        </p:nvSpPr>
+        <p:spPr>
+          <a:xfrm>
+            <a:off x="4068747" y="4852150"/>
+            <a:ext cx="4156245" cy="1324857"/>
+          </a:xfrm>
+          <a:prstGeom prst="roundRect">
+            <a:avLst/>
+          </a:prstGeom>
+        </p:spPr>
+        <p:style>
+          <a:lnRef idx="2">
+            <a:schemeClr val="accent4">
+              <a:shade val="50000"/>
+            </a:schemeClr>
+          </a:lnRef>
+          <a:fillRef idx="1">
+            <a:schemeClr val="accent4"/>
+          </a:fillRef>
+          <a:effectRef idx="0">
+            <a:schemeClr val="accent4"/>
+          </a:effectRef>
+          <a:fontRef idx="minor">
+            <a:schemeClr val="lt1"/>
+          </a:fontRef>
+        </p:style>
+        <p:txBody>
+          <a:bodyPr rtlCol="0" anchor="ctr"/>
+          <a:lstStyle/>
+          <a:p>
+            <a:pPr algn="ctr"/>
+            <a:r>
+              <a:rPr lang="en-US" altLang="ko-KR" sz="2400" b="1" dirty="0" smtClean="0"/>
+              <a:t>WCS </a:t>
+            </a:r>
+          </a:p>
+          <a:p>
+            <a:pPr algn="ctr"/>
+            <a:r>
+              <a:rPr lang="en-US" altLang="ko-KR" sz="2400" b="1" dirty="0" smtClean="0"/>
+              <a:t>(</a:t>
+            </a:r>
+            <a:r>
+              <a:rPr lang="en-US" altLang="ko-KR" sz="2400" b="1" dirty="0" smtClean="0"/>
+              <a:t>SPS, MICUBE)</a:t>
+            </a:r>
+            <a:endParaRPr lang="ko-KR" altLang="en-US" sz="2400" b="1" dirty="0"/>
+          </a:p>
+        </p:txBody>
+      </p:sp>
+      <p:sp>
+        <p:nvSpPr>
+          <p:cNvPr id="8" name="모서리가 둥근 직사각형 7"/>
+          <p:cNvSpPr/>
+          <p:nvPr/>
+        </p:nvSpPr>
+        <p:spPr>
+          <a:xfrm>
+            <a:off x="4068747" y="3548543"/>
+            <a:ext cx="4179233" cy="658707"/>
+          </a:xfrm>
+          <a:prstGeom prst="roundRect">
+            <a:avLst/>
+          </a:prstGeom>
+        </p:spPr>
+        <p:style>
+          <a:lnRef idx="2">
+            <a:schemeClr val="accent2">
+              <a:shade val="50000"/>
+            </a:schemeClr>
+          </a:lnRef>
+          <a:fillRef idx="1">
+            <a:schemeClr val="accent2"/>
+          </a:fillRef>
+          <a:effectRef idx="0">
+            <a:schemeClr val="accent2"/>
+          </a:effectRef>
+          <a:fontRef idx="minor">
+            <a:schemeClr val="lt1"/>
+          </a:fontRef>
+        </p:style>
+        <p:txBody>
+          <a:bodyPr rtlCol="0" anchor="ctr"/>
+          <a:lstStyle/>
+          <a:p>
+            <a:pPr algn="ctr"/>
+            <a:r>
+              <a:rPr lang="en-US" altLang="ko-KR" b="1" dirty="0" smtClean="0"/>
+              <a:t>M/W</a:t>
+            </a:r>
+          </a:p>
+          <a:p>
+            <a:pPr algn="ctr"/>
+            <a:r>
+              <a:rPr lang="en-US" altLang="ko-KR" b="1" dirty="0" smtClean="0"/>
+              <a:t>(SPS)</a:t>
+            </a:r>
+            <a:endParaRPr lang="ko-KR" altLang="en-US" b="1" dirty="0"/>
+          </a:p>
+        </p:txBody>
+      </p:sp>
+      <p:sp>
+        <p:nvSpPr>
+          <p:cNvPr id="11" name="왼쪽 화살표 10"/>
+          <p:cNvSpPr/>
+          <p:nvPr/>
+        </p:nvSpPr>
+        <p:spPr>
+          <a:xfrm>
+            <a:off x="3030355" y="5475781"/>
+            <a:ext cx="1314953" cy="868104"/>
+          </a:xfrm>
+          <a:prstGeom prst="leftArrow">
+            <a:avLst/>
+          </a:prstGeom>
+        </p:spPr>
+        <p:style>
+          <a:lnRef idx="2">
+            <a:schemeClr val="accent4">
+              <a:shade val="50000"/>
+            </a:schemeClr>
+          </a:lnRef>
+          <a:fillRef idx="1">
+            <a:schemeClr val="accent4"/>
+          </a:fillRef>
+          <a:effectRef idx="0">
+            <a:schemeClr val="accent4"/>
+          </a:effectRef>
+          <a:fontRef idx="minor">
+            <a:schemeClr val="lt1"/>
+          </a:fontRef>
+        </p:style>
+        <p:txBody>
+          <a:bodyPr lIns="0" tIns="0" rIns="0" bIns="0" rtlCol="0" anchor="ctr">
+            <a:noAutofit/>
+          </a:bodyPr>
+          <a:lstStyle/>
+          <a:p>
+            <a:pPr algn="ctr"/>
+            <a:r>
+              <a:rPr lang="ko-KR" altLang="en-US" sz="1200" b="1" dirty="0" smtClean="0">
+                <a:solidFill>
+                  <a:schemeClr val="tx1"/>
+                </a:solidFill>
+              </a:rPr>
+              <a:t>설비 제어</a:t>
+            </a:r>
+            <a:endParaRPr lang="ko-KR" altLang="en-US" sz="1200" b="1" dirty="0">
+              <a:solidFill>
+                <a:schemeClr val="tx1"/>
+              </a:solidFill>
+            </a:endParaRPr>
+          </a:p>
+        </p:txBody>
+      </p:sp>
+      <p:sp>
+        <p:nvSpPr>
+          <p:cNvPr id="15" name="오른쪽 화살표 14"/>
+          <p:cNvSpPr/>
+          <p:nvPr/>
+        </p:nvSpPr>
+        <p:spPr>
+          <a:xfrm>
+            <a:off x="3031805" y="4763631"/>
+            <a:ext cx="1314953" cy="868104"/>
+          </a:xfrm>
+          <a:prstGeom prst="rightArrow">
+            <a:avLst/>
+          </a:prstGeom>
+        </p:spPr>
+        <p:style>
+          <a:lnRef idx="2">
+            <a:schemeClr val="accent5">
+              <a:shade val="50000"/>
+            </a:schemeClr>
+          </a:lnRef>
+          <a:fillRef idx="1">
+            <a:schemeClr val="accent5"/>
+          </a:fillRef>
+          <a:effectRef idx="0">
+            <a:schemeClr val="accent5"/>
+          </a:effectRef>
+          <a:fontRef idx="minor">
+            <a:schemeClr val="lt1"/>
+          </a:fontRef>
+        </p:style>
+        <p:txBody>
+          <a:bodyPr lIns="0" tIns="0" rIns="0" bIns="0" rtlCol="0" anchor="ctr">
+            <a:noAutofit/>
+          </a:bodyPr>
+          <a:lstStyle/>
+          <a:p>
+            <a:pPr algn="ctr"/>
+            <a:r>
+              <a:rPr lang="ko-KR" altLang="en-US" sz="1200" b="1" dirty="0" smtClean="0"/>
+              <a:t>가상 물리 정보</a:t>
+            </a:r>
+            <a:endParaRPr lang="ko-KR" altLang="en-US" sz="1200" b="1" dirty="0"/>
+          </a:p>
+        </p:txBody>
+      </p:sp>
+      <p:grpSp>
+        <p:nvGrpSpPr>
+          <p:cNvPr id="31" name="그룹 30"/>
+          <p:cNvGrpSpPr/>
+          <p:nvPr/>
+        </p:nvGrpSpPr>
+        <p:grpSpPr>
+          <a:xfrm>
+            <a:off x="4068747" y="1071293"/>
+            <a:ext cx="4179233" cy="2116268"/>
+            <a:chOff x="5561045" y="2634868"/>
+            <a:chExt cx="2799184" cy="4392752"/>
+          </a:xfrm>
+        </p:grpSpPr>
+        <p:sp>
+          <p:nvSpPr>
+            <p:cNvPr id="29" name="모서리가 둥근 직사각형 28"/>
+            <p:cNvSpPr/>
+            <p:nvPr/>
+          </p:nvSpPr>
+          <p:spPr>
+            <a:xfrm>
+              <a:off x="5561045" y="2634868"/>
+              <a:ext cx="2799184" cy="4392752"/>
+            </a:xfrm>
+            <a:prstGeom prst="roundRect">
+              <a:avLst>
+                <a:gd name="adj" fmla="val 6334"/>
+              </a:avLst>
+            </a:prstGeom>
+            <a:solidFill>
+              <a:srgbClr val="FFFFFF">
+                <a:alpha val="70000"/>
+              </a:srgbClr>
+            </a:solidFill>
+            <a:ln w="28575">
+              <a:solidFill>
+                <a:srgbClr val="FFC000"/>
+              </a:solidFill>
+              <a:prstDash val="dash"/>
+            </a:ln>
+          </p:spPr>
+          <p:style>
+            <a:lnRef idx="2">
+              <a:schemeClr val="accent1">
+                <a:shade val="50000"/>
+              </a:schemeClr>
+            </a:lnRef>
+            <a:fillRef idx="1">
+              <a:schemeClr val="accent1"/>
+            </a:fillRef>
+            <a:effectRef idx="0">
+              <a:schemeClr val="accent1"/>
+            </a:effectRef>
+            <a:fontRef idx="minor">
+              <a:schemeClr val="lt1"/>
+            </a:fontRef>
+          </p:style>
+          <p:txBody>
+            <a:bodyPr bIns="0" rtlCol="0" anchor="b"/>
+            <a:lstStyle/>
+            <a:p>
+              <a:pPr algn="ctr"/>
+              <a:r>
+                <a:rPr lang="ko-KR" altLang="en-US" sz="1600" b="1" dirty="0" smtClean="0">
+                  <a:solidFill>
+                    <a:schemeClr val="tx1"/>
+                  </a:solidFill>
+                </a:rPr>
+                <a:t>창고 전산 관리 </a:t>
+              </a:r>
+              <a:r>
+                <a:rPr lang="en-US" altLang="ko-KR" sz="1600" b="1" dirty="0" smtClean="0">
+                  <a:solidFill>
+                    <a:schemeClr val="tx1"/>
+                  </a:solidFill>
+                </a:rPr>
+                <a:t>S/W</a:t>
+              </a:r>
+              <a:endParaRPr lang="ko-KR" altLang="en-US" sz="1600" b="1" dirty="0">
+                <a:solidFill>
+                  <a:schemeClr val="tx1"/>
+                </a:solidFill>
+              </a:endParaRPr>
+            </a:p>
+          </p:txBody>
+        </p:sp>
+        <p:sp>
+          <p:nvSpPr>
+            <p:cNvPr id="6" name="모서리가 둥근 직사각형 5"/>
+            <p:cNvSpPr/>
+            <p:nvPr/>
+          </p:nvSpPr>
+          <p:spPr>
+            <a:xfrm>
+              <a:off x="5689429" y="2910690"/>
+              <a:ext cx="1223947" cy="2282011"/>
+            </a:xfrm>
+            <a:prstGeom prst="roundRect">
+              <a:avLst>
+                <a:gd name="adj" fmla="val 0"/>
+              </a:avLst>
+            </a:prstGeom>
+          </p:spPr>
+          <p:style>
+            <a:lnRef idx="2">
+              <a:schemeClr val="accent1">
+                <a:shade val="50000"/>
+              </a:schemeClr>
+            </a:lnRef>
+            <a:fillRef idx="1">
+              <a:schemeClr val="accent1"/>
+            </a:fillRef>
+            <a:effectRef idx="0">
+              <a:schemeClr val="accent1"/>
+            </a:effectRef>
+            <a:fontRef idx="minor">
+              <a:schemeClr val="lt1"/>
+            </a:fontRef>
+          </p:style>
+          <p:txBody>
+            <a:bodyPr rtlCol="0" anchor="ctr"/>
+            <a:lstStyle/>
+            <a:p>
+              <a:pPr algn="ctr"/>
+              <a:r>
+                <a:rPr lang="en-US" altLang="ko-KR" dirty="0" smtClean="0"/>
+                <a:t>WES</a:t>
+              </a:r>
+            </a:p>
+            <a:p>
+              <a:pPr algn="ctr"/>
+              <a:r>
+                <a:rPr lang="en-US" altLang="ko-KR" dirty="0" smtClean="0"/>
+                <a:t>(</a:t>
+              </a:r>
+              <a:r>
+                <a:rPr lang="ko-KR" altLang="en-US" dirty="0" smtClean="0"/>
+                <a:t>구성 필요</a:t>
+              </a:r>
+              <a:r>
+                <a:rPr lang="en-US" altLang="ko-KR" dirty="0" smtClean="0"/>
+                <a:t>)</a:t>
+              </a:r>
+              <a:endParaRPr lang="ko-KR" altLang="en-US" dirty="0"/>
+            </a:p>
+          </p:txBody>
+        </p:sp>
+        <p:sp>
+          <p:nvSpPr>
+            <p:cNvPr id="12" name="모서리가 둥근 직사각형 11"/>
+            <p:cNvSpPr/>
+            <p:nvPr/>
+          </p:nvSpPr>
+          <p:spPr>
+            <a:xfrm>
+              <a:off x="6913376" y="2910688"/>
+              <a:ext cx="1316225" cy="2282011"/>
+            </a:xfrm>
+            <a:prstGeom prst="roundRect">
+              <a:avLst>
+                <a:gd name="adj" fmla="val 0"/>
+              </a:avLst>
+            </a:prstGeom>
+            <a:ln w="12700">
+              <a:solidFill>
+                <a:schemeClr val="accent6">
+                  <a:lumMod val="75000"/>
+                </a:schemeClr>
+              </a:solidFill>
+            </a:ln>
+          </p:spPr>
+          <p:style>
+            <a:lnRef idx="3">
+              <a:schemeClr val="lt1"/>
+            </a:lnRef>
+            <a:fillRef idx="1">
+              <a:schemeClr val="accent6"/>
+            </a:fillRef>
+            <a:effectRef idx="1">
+              <a:schemeClr val="accent6"/>
+            </a:effectRef>
+            <a:fontRef idx="minor">
+              <a:schemeClr val="lt1"/>
+            </a:fontRef>
+          </p:style>
+          <p:txBody>
+            <a:bodyPr rtlCol="0" anchor="ctr"/>
+            <a:lstStyle/>
+            <a:p>
+              <a:pPr algn="ctr"/>
+              <a:r>
+                <a:rPr lang="en-US" altLang="ko-KR" dirty="0" smtClean="0"/>
+                <a:t>WMS</a:t>
+              </a:r>
+            </a:p>
+            <a:p>
+              <a:pPr algn="ctr"/>
+              <a:r>
+                <a:rPr lang="en-US" altLang="ko-KR" dirty="0" smtClean="0"/>
+                <a:t>(Open</a:t>
+              </a:r>
+              <a:r>
+                <a:rPr lang="ko-KR" altLang="en-US" dirty="0" smtClean="0"/>
+                <a:t> </a:t>
+              </a:r>
+              <a:r>
+                <a:rPr lang="en-US" altLang="ko-KR" dirty="0" smtClean="0"/>
+                <a:t>Source)</a:t>
+              </a:r>
+              <a:endParaRPr lang="ko-KR" altLang="en-US" dirty="0"/>
+            </a:p>
+          </p:txBody>
+        </p:sp>
+        <p:sp>
+          <p:nvSpPr>
+            <p:cNvPr id="30" name="모서리가 둥근 직사각형 29"/>
+            <p:cNvSpPr/>
+            <p:nvPr/>
+          </p:nvSpPr>
+          <p:spPr>
+            <a:xfrm>
+              <a:off x="5689429" y="5171403"/>
+              <a:ext cx="2540172" cy="1166273"/>
+            </a:xfrm>
+            <a:prstGeom prst="roundRect">
+              <a:avLst>
+                <a:gd name="adj" fmla="val 0"/>
+              </a:avLst>
+            </a:prstGeom>
+          </p:spPr>
+          <p:style>
+            <a:lnRef idx="2">
+              <a:schemeClr val="accent3">
+                <a:shade val="50000"/>
+              </a:schemeClr>
+            </a:lnRef>
+            <a:fillRef idx="1">
+              <a:schemeClr val="accent3"/>
+            </a:fillRef>
+            <a:effectRef idx="0">
+              <a:schemeClr val="accent3"/>
+            </a:effectRef>
+            <a:fontRef idx="minor">
+              <a:schemeClr val="lt1"/>
+            </a:fontRef>
+          </p:style>
+          <p:txBody>
+            <a:bodyPr rtlCol="0" anchor="ctr"/>
+            <a:lstStyle/>
+            <a:p>
+              <a:pPr algn="ctr"/>
+              <a:r>
+                <a:rPr lang="en-US" altLang="ko-KR" b="1" dirty="0" smtClean="0"/>
+                <a:t>DB</a:t>
+              </a:r>
+              <a:endParaRPr lang="ko-KR" altLang="en-US" b="1" dirty="0"/>
+            </a:p>
+          </p:txBody>
+        </p:sp>
+      </p:grpSp>
+      <p:sp>
+        <p:nvSpPr>
+          <p:cNvPr id="32" name="위쪽 화살표 31"/>
+          <p:cNvSpPr/>
+          <p:nvPr/>
+        </p:nvSpPr>
+        <p:spPr>
+          <a:xfrm rot="10800000">
+            <a:off x="4177895" y="4075203"/>
+            <a:ext cx="1204378" cy="859687"/>
+          </a:xfrm>
+          <a:prstGeom prst="upArrow">
+            <a:avLst/>
+          </a:prstGeom>
+        </p:spPr>
+        <p:style>
+          <a:lnRef idx="2">
+            <a:schemeClr val="accent2">
+              <a:shade val="50000"/>
+            </a:schemeClr>
+          </a:lnRef>
+          <a:fillRef idx="1">
+            <a:schemeClr val="accent2"/>
+          </a:fillRef>
+          <a:effectRef idx="0">
+            <a:schemeClr val="accent2"/>
+          </a:effectRef>
+          <a:fontRef idx="minor">
+            <a:schemeClr val="lt1"/>
+          </a:fontRef>
+        </p:style>
+        <p:txBody>
+          <a:bodyPr lIns="0" tIns="0" rIns="0" bIns="0" rtlCol="0" anchor="ctr">
+            <a:noAutofit/>
+            <a:scene3d>
+              <a:camera prst="orthographicFront">
+                <a:rot lat="0" lon="0" rev="10800000"/>
+              </a:camera>
+              <a:lightRig rig="threePt" dir="t"/>
+            </a:scene3d>
+          </a:bodyPr>
+          <a:lstStyle/>
+          <a:p>
+            <a:pPr algn="ctr"/>
+            <a:r>
+              <a:rPr lang="ko-KR" altLang="en-US" sz="1200" b="1" dirty="0">
+                <a:solidFill>
+                  <a:schemeClr val="tx1"/>
+                </a:solidFill>
+              </a:rPr>
+              <a:t>제어 </a:t>
+            </a:r>
+            <a:endParaRPr lang="en-US" altLang="ko-KR" sz="1200" b="1" dirty="0" smtClean="0">
+              <a:solidFill>
+                <a:schemeClr val="tx1"/>
+              </a:solidFill>
+            </a:endParaRPr>
+          </a:p>
+          <a:p>
+            <a:pPr algn="ctr"/>
+            <a:r>
+              <a:rPr lang="ko-KR" altLang="en-US" sz="1200" b="1" dirty="0" smtClean="0">
+                <a:solidFill>
+                  <a:schemeClr val="tx1"/>
+                </a:solidFill>
+              </a:rPr>
+              <a:t>정보</a:t>
+            </a:r>
+            <a:endParaRPr lang="ko-KR" altLang="en-US" sz="1200" b="1" dirty="0">
+              <a:solidFill>
+                <a:schemeClr val="tx1"/>
+              </a:solidFill>
+            </a:endParaRPr>
+          </a:p>
+        </p:txBody>
+      </p:sp>
+      <p:sp>
+        <p:nvSpPr>
+          <p:cNvPr id="36" name="아래쪽 화살표 35"/>
+          <p:cNvSpPr/>
+          <p:nvPr/>
+        </p:nvSpPr>
+        <p:spPr>
+          <a:xfrm rot="10800000">
+            <a:off x="7013546" y="4075203"/>
+            <a:ext cx="1118366" cy="859687"/>
+          </a:xfrm>
+          <a:prstGeom prst="downArrow">
+            <a:avLst/>
+          </a:prstGeom>
+        </p:spPr>
+        <p:style>
+          <a:lnRef idx="2">
+            <a:schemeClr val="accent4">
+              <a:shade val="50000"/>
+            </a:schemeClr>
+          </a:lnRef>
+          <a:fillRef idx="1">
+            <a:schemeClr val="accent4"/>
+          </a:fillRef>
+          <a:effectRef idx="0">
+            <a:schemeClr val="accent4"/>
+          </a:effectRef>
+          <a:fontRef idx="minor">
+            <a:schemeClr val="lt1"/>
+          </a:fontRef>
+        </p:style>
+        <p:txBody>
+          <a:bodyPr lIns="0" tIns="0" rIns="0" bIns="0" rtlCol="0" anchor="ctr">
+            <a:noAutofit/>
+            <a:scene3d>
+              <a:camera prst="orthographicFront">
+                <a:rot lat="0" lon="0" rev="10800000"/>
+              </a:camera>
+              <a:lightRig rig="threePt" dir="t"/>
+            </a:scene3d>
+          </a:bodyPr>
+          <a:lstStyle/>
+          <a:p>
+            <a:pPr algn="ctr"/>
+            <a:r>
+              <a:rPr lang="ko-KR" altLang="en-US" sz="1200" b="1" dirty="0" smtClean="0">
+                <a:solidFill>
+                  <a:schemeClr val="tx1"/>
+                </a:solidFill>
+              </a:rPr>
+              <a:t>제어 </a:t>
+            </a:r>
+            <a:endParaRPr lang="en-US" altLang="ko-KR" sz="1200" b="1" dirty="0" smtClean="0">
+              <a:solidFill>
+                <a:schemeClr val="tx1"/>
+              </a:solidFill>
+            </a:endParaRPr>
+          </a:p>
+          <a:p>
+            <a:pPr algn="ctr"/>
+            <a:r>
+              <a:rPr lang="ko-KR" altLang="en-US" sz="1200" b="1" dirty="0" smtClean="0">
+                <a:solidFill>
+                  <a:schemeClr val="tx1"/>
+                </a:solidFill>
+              </a:rPr>
+              <a:t>결과</a:t>
+            </a:r>
+            <a:endParaRPr lang="ko-KR" altLang="en-US" sz="1200" b="1" dirty="0">
+              <a:solidFill>
+                <a:schemeClr val="tx1"/>
+              </a:solidFill>
+            </a:endParaRPr>
+          </a:p>
+        </p:txBody>
+      </p:sp>
+      <p:sp>
+        <p:nvSpPr>
+          <p:cNvPr id="37" name="위쪽 화살표 36"/>
+          <p:cNvSpPr/>
+          <p:nvPr/>
+        </p:nvSpPr>
+        <p:spPr>
+          <a:xfrm rot="10800000">
+            <a:off x="4177895" y="2782524"/>
+            <a:ext cx="1204378" cy="860400"/>
+          </a:xfrm>
+          <a:prstGeom prst="upArrow">
+            <a:avLst/>
+          </a:prstGeom>
+        </p:spPr>
+        <p:style>
+          <a:lnRef idx="2">
+            <a:schemeClr val="accent3">
+              <a:shade val="50000"/>
+            </a:schemeClr>
+          </a:lnRef>
+          <a:fillRef idx="1">
+            <a:schemeClr val="accent3"/>
+          </a:fillRef>
+          <a:effectRef idx="0">
+            <a:schemeClr val="accent3"/>
+          </a:effectRef>
+          <a:fontRef idx="minor">
+            <a:schemeClr val="lt1"/>
+          </a:fontRef>
+        </p:style>
+        <p:txBody>
+          <a:bodyPr lIns="0" tIns="0" rIns="0" bIns="0" rtlCol="0" anchor="ctr">
+            <a:noAutofit/>
+            <a:scene3d>
+              <a:camera prst="orthographicFront">
+                <a:rot lat="0" lon="0" rev="10800000"/>
+              </a:camera>
+              <a:lightRig rig="threePt" dir="t"/>
+            </a:scene3d>
+          </a:bodyPr>
+          <a:lstStyle/>
+          <a:p>
+            <a:pPr algn="ctr"/>
+            <a:r>
+              <a:rPr lang="ko-KR" altLang="en-US" sz="1200" b="1" dirty="0" smtClean="0">
+                <a:solidFill>
+                  <a:schemeClr val="tx1"/>
+                </a:solidFill>
+              </a:rPr>
+              <a:t>위치 </a:t>
+            </a:r>
+            <a:endParaRPr lang="en-US" altLang="ko-KR" sz="1200" b="1" dirty="0" smtClean="0">
+              <a:solidFill>
+                <a:schemeClr val="tx1"/>
+              </a:solidFill>
+            </a:endParaRPr>
+          </a:p>
+          <a:p>
+            <a:pPr algn="ctr"/>
+            <a:r>
+              <a:rPr lang="ko-KR" altLang="en-US" sz="1200" b="1" dirty="0" smtClean="0">
+                <a:solidFill>
+                  <a:schemeClr val="tx1"/>
+                </a:solidFill>
+              </a:rPr>
+              <a:t>정보</a:t>
+            </a:r>
+            <a:endParaRPr lang="ko-KR" altLang="en-US" sz="1200" b="1" dirty="0">
+              <a:solidFill>
+                <a:schemeClr val="tx1"/>
+              </a:solidFill>
+            </a:endParaRPr>
+          </a:p>
+        </p:txBody>
+      </p:sp>
+      <p:sp>
+        <p:nvSpPr>
+          <p:cNvPr id="38" name="아래쪽 화살표 37"/>
+          <p:cNvSpPr/>
+          <p:nvPr/>
+        </p:nvSpPr>
+        <p:spPr>
+          <a:xfrm rot="10800000">
+            <a:off x="7018111" y="2769008"/>
+            <a:ext cx="1118366" cy="860400"/>
+          </a:xfrm>
+          <a:prstGeom prst="downArrow">
+            <a:avLst/>
+          </a:prstGeom>
+        </p:spPr>
+        <p:style>
+          <a:lnRef idx="2">
+            <a:schemeClr val="accent2">
+              <a:shade val="50000"/>
+            </a:schemeClr>
+          </a:lnRef>
+          <a:fillRef idx="1">
+            <a:schemeClr val="accent2"/>
+          </a:fillRef>
+          <a:effectRef idx="0">
+            <a:schemeClr val="accent2"/>
+          </a:effectRef>
+          <a:fontRef idx="minor">
+            <a:schemeClr val="lt1"/>
+          </a:fontRef>
+        </p:style>
+        <p:txBody>
+          <a:bodyPr lIns="0" tIns="0" rIns="0" bIns="0" rtlCol="0" anchor="ctr">
+            <a:noAutofit/>
+            <a:scene3d>
+              <a:camera prst="orthographicFront">
+                <a:rot lat="0" lon="0" rev="10800000"/>
+              </a:camera>
+              <a:lightRig rig="threePt" dir="t"/>
+            </a:scene3d>
+          </a:bodyPr>
+          <a:lstStyle/>
+          <a:p>
+            <a:pPr algn="ctr"/>
+            <a:r>
+              <a:rPr lang="ko-KR" altLang="en-US" sz="1200" b="1" dirty="0" smtClean="0">
+                <a:solidFill>
+                  <a:schemeClr val="tx1"/>
+                </a:solidFill>
+              </a:rPr>
+              <a:t>제어 </a:t>
+            </a:r>
+            <a:endParaRPr lang="en-US" altLang="ko-KR" sz="1200" b="1" dirty="0" smtClean="0">
+              <a:solidFill>
+                <a:schemeClr val="tx1"/>
+              </a:solidFill>
+            </a:endParaRPr>
+          </a:p>
+          <a:p>
+            <a:pPr algn="ctr"/>
+            <a:r>
+              <a:rPr lang="ko-KR" altLang="en-US" sz="1200" b="1" dirty="0" smtClean="0">
+                <a:solidFill>
+                  <a:schemeClr val="tx1"/>
+                </a:solidFill>
+              </a:rPr>
+              <a:t>결과</a:t>
+            </a:r>
+            <a:endParaRPr lang="ko-KR" altLang="en-US" sz="1200" b="1" dirty="0">
+              <a:solidFill>
+                <a:schemeClr val="tx1"/>
+              </a:solidFill>
+            </a:endParaRPr>
+          </a:p>
+        </p:txBody>
+      </p:sp>
+      <p:sp>
+        <p:nvSpPr>
+          <p:cNvPr id="39" name="모서리가 둥근 직사각형 38"/>
+          <p:cNvSpPr/>
+          <p:nvPr/>
+        </p:nvSpPr>
+        <p:spPr>
+          <a:xfrm>
+            <a:off x="8994845" y="1352867"/>
+            <a:ext cx="1708249" cy="5010606"/>
+          </a:xfrm>
+          <a:prstGeom prst="roundRect">
+            <a:avLst/>
+          </a:prstGeom>
+        </p:spPr>
+        <p:style>
+          <a:lnRef idx="2">
+            <a:schemeClr val="accent5">
+              <a:shade val="50000"/>
+            </a:schemeClr>
+          </a:lnRef>
+          <a:fillRef idx="1">
+            <a:schemeClr val="accent5"/>
+          </a:fillRef>
+          <a:effectRef idx="0">
+            <a:schemeClr val="accent5"/>
+          </a:effectRef>
+          <a:fontRef idx="minor">
+            <a:schemeClr val="lt1"/>
+          </a:fontRef>
+        </p:style>
+        <p:txBody>
+          <a:bodyPr rtlCol="0" anchor="ctr"/>
+          <a:lstStyle/>
+          <a:p>
+            <a:pPr algn="ctr"/>
+            <a:r>
+              <a:rPr lang="en-US" altLang="ko-KR" sz="2400" b="1" dirty="0" smtClean="0"/>
+              <a:t>PLC</a:t>
+            </a:r>
+            <a:endParaRPr lang="ko-KR" altLang="en-US" sz="2400" b="1" dirty="0"/>
+          </a:p>
+        </p:txBody>
+      </p:sp>
+      <p:sp>
+        <p:nvSpPr>
+          <p:cNvPr id="40" name="왼쪽 화살표 39"/>
+          <p:cNvSpPr/>
+          <p:nvPr/>
+        </p:nvSpPr>
+        <p:spPr>
+          <a:xfrm>
+            <a:off x="7883823" y="4750610"/>
+            <a:ext cx="1314953" cy="868104"/>
+          </a:xfrm>
+          <a:prstGeom prst="leftArrow">
+            <a:avLst/>
+          </a:prstGeom>
+        </p:spPr>
+        <p:style>
+          <a:lnRef idx="2">
+            <a:schemeClr val="accent5">
+              <a:shade val="50000"/>
+            </a:schemeClr>
+          </a:lnRef>
+          <a:fillRef idx="1">
+            <a:schemeClr val="accent5"/>
+          </a:fillRef>
+          <a:effectRef idx="0">
+            <a:schemeClr val="accent5"/>
+          </a:effectRef>
+          <a:fontRef idx="minor">
+            <a:schemeClr val="lt1"/>
+          </a:fontRef>
+        </p:style>
+        <p:txBody>
+          <a:bodyPr lIns="0" tIns="0" rIns="0" bIns="0" rtlCol="0" anchor="ctr">
+            <a:noAutofit/>
+          </a:bodyPr>
+          <a:lstStyle/>
+          <a:p>
+            <a:pPr algn="ctr"/>
+            <a:r>
+              <a:rPr lang="ko-KR" altLang="en-US" sz="1200" b="1" dirty="0"/>
+              <a:t>가상 물리 </a:t>
+            </a:r>
+            <a:r>
+              <a:rPr lang="ko-KR" altLang="en-US" sz="1200" b="1" dirty="0" smtClean="0"/>
+              <a:t>정보</a:t>
+            </a:r>
+            <a:endParaRPr lang="ko-KR" altLang="en-US" sz="1200" b="1" dirty="0"/>
+          </a:p>
+        </p:txBody>
+      </p:sp>
+      <p:sp>
+        <p:nvSpPr>
+          <p:cNvPr id="41" name="오른쪽 화살표 40"/>
+          <p:cNvSpPr/>
+          <p:nvPr/>
+        </p:nvSpPr>
+        <p:spPr>
+          <a:xfrm>
+            <a:off x="7883823" y="5476284"/>
+            <a:ext cx="1314953" cy="868104"/>
+          </a:xfrm>
+          <a:prstGeom prst="rightArrow">
+            <a:avLst/>
+          </a:prstGeom>
+        </p:spPr>
+        <p:style>
+          <a:lnRef idx="2">
+            <a:schemeClr val="accent4">
+              <a:shade val="50000"/>
+            </a:schemeClr>
+          </a:lnRef>
+          <a:fillRef idx="1">
+            <a:schemeClr val="accent4"/>
+          </a:fillRef>
+          <a:effectRef idx="0">
+            <a:schemeClr val="accent4"/>
+          </a:effectRef>
+          <a:fontRef idx="minor">
+            <a:schemeClr val="lt1"/>
+          </a:fontRef>
+        </p:style>
+        <p:txBody>
+          <a:bodyPr lIns="0" tIns="0" rIns="0" bIns="0" rtlCol="0" anchor="ctr">
+            <a:noAutofit/>
+          </a:bodyPr>
+          <a:lstStyle/>
+          <a:p>
+            <a:pPr algn="ctr"/>
+            <a:r>
+              <a:rPr lang="ko-KR" altLang="en-US" sz="1200" b="1" dirty="0">
+                <a:solidFill>
+                  <a:schemeClr val="tx1"/>
+                </a:solidFill>
+              </a:rPr>
+              <a:t>설비 </a:t>
+            </a:r>
+            <a:r>
+              <a:rPr lang="ko-KR" altLang="en-US" sz="1200" b="1" dirty="0" smtClean="0">
+                <a:solidFill>
+                  <a:schemeClr val="tx1"/>
+                </a:solidFill>
+              </a:rPr>
+              <a:t>제어</a:t>
+            </a:r>
+            <a:endParaRPr lang="ko-KR" altLang="en-US" sz="1200" b="1" dirty="0">
+              <a:solidFill>
+                <a:schemeClr val="tx1"/>
+              </a:solidFill>
+            </a:endParaRPr>
+          </a:p>
+        </p:txBody>
+      </p:sp>
+      <p:sp>
+        <p:nvSpPr>
+          <p:cNvPr id="43" name="직사각형 42"/>
+          <p:cNvSpPr/>
+          <p:nvPr/>
+        </p:nvSpPr>
+        <p:spPr>
+          <a:xfrm>
+            <a:off x="4261105" y="1191900"/>
+            <a:ext cx="3792523" cy="1099391"/>
+          </a:xfrm>
+          <a:prstGeom prst="rect">
+            <a:avLst/>
+          </a:prstGeom>
+          <a:gradFill>
+            <a:gsLst>
+              <a:gs pos="50000">
+                <a:srgbClr val="5B9BD5"/>
+              </a:gs>
+              <a:gs pos="50000">
+                <a:srgbClr val="70AD47"/>
+              </a:gs>
+            </a:gsLst>
+            <a:lin ang="1800000" scaled="0"/>
+          </a:gradFill>
+        </p:spPr>
+        <p:style>
+          <a:lnRef idx="2">
+            <a:schemeClr val="accent1">
+              <a:shade val="50000"/>
+            </a:schemeClr>
+          </a:lnRef>
+          <a:fillRef idx="1">
+            <a:schemeClr val="accent1"/>
+          </a:fillRef>
+          <a:effectRef idx="0">
+            <a:schemeClr val="accent1"/>
+          </a:effectRef>
+          <a:fontRef idx="minor">
+            <a:schemeClr val="lt1"/>
+          </a:fontRef>
+        </p:style>
+        <p:txBody>
+          <a:bodyPr lIns="144000" tIns="288000" rIns="144000" bIns="252000" numCol="2" spcCol="72000" rtlCol="0" anchor="ctr">
+            <a:normAutofit fontScale="55000" lnSpcReduction="20000"/>
+          </a:bodyPr>
+          <a:lstStyle/>
+          <a:p>
+            <a:pPr algn="ctr"/>
+            <a:r>
+              <a:rPr lang="en-US" altLang="ko-KR" sz="3600" b="1" dirty="0" smtClean="0"/>
+              <a:t>WES</a:t>
+            </a:r>
+          </a:p>
+          <a:p>
+            <a:pPr algn="ctr"/>
+            <a:r>
+              <a:rPr lang="en-US" altLang="ko-KR" sz="3600" b="1" dirty="0" smtClean="0"/>
+              <a:t>(</a:t>
+            </a:r>
+            <a:r>
+              <a:rPr lang="ko-KR" altLang="en-US" sz="3600" b="1" dirty="0" smtClean="0"/>
+              <a:t>구성 필요</a:t>
+            </a:r>
+            <a:r>
+              <a:rPr lang="en-US" altLang="ko-KR" sz="3600" b="1" dirty="0" smtClean="0"/>
+              <a:t>)</a:t>
+            </a:r>
+            <a:r>
+              <a:rPr lang="en-US" altLang="ko-KR" sz="3600" b="1" dirty="0"/>
+              <a:t> </a:t>
+            </a:r>
+          </a:p>
+          <a:p>
+            <a:pPr algn="ctr"/>
+            <a:r>
+              <a:rPr lang="en-US" altLang="ko-KR" sz="3600" b="1" dirty="0" smtClean="0"/>
+              <a:t>WMS</a:t>
+            </a:r>
+            <a:endParaRPr lang="en-US" altLang="ko-KR" sz="3600" b="1" dirty="0"/>
+          </a:p>
+          <a:p>
+            <a:pPr algn="ctr"/>
+            <a:r>
+              <a:rPr lang="en-US" altLang="ko-KR" sz="3600" b="1" dirty="0"/>
+              <a:t>(Open</a:t>
+            </a:r>
+            <a:r>
+              <a:rPr lang="ko-KR" altLang="en-US" sz="3600" b="1" dirty="0"/>
+              <a:t> </a:t>
+            </a:r>
+            <a:r>
+              <a:rPr lang="en-US" altLang="ko-KR" sz="3600" b="1" dirty="0"/>
+              <a:t>Source</a:t>
+            </a:r>
+            <a:r>
+              <a:rPr lang="en-US" altLang="ko-KR" sz="3600" b="1" dirty="0" smtClean="0"/>
+              <a:t>)</a:t>
+            </a:r>
+            <a:endParaRPr lang="ko-KR" altLang="en-US" sz="3600" b="1" dirty="0"/>
+          </a:p>
+        </p:txBody>
+      </p:sp>
+      <p:sp>
+        <p:nvSpPr>
+          <p:cNvPr id="16" name="왼쪽 화살표 15"/>
+          <p:cNvSpPr/>
+          <p:nvPr/>
+        </p:nvSpPr>
+        <p:spPr>
+          <a:xfrm>
+            <a:off x="7883822" y="3465474"/>
+            <a:ext cx="1314953" cy="785117"/>
+          </a:xfrm>
+          <a:prstGeom prst="leftArrow">
+            <a:avLst/>
+          </a:prstGeom>
+        </p:spPr>
+        <p:style>
+          <a:lnRef idx="2">
+            <a:schemeClr val="accent5">
+              <a:shade val="50000"/>
+            </a:schemeClr>
+          </a:lnRef>
+          <a:fillRef idx="1">
+            <a:schemeClr val="accent5"/>
+          </a:fillRef>
+          <a:effectRef idx="0">
+            <a:schemeClr val="accent5"/>
+          </a:effectRef>
+          <a:fontRef idx="minor">
+            <a:schemeClr val="lt1"/>
+          </a:fontRef>
+        </p:style>
+        <p:txBody>
+          <a:bodyPr lIns="0" tIns="0" rIns="0" bIns="0" rtlCol="0" anchor="ctr">
+            <a:noAutofit/>
+          </a:bodyPr>
+          <a:lstStyle/>
+          <a:p>
+            <a:pPr algn="ctr"/>
+            <a:r>
+              <a:rPr lang="ko-KR" altLang="en-US" sz="1200" b="1" dirty="0"/>
+              <a:t>상품</a:t>
+            </a:r>
+            <a:r>
+              <a:rPr lang="en-US" altLang="ko-KR" sz="1200" b="1" dirty="0"/>
+              <a:t> </a:t>
+            </a:r>
+            <a:r>
+              <a:rPr lang="ko-KR" altLang="en-US" sz="1200" b="1" dirty="0"/>
+              <a:t>위치 정보</a:t>
+            </a:r>
+          </a:p>
+        </p:txBody>
+      </p:sp>
+      <p:sp>
+        <p:nvSpPr>
+          <p:cNvPr id="33" name="오른쪽 화살표 32"/>
+          <p:cNvSpPr/>
+          <p:nvPr/>
+        </p:nvSpPr>
+        <p:spPr>
+          <a:xfrm>
+            <a:off x="3030355" y="3465164"/>
+            <a:ext cx="1299685" cy="785427"/>
+          </a:xfrm>
+          <a:prstGeom prst="rightArrow">
+            <a:avLst/>
+          </a:prstGeom>
+        </p:spPr>
+        <p:style>
+          <a:lnRef idx="2">
+            <a:schemeClr val="accent5">
+              <a:shade val="50000"/>
+            </a:schemeClr>
+          </a:lnRef>
+          <a:fillRef idx="1">
+            <a:schemeClr val="accent5"/>
+          </a:fillRef>
+          <a:effectRef idx="0">
+            <a:schemeClr val="accent5"/>
+          </a:effectRef>
+          <a:fontRef idx="minor">
+            <a:schemeClr val="lt1"/>
+          </a:fontRef>
+        </p:style>
+        <p:txBody>
+          <a:bodyPr lIns="0" tIns="0" rIns="0" bIns="0" rtlCol="0" anchor="ctr">
+            <a:noAutofit/>
+          </a:bodyPr>
+          <a:lstStyle/>
+          <a:p>
+            <a:pPr algn="ctr"/>
+            <a:r>
+              <a:rPr lang="ko-KR" altLang="en-US" sz="1200" b="1" dirty="0" smtClean="0"/>
+              <a:t>상품</a:t>
+            </a:r>
+            <a:r>
+              <a:rPr lang="en-US" altLang="ko-KR" sz="1200" b="1" dirty="0" smtClean="0"/>
+              <a:t> </a:t>
+            </a:r>
+            <a:r>
+              <a:rPr lang="ko-KR" altLang="en-US" sz="1200" b="1" dirty="0" smtClean="0"/>
+              <a:t>위치 정보</a:t>
+            </a:r>
+            <a:endParaRPr lang="ko-KR" altLang="en-US" sz="1200" b="1" dirty="0"/>
+          </a:p>
+        </p:txBody>
+      </p:sp>
+    </p:spTree>
+    <p:extLst>
+      <p:ext uri="{BB962C8B-B14F-4D97-AF65-F5344CB8AC3E}">
+        <p14:creationId xmlns:p14="http://schemas.microsoft.com/office/powerpoint/2010/main" val="1761311731"/>
       </p:ext>
     </p:extLst>
   </p:cSld>

--- a/doc/시스템 개념.pptx
+++ b/doc/시스템 개념.pptx
@@ -1549,40 +1549,40 @@
     </dgm:pt>
   </dgm:ptLst>
   <dgm:cxnLst>
+    <dgm:cxn modelId="{696B3D13-4F41-49A1-BC08-EB7FA8E03E97}" type="presOf" srcId="{71403A17-7633-40C1-9DD1-F48010F1D42F}" destId="{C1417630-0DF0-46E2-8BE3-3ADBF55A5E74}" srcOrd="1" destOrd="0" presId="urn:microsoft.com/office/officeart/2005/8/layout/venn1"/>
+    <dgm:cxn modelId="{07F8E6AA-B4DE-4D2B-AB16-FD6C01C8EA98}" type="presOf" srcId="{F5800B0D-DBFD-46C6-B468-75CC55379768}" destId="{28279656-3B19-4C60-B0CB-CC9D49852849}" srcOrd="0" destOrd="1" presId="urn:microsoft.com/office/officeart/2005/8/layout/venn1"/>
+    <dgm:cxn modelId="{643184E1-C9B8-4702-AB78-D119F8CA500D}" srcId="{A2184906-6E96-4BFF-A216-2CDCC29C7387}" destId="{286E7E16-A8BE-464F-BA00-DB570C2B0AB3}" srcOrd="2" destOrd="0" parTransId="{718FBCBD-3AB4-48C2-81D2-71EA7BCA7744}" sibTransId="{CB42638A-034D-4692-8DDC-76AD77C29BEB}"/>
+    <dgm:cxn modelId="{422F0330-C025-4A10-85B6-92DFB1F6B1EB}" type="presOf" srcId="{E3536D26-453B-4E26-B4B8-CB924A57BEA3}" destId="{28279656-3B19-4C60-B0CB-CC9D49852849}" srcOrd="0" destOrd="0" presId="urn:microsoft.com/office/officeart/2005/8/layout/venn1"/>
+    <dgm:cxn modelId="{A0810127-8366-4173-A3EC-E82FEDFCAD09}" type="presOf" srcId="{15340374-ADE8-41BE-9FCB-E95A20BEEB6C}" destId="{6651E0AF-CE0F-4162-B8DB-468E33360625}" srcOrd="0" destOrd="0" presId="urn:microsoft.com/office/officeart/2005/8/layout/venn1"/>
+    <dgm:cxn modelId="{FAF56295-6EA4-43D9-8F62-3555F0380F83}" srcId="{15340374-ADE8-41BE-9FCB-E95A20BEEB6C}" destId="{71403A17-7633-40C1-9DD1-F48010F1D42F}" srcOrd="1" destOrd="0" parTransId="{67B5E8E2-6CE7-461C-9A6F-1A373D6519D6}" sibTransId="{086E3947-CE65-401E-BE6A-4133465ADE09}"/>
+    <dgm:cxn modelId="{03808C10-DE17-4885-98B6-4D550AB48776}" srcId="{15340374-ADE8-41BE-9FCB-E95A20BEEB6C}" destId="{A2184906-6E96-4BFF-A216-2CDCC29C7387}" srcOrd="2" destOrd="0" parTransId="{A5E20DB2-7C06-40E4-92CD-7C620C12834B}" sibTransId="{E6903F04-4159-4A80-B6F4-6219F3E817D4}"/>
     <dgm:cxn modelId="{1872435F-7E44-4DB1-86C1-89469AD16A32}" srcId="{71403A17-7633-40C1-9DD1-F48010F1D42F}" destId="{45FE60E3-5329-4FC6-BF52-2E8D5F6E393C}" srcOrd="2" destOrd="0" parTransId="{9E26B424-6F55-4A71-BF93-43F2E15A1DD7}" sibTransId="{D8E4B919-6F3E-44A4-A58C-CD0CCD6C9492}"/>
+    <dgm:cxn modelId="{9C84ECAA-8D57-44F9-AE50-2D1A997329D7}" type="presOf" srcId="{B7501A83-673F-48D3-901C-1A5638320F98}" destId="{9F8B2F5E-0CD2-4EE1-A20B-E04095427357}" srcOrd="1" destOrd="1" presId="urn:microsoft.com/office/officeart/2005/8/layout/venn1"/>
+    <dgm:cxn modelId="{F7800975-CDAC-4274-B8DD-B2EF385C0EC3}" type="presOf" srcId="{D394152D-0036-4447-9299-97FF6C305010}" destId="{B8D1994B-08EB-499F-8D8D-6B697550A969}" srcOrd="0" destOrd="2" presId="urn:microsoft.com/office/officeart/2005/8/layout/venn1"/>
     <dgm:cxn modelId="{E853CAB3-0BDC-4A64-AC3B-7B50CD4CE8D2}" type="presOf" srcId="{CDBD3D8E-3522-4951-9FF8-0D8486CBEAF3}" destId="{4522B831-3FD9-46A4-8BBC-6881DC1BD5F6}" srcOrd="1" destOrd="2" presId="urn:microsoft.com/office/officeart/2005/8/layout/venn1"/>
+    <dgm:cxn modelId="{71298D5B-0F8F-4A19-8225-25A992FE7F3F}" srcId="{71403A17-7633-40C1-9DD1-F48010F1D42F}" destId="{457308CD-8D94-4D65-ABB6-F4DBD4292B5A}" srcOrd="1" destOrd="0" parTransId="{8E129A2C-705F-4E7B-A2DB-8FD53FD20047}" sibTransId="{31E781C3-6691-411E-A777-E8FF0E17C6D1}"/>
+    <dgm:cxn modelId="{EC3C6870-978B-4CEE-8B1A-CFAC3D3FDA3C}" type="presOf" srcId="{286E7E16-A8BE-464F-BA00-DB570C2B0AB3}" destId="{9F8B2F5E-0CD2-4EE1-A20B-E04095427357}" srcOrd="1" destOrd="3" presId="urn:microsoft.com/office/officeart/2005/8/layout/venn1"/>
+    <dgm:cxn modelId="{020DE9EC-A35A-4F45-9BAB-D3D823B0CB55}" type="presOf" srcId="{45FE60E3-5329-4FC6-BF52-2E8D5F6E393C}" destId="{3F2F6218-954C-4A34-8C2E-74C8F0FF1D71}" srcOrd="0" destOrd="3" presId="urn:microsoft.com/office/officeart/2005/8/layout/venn1"/>
+    <dgm:cxn modelId="{717CCFC6-DF4F-4529-84A6-A6A4E73EDEA1}" srcId="{E3536D26-453B-4E26-B4B8-CB924A57BEA3}" destId="{CDBD3D8E-3522-4951-9FF8-0D8486CBEAF3}" srcOrd="1" destOrd="0" parTransId="{8DB145C8-1D1A-4E60-A01D-3CE136F64F76}" sibTransId="{28F75634-104C-4200-B3F8-641EBF3C8931}"/>
+    <dgm:cxn modelId="{BE6117D3-2FAC-432A-B42A-046602E9D6CB}" type="presOf" srcId="{457308CD-8D94-4D65-ABB6-F4DBD4292B5A}" destId="{C1417630-0DF0-46E2-8BE3-3ADBF55A5E74}" srcOrd="1" destOrd="2" presId="urn:microsoft.com/office/officeart/2005/8/layout/venn1"/>
+    <dgm:cxn modelId="{7A7F530B-2A9A-4E4C-9861-B05567EC4B0B}" type="presOf" srcId="{457308CD-8D94-4D65-ABB6-F4DBD4292B5A}" destId="{3F2F6218-954C-4A34-8C2E-74C8F0FF1D71}" srcOrd="0" destOrd="2" presId="urn:microsoft.com/office/officeart/2005/8/layout/venn1"/>
+    <dgm:cxn modelId="{A36AC054-93EE-4C58-AAAF-32A4F4D37229}" type="presOf" srcId="{71403A17-7633-40C1-9DD1-F48010F1D42F}" destId="{3F2F6218-954C-4A34-8C2E-74C8F0FF1D71}" srcOrd="0" destOrd="0" presId="urn:microsoft.com/office/officeart/2005/8/layout/venn1"/>
+    <dgm:cxn modelId="{6C932DDB-2F5F-4FD9-AC45-1ED8B572AA69}" type="presOf" srcId="{286E7E16-A8BE-464F-BA00-DB570C2B0AB3}" destId="{B8D1994B-08EB-499F-8D8D-6B697550A969}" srcOrd="0" destOrd="3" presId="urn:microsoft.com/office/officeart/2005/8/layout/venn1"/>
+    <dgm:cxn modelId="{7271D029-7630-47A8-9F1C-3DFA97F37A01}" type="presOf" srcId="{A2184906-6E96-4BFF-A216-2CDCC29C7387}" destId="{B8D1994B-08EB-499F-8D8D-6B697550A969}" srcOrd="0" destOrd="0" presId="urn:microsoft.com/office/officeart/2005/8/layout/venn1"/>
+    <dgm:cxn modelId="{825ABFBB-D125-43C6-91B1-90E8FA8C9BA8}" type="presOf" srcId="{D394152D-0036-4447-9299-97FF6C305010}" destId="{9F8B2F5E-0CD2-4EE1-A20B-E04095427357}" srcOrd="1" destOrd="2" presId="urn:microsoft.com/office/officeart/2005/8/layout/venn1"/>
+    <dgm:cxn modelId="{C84AF86C-7743-4671-A55A-DE8EC0082B15}" srcId="{15340374-ADE8-41BE-9FCB-E95A20BEEB6C}" destId="{E3536D26-453B-4E26-B4B8-CB924A57BEA3}" srcOrd="0" destOrd="0" parTransId="{87359AA6-D096-4144-B525-837972547487}" sibTransId="{049667EC-DE78-4FD8-9AB0-0381F293E3FA}"/>
+    <dgm:cxn modelId="{46FD4F7C-F410-477E-A876-9AAF1F37B5D4}" srcId="{A2184906-6E96-4BFF-A216-2CDCC29C7387}" destId="{D394152D-0036-4447-9299-97FF6C305010}" srcOrd="1" destOrd="0" parTransId="{F3A8BC52-E7F2-4D91-9F17-E67D9A03C8BD}" sibTransId="{C91E8421-6DD9-46FC-AD05-759DEAA8ECA2}"/>
+    <dgm:cxn modelId="{9CCCD6CB-005D-4480-BD18-DBE2B45800DD}" srcId="{A2184906-6E96-4BFF-A216-2CDCC29C7387}" destId="{B7501A83-673F-48D3-901C-1A5638320F98}" srcOrd="0" destOrd="0" parTransId="{BAF783B5-6488-4B87-9BF3-CC8B669A2DA2}" sibTransId="{77800786-83DB-45ED-8704-04AD81BC9665}"/>
+    <dgm:cxn modelId="{6EA6E512-FFF6-49BD-B23D-BE834808BCBE}" srcId="{71403A17-7633-40C1-9DD1-F48010F1D42F}" destId="{1F5CB5FF-85F2-4F33-BD67-4C99B6B76D3B}" srcOrd="0" destOrd="0" parTransId="{F2E51F6F-9907-4AF4-89EF-5C151FB53009}" sibTransId="{4EA8AD30-241D-4E18-8B51-D192124A966A}"/>
+    <dgm:cxn modelId="{1A740AE2-370D-4532-82A9-2B87964A9B96}" type="presOf" srcId="{1F5CB5FF-85F2-4F33-BD67-4C99B6B76D3B}" destId="{C1417630-0DF0-46E2-8BE3-3ADBF55A5E74}" srcOrd="1" destOrd="1" presId="urn:microsoft.com/office/officeart/2005/8/layout/venn1"/>
+    <dgm:cxn modelId="{10302CE5-8019-4AF0-926C-51A3AAB4FDAD}" type="presOf" srcId="{CDBD3D8E-3522-4951-9FF8-0D8486CBEAF3}" destId="{28279656-3B19-4C60-B0CB-CC9D49852849}" srcOrd="0" destOrd="2" presId="urn:microsoft.com/office/officeart/2005/8/layout/venn1"/>
+    <dgm:cxn modelId="{F620EB41-558D-4764-B7DC-5F7653C9A2E0}" type="presOf" srcId="{45FE60E3-5329-4FC6-BF52-2E8D5F6E393C}" destId="{C1417630-0DF0-46E2-8BE3-3ADBF55A5E74}" srcOrd="1" destOrd="3" presId="urn:microsoft.com/office/officeart/2005/8/layout/venn1"/>
+    <dgm:cxn modelId="{A5F849D4-095B-45AD-9C34-EF648DF90319}" type="presOf" srcId="{1F5CB5FF-85F2-4F33-BD67-4C99B6B76D3B}" destId="{3F2F6218-954C-4A34-8C2E-74C8F0FF1D71}" srcOrd="0" destOrd="1" presId="urn:microsoft.com/office/officeart/2005/8/layout/venn1"/>
+    <dgm:cxn modelId="{0E7FF733-D484-40BF-8AF8-CA9B9062131A}" type="presOf" srcId="{B7501A83-673F-48D3-901C-1A5638320F98}" destId="{B8D1994B-08EB-499F-8D8D-6B697550A969}" srcOrd="0" destOrd="1" presId="urn:microsoft.com/office/officeart/2005/8/layout/venn1"/>
     <dgm:cxn modelId="{81D5E39D-560B-48FD-A79F-A200E3614BFB}" type="presOf" srcId="{F5800B0D-DBFD-46C6-B468-75CC55379768}" destId="{4522B831-3FD9-46A4-8BBC-6881DC1BD5F6}" srcOrd="1" destOrd="1" presId="urn:microsoft.com/office/officeart/2005/8/layout/venn1"/>
-    <dgm:cxn modelId="{020DE9EC-A35A-4F45-9BAB-D3D823B0CB55}" type="presOf" srcId="{45FE60E3-5329-4FC6-BF52-2E8D5F6E393C}" destId="{3F2F6218-954C-4A34-8C2E-74C8F0FF1D71}" srcOrd="0" destOrd="3" presId="urn:microsoft.com/office/officeart/2005/8/layout/venn1"/>
-    <dgm:cxn modelId="{6C932DDB-2F5F-4FD9-AC45-1ED8B572AA69}" type="presOf" srcId="{286E7E16-A8BE-464F-BA00-DB570C2B0AB3}" destId="{B8D1994B-08EB-499F-8D8D-6B697550A969}" srcOrd="0" destOrd="3" presId="urn:microsoft.com/office/officeart/2005/8/layout/venn1"/>
-    <dgm:cxn modelId="{696B3D13-4F41-49A1-BC08-EB7FA8E03E97}" type="presOf" srcId="{71403A17-7633-40C1-9DD1-F48010F1D42F}" destId="{C1417630-0DF0-46E2-8BE3-3ADBF55A5E74}" srcOrd="1" destOrd="0" presId="urn:microsoft.com/office/officeart/2005/8/layout/venn1"/>
-    <dgm:cxn modelId="{03808C10-DE17-4885-98B6-4D550AB48776}" srcId="{15340374-ADE8-41BE-9FCB-E95A20BEEB6C}" destId="{A2184906-6E96-4BFF-A216-2CDCC29C7387}" srcOrd="2" destOrd="0" parTransId="{A5E20DB2-7C06-40E4-92CD-7C620C12834B}" sibTransId="{E6903F04-4159-4A80-B6F4-6219F3E817D4}"/>
-    <dgm:cxn modelId="{A5F849D4-095B-45AD-9C34-EF648DF90319}" type="presOf" srcId="{1F5CB5FF-85F2-4F33-BD67-4C99B6B76D3B}" destId="{3F2F6218-954C-4A34-8C2E-74C8F0FF1D71}" srcOrd="0" destOrd="1" presId="urn:microsoft.com/office/officeart/2005/8/layout/venn1"/>
-    <dgm:cxn modelId="{46FD4F7C-F410-477E-A876-9AAF1F37B5D4}" srcId="{A2184906-6E96-4BFF-A216-2CDCC29C7387}" destId="{D394152D-0036-4447-9299-97FF6C305010}" srcOrd="1" destOrd="0" parTransId="{F3A8BC52-E7F2-4D91-9F17-E67D9A03C8BD}" sibTransId="{C91E8421-6DD9-46FC-AD05-759DEAA8ECA2}"/>
-    <dgm:cxn modelId="{6EA6E512-FFF6-49BD-B23D-BE834808BCBE}" srcId="{71403A17-7633-40C1-9DD1-F48010F1D42F}" destId="{1F5CB5FF-85F2-4F33-BD67-4C99B6B76D3B}" srcOrd="0" destOrd="0" parTransId="{F2E51F6F-9907-4AF4-89EF-5C151FB53009}" sibTransId="{4EA8AD30-241D-4E18-8B51-D192124A966A}"/>
-    <dgm:cxn modelId="{71298D5B-0F8F-4A19-8225-25A992FE7F3F}" srcId="{71403A17-7633-40C1-9DD1-F48010F1D42F}" destId="{457308CD-8D94-4D65-ABB6-F4DBD4292B5A}" srcOrd="1" destOrd="0" parTransId="{8E129A2C-705F-4E7B-A2DB-8FD53FD20047}" sibTransId="{31E781C3-6691-411E-A777-E8FF0E17C6D1}"/>
-    <dgm:cxn modelId="{422F0330-C025-4A10-85B6-92DFB1F6B1EB}" type="presOf" srcId="{E3536D26-453B-4E26-B4B8-CB924A57BEA3}" destId="{28279656-3B19-4C60-B0CB-CC9D49852849}" srcOrd="0" destOrd="0" presId="urn:microsoft.com/office/officeart/2005/8/layout/venn1"/>
-    <dgm:cxn modelId="{9C84ECAA-8D57-44F9-AE50-2D1A997329D7}" type="presOf" srcId="{B7501A83-673F-48D3-901C-1A5638320F98}" destId="{9F8B2F5E-0CD2-4EE1-A20B-E04095427357}" srcOrd="1" destOrd="1" presId="urn:microsoft.com/office/officeart/2005/8/layout/venn1"/>
-    <dgm:cxn modelId="{07F8E6AA-B4DE-4D2B-AB16-FD6C01C8EA98}" type="presOf" srcId="{F5800B0D-DBFD-46C6-B468-75CC55379768}" destId="{28279656-3B19-4C60-B0CB-CC9D49852849}" srcOrd="0" destOrd="1" presId="urn:microsoft.com/office/officeart/2005/8/layout/venn1"/>
-    <dgm:cxn modelId="{825ABFBB-D125-43C6-91B1-90E8FA8C9BA8}" type="presOf" srcId="{D394152D-0036-4447-9299-97FF6C305010}" destId="{9F8B2F5E-0CD2-4EE1-A20B-E04095427357}" srcOrd="1" destOrd="2" presId="urn:microsoft.com/office/officeart/2005/8/layout/venn1"/>
-    <dgm:cxn modelId="{9CCCD6CB-005D-4480-BD18-DBE2B45800DD}" srcId="{A2184906-6E96-4BFF-A216-2CDCC29C7387}" destId="{B7501A83-673F-48D3-901C-1A5638320F98}" srcOrd="0" destOrd="0" parTransId="{BAF783B5-6488-4B87-9BF3-CC8B669A2DA2}" sibTransId="{77800786-83DB-45ED-8704-04AD81BC9665}"/>
-    <dgm:cxn modelId="{7271D029-7630-47A8-9F1C-3DFA97F37A01}" type="presOf" srcId="{A2184906-6E96-4BFF-A216-2CDCC29C7387}" destId="{B8D1994B-08EB-499F-8D8D-6B697550A969}" srcOrd="0" destOrd="0" presId="urn:microsoft.com/office/officeart/2005/8/layout/venn1"/>
-    <dgm:cxn modelId="{FAF56295-6EA4-43D9-8F62-3555F0380F83}" srcId="{15340374-ADE8-41BE-9FCB-E95A20BEEB6C}" destId="{71403A17-7633-40C1-9DD1-F48010F1D42F}" srcOrd="1" destOrd="0" parTransId="{67B5E8E2-6CE7-461C-9A6F-1A373D6519D6}" sibTransId="{086E3947-CE65-401E-BE6A-4133465ADE09}"/>
-    <dgm:cxn modelId="{C84AF86C-7743-4671-A55A-DE8EC0082B15}" srcId="{15340374-ADE8-41BE-9FCB-E95A20BEEB6C}" destId="{E3536D26-453B-4E26-B4B8-CB924A57BEA3}" srcOrd="0" destOrd="0" parTransId="{87359AA6-D096-4144-B525-837972547487}" sibTransId="{049667EC-DE78-4FD8-9AB0-0381F293E3FA}"/>
-    <dgm:cxn modelId="{1A740AE2-370D-4532-82A9-2B87964A9B96}" type="presOf" srcId="{1F5CB5FF-85F2-4F33-BD67-4C99B6B76D3B}" destId="{C1417630-0DF0-46E2-8BE3-3ADBF55A5E74}" srcOrd="1" destOrd="1" presId="urn:microsoft.com/office/officeart/2005/8/layout/venn1"/>
-    <dgm:cxn modelId="{A36AC054-93EE-4C58-AAAF-32A4F4D37229}" type="presOf" srcId="{71403A17-7633-40C1-9DD1-F48010F1D42F}" destId="{3F2F6218-954C-4A34-8C2E-74C8F0FF1D71}" srcOrd="0" destOrd="0" presId="urn:microsoft.com/office/officeart/2005/8/layout/venn1"/>
-    <dgm:cxn modelId="{EC3C6870-978B-4CEE-8B1A-CFAC3D3FDA3C}" type="presOf" srcId="{286E7E16-A8BE-464F-BA00-DB570C2B0AB3}" destId="{9F8B2F5E-0CD2-4EE1-A20B-E04095427357}" srcOrd="1" destOrd="3" presId="urn:microsoft.com/office/officeart/2005/8/layout/venn1"/>
-    <dgm:cxn modelId="{BE6117D3-2FAC-432A-B42A-046602E9D6CB}" type="presOf" srcId="{457308CD-8D94-4D65-ABB6-F4DBD4292B5A}" destId="{C1417630-0DF0-46E2-8BE3-3ADBF55A5E74}" srcOrd="1" destOrd="2" presId="urn:microsoft.com/office/officeart/2005/8/layout/venn1"/>
-    <dgm:cxn modelId="{F7800975-CDAC-4274-B8DD-B2EF385C0EC3}" type="presOf" srcId="{D394152D-0036-4447-9299-97FF6C305010}" destId="{B8D1994B-08EB-499F-8D8D-6B697550A969}" srcOrd="0" destOrd="2" presId="urn:microsoft.com/office/officeart/2005/8/layout/venn1"/>
-    <dgm:cxn modelId="{643184E1-C9B8-4702-AB78-D119F8CA500D}" srcId="{A2184906-6E96-4BFF-A216-2CDCC29C7387}" destId="{286E7E16-A8BE-464F-BA00-DB570C2B0AB3}" srcOrd="2" destOrd="0" parTransId="{718FBCBD-3AB4-48C2-81D2-71EA7BCA7744}" sibTransId="{CB42638A-034D-4692-8DDC-76AD77C29BEB}"/>
-    <dgm:cxn modelId="{7A7F530B-2A9A-4E4C-9861-B05567EC4B0B}" type="presOf" srcId="{457308CD-8D94-4D65-ABB6-F4DBD4292B5A}" destId="{3F2F6218-954C-4A34-8C2E-74C8F0FF1D71}" srcOrd="0" destOrd="2" presId="urn:microsoft.com/office/officeart/2005/8/layout/venn1"/>
+    <dgm:cxn modelId="{D1DAB7D9-5B22-4EDE-8638-53F24C8B99D2}" type="presOf" srcId="{A2184906-6E96-4BFF-A216-2CDCC29C7387}" destId="{9F8B2F5E-0CD2-4EE1-A20B-E04095427357}" srcOrd="1" destOrd="0" presId="urn:microsoft.com/office/officeart/2005/8/layout/venn1"/>
+    <dgm:cxn modelId="{D95F334F-FC08-4B06-9F87-C1D1C5130939}" srcId="{E3536D26-453B-4E26-B4B8-CB924A57BEA3}" destId="{F5800B0D-DBFD-46C6-B468-75CC55379768}" srcOrd="0" destOrd="0" parTransId="{635337F6-6FA1-4204-A496-DC577A4EA034}" sibTransId="{858E93E1-8B88-40AB-9CB2-2DFDE67A31F2}"/>
     <dgm:cxn modelId="{AD1B2CC9-6EDE-41D7-A451-36BCCCE405D3}" type="presOf" srcId="{E3536D26-453B-4E26-B4B8-CB924A57BEA3}" destId="{4522B831-3FD9-46A4-8BBC-6881DC1BD5F6}" srcOrd="1" destOrd="0" presId="urn:microsoft.com/office/officeart/2005/8/layout/venn1"/>
-    <dgm:cxn modelId="{A0810127-8366-4173-A3EC-E82FEDFCAD09}" type="presOf" srcId="{15340374-ADE8-41BE-9FCB-E95A20BEEB6C}" destId="{6651E0AF-CE0F-4162-B8DB-468E33360625}" srcOrd="0" destOrd="0" presId="urn:microsoft.com/office/officeart/2005/8/layout/venn1"/>
-    <dgm:cxn modelId="{D1DAB7D9-5B22-4EDE-8638-53F24C8B99D2}" type="presOf" srcId="{A2184906-6E96-4BFF-A216-2CDCC29C7387}" destId="{9F8B2F5E-0CD2-4EE1-A20B-E04095427357}" srcOrd="1" destOrd="0" presId="urn:microsoft.com/office/officeart/2005/8/layout/venn1"/>
-    <dgm:cxn modelId="{717CCFC6-DF4F-4529-84A6-A6A4E73EDEA1}" srcId="{E3536D26-453B-4E26-B4B8-CB924A57BEA3}" destId="{CDBD3D8E-3522-4951-9FF8-0D8486CBEAF3}" srcOrd="1" destOrd="0" parTransId="{8DB145C8-1D1A-4E60-A01D-3CE136F64F76}" sibTransId="{28F75634-104C-4200-B3F8-641EBF3C8931}"/>
-    <dgm:cxn modelId="{0E7FF733-D484-40BF-8AF8-CA9B9062131A}" type="presOf" srcId="{B7501A83-673F-48D3-901C-1A5638320F98}" destId="{B8D1994B-08EB-499F-8D8D-6B697550A969}" srcOrd="0" destOrd="1" presId="urn:microsoft.com/office/officeart/2005/8/layout/venn1"/>
-    <dgm:cxn modelId="{D95F334F-FC08-4B06-9F87-C1D1C5130939}" srcId="{E3536D26-453B-4E26-B4B8-CB924A57BEA3}" destId="{F5800B0D-DBFD-46C6-B468-75CC55379768}" srcOrd="0" destOrd="0" parTransId="{635337F6-6FA1-4204-A496-DC577A4EA034}" sibTransId="{858E93E1-8B88-40AB-9CB2-2DFDE67A31F2}"/>
-    <dgm:cxn modelId="{F620EB41-558D-4764-B7DC-5F7653C9A2E0}" type="presOf" srcId="{45FE60E3-5329-4FC6-BF52-2E8D5F6E393C}" destId="{C1417630-0DF0-46E2-8BE3-3ADBF55A5E74}" srcOrd="1" destOrd="3" presId="urn:microsoft.com/office/officeart/2005/8/layout/venn1"/>
-    <dgm:cxn modelId="{10302CE5-8019-4AF0-926C-51A3AAB4FDAD}" type="presOf" srcId="{CDBD3D8E-3522-4951-9FF8-0D8486CBEAF3}" destId="{28279656-3B19-4C60-B0CB-CC9D49852849}" srcOrd="0" destOrd="2" presId="urn:microsoft.com/office/officeart/2005/8/layout/venn1"/>
     <dgm:cxn modelId="{C5F881AC-DF2F-43A8-9F7B-E42F52D4D439}" type="presParOf" srcId="{6651E0AF-CE0F-4162-B8DB-468E33360625}" destId="{28279656-3B19-4C60-B0CB-CC9D49852849}" srcOrd="0" destOrd="0" presId="urn:microsoft.com/office/officeart/2005/8/layout/venn1"/>
     <dgm:cxn modelId="{30C2E55D-50CE-4468-927A-4775B9CF2F1B}" type="presParOf" srcId="{6651E0AF-CE0F-4162-B8DB-468E33360625}" destId="{4522B831-3FD9-46A4-8BBC-6881DC1BD5F6}" srcOrd="1" destOrd="0" presId="urn:microsoft.com/office/officeart/2005/8/layout/venn1"/>
     <dgm:cxn modelId="{EAAE165D-5E1B-4F00-A91C-C1E275DECB2F}" type="presParOf" srcId="{6651E0AF-CE0F-4162-B8DB-468E33360625}" destId="{3F2F6218-954C-4A34-8C2E-74C8F0FF1D71}" srcOrd="2" destOrd="0" presId="urn:microsoft.com/office/officeart/2005/8/layout/venn1"/>
@@ -4038,7 +4038,7 @@
           <a:p>
             <a:fld id="{3C9918EF-AF9F-43F7-8C5C-CC604C6A12F3}" type="datetimeFigureOut">
               <a:rPr lang="ko-KR" altLang="en-US" smtClean="0"/>
-              <a:t>2024-01-30</a:t>
+              <a:t>2024-02-08</a:t>
             </a:fld>
             <a:endParaRPr lang="ko-KR" altLang="en-US"/>
           </a:p>
@@ -4208,7 +4208,7 @@
           <a:p>
             <a:fld id="{3C9918EF-AF9F-43F7-8C5C-CC604C6A12F3}" type="datetimeFigureOut">
               <a:rPr lang="ko-KR" altLang="en-US" smtClean="0"/>
-              <a:t>2024-01-30</a:t>
+              <a:t>2024-02-08</a:t>
             </a:fld>
             <a:endParaRPr lang="ko-KR" altLang="en-US"/>
           </a:p>
@@ -4388,7 +4388,7 @@
           <a:p>
             <a:fld id="{3C9918EF-AF9F-43F7-8C5C-CC604C6A12F3}" type="datetimeFigureOut">
               <a:rPr lang="ko-KR" altLang="en-US" smtClean="0"/>
-              <a:t>2024-01-30</a:t>
+              <a:t>2024-02-08</a:t>
             </a:fld>
             <a:endParaRPr lang="ko-KR" altLang="en-US"/>
           </a:p>
@@ -4558,7 +4558,7 @@
           <a:p>
             <a:fld id="{3C9918EF-AF9F-43F7-8C5C-CC604C6A12F3}" type="datetimeFigureOut">
               <a:rPr lang="ko-KR" altLang="en-US" smtClean="0"/>
-              <a:t>2024-01-30</a:t>
+              <a:t>2024-02-08</a:t>
             </a:fld>
             <a:endParaRPr lang="ko-KR" altLang="en-US"/>
           </a:p>
@@ -4804,7 +4804,7 @@
           <a:p>
             <a:fld id="{3C9918EF-AF9F-43F7-8C5C-CC604C6A12F3}" type="datetimeFigureOut">
               <a:rPr lang="ko-KR" altLang="en-US" smtClean="0"/>
-              <a:t>2024-01-30</a:t>
+              <a:t>2024-02-08</a:t>
             </a:fld>
             <a:endParaRPr lang="ko-KR" altLang="en-US"/>
           </a:p>
@@ -5036,7 +5036,7 @@
           <a:p>
             <a:fld id="{3C9918EF-AF9F-43F7-8C5C-CC604C6A12F3}" type="datetimeFigureOut">
               <a:rPr lang="ko-KR" altLang="en-US" smtClean="0"/>
-              <a:t>2024-01-30</a:t>
+              <a:t>2024-02-08</a:t>
             </a:fld>
             <a:endParaRPr lang="ko-KR" altLang="en-US"/>
           </a:p>
@@ -5403,7 +5403,7 @@
           <a:p>
             <a:fld id="{3C9918EF-AF9F-43F7-8C5C-CC604C6A12F3}" type="datetimeFigureOut">
               <a:rPr lang="ko-KR" altLang="en-US" smtClean="0"/>
-              <a:t>2024-01-30</a:t>
+              <a:t>2024-02-08</a:t>
             </a:fld>
             <a:endParaRPr lang="ko-KR" altLang="en-US"/>
           </a:p>
@@ -5521,7 +5521,7 @@
           <a:p>
             <a:fld id="{3C9918EF-AF9F-43F7-8C5C-CC604C6A12F3}" type="datetimeFigureOut">
               <a:rPr lang="ko-KR" altLang="en-US" smtClean="0"/>
-              <a:t>2024-01-30</a:t>
+              <a:t>2024-02-08</a:t>
             </a:fld>
             <a:endParaRPr lang="ko-KR" altLang="en-US"/>
           </a:p>
@@ -5616,7 +5616,7 @@
           <a:p>
             <a:fld id="{3C9918EF-AF9F-43F7-8C5C-CC604C6A12F3}" type="datetimeFigureOut">
               <a:rPr lang="ko-KR" altLang="en-US" smtClean="0"/>
-              <a:t>2024-01-30</a:t>
+              <a:t>2024-02-08</a:t>
             </a:fld>
             <a:endParaRPr lang="ko-KR" altLang="en-US"/>
           </a:p>
@@ -5893,7 +5893,7 @@
           <a:p>
             <a:fld id="{3C9918EF-AF9F-43F7-8C5C-CC604C6A12F3}" type="datetimeFigureOut">
               <a:rPr lang="ko-KR" altLang="en-US" smtClean="0"/>
-              <a:t>2024-01-30</a:t>
+              <a:t>2024-02-08</a:t>
             </a:fld>
             <a:endParaRPr lang="ko-KR" altLang="en-US"/>
           </a:p>
@@ -6146,7 +6146,7 @@
           <a:p>
             <a:fld id="{3C9918EF-AF9F-43F7-8C5C-CC604C6A12F3}" type="datetimeFigureOut">
               <a:rPr lang="ko-KR" altLang="en-US" smtClean="0"/>
-              <a:t>2024-01-30</a:t>
+              <a:t>2024-02-08</a:t>
             </a:fld>
             <a:endParaRPr lang="ko-KR" altLang="en-US"/>
           </a:p>
@@ -6359,7 +6359,7 @@
           <a:p>
             <a:fld id="{3C9918EF-AF9F-43F7-8C5C-CC604C6A12F3}" type="datetimeFigureOut">
               <a:rPr lang="ko-KR" altLang="en-US" smtClean="0"/>
-              <a:t>2024-01-30</a:t>
+              <a:t>2024-02-08</a:t>
             </a:fld>
             <a:endParaRPr lang="ko-KR" altLang="en-US"/>
           </a:p>
@@ -9496,11 +9496,7 @@
             <a:pPr algn="ctr"/>
             <a:r>
               <a:rPr lang="en-US" altLang="ko-KR" sz="2400" b="1" dirty="0" smtClean="0"/>
-              <a:t>(</a:t>
-            </a:r>
-            <a:r>
-              <a:rPr lang="en-US" altLang="ko-KR" sz="2400" b="1" dirty="0" smtClean="0"/>
-              <a:t>SPS, MICUBE)</a:t>
+              <a:t>(SPS, MICUBE)</a:t>
             </a:r>
             <a:endParaRPr lang="ko-KR" altLang="en-US" sz="2400" b="1" dirty="0"/>
           </a:p>
@@ -10588,6 +10584,284 @@
           </a:p>
         </p:txBody>
       </p:sp>
+      <p:grpSp>
+        <p:nvGrpSpPr>
+          <p:cNvPr id="27" name="그룹 26"/>
+          <p:cNvGrpSpPr/>
+          <p:nvPr/>
+        </p:nvGrpSpPr>
+        <p:grpSpPr>
+          <a:xfrm>
+            <a:off x="1120029" y="-1814287"/>
+            <a:ext cx="9934189" cy="1552447"/>
+            <a:chOff x="5561045" y="3384247"/>
+            <a:chExt cx="2799184" cy="3643370"/>
+          </a:xfrm>
+        </p:grpSpPr>
+        <p:sp>
+          <p:nvSpPr>
+            <p:cNvPr id="28" name="모서리가 둥근 직사각형 27"/>
+            <p:cNvSpPr/>
+            <p:nvPr/>
+          </p:nvSpPr>
+          <p:spPr>
+            <a:xfrm>
+              <a:off x="5561045" y="3384247"/>
+              <a:ext cx="2799184" cy="3643370"/>
+            </a:xfrm>
+            <a:prstGeom prst="roundRect">
+              <a:avLst>
+                <a:gd name="adj" fmla="val 6334"/>
+              </a:avLst>
+            </a:prstGeom>
+            <a:solidFill>
+              <a:srgbClr val="FFFFFF">
+                <a:alpha val="70000"/>
+              </a:srgbClr>
+            </a:solidFill>
+            <a:ln w="28575">
+              <a:solidFill>
+                <a:schemeClr val="bg1">
+                  <a:lumMod val="50000"/>
+                </a:schemeClr>
+              </a:solidFill>
+              <a:prstDash val="dash"/>
+            </a:ln>
+          </p:spPr>
+          <p:style>
+            <a:lnRef idx="2">
+              <a:schemeClr val="accent1">
+                <a:shade val="50000"/>
+              </a:schemeClr>
+            </a:lnRef>
+            <a:fillRef idx="1">
+              <a:schemeClr val="accent1"/>
+            </a:fillRef>
+            <a:effectRef idx="0">
+              <a:schemeClr val="accent1"/>
+            </a:effectRef>
+            <a:fontRef idx="minor">
+              <a:schemeClr val="lt1"/>
+            </a:fontRef>
+          </p:style>
+          <p:txBody>
+            <a:bodyPr bIns="0" rtlCol="0" anchor="b"/>
+            <a:lstStyle/>
+            <a:p>
+              <a:pPr algn="ctr"/>
+              <a:r>
+                <a:rPr lang="ko-KR" altLang="en-US" sz="1600" b="1" dirty="0" smtClean="0">
+                  <a:solidFill>
+                    <a:schemeClr val="tx1"/>
+                  </a:solidFill>
+                </a:rPr>
+                <a:t>유저 인터페이스</a:t>
+              </a:r>
+              <a:endParaRPr lang="ko-KR" altLang="en-US" sz="1600" b="1" dirty="0">
+                <a:solidFill>
+                  <a:schemeClr val="tx1"/>
+                </a:solidFill>
+              </a:endParaRPr>
+            </a:p>
+          </p:txBody>
+        </p:sp>
+        <p:sp>
+          <p:nvSpPr>
+            <p:cNvPr id="34" name="모서리가 둥근 직사각형 33"/>
+            <p:cNvSpPr/>
+            <p:nvPr/>
+          </p:nvSpPr>
+          <p:spPr>
+            <a:xfrm>
+              <a:off x="5689429" y="3865656"/>
+              <a:ext cx="1223947" cy="1327044"/>
+            </a:xfrm>
+            <a:prstGeom prst="roundRect">
+              <a:avLst>
+                <a:gd name="adj" fmla="val 0"/>
+              </a:avLst>
+            </a:prstGeom>
+            <a:solidFill>
+              <a:srgbClr val="002060"/>
+            </a:solidFill>
+          </p:spPr>
+          <p:style>
+            <a:lnRef idx="2">
+              <a:schemeClr val="accent1">
+                <a:shade val="50000"/>
+              </a:schemeClr>
+            </a:lnRef>
+            <a:fillRef idx="1">
+              <a:schemeClr val="accent1"/>
+            </a:fillRef>
+            <a:effectRef idx="0">
+              <a:schemeClr val="accent1"/>
+            </a:effectRef>
+            <a:fontRef idx="minor">
+              <a:schemeClr val="lt1"/>
+            </a:fontRef>
+          </p:style>
+          <p:txBody>
+            <a:bodyPr rtlCol="0" anchor="ctr"/>
+            <a:lstStyle/>
+            <a:p>
+              <a:pPr algn="ctr"/>
+              <a:r>
+                <a:rPr lang="ko-KR" altLang="en-US" dirty="0" err="1" smtClean="0"/>
+                <a:t>왭</a:t>
+              </a:r>
+              <a:r>
+                <a:rPr lang="ko-KR" altLang="en-US" dirty="0" smtClean="0"/>
+                <a:t> </a:t>
+              </a:r>
+              <a:endParaRPr lang="ko-KR" altLang="en-US" dirty="0"/>
+            </a:p>
+          </p:txBody>
+        </p:sp>
+        <p:sp>
+          <p:nvSpPr>
+            <p:cNvPr id="35" name="모서리가 둥근 직사각형 34"/>
+            <p:cNvSpPr/>
+            <p:nvPr/>
+          </p:nvSpPr>
+          <p:spPr>
+            <a:xfrm>
+              <a:off x="6913376" y="3865653"/>
+              <a:ext cx="1316225" cy="1327044"/>
+            </a:xfrm>
+            <a:prstGeom prst="roundRect">
+              <a:avLst>
+                <a:gd name="adj" fmla="val 0"/>
+              </a:avLst>
+            </a:prstGeom>
+            <a:solidFill>
+              <a:srgbClr val="002060"/>
+            </a:solidFill>
+            <a:ln w="12700">
+              <a:solidFill>
+                <a:schemeClr val="accent6">
+                  <a:lumMod val="75000"/>
+                </a:schemeClr>
+              </a:solidFill>
+            </a:ln>
+          </p:spPr>
+          <p:style>
+            <a:lnRef idx="3">
+              <a:schemeClr val="lt1"/>
+            </a:lnRef>
+            <a:fillRef idx="1">
+              <a:schemeClr val="accent6"/>
+            </a:fillRef>
+            <a:effectRef idx="1">
+              <a:schemeClr val="accent6"/>
+            </a:effectRef>
+            <a:fontRef idx="minor">
+              <a:schemeClr val="lt1"/>
+            </a:fontRef>
+          </p:style>
+          <p:txBody>
+            <a:bodyPr rtlCol="0" anchor="ctr"/>
+            <a:lstStyle/>
+            <a:p>
+              <a:pPr algn="ctr"/>
+              <a:r>
+                <a:rPr lang="en-US" altLang="ko-KR" dirty="0" smtClean="0"/>
+                <a:t>HMI</a:t>
+              </a:r>
+              <a:endParaRPr lang="ko-KR" altLang="en-US" dirty="0"/>
+            </a:p>
+          </p:txBody>
+        </p:sp>
+        <p:sp>
+          <p:nvSpPr>
+            <p:cNvPr id="42" name="모서리가 둥근 직사각형 41"/>
+            <p:cNvSpPr/>
+            <p:nvPr/>
+          </p:nvSpPr>
+          <p:spPr>
+            <a:xfrm>
+              <a:off x="5689429" y="5171403"/>
+              <a:ext cx="2540172" cy="1166273"/>
+            </a:xfrm>
+            <a:prstGeom prst="roundRect">
+              <a:avLst>
+                <a:gd name="adj" fmla="val 0"/>
+              </a:avLst>
+            </a:prstGeom>
+          </p:spPr>
+          <p:style>
+            <a:lnRef idx="2">
+              <a:schemeClr val="accent3">
+                <a:shade val="50000"/>
+              </a:schemeClr>
+            </a:lnRef>
+            <a:fillRef idx="1">
+              <a:schemeClr val="accent3"/>
+            </a:fillRef>
+            <a:effectRef idx="0">
+              <a:schemeClr val="accent3"/>
+            </a:effectRef>
+            <a:fontRef idx="minor">
+              <a:schemeClr val="lt1"/>
+            </a:fontRef>
+          </p:style>
+          <p:txBody>
+            <a:bodyPr rtlCol="0" anchor="ctr"/>
+            <a:lstStyle/>
+            <a:p>
+              <a:pPr algn="ctr"/>
+              <a:r>
+                <a:rPr lang="en-US" altLang="ko-KR" b="1" dirty="0" smtClean="0"/>
+                <a:t>API</a:t>
+              </a:r>
+              <a:endParaRPr lang="ko-KR" altLang="en-US" b="1" dirty="0"/>
+            </a:p>
+          </p:txBody>
+        </p:sp>
+      </p:grpSp>
+      <p:sp>
+        <p:nvSpPr>
+          <p:cNvPr id="3" name="위쪽/아래쪽 화살표 2"/>
+          <p:cNvSpPr/>
+          <p:nvPr/>
+        </p:nvSpPr>
+        <p:spPr>
+          <a:xfrm>
+            <a:off x="5149719" y="-310168"/>
+            <a:ext cx="1875488" cy="945687"/>
+          </a:xfrm>
+          <a:prstGeom prst="upDownArrow">
+            <a:avLst>
+              <a:gd name="adj1" fmla="val 50000"/>
+              <a:gd name="adj2" fmla="val 33528"/>
+            </a:avLst>
+          </a:prstGeom>
+        </p:spPr>
+        <p:style>
+          <a:lnRef idx="2">
+            <a:schemeClr val="accent1">
+              <a:shade val="50000"/>
+            </a:schemeClr>
+          </a:lnRef>
+          <a:fillRef idx="1">
+            <a:schemeClr val="accent1"/>
+          </a:fillRef>
+          <a:effectRef idx="0">
+            <a:schemeClr val="accent1"/>
+          </a:effectRef>
+          <a:fontRef idx="minor">
+            <a:schemeClr val="lt1"/>
+          </a:fontRef>
+        </p:style>
+        <p:txBody>
+          <a:bodyPr rtlCol="0" anchor="ctr"/>
+          <a:lstStyle/>
+          <a:p>
+            <a:pPr algn="ctr"/>
+            <a:endParaRPr lang="ko-KR" altLang="en-US"/>
+          </a:p>
+        </p:txBody>
+      </p:sp>
     </p:spTree>
     <p:extLst>
       <p:ext uri="{BB962C8B-B14F-4D97-AF65-F5344CB8AC3E}">

--- a/doc/시스템 개념.pptx
+++ b/doc/시스템 개념.pptx
@@ -8,11 +8,14 @@
     <p:sldId id="256" r:id="rId2"/>
     <p:sldId id="262" r:id="rId3"/>
     <p:sldId id="261" r:id="rId4"/>
-    <p:sldId id="264" r:id="rId5"/>
-    <p:sldId id="265" r:id="rId6"/>
-    <p:sldId id="259" r:id="rId7"/>
-    <p:sldId id="260" r:id="rId8"/>
-    <p:sldId id="258" r:id="rId9"/>
+    <p:sldId id="265" r:id="rId5"/>
+    <p:sldId id="259" r:id="rId6"/>
+    <p:sldId id="260" r:id="rId7"/>
+    <p:sldId id="266" r:id="rId8"/>
+    <p:sldId id="269" r:id="rId9"/>
+    <p:sldId id="268" r:id="rId10"/>
+    <p:sldId id="270" r:id="rId11"/>
+    <p:sldId id="267" r:id="rId12"/>
   </p:sldIdLst>
   <p:sldSz cx="12192000" cy="6858000"/>
   <p:notesSz cx="6858000" cy="9144000"/>
@@ -1663,7 +1666,7 @@
         </a:bodyPr>
         <a:lstStyle/>
         <a:p>
-          <a:pPr lvl="0" algn="l" defTabSz="844550" latinLnBrk="1">
+          <a:pPr lvl="0" algn="l" defTabSz="933450" latinLnBrk="1">
             <a:lnSpc>
               <a:spcPct val="90000"/>
             </a:lnSpc>
@@ -1675,13 +1678,13 @@
             </a:spcAft>
           </a:pPr>
           <a:r>
-            <a:rPr lang="en-US" altLang="ko-KR" sz="1900" b="1" kern="1200" dirty="0" smtClean="0"/>
+            <a:rPr lang="en-US" altLang="ko-KR" sz="2100" b="1" kern="1200" dirty="0" smtClean="0"/>
             <a:t>WCS</a:t>
           </a:r>
-          <a:endParaRPr lang="ko-KR" altLang="en-US" sz="1900" b="1" kern="1200" dirty="0"/>
+          <a:endParaRPr lang="ko-KR" altLang="en-US" sz="2100" b="1" kern="1200" dirty="0"/>
         </a:p>
         <a:p>
-          <a:pPr marL="114300" lvl="1" indent="-114300" algn="l" defTabSz="666750" latinLnBrk="1">
+          <a:pPr marL="171450" lvl="1" indent="-171450" algn="l" defTabSz="711200" latinLnBrk="1">
             <a:lnSpc>
               <a:spcPct val="90000"/>
             </a:lnSpc>
@@ -1694,13 +1697,13 @@
             <a:buChar char="••"/>
           </a:pPr>
           <a:r>
-            <a:rPr lang="ko-KR" altLang="en-US" sz="1500" kern="1200" dirty="0" smtClean="0"/>
+            <a:rPr lang="ko-KR" altLang="en-US" sz="1600" kern="1200" dirty="0" smtClean="0"/>
             <a:t>설비 자동화</a:t>
           </a:r>
-          <a:endParaRPr lang="ko-KR" altLang="en-US" sz="1500" kern="1200" dirty="0"/>
+          <a:endParaRPr lang="ko-KR" altLang="en-US" sz="1600" kern="1200" dirty="0"/>
         </a:p>
         <a:p>
-          <a:pPr marL="114300" lvl="1" indent="-114300" algn="l" defTabSz="666750" latinLnBrk="1">
+          <a:pPr marL="171450" lvl="1" indent="-171450" algn="l" defTabSz="711200" latinLnBrk="1">
             <a:lnSpc>
               <a:spcPct val="90000"/>
             </a:lnSpc>
@@ -1712,7 +1715,7 @@
             </a:spcAft>
             <a:buChar char="••"/>
           </a:pPr>
-          <a:endParaRPr lang="ko-KR" altLang="en-US" sz="1500" kern="1200" dirty="0"/>
+          <a:endParaRPr lang="ko-KR" altLang="en-US" sz="1600" kern="1200" dirty="0"/>
         </a:p>
       </dsp:txBody>
       <dsp:txXfrm>
@@ -1775,7 +1778,7 @@
         </a:bodyPr>
         <a:lstStyle/>
         <a:p>
-          <a:pPr lvl="0" algn="l" defTabSz="844550" latinLnBrk="1">
+          <a:pPr lvl="0" algn="l" defTabSz="933450" latinLnBrk="1">
             <a:lnSpc>
               <a:spcPct val="90000"/>
             </a:lnSpc>
@@ -1787,13 +1790,13 @@
             </a:spcAft>
           </a:pPr>
           <a:r>
-            <a:rPr lang="en-US" altLang="ko-KR" sz="1900" b="1" kern="1200" dirty="0" smtClean="0"/>
+            <a:rPr lang="en-US" altLang="ko-KR" sz="2100" b="1" kern="1200" dirty="0" smtClean="0"/>
             <a:t>WMS</a:t>
           </a:r>
-          <a:endParaRPr lang="ko-KR" altLang="en-US" sz="1900" b="1" kern="1200" dirty="0"/>
+          <a:endParaRPr lang="ko-KR" altLang="en-US" sz="2100" b="1" kern="1200" dirty="0"/>
         </a:p>
         <a:p>
-          <a:pPr marL="114300" lvl="1" indent="-114300" algn="l" defTabSz="666750" latinLnBrk="1">
+          <a:pPr marL="171450" lvl="1" indent="-171450" algn="l" defTabSz="711200" latinLnBrk="1">
             <a:lnSpc>
               <a:spcPct val="90000"/>
             </a:lnSpc>
@@ -1806,21 +1809,21 @@
             <a:buChar char="••"/>
           </a:pPr>
           <a:r>
-            <a:rPr lang="ko-KR" altLang="en-US" sz="1500" kern="1200" dirty="0" smtClean="0"/>
+            <a:rPr lang="ko-KR" altLang="en-US" sz="1600" kern="1200" dirty="0" smtClean="0"/>
             <a:t>운영 계획 </a:t>
           </a:r>
           <a:r>
-            <a:rPr lang="en-US" altLang="ko-KR" sz="1500" kern="1200" dirty="0" smtClean="0"/>
+            <a:rPr lang="en-US" altLang="ko-KR" sz="1600" kern="1200" dirty="0" smtClean="0"/>
             <a:t>&amp; </a:t>
           </a:r>
           <a:r>
-            <a:rPr lang="ko-KR" altLang="en-US" sz="1500" kern="1200" dirty="0" smtClean="0"/>
+            <a:rPr lang="ko-KR" altLang="en-US" sz="1600" kern="1200" dirty="0" smtClean="0"/>
             <a:t>실행</a:t>
           </a:r>
-          <a:endParaRPr lang="ko-KR" altLang="en-US" sz="1500" kern="1200" dirty="0"/>
+          <a:endParaRPr lang="ko-KR" altLang="en-US" sz="1600" kern="1200" dirty="0"/>
         </a:p>
         <a:p>
-          <a:pPr marL="114300" lvl="1" indent="-114300" algn="l" defTabSz="666750" latinLnBrk="1">
+          <a:pPr marL="171450" lvl="1" indent="-171450" algn="l" defTabSz="711200" latinLnBrk="1">
             <a:lnSpc>
               <a:spcPct val="90000"/>
             </a:lnSpc>
@@ -1833,13 +1836,13 @@
             <a:buChar char="••"/>
           </a:pPr>
           <a:r>
-            <a:rPr lang="ko-KR" altLang="en-US" sz="1500" kern="1200" dirty="0" smtClean="0"/>
+            <a:rPr lang="ko-KR" altLang="en-US" sz="1600" kern="1200" dirty="0" smtClean="0"/>
             <a:t>운영 간소화</a:t>
           </a:r>
-          <a:endParaRPr lang="ko-KR" altLang="en-US" sz="1500" kern="1200" dirty="0"/>
+          <a:endParaRPr lang="ko-KR" altLang="en-US" sz="1600" kern="1200" dirty="0"/>
         </a:p>
         <a:p>
-          <a:pPr marL="114300" lvl="1" indent="-114300" algn="l" defTabSz="666750" latinLnBrk="1">
+          <a:pPr marL="171450" lvl="1" indent="-171450" algn="l" defTabSz="711200" latinLnBrk="1">
             <a:lnSpc>
               <a:spcPct val="90000"/>
             </a:lnSpc>
@@ -1851,7 +1854,7 @@
             </a:spcAft>
             <a:buChar char="••"/>
           </a:pPr>
-          <a:endParaRPr lang="ko-KR" altLang="en-US" sz="1500" kern="1200" dirty="0"/>
+          <a:endParaRPr lang="ko-KR" altLang="en-US" sz="1600" kern="1200" dirty="0"/>
         </a:p>
       </dsp:txBody>
       <dsp:txXfrm>
@@ -1914,7 +1917,7 @@
         </a:bodyPr>
         <a:lstStyle/>
         <a:p>
-          <a:pPr lvl="0" algn="l" defTabSz="844550" latinLnBrk="1">
+          <a:pPr lvl="0" algn="l" defTabSz="933450" latinLnBrk="1">
             <a:lnSpc>
               <a:spcPct val="90000"/>
             </a:lnSpc>
@@ -1926,13 +1929,13 @@
             </a:spcAft>
           </a:pPr>
           <a:r>
-            <a:rPr lang="en-US" altLang="ko-KR" sz="1900" b="1" kern="1200" dirty="0" smtClean="0"/>
+            <a:rPr lang="en-US" altLang="ko-KR" sz="2100" b="1" kern="1200" dirty="0" smtClean="0"/>
             <a:t>WES</a:t>
           </a:r>
-          <a:endParaRPr lang="ko-KR" altLang="en-US" sz="1900" b="1" kern="1200" dirty="0"/>
+          <a:endParaRPr lang="ko-KR" altLang="en-US" sz="2100" b="1" kern="1200" dirty="0"/>
         </a:p>
         <a:p>
-          <a:pPr marL="114300" lvl="1" indent="-114300" algn="l" defTabSz="666750" latinLnBrk="1">
+          <a:pPr marL="171450" lvl="1" indent="-171450" algn="l" defTabSz="711200" latinLnBrk="1">
             <a:lnSpc>
               <a:spcPct val="90000"/>
             </a:lnSpc>
@@ -1945,13 +1948,13 @@
             <a:buChar char="••"/>
           </a:pPr>
           <a:r>
-            <a:rPr lang="ko-KR" altLang="en-US" sz="1500" kern="1200" dirty="0" smtClean="0"/>
+            <a:rPr lang="ko-KR" altLang="en-US" sz="1600" kern="1200" dirty="0" smtClean="0"/>
             <a:t>실시간 자원 제어</a:t>
           </a:r>
-          <a:endParaRPr lang="ko-KR" altLang="en-US" sz="1500" kern="1200" dirty="0"/>
+          <a:endParaRPr lang="ko-KR" altLang="en-US" sz="1600" kern="1200" dirty="0"/>
         </a:p>
         <a:p>
-          <a:pPr marL="114300" lvl="1" indent="-114300" algn="l" defTabSz="666750" latinLnBrk="1">
+          <a:pPr marL="171450" lvl="1" indent="-171450" algn="l" defTabSz="711200" latinLnBrk="1">
             <a:lnSpc>
               <a:spcPct val="90000"/>
             </a:lnSpc>
@@ -1964,13 +1967,13 @@
             <a:buChar char="••"/>
           </a:pPr>
           <a:r>
-            <a:rPr lang="ko-KR" altLang="en-US" sz="1500" kern="1200" dirty="0" smtClean="0"/>
+            <a:rPr lang="ko-KR" altLang="en-US" sz="1600" kern="1200" dirty="0" smtClean="0"/>
             <a:t>시스템 최적화</a:t>
           </a:r>
-          <a:endParaRPr lang="ko-KR" altLang="en-US" sz="1500" kern="1200" dirty="0"/>
+          <a:endParaRPr lang="ko-KR" altLang="en-US" sz="1600" kern="1200" dirty="0"/>
         </a:p>
         <a:p>
-          <a:pPr marL="114300" lvl="1" indent="-114300" algn="l" defTabSz="666750" latinLnBrk="1">
+          <a:pPr marL="171450" lvl="1" indent="-171450" algn="l" defTabSz="711200" latinLnBrk="1">
             <a:lnSpc>
               <a:spcPct val="90000"/>
             </a:lnSpc>
@@ -1983,10 +1986,10 @@
             <a:buChar char="••"/>
           </a:pPr>
           <a:r>
-            <a:rPr lang="ko-KR" altLang="en-US" sz="1500" kern="1200" dirty="0" smtClean="0"/>
+            <a:rPr lang="ko-KR" altLang="en-US" sz="1600" kern="1200" dirty="0" smtClean="0"/>
             <a:t>제어 명령 생성</a:t>
           </a:r>
-          <a:endParaRPr lang="ko-KR" altLang="en-US" sz="1500" kern="1200" dirty="0"/>
+          <a:endParaRPr lang="ko-KR" altLang="en-US" sz="1600" kern="1200" dirty="0"/>
         </a:p>
       </dsp:txBody>
       <dsp:txXfrm>
@@ -4038,7 +4041,7 @@
           <a:p>
             <a:fld id="{3C9918EF-AF9F-43F7-8C5C-CC604C6A12F3}" type="datetimeFigureOut">
               <a:rPr lang="ko-KR" altLang="en-US" smtClean="0"/>
-              <a:t>2024-02-08</a:t>
+              <a:t>2024-02-14</a:t>
             </a:fld>
             <a:endParaRPr lang="ko-KR" altLang="en-US"/>
           </a:p>
@@ -4208,7 +4211,7 @@
           <a:p>
             <a:fld id="{3C9918EF-AF9F-43F7-8C5C-CC604C6A12F3}" type="datetimeFigureOut">
               <a:rPr lang="ko-KR" altLang="en-US" smtClean="0"/>
-              <a:t>2024-02-08</a:t>
+              <a:t>2024-02-14</a:t>
             </a:fld>
             <a:endParaRPr lang="ko-KR" altLang="en-US"/>
           </a:p>
@@ -4388,7 +4391,7 @@
           <a:p>
             <a:fld id="{3C9918EF-AF9F-43F7-8C5C-CC604C6A12F3}" type="datetimeFigureOut">
               <a:rPr lang="ko-KR" altLang="en-US" smtClean="0"/>
-              <a:t>2024-02-08</a:t>
+              <a:t>2024-02-14</a:t>
             </a:fld>
             <a:endParaRPr lang="ko-KR" altLang="en-US"/>
           </a:p>
@@ -4558,7 +4561,7 @@
           <a:p>
             <a:fld id="{3C9918EF-AF9F-43F7-8C5C-CC604C6A12F3}" type="datetimeFigureOut">
               <a:rPr lang="ko-KR" altLang="en-US" smtClean="0"/>
-              <a:t>2024-02-08</a:t>
+              <a:t>2024-02-14</a:t>
             </a:fld>
             <a:endParaRPr lang="ko-KR" altLang="en-US"/>
           </a:p>
@@ -4804,7 +4807,7 @@
           <a:p>
             <a:fld id="{3C9918EF-AF9F-43F7-8C5C-CC604C6A12F3}" type="datetimeFigureOut">
               <a:rPr lang="ko-KR" altLang="en-US" smtClean="0"/>
-              <a:t>2024-02-08</a:t>
+              <a:t>2024-02-14</a:t>
             </a:fld>
             <a:endParaRPr lang="ko-KR" altLang="en-US"/>
           </a:p>
@@ -5036,7 +5039,7 @@
           <a:p>
             <a:fld id="{3C9918EF-AF9F-43F7-8C5C-CC604C6A12F3}" type="datetimeFigureOut">
               <a:rPr lang="ko-KR" altLang="en-US" smtClean="0"/>
-              <a:t>2024-02-08</a:t>
+              <a:t>2024-02-14</a:t>
             </a:fld>
             <a:endParaRPr lang="ko-KR" altLang="en-US"/>
           </a:p>
@@ -5403,7 +5406,7 @@
           <a:p>
             <a:fld id="{3C9918EF-AF9F-43F7-8C5C-CC604C6A12F3}" type="datetimeFigureOut">
               <a:rPr lang="ko-KR" altLang="en-US" smtClean="0"/>
-              <a:t>2024-02-08</a:t>
+              <a:t>2024-02-14</a:t>
             </a:fld>
             <a:endParaRPr lang="ko-KR" altLang="en-US"/>
           </a:p>
@@ -5521,7 +5524,7 @@
           <a:p>
             <a:fld id="{3C9918EF-AF9F-43F7-8C5C-CC604C6A12F3}" type="datetimeFigureOut">
               <a:rPr lang="ko-KR" altLang="en-US" smtClean="0"/>
-              <a:t>2024-02-08</a:t>
+              <a:t>2024-02-14</a:t>
             </a:fld>
             <a:endParaRPr lang="ko-KR" altLang="en-US"/>
           </a:p>
@@ -5616,7 +5619,7 @@
           <a:p>
             <a:fld id="{3C9918EF-AF9F-43F7-8C5C-CC604C6A12F3}" type="datetimeFigureOut">
               <a:rPr lang="ko-KR" altLang="en-US" smtClean="0"/>
-              <a:t>2024-02-08</a:t>
+              <a:t>2024-02-14</a:t>
             </a:fld>
             <a:endParaRPr lang="ko-KR" altLang="en-US"/>
           </a:p>
@@ -5893,7 +5896,7 @@
           <a:p>
             <a:fld id="{3C9918EF-AF9F-43F7-8C5C-CC604C6A12F3}" type="datetimeFigureOut">
               <a:rPr lang="ko-KR" altLang="en-US" smtClean="0"/>
-              <a:t>2024-02-08</a:t>
+              <a:t>2024-02-14</a:t>
             </a:fld>
             <a:endParaRPr lang="ko-KR" altLang="en-US"/>
           </a:p>
@@ -6146,7 +6149,7 @@
           <a:p>
             <a:fld id="{3C9918EF-AF9F-43F7-8C5C-CC604C6A12F3}" type="datetimeFigureOut">
               <a:rPr lang="ko-KR" altLang="en-US" smtClean="0"/>
-              <a:t>2024-02-08</a:t>
+              <a:t>2024-02-14</a:t>
             </a:fld>
             <a:endParaRPr lang="ko-KR" altLang="en-US"/>
           </a:p>
@@ -6359,7 +6362,7 @@
           <a:p>
             <a:fld id="{3C9918EF-AF9F-43F7-8C5C-CC604C6A12F3}" type="datetimeFigureOut">
               <a:rPr lang="ko-KR" altLang="en-US" smtClean="0"/>
-              <a:t>2024-02-08</a:t>
+              <a:t>2024-02-14</a:t>
             </a:fld>
             <a:endParaRPr lang="ko-KR" altLang="en-US"/>
           </a:p>
@@ -6982,6 +6985,4399 @@
 </p:sld>
 </file>
 
+<file path=ppt/slides/slide10.xml><?xml version="1.0" encoding="utf-8"?>
+<p:sld xmlns:a="http://schemas.openxmlformats.org/drawingml/2006/main" xmlns:r="http://schemas.openxmlformats.org/officeDocument/2006/relationships" xmlns:p="http://schemas.openxmlformats.org/presentationml/2006/main">
+  <p:cSld>
+    <p:spTree>
+      <p:nvGrpSpPr>
+        <p:cNvPr id="1" name=""/>
+        <p:cNvGrpSpPr/>
+        <p:nvPr/>
+      </p:nvGrpSpPr>
+      <p:grpSpPr>
+        <a:xfrm>
+          <a:off x="0" y="0"/>
+          <a:ext cx="0" cy="0"/>
+          <a:chOff x="0" y="0"/>
+          <a:chExt cx="0" cy="0"/>
+        </a:xfrm>
+      </p:grpSpPr>
+      <p:graphicFrame>
+        <p:nvGraphicFramePr>
+          <p:cNvPr id="20" name="표 19"/>
+          <p:cNvGraphicFramePr>
+            <a:graphicFrameLocks noGrp="1"/>
+          </p:cNvGraphicFramePr>
+          <p:nvPr>
+            <p:extLst>
+              <p:ext uri="{D42A27DB-BD31-4B8C-83A1-F6EECF244321}">
+                <p14:modId xmlns:p14="http://schemas.microsoft.com/office/powerpoint/2010/main" val="3029915303"/>
+              </p:ext>
+            </p:extLst>
+          </p:nvPr>
+        </p:nvGraphicFramePr>
+        <p:xfrm>
+          <a:off x="0" y="576218"/>
+          <a:ext cx="12192000" cy="6281782"/>
+        </p:xfrm>
+        <a:graphic>
+          <a:graphicData uri="http://schemas.openxmlformats.org/drawingml/2006/table">
+            <a:tbl>
+              <a:tblPr firstRow="1" bandRow="1">
+                <a:tableStyleId>{5C22544A-7EE6-4342-B048-85BDC9FD1C3A}</a:tableStyleId>
+              </a:tblPr>
+              <a:tblGrid>
+                <a:gridCol w="6096000">
+                  <a:extLst>
+                    <a:ext uri="{9D8B030D-6E8A-4147-A177-3AD203B41FA5}">
+                      <a16:colId xmlns:a16="http://schemas.microsoft.com/office/drawing/2014/main" val="3152717725"/>
+                    </a:ext>
+                  </a:extLst>
+                </a:gridCol>
+                <a:gridCol w="6096000">
+                  <a:extLst>
+                    <a:ext uri="{9D8B030D-6E8A-4147-A177-3AD203B41FA5}">
+                      <a16:colId xmlns:a16="http://schemas.microsoft.com/office/drawing/2014/main" val="2493340063"/>
+                    </a:ext>
+                  </a:extLst>
+                </a:gridCol>
+              </a:tblGrid>
+              <a:tr h="6281782">
+                <a:tc>
+                  <a:txBody>
+                    <a:bodyPr/>
+                    <a:lstStyle/>
+                    <a:p>
+                      <a:pPr latinLnBrk="1"/>
+                      <a:endParaRPr lang="ko-KR" altLang="en-US" dirty="0"/>
+                    </a:p>
+                  </a:txBody>
+                  <a:tcPr>
+                    <a:lnL w="12700" cap="flat" cmpd="sng" algn="ctr">
+                      <a:solidFill>
+                        <a:schemeClr val="tx1"/>
+                      </a:solidFill>
+                      <a:prstDash val="solid"/>
+                      <a:round/>
+                      <a:headEnd type="none" w="med" len="med"/>
+                      <a:tailEnd type="none" w="med" len="med"/>
+                    </a:lnL>
+                    <a:lnR w="12700" cap="flat" cmpd="sng" algn="ctr">
+                      <a:solidFill>
+                        <a:schemeClr val="tx1"/>
+                      </a:solidFill>
+                      <a:prstDash val="solid"/>
+                      <a:round/>
+                      <a:headEnd type="none" w="med" len="med"/>
+                      <a:tailEnd type="none" w="med" len="med"/>
+                    </a:lnR>
+                    <a:lnT w="12700" cap="flat" cmpd="sng" algn="ctr">
+                      <a:solidFill>
+                        <a:schemeClr val="tx1"/>
+                      </a:solidFill>
+                      <a:prstDash val="solid"/>
+                      <a:round/>
+                      <a:headEnd type="none" w="med" len="med"/>
+                      <a:tailEnd type="none" w="med" len="med"/>
+                    </a:lnT>
+                    <a:lnB w="12700" cap="flat" cmpd="sng" algn="ctr">
+                      <a:solidFill>
+                        <a:schemeClr val="tx1"/>
+                      </a:solidFill>
+                      <a:prstDash val="solid"/>
+                      <a:round/>
+                      <a:headEnd type="none" w="med" len="med"/>
+                      <a:tailEnd type="none" w="med" len="med"/>
+                    </a:lnB>
+                    <a:noFill/>
+                  </a:tcPr>
+                </a:tc>
+                <a:tc>
+                  <a:txBody>
+                    <a:bodyPr/>
+                    <a:lstStyle/>
+                    <a:p>
+                      <a:pPr latinLnBrk="1"/>
+                      <a:endParaRPr lang="ko-KR" altLang="en-US" dirty="0"/>
+                    </a:p>
+                  </a:txBody>
+                  <a:tcPr>
+                    <a:lnL w="12700" cap="flat" cmpd="sng" algn="ctr">
+                      <a:solidFill>
+                        <a:schemeClr val="tx1"/>
+                      </a:solidFill>
+                      <a:prstDash val="solid"/>
+                      <a:round/>
+                      <a:headEnd type="none" w="med" len="med"/>
+                      <a:tailEnd type="none" w="med" len="med"/>
+                    </a:lnL>
+                    <a:lnR w="12700" cap="flat" cmpd="sng" algn="ctr">
+                      <a:solidFill>
+                        <a:schemeClr val="tx1"/>
+                      </a:solidFill>
+                      <a:prstDash val="solid"/>
+                      <a:round/>
+                      <a:headEnd type="none" w="med" len="med"/>
+                      <a:tailEnd type="none" w="med" len="med"/>
+                    </a:lnR>
+                    <a:lnT w="12700" cap="flat" cmpd="sng" algn="ctr">
+                      <a:solidFill>
+                        <a:schemeClr val="tx1"/>
+                      </a:solidFill>
+                      <a:prstDash val="solid"/>
+                      <a:round/>
+                      <a:headEnd type="none" w="med" len="med"/>
+                      <a:tailEnd type="none" w="med" len="med"/>
+                    </a:lnT>
+                    <a:lnB w="12700" cap="flat" cmpd="sng" algn="ctr">
+                      <a:solidFill>
+                        <a:schemeClr val="tx1"/>
+                      </a:solidFill>
+                      <a:prstDash val="solid"/>
+                      <a:round/>
+                      <a:headEnd type="none" w="med" len="med"/>
+                      <a:tailEnd type="none" w="med" len="med"/>
+                    </a:lnB>
+                    <a:noFill/>
+                  </a:tcPr>
+                </a:tc>
+                <a:extLst>
+                  <a:ext uri="{0D108BD9-81ED-4DB2-BD59-A6C34878D82A}">
+                    <a16:rowId xmlns:a16="http://schemas.microsoft.com/office/drawing/2014/main" val="167270002"/>
+                  </a:ext>
+                </a:extLst>
+              </a:tr>
+            </a:tbl>
+          </a:graphicData>
+        </a:graphic>
+      </p:graphicFrame>
+      <p:sp>
+        <p:nvSpPr>
+          <p:cNvPr id="10" name="제목 9"/>
+          <p:cNvSpPr>
+            <a:spLocks noGrp="1"/>
+          </p:cNvSpPr>
+          <p:nvPr>
+            <p:ph type="title"/>
+          </p:nvPr>
+        </p:nvSpPr>
+        <p:spPr>
+          <a:xfrm>
+            <a:off x="102641" y="111972"/>
+            <a:ext cx="5436524" cy="540327"/>
+          </a:xfrm>
+        </p:spPr>
+        <p:txBody>
+          <a:bodyPr>
+            <a:noAutofit/>
+          </a:bodyPr>
+          <a:lstStyle/>
+          <a:p>
+            <a:r>
+              <a:rPr lang="ko-KR" altLang="en-US" sz="3200" dirty="0" smtClean="0"/>
+              <a:t>시스템</a:t>
+            </a:r>
+            <a:r>
+              <a:rPr lang="en-US" altLang="ko-KR" sz="3200" dirty="0" smtClean="0"/>
+              <a:t> </a:t>
+            </a:r>
+            <a:r>
+              <a:rPr lang="ko-KR" altLang="en-US" sz="3200" dirty="0" smtClean="0"/>
+              <a:t>구성</a:t>
+            </a:r>
+            <a:endParaRPr lang="ko-KR" altLang="en-US" sz="3200" dirty="0"/>
+          </a:p>
+        </p:txBody>
+      </p:sp>
+      <p:grpSp>
+        <p:nvGrpSpPr>
+          <p:cNvPr id="19" name="그룹 18"/>
+          <p:cNvGrpSpPr/>
+          <p:nvPr/>
+        </p:nvGrpSpPr>
+        <p:grpSpPr>
+          <a:xfrm>
+            <a:off x="102641" y="576218"/>
+            <a:ext cx="5634140" cy="6256422"/>
+            <a:chOff x="2682546" y="260351"/>
+            <a:chExt cx="6826908" cy="6256422"/>
+          </a:xfrm>
+        </p:grpSpPr>
+        <p:grpSp>
+          <p:nvGrpSpPr>
+            <p:cNvPr id="9" name="그룹 8"/>
+            <p:cNvGrpSpPr/>
+            <p:nvPr/>
+          </p:nvGrpSpPr>
+          <p:grpSpPr>
+            <a:xfrm>
+              <a:off x="2682546" y="260351"/>
+              <a:ext cx="6826908" cy="6256422"/>
+              <a:chOff x="1120029" y="-1377642"/>
+              <a:chExt cx="9936751" cy="7970307"/>
+            </a:xfrm>
+          </p:grpSpPr>
+          <p:sp>
+            <p:nvSpPr>
+              <p:cNvPr id="74" name="모서리가 둥근 직사각형 73"/>
+              <p:cNvSpPr/>
+              <p:nvPr/>
+            </p:nvSpPr>
+            <p:spPr>
+              <a:xfrm>
+                <a:off x="1122592" y="652300"/>
+                <a:ext cx="4964529" cy="5940365"/>
+              </a:xfrm>
+              <a:prstGeom prst="roundRect">
+                <a:avLst>
+                  <a:gd name="adj" fmla="val 2978"/>
+                </a:avLst>
+              </a:prstGeom>
+              <a:noFill/>
+              <a:ln w="28575">
+                <a:solidFill>
+                  <a:schemeClr val="accent1"/>
+                </a:solidFill>
+                <a:prstDash val="dash"/>
+              </a:ln>
+            </p:spPr>
+            <p:style>
+              <a:lnRef idx="2">
+                <a:schemeClr val="accent1">
+                  <a:shade val="50000"/>
+                </a:schemeClr>
+              </a:lnRef>
+              <a:fillRef idx="1">
+                <a:schemeClr val="accent1"/>
+              </a:fillRef>
+              <a:effectRef idx="0">
+                <a:schemeClr val="accent1"/>
+              </a:effectRef>
+              <a:fontRef idx="minor">
+                <a:schemeClr val="lt1"/>
+              </a:fontRef>
+            </p:style>
+            <p:txBody>
+              <a:bodyPr rtlCol="0" anchor="t"/>
+              <a:lstStyle/>
+              <a:p>
+                <a:r>
+                  <a:rPr lang="en-US" altLang="ko-KR" sz="2000" b="1" dirty="0" err="1" smtClean="0">
+                    <a:solidFill>
+                      <a:sysClr val="windowText" lastClr="000000"/>
+                    </a:solidFill>
+                  </a:rPr>
+                  <a:t>DTw</a:t>
+                </a:r>
+                <a:endParaRPr lang="ko-KR" altLang="en-US" sz="2000" b="1" dirty="0">
+                  <a:solidFill>
+                    <a:sysClr val="windowText" lastClr="000000"/>
+                  </a:solidFill>
+                </a:endParaRPr>
+              </a:p>
+            </p:txBody>
+          </p:sp>
+          <p:sp>
+            <p:nvSpPr>
+              <p:cNvPr id="75" name="모서리가 둥근 직사각형 74"/>
+              <p:cNvSpPr/>
+              <p:nvPr/>
+            </p:nvSpPr>
+            <p:spPr>
+              <a:xfrm>
+                <a:off x="6087800" y="652299"/>
+                <a:ext cx="4968980" cy="5940366"/>
+              </a:xfrm>
+              <a:prstGeom prst="roundRect">
+                <a:avLst>
+                  <a:gd name="adj" fmla="val 2550"/>
+                </a:avLst>
+              </a:prstGeom>
+              <a:noFill/>
+              <a:ln w="28575">
+                <a:solidFill>
+                  <a:srgbClr val="00B050"/>
+                </a:solidFill>
+                <a:prstDash val="dash"/>
+              </a:ln>
+            </p:spPr>
+            <p:style>
+              <a:lnRef idx="2">
+                <a:schemeClr val="accent1">
+                  <a:shade val="50000"/>
+                </a:schemeClr>
+              </a:lnRef>
+              <a:fillRef idx="1">
+                <a:schemeClr val="accent1"/>
+              </a:fillRef>
+              <a:effectRef idx="0">
+                <a:schemeClr val="accent1"/>
+              </a:effectRef>
+              <a:fontRef idx="minor">
+                <a:schemeClr val="lt1"/>
+              </a:fontRef>
+            </p:style>
+            <p:txBody>
+              <a:bodyPr rtlCol="0" anchor="t" anchorCtr="0"/>
+              <a:lstStyle/>
+              <a:p>
+                <a:pPr algn="r"/>
+                <a:r>
+                  <a:rPr lang="en-US" altLang="ko-KR" sz="2000" b="1" dirty="0" smtClean="0">
+                    <a:solidFill>
+                      <a:schemeClr val="tx1"/>
+                    </a:solidFill>
+                  </a:rPr>
+                  <a:t>Real World</a:t>
+                </a:r>
+              </a:p>
+            </p:txBody>
+          </p:sp>
+          <p:sp>
+            <p:nvSpPr>
+              <p:cNvPr id="76" name="모서리가 둥근 직사각형 75"/>
+              <p:cNvSpPr/>
+              <p:nvPr/>
+            </p:nvSpPr>
+            <p:spPr>
+              <a:xfrm>
+                <a:off x="1564516" y="1352866"/>
+                <a:ext cx="1708249" cy="5010607"/>
+              </a:xfrm>
+              <a:prstGeom prst="roundRect">
+                <a:avLst/>
+              </a:prstGeom>
+            </p:spPr>
+            <p:style>
+              <a:lnRef idx="2">
+                <a:schemeClr val="accent5">
+                  <a:shade val="50000"/>
+                </a:schemeClr>
+              </a:lnRef>
+              <a:fillRef idx="1">
+                <a:schemeClr val="accent5"/>
+              </a:fillRef>
+              <a:effectRef idx="0">
+                <a:schemeClr val="accent5"/>
+              </a:effectRef>
+              <a:fontRef idx="minor">
+                <a:schemeClr val="lt1"/>
+              </a:fontRef>
+            </p:style>
+            <p:txBody>
+              <a:bodyPr lIns="0" tIns="0" rIns="0" bIns="0" rtlCol="0" anchor="ctr"/>
+              <a:lstStyle/>
+              <a:p>
+                <a:pPr algn="ctr"/>
+                <a:r>
+                  <a:rPr lang="en-US" altLang="ko-KR" sz="2000" b="1" dirty="0" smtClean="0"/>
+                  <a:t>Sim.</a:t>
+                </a:r>
+              </a:p>
+              <a:p>
+                <a:pPr algn="ctr"/>
+                <a:endParaRPr lang="en-US" altLang="ko-KR" sz="2000" b="1" dirty="0" smtClean="0"/>
+              </a:p>
+              <a:p>
+                <a:pPr algn="ctr"/>
+                <a:r>
+                  <a:rPr lang="en-US" altLang="ko-KR" sz="1200" b="1" dirty="0" smtClean="0"/>
+                  <a:t>(</a:t>
+                </a:r>
+                <a:r>
+                  <a:rPr lang="en-US" altLang="ko-KR" sz="1400" b="1" dirty="0" err="1" smtClean="0"/>
+                  <a:t>RoboDK</a:t>
+                </a:r>
+                <a:r>
+                  <a:rPr lang="en-US" altLang="ko-KR" sz="1200" b="1" dirty="0" smtClean="0"/>
+                  <a:t>)</a:t>
+                </a:r>
+                <a:endParaRPr lang="ko-KR" altLang="en-US" sz="1200" b="1" dirty="0"/>
+              </a:p>
+            </p:txBody>
+          </p:sp>
+          <p:sp>
+            <p:nvSpPr>
+              <p:cNvPr id="77" name="모서리가 둥근 직사각형 76"/>
+              <p:cNvSpPr/>
+              <p:nvPr/>
+            </p:nvSpPr>
+            <p:spPr>
+              <a:xfrm>
+                <a:off x="3714688" y="4710954"/>
+                <a:ext cx="4758307" cy="1632930"/>
+              </a:xfrm>
+              <a:prstGeom prst="roundRect">
+                <a:avLst/>
+              </a:prstGeom>
+            </p:spPr>
+            <p:style>
+              <a:lnRef idx="2">
+                <a:schemeClr val="accent4">
+                  <a:shade val="50000"/>
+                </a:schemeClr>
+              </a:lnRef>
+              <a:fillRef idx="1">
+                <a:schemeClr val="accent4"/>
+              </a:fillRef>
+              <a:effectRef idx="0">
+                <a:schemeClr val="accent4"/>
+              </a:effectRef>
+              <a:fontRef idx="minor">
+                <a:schemeClr val="lt1"/>
+              </a:fontRef>
+            </p:style>
+            <p:txBody>
+              <a:bodyPr rtlCol="0" anchor="ctr"/>
+              <a:lstStyle/>
+              <a:p>
+                <a:pPr algn="ctr"/>
+                <a:r>
+                  <a:rPr lang="en-US" altLang="ko-KR" sz="2000" b="1" dirty="0" smtClean="0"/>
+                  <a:t>WCS </a:t>
+                </a:r>
+              </a:p>
+              <a:p>
+                <a:pPr algn="ctr"/>
+                <a:r>
+                  <a:rPr lang="en-US" altLang="ko-KR" sz="2000" b="1" dirty="0" smtClean="0"/>
+                  <a:t>(SPS)</a:t>
+                </a:r>
+                <a:endParaRPr lang="ko-KR" altLang="en-US" sz="2000" b="1" dirty="0"/>
+              </a:p>
+            </p:txBody>
+          </p:sp>
+          <p:sp>
+            <p:nvSpPr>
+              <p:cNvPr id="78" name="모서리가 둥근 직사각형 77"/>
+              <p:cNvSpPr/>
+              <p:nvPr/>
+            </p:nvSpPr>
+            <p:spPr>
+              <a:xfrm>
+                <a:off x="3714690" y="3448483"/>
+                <a:ext cx="4758305" cy="877021"/>
+              </a:xfrm>
+              <a:prstGeom prst="roundRect">
+                <a:avLst/>
+              </a:prstGeom>
+            </p:spPr>
+            <p:style>
+              <a:lnRef idx="2">
+                <a:schemeClr val="accent2">
+                  <a:shade val="50000"/>
+                </a:schemeClr>
+              </a:lnRef>
+              <a:fillRef idx="1">
+                <a:schemeClr val="accent2"/>
+              </a:fillRef>
+              <a:effectRef idx="0">
+                <a:schemeClr val="accent2"/>
+              </a:effectRef>
+              <a:fontRef idx="minor">
+                <a:schemeClr val="lt1"/>
+              </a:fontRef>
+            </p:style>
+            <p:txBody>
+              <a:bodyPr rtlCol="0" anchor="ctr"/>
+              <a:lstStyle/>
+              <a:p>
+                <a:pPr algn="ctr"/>
+                <a:r>
+                  <a:rPr lang="en-US" altLang="ko-KR" sz="1600" b="1" dirty="0" smtClean="0"/>
+                  <a:t>M/W</a:t>
+                </a:r>
+              </a:p>
+              <a:p>
+                <a:pPr algn="ctr"/>
+                <a:r>
+                  <a:rPr lang="en-US" altLang="ko-KR" sz="1600" b="1" dirty="0" smtClean="0"/>
+                  <a:t>(SPS)</a:t>
+                </a:r>
+                <a:endParaRPr lang="ko-KR" altLang="en-US" sz="1600" b="1" dirty="0"/>
+              </a:p>
+            </p:txBody>
+          </p:sp>
+          <p:sp>
+            <p:nvSpPr>
+              <p:cNvPr id="79" name="왼쪽 화살표 78"/>
+              <p:cNvSpPr/>
+              <p:nvPr/>
+            </p:nvSpPr>
+            <p:spPr>
+              <a:xfrm>
+                <a:off x="3009937" y="5518219"/>
+                <a:ext cx="1462504" cy="784238"/>
+              </a:xfrm>
+              <a:prstGeom prst="leftArrow">
+                <a:avLst>
+                  <a:gd name="adj1" fmla="val 50000"/>
+                  <a:gd name="adj2" fmla="val 42121"/>
+                </a:avLst>
+              </a:prstGeom>
+            </p:spPr>
+            <p:style>
+              <a:lnRef idx="2">
+                <a:schemeClr val="accent4">
+                  <a:shade val="50000"/>
+                </a:schemeClr>
+              </a:lnRef>
+              <a:fillRef idx="1">
+                <a:schemeClr val="accent4"/>
+              </a:fillRef>
+              <a:effectRef idx="0">
+                <a:schemeClr val="accent4"/>
+              </a:effectRef>
+              <a:fontRef idx="minor">
+                <a:schemeClr val="lt1"/>
+              </a:fontRef>
+            </p:style>
+            <p:txBody>
+              <a:bodyPr lIns="0" tIns="0" rIns="0" bIns="0" rtlCol="0" anchor="ctr">
+                <a:noAutofit/>
+              </a:bodyPr>
+              <a:lstStyle/>
+              <a:p>
+                <a:pPr algn="ctr"/>
+                <a:r>
+                  <a:rPr lang="ko-KR" altLang="en-US" sz="1100" b="1" dirty="0" smtClean="0">
+                    <a:solidFill>
+                      <a:schemeClr val="tx1"/>
+                    </a:solidFill>
+                  </a:rPr>
+                  <a:t>설비 제어</a:t>
+                </a:r>
+                <a:endParaRPr lang="ko-KR" altLang="en-US" sz="1100" b="1" dirty="0">
+                  <a:solidFill>
+                    <a:schemeClr val="tx1"/>
+                  </a:solidFill>
+                </a:endParaRPr>
+              </a:p>
+            </p:txBody>
+          </p:sp>
+          <p:sp>
+            <p:nvSpPr>
+              <p:cNvPr id="80" name="오른쪽 화살표 79"/>
+              <p:cNvSpPr/>
+              <p:nvPr/>
+            </p:nvSpPr>
+            <p:spPr>
+              <a:xfrm>
+                <a:off x="3010618" y="4802998"/>
+                <a:ext cx="1461824" cy="784715"/>
+              </a:xfrm>
+              <a:prstGeom prst="rightArrow">
+                <a:avLst>
+                  <a:gd name="adj1" fmla="val 50000"/>
+                  <a:gd name="adj2" fmla="val 51305"/>
+                </a:avLst>
+              </a:prstGeom>
+            </p:spPr>
+            <p:style>
+              <a:lnRef idx="2">
+                <a:schemeClr val="accent5">
+                  <a:shade val="50000"/>
+                </a:schemeClr>
+              </a:lnRef>
+              <a:fillRef idx="1">
+                <a:schemeClr val="accent5"/>
+              </a:fillRef>
+              <a:effectRef idx="0">
+                <a:schemeClr val="accent5"/>
+              </a:effectRef>
+              <a:fontRef idx="minor">
+                <a:schemeClr val="lt1"/>
+              </a:fontRef>
+            </p:style>
+            <p:txBody>
+              <a:bodyPr lIns="0" tIns="0" rIns="0" bIns="0" rtlCol="0" anchor="ctr">
+                <a:noAutofit/>
+              </a:bodyPr>
+              <a:lstStyle/>
+              <a:p>
+                <a:pPr algn="ctr"/>
+                <a:r>
+                  <a:rPr lang="ko-KR" altLang="en-US" sz="1050" b="1" dirty="0" smtClean="0"/>
+                  <a:t>가상 물리 정보</a:t>
+                </a:r>
+                <a:endParaRPr lang="ko-KR" altLang="en-US" sz="1050" b="1" dirty="0"/>
+              </a:p>
+            </p:txBody>
+          </p:sp>
+          <p:grpSp>
+            <p:nvGrpSpPr>
+              <p:cNvPr id="81" name="그룹 80"/>
+              <p:cNvGrpSpPr/>
+              <p:nvPr/>
+            </p:nvGrpSpPr>
+            <p:grpSpPr>
+              <a:xfrm>
+                <a:off x="3714688" y="1071293"/>
+                <a:ext cx="4758307" cy="2116268"/>
+                <a:chOff x="5323903" y="2634868"/>
+                <a:chExt cx="3187039" cy="4392752"/>
+              </a:xfrm>
+            </p:grpSpPr>
+            <p:sp>
+              <p:nvSpPr>
+                <p:cNvPr id="82" name="모서리가 둥근 직사각형 81"/>
+                <p:cNvSpPr/>
+                <p:nvPr/>
+              </p:nvSpPr>
+              <p:spPr>
+                <a:xfrm>
+                  <a:off x="5323903" y="2634868"/>
+                  <a:ext cx="3187039" cy="4392752"/>
+                </a:xfrm>
+                <a:prstGeom prst="roundRect">
+                  <a:avLst>
+                    <a:gd name="adj" fmla="val 6334"/>
+                  </a:avLst>
+                </a:prstGeom>
+                <a:solidFill>
+                  <a:srgbClr val="FFFFFF">
+                    <a:alpha val="70000"/>
+                  </a:srgbClr>
+                </a:solidFill>
+                <a:ln w="28575">
+                  <a:solidFill>
+                    <a:srgbClr val="FFC000"/>
+                  </a:solidFill>
+                  <a:prstDash val="dash"/>
+                </a:ln>
+              </p:spPr>
+              <p:style>
+                <a:lnRef idx="2">
+                  <a:schemeClr val="accent1">
+                    <a:shade val="50000"/>
+                  </a:schemeClr>
+                </a:lnRef>
+                <a:fillRef idx="1">
+                  <a:schemeClr val="accent1"/>
+                </a:fillRef>
+                <a:effectRef idx="0">
+                  <a:schemeClr val="accent1"/>
+                </a:effectRef>
+                <a:fontRef idx="minor">
+                  <a:schemeClr val="lt1"/>
+                </a:fontRef>
+              </p:style>
+              <p:txBody>
+                <a:bodyPr bIns="0" rtlCol="0" anchor="b"/>
+                <a:lstStyle/>
+                <a:p>
+                  <a:pPr algn="ctr"/>
+                  <a:r>
+                    <a:rPr lang="ko-KR" altLang="en-US" sz="1100" b="1" dirty="0" smtClean="0">
+                      <a:solidFill>
+                        <a:schemeClr val="tx1"/>
+                      </a:solidFill>
+                    </a:rPr>
+                    <a:t>창고 전산 관리 </a:t>
+                  </a:r>
+                  <a:r>
+                    <a:rPr lang="en-US" altLang="ko-KR" sz="1100" b="1" dirty="0" smtClean="0">
+                      <a:solidFill>
+                        <a:schemeClr val="tx1"/>
+                      </a:solidFill>
+                    </a:rPr>
+                    <a:t>S/W</a:t>
+                  </a:r>
+                  <a:endParaRPr lang="ko-KR" altLang="en-US" sz="1100" b="1" dirty="0">
+                    <a:solidFill>
+                      <a:schemeClr val="tx1"/>
+                    </a:solidFill>
+                  </a:endParaRPr>
+                </a:p>
+              </p:txBody>
+            </p:sp>
+            <p:sp>
+              <p:nvSpPr>
+                <p:cNvPr id="85" name="모서리가 둥근 직사각형 84"/>
+                <p:cNvSpPr/>
+                <p:nvPr/>
+              </p:nvSpPr>
+              <p:spPr>
+                <a:xfrm>
+                  <a:off x="5616076" y="5173416"/>
+                  <a:ext cx="2596172" cy="1166272"/>
+                </a:xfrm>
+                <a:prstGeom prst="roundRect">
+                  <a:avLst>
+                    <a:gd name="adj" fmla="val 0"/>
+                  </a:avLst>
+                </a:prstGeom>
+              </p:spPr>
+              <p:style>
+                <a:lnRef idx="2">
+                  <a:schemeClr val="accent3">
+                    <a:shade val="50000"/>
+                  </a:schemeClr>
+                </a:lnRef>
+                <a:fillRef idx="1">
+                  <a:schemeClr val="accent3"/>
+                </a:fillRef>
+                <a:effectRef idx="0">
+                  <a:schemeClr val="accent3"/>
+                </a:effectRef>
+                <a:fontRef idx="minor">
+                  <a:schemeClr val="lt1"/>
+                </a:fontRef>
+              </p:style>
+              <p:txBody>
+                <a:bodyPr rtlCol="0" anchor="ctr"/>
+                <a:lstStyle/>
+                <a:p>
+                  <a:pPr algn="ctr"/>
+                  <a:r>
+                    <a:rPr lang="en-US" altLang="ko-KR" sz="1600" b="1" dirty="0" smtClean="0"/>
+                    <a:t>DB</a:t>
+                  </a:r>
+                  <a:endParaRPr lang="ko-KR" altLang="en-US" sz="1600" b="1" dirty="0"/>
+                </a:p>
+              </p:txBody>
+            </p:sp>
+          </p:grpSp>
+          <p:sp>
+            <p:nvSpPr>
+              <p:cNvPr id="86" name="위쪽 화살표 85"/>
+              <p:cNvSpPr/>
+              <p:nvPr/>
+            </p:nvSpPr>
+            <p:spPr>
+              <a:xfrm rot="10800000">
+                <a:off x="4084734" y="4003583"/>
+                <a:ext cx="1204378" cy="859687"/>
+              </a:xfrm>
+              <a:prstGeom prst="upArrow">
+                <a:avLst/>
+              </a:prstGeom>
+            </p:spPr>
+            <p:style>
+              <a:lnRef idx="2">
+                <a:schemeClr val="accent2">
+                  <a:shade val="50000"/>
+                </a:schemeClr>
+              </a:lnRef>
+              <a:fillRef idx="1">
+                <a:schemeClr val="accent2"/>
+              </a:fillRef>
+              <a:effectRef idx="0">
+                <a:schemeClr val="accent2"/>
+              </a:effectRef>
+              <a:fontRef idx="minor">
+                <a:schemeClr val="lt1"/>
+              </a:fontRef>
+            </p:style>
+            <p:txBody>
+              <a:bodyPr lIns="0" tIns="0" rIns="0" bIns="0" rtlCol="0" anchor="ctr">
+                <a:noAutofit/>
+                <a:scene3d>
+                  <a:camera prst="orthographicFront">
+                    <a:rot lat="0" lon="0" rev="10800000"/>
+                  </a:camera>
+                  <a:lightRig rig="threePt" dir="t"/>
+                </a:scene3d>
+              </a:bodyPr>
+              <a:lstStyle/>
+              <a:p>
+                <a:pPr algn="ctr"/>
+                <a:r>
+                  <a:rPr lang="ko-KR" altLang="en-US" sz="1100" b="1" dirty="0">
+                    <a:solidFill>
+                      <a:schemeClr val="tx1"/>
+                    </a:solidFill>
+                  </a:rPr>
+                  <a:t>제어 </a:t>
+                </a:r>
+                <a:endParaRPr lang="en-US" altLang="ko-KR" sz="1100" b="1" dirty="0" smtClean="0">
+                  <a:solidFill>
+                    <a:schemeClr val="tx1"/>
+                  </a:solidFill>
+                </a:endParaRPr>
+              </a:p>
+              <a:p>
+                <a:pPr algn="ctr"/>
+                <a:r>
+                  <a:rPr lang="ko-KR" altLang="en-US" sz="1100" b="1" dirty="0" smtClean="0">
+                    <a:solidFill>
+                      <a:schemeClr val="tx1"/>
+                    </a:solidFill>
+                  </a:rPr>
+                  <a:t>정보</a:t>
+                </a:r>
+                <a:endParaRPr lang="ko-KR" altLang="en-US" sz="1100" b="1" dirty="0">
+                  <a:solidFill>
+                    <a:schemeClr val="tx1"/>
+                  </a:solidFill>
+                </a:endParaRPr>
+              </a:p>
+            </p:txBody>
+          </p:sp>
+          <p:sp>
+            <p:nvSpPr>
+              <p:cNvPr id="87" name="아래쪽 화살표 86"/>
+              <p:cNvSpPr/>
+              <p:nvPr/>
+            </p:nvSpPr>
+            <p:spPr>
+              <a:xfrm rot="10800000">
+                <a:off x="6970738" y="4051981"/>
+                <a:ext cx="1118366" cy="859687"/>
+              </a:xfrm>
+              <a:prstGeom prst="downArrow">
+                <a:avLst/>
+              </a:prstGeom>
+            </p:spPr>
+            <p:style>
+              <a:lnRef idx="2">
+                <a:schemeClr val="accent4">
+                  <a:shade val="50000"/>
+                </a:schemeClr>
+              </a:lnRef>
+              <a:fillRef idx="1">
+                <a:schemeClr val="accent4"/>
+              </a:fillRef>
+              <a:effectRef idx="0">
+                <a:schemeClr val="accent4"/>
+              </a:effectRef>
+              <a:fontRef idx="minor">
+                <a:schemeClr val="lt1"/>
+              </a:fontRef>
+            </p:style>
+            <p:txBody>
+              <a:bodyPr lIns="0" tIns="0" rIns="0" bIns="0" rtlCol="0" anchor="ctr">
+                <a:noAutofit/>
+                <a:scene3d>
+                  <a:camera prst="orthographicFront">
+                    <a:rot lat="0" lon="0" rev="10800000"/>
+                  </a:camera>
+                  <a:lightRig rig="threePt" dir="t"/>
+                </a:scene3d>
+              </a:bodyPr>
+              <a:lstStyle/>
+              <a:p>
+                <a:pPr algn="ctr"/>
+                <a:r>
+                  <a:rPr lang="ko-KR" altLang="en-US" sz="1100" b="1" dirty="0" smtClean="0">
+                    <a:solidFill>
+                      <a:schemeClr val="tx1"/>
+                    </a:solidFill>
+                  </a:rPr>
+                  <a:t>제어 </a:t>
+                </a:r>
+                <a:endParaRPr lang="en-US" altLang="ko-KR" sz="1100" b="1" dirty="0" smtClean="0">
+                  <a:solidFill>
+                    <a:schemeClr val="tx1"/>
+                  </a:solidFill>
+                </a:endParaRPr>
+              </a:p>
+              <a:p>
+                <a:pPr algn="ctr"/>
+                <a:r>
+                  <a:rPr lang="ko-KR" altLang="en-US" sz="1100" b="1" dirty="0" smtClean="0">
+                    <a:solidFill>
+                      <a:schemeClr val="tx1"/>
+                    </a:solidFill>
+                  </a:rPr>
+                  <a:t>결과</a:t>
+                </a:r>
+                <a:endParaRPr lang="ko-KR" altLang="en-US" sz="1100" b="1" dirty="0">
+                  <a:solidFill>
+                    <a:schemeClr val="tx1"/>
+                  </a:solidFill>
+                </a:endParaRPr>
+              </a:p>
+            </p:txBody>
+          </p:sp>
+          <p:sp>
+            <p:nvSpPr>
+              <p:cNvPr id="88" name="위쪽 화살표 87"/>
+              <p:cNvSpPr/>
+              <p:nvPr/>
+            </p:nvSpPr>
+            <p:spPr>
+              <a:xfrm rot="10800000">
+                <a:off x="4077754" y="2734458"/>
+                <a:ext cx="1204378" cy="860400"/>
+              </a:xfrm>
+              <a:prstGeom prst="upArrow">
+                <a:avLst/>
+              </a:prstGeom>
+            </p:spPr>
+            <p:style>
+              <a:lnRef idx="2">
+                <a:schemeClr val="accent3">
+                  <a:shade val="50000"/>
+                </a:schemeClr>
+              </a:lnRef>
+              <a:fillRef idx="1">
+                <a:schemeClr val="accent3"/>
+              </a:fillRef>
+              <a:effectRef idx="0">
+                <a:schemeClr val="accent3"/>
+              </a:effectRef>
+              <a:fontRef idx="minor">
+                <a:schemeClr val="lt1"/>
+              </a:fontRef>
+            </p:style>
+            <p:txBody>
+              <a:bodyPr lIns="0" tIns="0" rIns="0" bIns="0" rtlCol="0" anchor="ctr">
+                <a:noAutofit/>
+                <a:scene3d>
+                  <a:camera prst="orthographicFront">
+                    <a:rot lat="0" lon="0" rev="10800000"/>
+                  </a:camera>
+                  <a:lightRig rig="threePt" dir="t"/>
+                </a:scene3d>
+              </a:bodyPr>
+              <a:lstStyle/>
+              <a:p>
+                <a:pPr algn="ctr"/>
+                <a:r>
+                  <a:rPr lang="ko-KR" altLang="en-US" sz="1100" b="1" dirty="0" smtClean="0">
+                    <a:solidFill>
+                      <a:schemeClr val="tx1"/>
+                    </a:solidFill>
+                  </a:rPr>
+                  <a:t>위치 </a:t>
+                </a:r>
+                <a:endParaRPr lang="en-US" altLang="ko-KR" sz="1100" b="1" dirty="0" smtClean="0">
+                  <a:solidFill>
+                    <a:schemeClr val="tx1"/>
+                  </a:solidFill>
+                </a:endParaRPr>
+              </a:p>
+              <a:p>
+                <a:pPr algn="ctr"/>
+                <a:r>
+                  <a:rPr lang="ko-KR" altLang="en-US" sz="1100" b="1" dirty="0" smtClean="0">
+                    <a:solidFill>
+                      <a:schemeClr val="tx1"/>
+                    </a:solidFill>
+                  </a:rPr>
+                  <a:t>정보</a:t>
+                </a:r>
+                <a:endParaRPr lang="ko-KR" altLang="en-US" sz="1100" b="1" dirty="0">
+                  <a:solidFill>
+                    <a:schemeClr val="tx1"/>
+                  </a:solidFill>
+                </a:endParaRPr>
+              </a:p>
+            </p:txBody>
+          </p:sp>
+          <p:sp>
+            <p:nvSpPr>
+              <p:cNvPr id="89" name="아래쪽 화살표 88"/>
+              <p:cNvSpPr/>
+              <p:nvPr/>
+            </p:nvSpPr>
+            <p:spPr>
+              <a:xfrm rot="10800000">
+                <a:off x="6976710" y="2817240"/>
+                <a:ext cx="1118366" cy="860400"/>
+              </a:xfrm>
+              <a:prstGeom prst="downArrow">
+                <a:avLst/>
+              </a:prstGeom>
+            </p:spPr>
+            <p:style>
+              <a:lnRef idx="2">
+                <a:schemeClr val="accent2">
+                  <a:shade val="50000"/>
+                </a:schemeClr>
+              </a:lnRef>
+              <a:fillRef idx="1">
+                <a:schemeClr val="accent2"/>
+              </a:fillRef>
+              <a:effectRef idx="0">
+                <a:schemeClr val="accent2"/>
+              </a:effectRef>
+              <a:fontRef idx="minor">
+                <a:schemeClr val="lt1"/>
+              </a:fontRef>
+            </p:style>
+            <p:txBody>
+              <a:bodyPr lIns="0" tIns="0" rIns="0" bIns="0" rtlCol="0" anchor="ctr">
+                <a:noAutofit/>
+                <a:scene3d>
+                  <a:camera prst="orthographicFront">
+                    <a:rot lat="0" lon="0" rev="10800000"/>
+                  </a:camera>
+                  <a:lightRig rig="threePt" dir="t"/>
+                </a:scene3d>
+              </a:bodyPr>
+              <a:lstStyle/>
+              <a:p>
+                <a:pPr algn="ctr"/>
+                <a:r>
+                  <a:rPr lang="ko-KR" altLang="en-US" sz="1100" b="1" dirty="0" smtClean="0">
+                    <a:solidFill>
+                      <a:schemeClr val="tx1"/>
+                    </a:solidFill>
+                  </a:rPr>
+                  <a:t>제어 </a:t>
+                </a:r>
+                <a:endParaRPr lang="en-US" altLang="ko-KR" sz="1100" b="1" dirty="0" smtClean="0">
+                  <a:solidFill>
+                    <a:schemeClr val="tx1"/>
+                  </a:solidFill>
+                </a:endParaRPr>
+              </a:p>
+              <a:p>
+                <a:pPr algn="ctr"/>
+                <a:r>
+                  <a:rPr lang="ko-KR" altLang="en-US" sz="1100" b="1" dirty="0" smtClean="0">
+                    <a:solidFill>
+                      <a:schemeClr val="tx1"/>
+                    </a:solidFill>
+                  </a:rPr>
+                  <a:t>결과</a:t>
+                </a:r>
+                <a:endParaRPr lang="ko-KR" altLang="en-US" sz="1100" b="1" dirty="0">
+                  <a:solidFill>
+                    <a:schemeClr val="tx1"/>
+                  </a:solidFill>
+                </a:endParaRPr>
+              </a:p>
+            </p:txBody>
+          </p:sp>
+          <p:sp>
+            <p:nvSpPr>
+              <p:cNvPr id="90" name="모서리가 둥근 직사각형 89"/>
+              <p:cNvSpPr/>
+              <p:nvPr/>
+            </p:nvSpPr>
+            <p:spPr>
+              <a:xfrm>
+                <a:off x="8978693" y="1352867"/>
+                <a:ext cx="1708249" cy="5010606"/>
+              </a:xfrm>
+              <a:prstGeom prst="roundRect">
+                <a:avLst/>
+              </a:prstGeom>
+            </p:spPr>
+            <p:style>
+              <a:lnRef idx="2">
+                <a:schemeClr val="accent5">
+                  <a:shade val="50000"/>
+                </a:schemeClr>
+              </a:lnRef>
+              <a:fillRef idx="1">
+                <a:schemeClr val="accent5"/>
+              </a:fillRef>
+              <a:effectRef idx="0">
+                <a:schemeClr val="accent5"/>
+              </a:effectRef>
+              <a:fontRef idx="minor">
+                <a:schemeClr val="lt1"/>
+              </a:fontRef>
+            </p:style>
+            <p:txBody>
+              <a:bodyPr lIns="0" tIns="0" rIns="0" bIns="0" rtlCol="0" anchor="ctr"/>
+              <a:lstStyle/>
+              <a:p>
+                <a:pPr algn="ctr"/>
+                <a:r>
+                  <a:rPr lang="en-US" altLang="ko-KR" sz="2000" b="1" dirty="0" smtClean="0"/>
+                  <a:t>PLC</a:t>
+                </a:r>
+                <a:endParaRPr lang="ko-KR" altLang="en-US" sz="2000" b="1" dirty="0"/>
+              </a:p>
+            </p:txBody>
+          </p:sp>
+          <p:sp>
+            <p:nvSpPr>
+              <p:cNvPr id="91" name="왼쪽 화살표 90"/>
+              <p:cNvSpPr/>
+              <p:nvPr/>
+            </p:nvSpPr>
+            <p:spPr>
+              <a:xfrm>
+                <a:off x="7704258" y="4803236"/>
+                <a:ext cx="1461932" cy="784238"/>
+              </a:xfrm>
+              <a:prstGeom prst="leftArrow">
+                <a:avLst>
+                  <a:gd name="adj1" fmla="val 50000"/>
+                  <a:gd name="adj2" fmla="val 45916"/>
+                </a:avLst>
+              </a:prstGeom>
+            </p:spPr>
+            <p:style>
+              <a:lnRef idx="2">
+                <a:schemeClr val="accent5">
+                  <a:shade val="50000"/>
+                </a:schemeClr>
+              </a:lnRef>
+              <a:fillRef idx="1">
+                <a:schemeClr val="accent5"/>
+              </a:fillRef>
+              <a:effectRef idx="0">
+                <a:schemeClr val="accent5"/>
+              </a:effectRef>
+              <a:fontRef idx="minor">
+                <a:schemeClr val="lt1"/>
+              </a:fontRef>
+            </p:style>
+            <p:txBody>
+              <a:bodyPr lIns="0" tIns="0" rIns="0" bIns="0" rtlCol="0" anchor="ctr">
+                <a:noAutofit/>
+              </a:bodyPr>
+              <a:lstStyle/>
+              <a:p>
+                <a:pPr algn="ctr"/>
+                <a:r>
+                  <a:rPr lang="ko-KR" altLang="en-US" sz="1050" b="1" dirty="0" smtClean="0"/>
+                  <a:t>실제 </a:t>
+                </a:r>
+                <a:r>
+                  <a:rPr lang="ko-KR" altLang="en-US" sz="1050" b="1" dirty="0"/>
+                  <a:t>물리 </a:t>
+                </a:r>
+                <a:r>
+                  <a:rPr lang="ko-KR" altLang="en-US" sz="1050" b="1" dirty="0" smtClean="0"/>
+                  <a:t>정보</a:t>
+                </a:r>
+                <a:endParaRPr lang="ko-KR" altLang="en-US" sz="1050" b="1" dirty="0"/>
+              </a:p>
+            </p:txBody>
+          </p:sp>
+          <p:sp>
+            <p:nvSpPr>
+              <p:cNvPr id="92" name="오른쪽 화살표 91"/>
+              <p:cNvSpPr/>
+              <p:nvPr/>
+            </p:nvSpPr>
+            <p:spPr>
+              <a:xfrm>
+                <a:off x="7703578" y="5515168"/>
+                <a:ext cx="1461932" cy="784238"/>
+              </a:xfrm>
+              <a:prstGeom prst="rightArrow">
+                <a:avLst/>
+              </a:prstGeom>
+            </p:spPr>
+            <p:style>
+              <a:lnRef idx="2">
+                <a:schemeClr val="accent4">
+                  <a:shade val="50000"/>
+                </a:schemeClr>
+              </a:lnRef>
+              <a:fillRef idx="1">
+                <a:schemeClr val="accent4"/>
+              </a:fillRef>
+              <a:effectRef idx="0">
+                <a:schemeClr val="accent4"/>
+              </a:effectRef>
+              <a:fontRef idx="minor">
+                <a:schemeClr val="lt1"/>
+              </a:fontRef>
+            </p:style>
+            <p:txBody>
+              <a:bodyPr lIns="0" tIns="0" rIns="0" bIns="0" rtlCol="0" anchor="ctr">
+                <a:noAutofit/>
+              </a:bodyPr>
+              <a:lstStyle/>
+              <a:p>
+                <a:pPr algn="ctr"/>
+                <a:r>
+                  <a:rPr lang="ko-KR" altLang="en-US" sz="1100" b="1" dirty="0">
+                    <a:solidFill>
+                      <a:schemeClr val="tx1"/>
+                    </a:solidFill>
+                  </a:rPr>
+                  <a:t>설비 </a:t>
+                </a:r>
+                <a:r>
+                  <a:rPr lang="ko-KR" altLang="en-US" sz="1100" b="1" dirty="0" smtClean="0">
+                    <a:solidFill>
+                      <a:schemeClr val="tx1"/>
+                    </a:solidFill>
+                  </a:rPr>
+                  <a:t>제어</a:t>
+                </a:r>
+                <a:endParaRPr lang="ko-KR" altLang="en-US" sz="1100" b="1" dirty="0">
+                  <a:solidFill>
+                    <a:schemeClr val="tx1"/>
+                  </a:solidFill>
+                </a:endParaRPr>
+              </a:p>
+            </p:txBody>
+          </p:sp>
+          <p:sp>
+            <p:nvSpPr>
+              <p:cNvPr id="94" name="왼쪽 화살표 93"/>
+              <p:cNvSpPr/>
+              <p:nvPr/>
+            </p:nvSpPr>
+            <p:spPr>
+              <a:xfrm>
+                <a:off x="7704258" y="3480122"/>
+                <a:ext cx="1461932" cy="784238"/>
+              </a:xfrm>
+              <a:prstGeom prst="leftArrow">
+                <a:avLst/>
+              </a:prstGeom>
+            </p:spPr>
+            <p:style>
+              <a:lnRef idx="2">
+                <a:schemeClr val="accent5">
+                  <a:shade val="50000"/>
+                </a:schemeClr>
+              </a:lnRef>
+              <a:fillRef idx="1">
+                <a:schemeClr val="accent5"/>
+              </a:fillRef>
+              <a:effectRef idx="0">
+                <a:schemeClr val="accent5"/>
+              </a:effectRef>
+              <a:fontRef idx="minor">
+                <a:schemeClr val="lt1"/>
+              </a:fontRef>
+            </p:style>
+            <p:txBody>
+              <a:bodyPr lIns="0" tIns="0" rIns="0" bIns="0" rtlCol="0" anchor="ctr">
+                <a:noAutofit/>
+              </a:bodyPr>
+              <a:lstStyle/>
+              <a:p>
+                <a:pPr algn="ctr"/>
+                <a:r>
+                  <a:rPr lang="ko-KR" altLang="en-US" sz="1050" b="1" dirty="0"/>
+                  <a:t>상품</a:t>
+                </a:r>
+                <a:r>
+                  <a:rPr lang="en-US" altLang="ko-KR" sz="1050" b="1" dirty="0"/>
+                  <a:t> </a:t>
+                </a:r>
+                <a:r>
+                  <a:rPr lang="ko-KR" altLang="en-US" sz="1050" b="1" dirty="0"/>
+                  <a:t>위치 정보</a:t>
+                </a:r>
+              </a:p>
+            </p:txBody>
+          </p:sp>
+          <p:sp>
+            <p:nvSpPr>
+              <p:cNvPr id="95" name="오른쪽 화살표 94"/>
+              <p:cNvSpPr/>
+              <p:nvPr/>
+            </p:nvSpPr>
+            <p:spPr>
+              <a:xfrm>
+                <a:off x="3010618" y="3502758"/>
+                <a:ext cx="1461825" cy="784238"/>
+              </a:xfrm>
+              <a:prstGeom prst="rightArrow">
+                <a:avLst/>
+              </a:prstGeom>
+            </p:spPr>
+            <p:style>
+              <a:lnRef idx="2">
+                <a:schemeClr val="accent5">
+                  <a:shade val="50000"/>
+                </a:schemeClr>
+              </a:lnRef>
+              <a:fillRef idx="1">
+                <a:schemeClr val="accent5"/>
+              </a:fillRef>
+              <a:effectRef idx="0">
+                <a:schemeClr val="accent5"/>
+              </a:effectRef>
+              <a:fontRef idx="minor">
+                <a:schemeClr val="lt1"/>
+              </a:fontRef>
+            </p:style>
+            <p:txBody>
+              <a:bodyPr lIns="0" tIns="0" rIns="0" bIns="0" rtlCol="0" anchor="ctr">
+                <a:noAutofit/>
+              </a:bodyPr>
+              <a:lstStyle/>
+              <a:p>
+                <a:pPr algn="ctr"/>
+                <a:r>
+                  <a:rPr lang="ko-KR" altLang="en-US" sz="1050" b="1" dirty="0" smtClean="0"/>
+                  <a:t>상품</a:t>
+                </a:r>
+                <a:r>
+                  <a:rPr lang="en-US" altLang="ko-KR" sz="1050" b="1" dirty="0" smtClean="0"/>
+                  <a:t> </a:t>
+                </a:r>
+                <a:r>
+                  <a:rPr lang="ko-KR" altLang="en-US" sz="1050" b="1" dirty="0" smtClean="0"/>
+                  <a:t>위치 정보</a:t>
+                </a:r>
+                <a:endParaRPr lang="ko-KR" altLang="en-US" sz="1050" b="1" dirty="0"/>
+              </a:p>
+            </p:txBody>
+          </p:sp>
+          <p:grpSp>
+            <p:nvGrpSpPr>
+              <p:cNvPr id="96" name="그룹 95"/>
+              <p:cNvGrpSpPr/>
+              <p:nvPr/>
+            </p:nvGrpSpPr>
+            <p:grpSpPr>
+              <a:xfrm>
+                <a:off x="1120029" y="-1377642"/>
+                <a:ext cx="9934189" cy="1552447"/>
+                <a:chOff x="5561045" y="3384247"/>
+                <a:chExt cx="2799184" cy="3643370"/>
+              </a:xfrm>
+            </p:grpSpPr>
+            <p:sp>
+              <p:nvSpPr>
+                <p:cNvPr id="97" name="모서리가 둥근 직사각형 96"/>
+                <p:cNvSpPr/>
+                <p:nvPr/>
+              </p:nvSpPr>
+              <p:spPr>
+                <a:xfrm>
+                  <a:off x="5561045" y="3384247"/>
+                  <a:ext cx="2799184" cy="3643370"/>
+                </a:xfrm>
+                <a:prstGeom prst="roundRect">
+                  <a:avLst>
+                    <a:gd name="adj" fmla="val 6334"/>
+                  </a:avLst>
+                </a:prstGeom>
+                <a:solidFill>
+                  <a:srgbClr val="FFFFFF">
+                    <a:alpha val="70000"/>
+                  </a:srgbClr>
+                </a:solidFill>
+                <a:ln w="28575">
+                  <a:solidFill>
+                    <a:schemeClr val="bg1">
+                      <a:lumMod val="50000"/>
+                    </a:schemeClr>
+                  </a:solidFill>
+                  <a:prstDash val="dash"/>
+                </a:ln>
+              </p:spPr>
+              <p:style>
+                <a:lnRef idx="2">
+                  <a:schemeClr val="accent1">
+                    <a:shade val="50000"/>
+                  </a:schemeClr>
+                </a:lnRef>
+                <a:fillRef idx="1">
+                  <a:schemeClr val="accent1"/>
+                </a:fillRef>
+                <a:effectRef idx="0">
+                  <a:schemeClr val="accent1"/>
+                </a:effectRef>
+                <a:fontRef idx="minor">
+                  <a:schemeClr val="lt1"/>
+                </a:fontRef>
+              </p:style>
+              <p:txBody>
+                <a:bodyPr bIns="0" rtlCol="0" anchor="t"/>
+                <a:lstStyle/>
+                <a:p>
+                  <a:pPr algn="ctr"/>
+                  <a:r>
+                    <a:rPr lang="ko-KR" altLang="en-US" sz="1400" b="1" dirty="0" smtClean="0">
+                      <a:solidFill>
+                        <a:schemeClr val="tx1"/>
+                      </a:solidFill>
+                    </a:rPr>
+                    <a:t>유저 인터페이스</a:t>
+                  </a:r>
+                  <a:endParaRPr lang="ko-KR" altLang="en-US" sz="1400" b="1" dirty="0">
+                    <a:solidFill>
+                      <a:schemeClr val="tx1"/>
+                    </a:solidFill>
+                  </a:endParaRPr>
+                </a:p>
+              </p:txBody>
+            </p:sp>
+            <p:sp>
+              <p:nvSpPr>
+                <p:cNvPr id="98" name="모서리가 둥근 직사각형 97"/>
+                <p:cNvSpPr/>
+                <p:nvPr/>
+              </p:nvSpPr>
+              <p:spPr>
+                <a:xfrm>
+                  <a:off x="5689429" y="4335681"/>
+                  <a:ext cx="847009" cy="1318727"/>
+                </a:xfrm>
+                <a:prstGeom prst="roundRect">
+                  <a:avLst>
+                    <a:gd name="adj" fmla="val 0"/>
+                  </a:avLst>
+                </a:prstGeom>
+              </p:spPr>
+              <p:style>
+                <a:lnRef idx="2">
+                  <a:schemeClr val="dk1">
+                    <a:shade val="50000"/>
+                  </a:schemeClr>
+                </a:lnRef>
+                <a:fillRef idx="1">
+                  <a:schemeClr val="dk1"/>
+                </a:fillRef>
+                <a:effectRef idx="0">
+                  <a:schemeClr val="dk1"/>
+                </a:effectRef>
+                <a:fontRef idx="minor">
+                  <a:schemeClr val="lt1"/>
+                </a:fontRef>
+              </p:style>
+              <p:txBody>
+                <a:bodyPr rtlCol="0" anchor="ctr"/>
+                <a:lstStyle/>
+                <a:p>
+                  <a:pPr algn="ctr"/>
+                  <a:r>
+                    <a:rPr lang="ko-KR" altLang="en-US" sz="1600" dirty="0" err="1" smtClean="0"/>
+                    <a:t>왭</a:t>
+                  </a:r>
+                  <a:r>
+                    <a:rPr lang="ko-KR" altLang="en-US" sz="1600" dirty="0" smtClean="0"/>
+                    <a:t> </a:t>
+                  </a:r>
+                  <a:endParaRPr lang="ko-KR" altLang="en-US" sz="1600" dirty="0"/>
+                </a:p>
+              </p:txBody>
+            </p:sp>
+            <p:sp>
+              <p:nvSpPr>
+                <p:cNvPr id="99" name="모서리가 둥근 직사각형 98"/>
+                <p:cNvSpPr/>
+                <p:nvPr/>
+              </p:nvSpPr>
+              <p:spPr>
+                <a:xfrm>
+                  <a:off x="7382592" y="4335681"/>
+                  <a:ext cx="847009" cy="1344744"/>
+                </a:xfrm>
+                <a:prstGeom prst="roundRect">
+                  <a:avLst>
+                    <a:gd name="adj" fmla="val 0"/>
+                  </a:avLst>
+                </a:prstGeom>
+                <a:ln/>
+              </p:spPr>
+              <p:style>
+                <a:lnRef idx="2">
+                  <a:schemeClr val="dk1">
+                    <a:shade val="50000"/>
+                  </a:schemeClr>
+                </a:lnRef>
+                <a:fillRef idx="1">
+                  <a:schemeClr val="dk1"/>
+                </a:fillRef>
+                <a:effectRef idx="0">
+                  <a:schemeClr val="dk1"/>
+                </a:effectRef>
+                <a:fontRef idx="minor">
+                  <a:schemeClr val="lt1"/>
+                </a:fontRef>
+              </p:style>
+              <p:txBody>
+                <a:bodyPr rtlCol="0" anchor="ctr"/>
+                <a:lstStyle/>
+                <a:p>
+                  <a:pPr algn="ctr"/>
+                  <a:r>
+                    <a:rPr lang="ko-KR" altLang="en-US" sz="1600" dirty="0" smtClean="0"/>
+                    <a:t>기타</a:t>
+                  </a:r>
+                  <a:r>
+                    <a:rPr lang="en-US" altLang="ko-KR" sz="1600" dirty="0" smtClean="0"/>
+                    <a:t> </a:t>
+                  </a:r>
+                  <a:r>
+                    <a:rPr lang="en-US" altLang="ko-KR" sz="1600" dirty="0" smtClean="0"/>
+                    <a:t>…</a:t>
+                  </a:r>
+                  <a:endParaRPr lang="ko-KR" altLang="en-US" sz="1600" dirty="0"/>
+                </a:p>
+              </p:txBody>
+            </p:sp>
+            <p:sp>
+              <p:nvSpPr>
+                <p:cNvPr id="100" name="모서리가 둥근 직사각형 99"/>
+                <p:cNvSpPr/>
+                <p:nvPr/>
+              </p:nvSpPr>
+              <p:spPr>
+                <a:xfrm>
+                  <a:off x="5689429" y="5659130"/>
+                  <a:ext cx="2540172" cy="1166273"/>
+                </a:xfrm>
+                <a:prstGeom prst="roundRect">
+                  <a:avLst>
+                    <a:gd name="adj" fmla="val 0"/>
+                  </a:avLst>
+                </a:prstGeom>
+              </p:spPr>
+              <p:style>
+                <a:lnRef idx="2">
+                  <a:schemeClr val="accent3">
+                    <a:shade val="50000"/>
+                  </a:schemeClr>
+                </a:lnRef>
+                <a:fillRef idx="1">
+                  <a:schemeClr val="accent3"/>
+                </a:fillRef>
+                <a:effectRef idx="0">
+                  <a:schemeClr val="accent3"/>
+                </a:effectRef>
+                <a:fontRef idx="minor">
+                  <a:schemeClr val="lt1"/>
+                </a:fontRef>
+              </p:style>
+              <p:txBody>
+                <a:bodyPr rtlCol="0" anchor="ctr"/>
+                <a:lstStyle/>
+                <a:p>
+                  <a:pPr algn="ctr"/>
+                  <a:r>
+                    <a:rPr lang="en-US" altLang="ko-KR" sz="1600" b="1" dirty="0" smtClean="0"/>
+                    <a:t>API</a:t>
+                  </a:r>
+                  <a:endParaRPr lang="ko-KR" altLang="en-US" sz="1600" b="1" dirty="0"/>
+                </a:p>
+              </p:txBody>
+            </p:sp>
+            <p:sp>
+              <p:nvSpPr>
+                <p:cNvPr id="101" name="모서리가 둥근 직사각형 100"/>
+                <p:cNvSpPr/>
+                <p:nvPr/>
+              </p:nvSpPr>
+              <p:spPr>
+                <a:xfrm>
+                  <a:off x="6536439" y="4335681"/>
+                  <a:ext cx="846153" cy="1294646"/>
+                </a:xfrm>
+                <a:prstGeom prst="roundRect">
+                  <a:avLst>
+                    <a:gd name="adj" fmla="val 0"/>
+                  </a:avLst>
+                </a:prstGeom>
+                <a:ln/>
+              </p:spPr>
+              <p:style>
+                <a:lnRef idx="2">
+                  <a:schemeClr val="dk1">
+                    <a:shade val="50000"/>
+                  </a:schemeClr>
+                </a:lnRef>
+                <a:fillRef idx="1">
+                  <a:schemeClr val="dk1"/>
+                </a:fillRef>
+                <a:effectRef idx="0">
+                  <a:schemeClr val="dk1"/>
+                </a:effectRef>
+                <a:fontRef idx="minor">
+                  <a:schemeClr val="lt1"/>
+                </a:fontRef>
+              </p:style>
+              <p:txBody>
+                <a:bodyPr rtlCol="0" anchor="ctr"/>
+                <a:lstStyle/>
+                <a:p>
+                  <a:pPr algn="ctr"/>
+                  <a:r>
+                    <a:rPr lang="en-US" altLang="ko-KR" sz="1600" dirty="0" smtClean="0"/>
+                    <a:t>HMI</a:t>
+                  </a:r>
+                  <a:endParaRPr lang="ko-KR" altLang="en-US" sz="1600" dirty="0"/>
+                </a:p>
+              </p:txBody>
+            </p:sp>
+          </p:grpSp>
+          <p:sp>
+            <p:nvSpPr>
+              <p:cNvPr id="102" name="위쪽/아래쪽 화살표 101"/>
+              <p:cNvSpPr/>
+              <p:nvPr/>
+            </p:nvSpPr>
+            <p:spPr>
+              <a:xfrm>
+                <a:off x="5694799" y="17367"/>
+                <a:ext cx="946822" cy="738729"/>
+              </a:xfrm>
+              <a:prstGeom prst="upDownArrow">
+                <a:avLst>
+                  <a:gd name="adj1" fmla="val 50000"/>
+                  <a:gd name="adj2" fmla="val 33528"/>
+                </a:avLst>
+              </a:prstGeom>
+            </p:spPr>
+            <p:style>
+              <a:lnRef idx="2">
+                <a:schemeClr val="accent3">
+                  <a:shade val="50000"/>
+                </a:schemeClr>
+              </a:lnRef>
+              <a:fillRef idx="1">
+                <a:schemeClr val="accent3"/>
+              </a:fillRef>
+              <a:effectRef idx="0">
+                <a:schemeClr val="accent3"/>
+              </a:effectRef>
+              <a:fontRef idx="minor">
+                <a:schemeClr val="lt1"/>
+              </a:fontRef>
+            </p:style>
+            <p:txBody>
+              <a:bodyPr rtlCol="0" anchor="ctr"/>
+              <a:lstStyle/>
+              <a:p>
+                <a:pPr algn="ctr"/>
+                <a:endParaRPr lang="ko-KR" altLang="en-US" sz="1600"/>
+              </a:p>
+            </p:txBody>
+          </p:sp>
+        </p:grpSp>
+        <p:sp>
+          <p:nvSpPr>
+            <p:cNvPr id="103" name="직사각형 102"/>
+            <p:cNvSpPr/>
+            <p:nvPr/>
+          </p:nvSpPr>
+          <p:spPr>
+            <a:xfrm>
+              <a:off x="4764871" y="2277355"/>
+              <a:ext cx="2662260" cy="862985"/>
+            </a:xfrm>
+            <a:prstGeom prst="rect">
+              <a:avLst/>
+            </a:prstGeom>
+            <a:gradFill>
+              <a:gsLst>
+                <a:gs pos="50000">
+                  <a:srgbClr val="5B9BD5"/>
+                </a:gs>
+                <a:gs pos="50000">
+                  <a:srgbClr val="70AD47"/>
+                </a:gs>
+              </a:gsLst>
+              <a:lin ang="1800000" scaled="0"/>
+            </a:gradFill>
+          </p:spPr>
+          <p:style>
+            <a:lnRef idx="2">
+              <a:schemeClr val="accent1">
+                <a:shade val="50000"/>
+              </a:schemeClr>
+            </a:lnRef>
+            <a:fillRef idx="1">
+              <a:schemeClr val="accent1"/>
+            </a:fillRef>
+            <a:effectRef idx="0">
+              <a:schemeClr val="accent1"/>
+            </a:effectRef>
+            <a:fontRef idx="minor">
+              <a:schemeClr val="lt1"/>
+            </a:fontRef>
+          </p:style>
+          <p:txBody>
+            <a:bodyPr lIns="144000" tIns="288000" rIns="144000" bIns="252000" numCol="2" spcCol="72000" rtlCol="0" anchor="ctr">
+              <a:noAutofit/>
+            </a:bodyPr>
+            <a:lstStyle/>
+            <a:p>
+              <a:pPr algn="ctr"/>
+              <a:r>
+                <a:rPr lang="en-US" altLang="ko-KR" sz="1400" b="1" dirty="0" smtClean="0"/>
+                <a:t>WES</a:t>
+              </a:r>
+            </a:p>
+            <a:p>
+              <a:pPr algn="ctr"/>
+              <a:r>
+                <a:rPr lang="en-US" altLang="ko-KR" sz="1400" b="1" dirty="0" smtClean="0"/>
+                <a:t>(</a:t>
+              </a:r>
+              <a:r>
+                <a:rPr lang="ko-KR" altLang="en-US" sz="1400" b="1" dirty="0" smtClean="0"/>
+                <a:t>구성 필요</a:t>
+              </a:r>
+              <a:r>
+                <a:rPr lang="en-US" altLang="ko-KR" sz="1400" b="1" dirty="0" smtClean="0"/>
+                <a:t>)</a:t>
+              </a:r>
+              <a:r>
+                <a:rPr lang="en-US" altLang="ko-KR" sz="1400" b="1" dirty="0"/>
+                <a:t> </a:t>
+              </a:r>
+            </a:p>
+            <a:p>
+              <a:pPr algn="ctr"/>
+              <a:r>
+                <a:rPr lang="en-US" altLang="ko-KR" sz="1400" b="1" dirty="0" smtClean="0"/>
+                <a:t>WMS</a:t>
+              </a:r>
+              <a:endParaRPr lang="en-US" altLang="ko-KR" sz="1400" b="1" dirty="0"/>
+            </a:p>
+            <a:p>
+              <a:pPr algn="ctr"/>
+              <a:r>
+                <a:rPr lang="en-US" altLang="ko-KR" sz="1400" b="1" dirty="0" smtClean="0"/>
+                <a:t>(</a:t>
+              </a:r>
+              <a:r>
+                <a:rPr lang="en-US" altLang="ko-KR" sz="1400" b="1" dirty="0" err="1" smtClean="0"/>
+                <a:t>Odoo</a:t>
+              </a:r>
+              <a:r>
+                <a:rPr lang="en-US" altLang="ko-KR" sz="1400" b="1" dirty="0" smtClean="0"/>
+                <a:t>)</a:t>
+              </a:r>
+              <a:endParaRPr lang="ko-KR" altLang="en-US" sz="1400" b="1" dirty="0"/>
+            </a:p>
+          </p:txBody>
+        </p:sp>
+      </p:grpSp>
+    </p:spTree>
+    <p:extLst>
+      <p:ext uri="{BB962C8B-B14F-4D97-AF65-F5344CB8AC3E}">
+        <p14:creationId xmlns:p14="http://schemas.microsoft.com/office/powerpoint/2010/main" val="1987128544"/>
+      </p:ext>
+    </p:extLst>
+  </p:cSld>
+  <p:clrMapOvr>
+    <a:masterClrMapping/>
+  </p:clrMapOvr>
+  <p:timing>
+    <p:tnLst>
+      <p:par>
+        <p:cTn id="1" dur="indefinite" restart="never" nodeType="tmRoot"/>
+      </p:par>
+    </p:tnLst>
+  </p:timing>
+</p:sld>
+</file>
+
+<file path=ppt/slides/slide11.xml><?xml version="1.0" encoding="utf-8"?>
+<p:sld xmlns:a="http://schemas.openxmlformats.org/drawingml/2006/main" xmlns:r="http://schemas.openxmlformats.org/officeDocument/2006/relationships" xmlns:p="http://schemas.openxmlformats.org/presentationml/2006/main">
+  <p:cSld>
+    <p:spTree>
+      <p:nvGrpSpPr>
+        <p:cNvPr id="1" name=""/>
+        <p:cNvGrpSpPr/>
+        <p:nvPr/>
+      </p:nvGrpSpPr>
+      <p:grpSpPr>
+        <a:xfrm>
+          <a:off x="0" y="0"/>
+          <a:ext cx="0" cy="0"/>
+          <a:chOff x="0" y="0"/>
+          <a:chExt cx="0" cy="0"/>
+        </a:xfrm>
+      </p:grpSpPr>
+      <p:sp>
+        <p:nvSpPr>
+          <p:cNvPr id="2" name="제목 1"/>
+          <p:cNvSpPr>
+            <a:spLocks noGrp="1"/>
+          </p:cNvSpPr>
+          <p:nvPr>
+            <p:ph type="title"/>
+          </p:nvPr>
+        </p:nvSpPr>
+        <p:spPr/>
+        <p:txBody>
+          <a:bodyPr/>
+          <a:lstStyle/>
+          <a:p>
+            <a:endParaRPr lang="ko-KR" altLang="en-US"/>
+          </a:p>
+        </p:txBody>
+      </p:sp>
+      <p:grpSp>
+        <p:nvGrpSpPr>
+          <p:cNvPr id="3" name="그룹 2"/>
+          <p:cNvGrpSpPr/>
+          <p:nvPr/>
+        </p:nvGrpSpPr>
+        <p:grpSpPr>
+          <a:xfrm>
+            <a:off x="6772444" y="439861"/>
+            <a:ext cx="4878953" cy="6294875"/>
+            <a:chOff x="74815" y="564035"/>
+            <a:chExt cx="9027620" cy="6294875"/>
+          </a:xfrm>
+        </p:grpSpPr>
+        <p:sp>
+          <p:nvSpPr>
+            <p:cNvPr id="4" name="모서리가 둥근 직사각형 3"/>
+            <p:cNvSpPr/>
+            <p:nvPr/>
+          </p:nvSpPr>
+          <p:spPr>
+            <a:xfrm>
+              <a:off x="74815" y="2218501"/>
+              <a:ext cx="9027620" cy="4266951"/>
+            </a:xfrm>
+            <a:prstGeom prst="roundRect">
+              <a:avLst>
+                <a:gd name="adj" fmla="val 6147"/>
+              </a:avLst>
+            </a:prstGeom>
+            <a:solidFill>
+              <a:schemeClr val="accent4">
+                <a:lumMod val="20000"/>
+                <a:lumOff val="80000"/>
+              </a:schemeClr>
+            </a:solidFill>
+            <a:ln w="19050">
+              <a:solidFill>
+                <a:schemeClr val="accent4"/>
+              </a:solidFill>
+              <a:prstDash val="dash"/>
+            </a:ln>
+          </p:spPr>
+          <p:style>
+            <a:lnRef idx="2">
+              <a:schemeClr val="accent1">
+                <a:shade val="50000"/>
+              </a:schemeClr>
+            </a:lnRef>
+            <a:fillRef idx="1">
+              <a:schemeClr val="accent1"/>
+            </a:fillRef>
+            <a:effectRef idx="0">
+              <a:schemeClr val="accent1"/>
+            </a:effectRef>
+            <a:fontRef idx="minor">
+              <a:schemeClr val="lt1"/>
+            </a:fontRef>
+          </p:style>
+          <p:txBody>
+            <a:bodyPr rtlCol="0" anchor="t"/>
+            <a:lstStyle/>
+            <a:p>
+              <a:pPr algn="ctr"/>
+              <a:r>
+                <a:rPr lang="en-US" altLang="ko-KR" sz="2000" b="1" dirty="0" smtClean="0">
+                  <a:solidFill>
+                    <a:schemeClr val="tx1"/>
+                  </a:solidFill>
+                </a:rPr>
+                <a:t>WCS</a:t>
+              </a:r>
+              <a:endParaRPr lang="ko-KR" altLang="en-US" sz="2000" b="1" dirty="0">
+                <a:solidFill>
+                  <a:schemeClr val="tx1"/>
+                </a:solidFill>
+              </a:endParaRPr>
+            </a:p>
+          </p:txBody>
+        </p:sp>
+        <p:sp>
+          <p:nvSpPr>
+            <p:cNvPr id="5" name="순서도: 대체 처리 4"/>
+            <p:cNvSpPr/>
+            <p:nvPr/>
+          </p:nvSpPr>
+          <p:spPr>
+            <a:xfrm>
+              <a:off x="324194" y="564035"/>
+              <a:ext cx="1313409" cy="611880"/>
+            </a:xfrm>
+            <a:prstGeom prst="flowChartAlternateProcess">
+              <a:avLst/>
+            </a:prstGeom>
+          </p:spPr>
+          <p:style>
+            <a:lnRef idx="2">
+              <a:schemeClr val="dk1">
+                <a:shade val="50000"/>
+              </a:schemeClr>
+            </a:lnRef>
+            <a:fillRef idx="1">
+              <a:schemeClr val="dk1"/>
+            </a:fillRef>
+            <a:effectRef idx="0">
+              <a:schemeClr val="dk1"/>
+            </a:effectRef>
+            <a:fontRef idx="minor">
+              <a:schemeClr val="lt1"/>
+            </a:fontRef>
+          </p:style>
+          <p:txBody>
+            <a:bodyPr lIns="0" tIns="0" rIns="0" bIns="0" rtlCol="0" anchor="ctr"/>
+            <a:lstStyle/>
+            <a:p>
+              <a:pPr algn="ctr"/>
+              <a:r>
+                <a:rPr lang="ko-KR" altLang="en-US" sz="1200" dirty="0" smtClean="0"/>
+                <a:t>시작</a:t>
+              </a:r>
+              <a:endParaRPr lang="ko-KR" altLang="en-US" sz="1200" dirty="0"/>
+            </a:p>
+          </p:txBody>
+        </p:sp>
+        <p:sp>
+          <p:nvSpPr>
+            <p:cNvPr id="6" name="순서도: 처리 5"/>
+            <p:cNvSpPr/>
+            <p:nvPr/>
+          </p:nvSpPr>
+          <p:spPr>
+            <a:xfrm>
+              <a:off x="4007080" y="565500"/>
+              <a:ext cx="1313410" cy="594359"/>
+            </a:xfrm>
+            <a:prstGeom prst="flowChartProcess">
+              <a:avLst/>
+            </a:prstGeom>
+          </p:spPr>
+          <p:style>
+            <a:lnRef idx="2">
+              <a:schemeClr val="accent2">
+                <a:shade val="50000"/>
+              </a:schemeClr>
+            </a:lnRef>
+            <a:fillRef idx="1">
+              <a:schemeClr val="accent2"/>
+            </a:fillRef>
+            <a:effectRef idx="0">
+              <a:schemeClr val="accent2"/>
+            </a:effectRef>
+            <a:fontRef idx="minor">
+              <a:schemeClr val="lt1"/>
+            </a:fontRef>
+          </p:style>
+          <p:txBody>
+            <a:bodyPr lIns="0" tIns="0" rIns="0" bIns="0" rtlCol="0" anchor="ctr"/>
+            <a:lstStyle/>
+            <a:p>
+              <a:pPr algn="ctr"/>
+              <a:r>
+                <a:rPr lang="ko-KR" altLang="en-US" sz="1200" dirty="0" smtClean="0"/>
+                <a:t>명령 대기</a:t>
+              </a:r>
+              <a:endParaRPr lang="en-US" altLang="ko-KR" sz="1200" dirty="0" smtClean="0"/>
+            </a:p>
+            <a:p>
+              <a:pPr algn="ctr"/>
+              <a:r>
+                <a:rPr lang="en-US" altLang="ko-KR" sz="1200" dirty="0" smtClean="0"/>
+                <a:t>(</a:t>
+              </a:r>
+              <a:r>
+                <a:rPr lang="ko-KR" altLang="en-US" sz="1200" dirty="0" smtClean="0"/>
+                <a:t>반복</a:t>
+              </a:r>
+              <a:r>
+                <a:rPr lang="en-US" altLang="ko-KR" sz="1200" dirty="0" smtClean="0"/>
+                <a:t>)</a:t>
+              </a:r>
+              <a:endParaRPr lang="ko-KR" altLang="en-US" sz="1200" dirty="0"/>
+            </a:p>
+          </p:txBody>
+        </p:sp>
+        <p:sp>
+          <p:nvSpPr>
+            <p:cNvPr id="7" name="순서도: 처리 6"/>
+            <p:cNvSpPr/>
+            <p:nvPr/>
+          </p:nvSpPr>
+          <p:spPr>
+            <a:xfrm>
+              <a:off x="4007080" y="4214560"/>
+              <a:ext cx="1313410" cy="594359"/>
+            </a:xfrm>
+            <a:prstGeom prst="flowChartProcess">
+              <a:avLst/>
+            </a:prstGeom>
+          </p:spPr>
+          <p:style>
+            <a:lnRef idx="2">
+              <a:schemeClr val="accent4">
+                <a:shade val="50000"/>
+              </a:schemeClr>
+            </a:lnRef>
+            <a:fillRef idx="1">
+              <a:schemeClr val="accent4"/>
+            </a:fillRef>
+            <a:effectRef idx="0">
+              <a:schemeClr val="accent4"/>
+            </a:effectRef>
+            <a:fontRef idx="minor">
+              <a:schemeClr val="lt1"/>
+            </a:fontRef>
+          </p:style>
+          <p:txBody>
+            <a:bodyPr lIns="0" tIns="0" rIns="0" bIns="0" rtlCol="0" anchor="ctr"/>
+            <a:lstStyle/>
+            <a:p>
+              <a:pPr algn="ctr"/>
+              <a:r>
+                <a:rPr lang="ko-KR" altLang="en-US" sz="1200" dirty="0" smtClean="0"/>
+                <a:t>이동 명령</a:t>
+              </a:r>
+              <a:endParaRPr lang="en-US" altLang="ko-KR" sz="1200" dirty="0" smtClean="0"/>
+            </a:p>
+            <a:p>
+              <a:pPr algn="ctr"/>
+              <a:r>
+                <a:rPr lang="ko-KR" altLang="en-US" sz="1200" dirty="0" smtClean="0"/>
+                <a:t>생성</a:t>
+              </a:r>
+              <a:endParaRPr lang="ko-KR" altLang="en-US" sz="1200" dirty="0"/>
+            </a:p>
+          </p:txBody>
+        </p:sp>
+        <p:sp>
+          <p:nvSpPr>
+            <p:cNvPr id="8" name="순서도: 데이터 7"/>
+            <p:cNvSpPr/>
+            <p:nvPr/>
+          </p:nvSpPr>
+          <p:spPr>
+            <a:xfrm>
+              <a:off x="324195" y="2334840"/>
+              <a:ext cx="1313410" cy="592279"/>
+            </a:xfrm>
+            <a:prstGeom prst="flowChartInputOutput">
+              <a:avLst/>
+            </a:prstGeom>
+          </p:spPr>
+          <p:style>
+            <a:lnRef idx="2">
+              <a:schemeClr val="accent3">
+                <a:shade val="50000"/>
+              </a:schemeClr>
+            </a:lnRef>
+            <a:fillRef idx="1">
+              <a:schemeClr val="accent3"/>
+            </a:fillRef>
+            <a:effectRef idx="0">
+              <a:schemeClr val="accent3"/>
+            </a:effectRef>
+            <a:fontRef idx="minor">
+              <a:schemeClr val="lt1"/>
+            </a:fontRef>
+          </p:style>
+          <p:txBody>
+            <a:bodyPr lIns="0" tIns="0" rIns="0" bIns="0" rtlCol="0" anchor="ctr"/>
+            <a:lstStyle/>
+            <a:p>
+              <a:pPr algn="ctr"/>
+              <a:r>
+                <a:rPr lang="ko-KR" altLang="en-US" sz="1200" dirty="0" smtClean="0"/>
+                <a:t>제품 등록</a:t>
+              </a:r>
+              <a:endParaRPr lang="en-US" altLang="ko-KR" sz="1200" dirty="0" smtClean="0"/>
+            </a:p>
+            <a:p>
+              <a:pPr algn="ctr"/>
+              <a:r>
+                <a:rPr lang="ko-KR" altLang="en-US" sz="1200" dirty="0" smtClean="0"/>
+                <a:t> 여부 </a:t>
+              </a:r>
+              <a:endParaRPr lang="en-US" altLang="ko-KR" sz="1200" dirty="0" smtClean="0"/>
+            </a:p>
+          </p:txBody>
+        </p:sp>
+        <p:sp>
+          <p:nvSpPr>
+            <p:cNvPr id="9" name="순서도: 데이터 8"/>
+            <p:cNvSpPr/>
+            <p:nvPr/>
+          </p:nvSpPr>
+          <p:spPr>
+            <a:xfrm>
+              <a:off x="7539644" y="2334840"/>
+              <a:ext cx="1313410" cy="592279"/>
+            </a:xfrm>
+            <a:prstGeom prst="flowChartInputOutput">
+              <a:avLst/>
+            </a:prstGeom>
+          </p:spPr>
+          <p:style>
+            <a:lnRef idx="2">
+              <a:schemeClr val="accent3">
+                <a:shade val="50000"/>
+              </a:schemeClr>
+            </a:lnRef>
+            <a:fillRef idx="1">
+              <a:schemeClr val="accent3"/>
+            </a:fillRef>
+            <a:effectRef idx="0">
+              <a:schemeClr val="accent3"/>
+            </a:effectRef>
+            <a:fontRef idx="minor">
+              <a:schemeClr val="lt1"/>
+            </a:fontRef>
+          </p:style>
+          <p:txBody>
+            <a:bodyPr lIns="0" tIns="0" rIns="0" bIns="0" rtlCol="0" anchor="ctr"/>
+            <a:lstStyle/>
+            <a:p>
+              <a:pPr algn="ctr"/>
+              <a:r>
+                <a:rPr lang="ko-KR" altLang="en-US" sz="1200" dirty="0" smtClean="0"/>
+                <a:t>재고 보유 여부</a:t>
+              </a:r>
+              <a:endParaRPr lang="ko-KR" altLang="en-US" sz="1200" dirty="0"/>
+            </a:p>
+          </p:txBody>
+        </p:sp>
+        <p:sp>
+          <p:nvSpPr>
+            <p:cNvPr id="10" name="순서도: 자기 디스크 9"/>
+            <p:cNvSpPr/>
+            <p:nvPr/>
+          </p:nvSpPr>
+          <p:spPr>
+            <a:xfrm>
+              <a:off x="2165637" y="1522623"/>
+              <a:ext cx="1313410" cy="592279"/>
+            </a:xfrm>
+            <a:prstGeom prst="flowChartMagneticDisk">
+              <a:avLst/>
+            </a:prstGeom>
+          </p:spPr>
+          <p:style>
+            <a:lnRef idx="2">
+              <a:schemeClr val="accent3">
+                <a:shade val="50000"/>
+              </a:schemeClr>
+            </a:lnRef>
+            <a:fillRef idx="1">
+              <a:schemeClr val="accent3"/>
+            </a:fillRef>
+            <a:effectRef idx="0">
+              <a:schemeClr val="accent3"/>
+            </a:effectRef>
+            <a:fontRef idx="minor">
+              <a:schemeClr val="lt1"/>
+            </a:fontRef>
+          </p:style>
+          <p:txBody>
+            <a:bodyPr lIns="0" tIns="0" rIns="0" bIns="0" rtlCol="0" anchor="ctr"/>
+            <a:lstStyle/>
+            <a:p>
+              <a:pPr algn="ctr"/>
+              <a:r>
+                <a:rPr lang="ko-KR" altLang="en-US" sz="1200" dirty="0" smtClean="0"/>
+                <a:t>제품 등록 정보</a:t>
+              </a:r>
+              <a:endParaRPr lang="ko-KR" altLang="en-US" sz="1200" dirty="0"/>
+            </a:p>
+          </p:txBody>
+        </p:sp>
+        <p:sp>
+          <p:nvSpPr>
+            <p:cNvPr id="11" name="순서도: 처리 10"/>
+            <p:cNvSpPr/>
+            <p:nvPr/>
+          </p:nvSpPr>
+          <p:spPr>
+            <a:xfrm>
+              <a:off x="324195" y="3174424"/>
+              <a:ext cx="1313410" cy="594359"/>
+            </a:xfrm>
+            <a:prstGeom prst="flowChartProcess">
+              <a:avLst/>
+            </a:prstGeom>
+          </p:spPr>
+          <p:style>
+            <a:lnRef idx="2">
+              <a:schemeClr val="accent4">
+                <a:shade val="50000"/>
+              </a:schemeClr>
+            </a:lnRef>
+            <a:fillRef idx="1">
+              <a:schemeClr val="accent4"/>
+            </a:fillRef>
+            <a:effectRef idx="0">
+              <a:schemeClr val="accent4"/>
+            </a:effectRef>
+            <a:fontRef idx="minor">
+              <a:schemeClr val="lt1"/>
+            </a:fontRef>
+          </p:style>
+          <p:txBody>
+            <a:bodyPr lIns="0" tIns="0" rIns="0" bIns="0" rtlCol="0" anchor="ctr"/>
+            <a:lstStyle/>
+            <a:p>
+              <a:pPr algn="ctr"/>
+              <a:r>
+                <a:rPr lang="ko-KR" altLang="en-US" sz="1200" dirty="0" smtClean="0"/>
+                <a:t>공간 탐색</a:t>
+              </a:r>
+              <a:endParaRPr lang="ko-KR" altLang="en-US" sz="1200" dirty="0"/>
+            </a:p>
+          </p:txBody>
+        </p:sp>
+        <p:sp>
+          <p:nvSpPr>
+            <p:cNvPr id="12" name="순서도: 처리 11"/>
+            <p:cNvSpPr/>
+            <p:nvPr/>
+          </p:nvSpPr>
+          <p:spPr>
+            <a:xfrm>
+              <a:off x="4007079" y="5009226"/>
+              <a:ext cx="1313410" cy="594359"/>
+            </a:xfrm>
+            <a:prstGeom prst="flowChartProcess">
+              <a:avLst/>
+            </a:prstGeom>
+          </p:spPr>
+          <p:style>
+            <a:lnRef idx="2">
+              <a:schemeClr val="accent5">
+                <a:shade val="50000"/>
+              </a:schemeClr>
+            </a:lnRef>
+            <a:fillRef idx="1">
+              <a:schemeClr val="accent5"/>
+            </a:fillRef>
+            <a:effectRef idx="0">
+              <a:schemeClr val="accent5"/>
+            </a:effectRef>
+            <a:fontRef idx="minor">
+              <a:schemeClr val="lt1"/>
+            </a:fontRef>
+          </p:style>
+          <p:txBody>
+            <a:bodyPr lIns="0" tIns="0" rIns="0" bIns="0" rtlCol="0" anchor="ctr"/>
+            <a:lstStyle/>
+            <a:p>
+              <a:pPr algn="ctr"/>
+              <a:r>
+                <a:rPr lang="ko-KR" altLang="en-US" sz="1200" dirty="0" err="1" smtClean="0"/>
+                <a:t>제어부</a:t>
+              </a:r>
+              <a:r>
+                <a:rPr lang="ko-KR" altLang="en-US" sz="1200" dirty="0" smtClean="0"/>
+                <a:t> </a:t>
+              </a:r>
+              <a:endParaRPr lang="en-US" altLang="ko-KR" sz="1200" dirty="0" smtClean="0"/>
+            </a:p>
+            <a:p>
+              <a:pPr algn="ctr"/>
+              <a:r>
+                <a:rPr lang="ko-KR" altLang="en-US" sz="1200" dirty="0" smtClean="0"/>
+                <a:t>동작</a:t>
+              </a:r>
+              <a:endParaRPr lang="ko-KR" altLang="en-US" sz="1200" dirty="0"/>
+            </a:p>
+          </p:txBody>
+        </p:sp>
+        <p:sp>
+          <p:nvSpPr>
+            <p:cNvPr id="13" name="순서도: 자기 디스크 12"/>
+            <p:cNvSpPr/>
+            <p:nvPr/>
+          </p:nvSpPr>
+          <p:spPr>
+            <a:xfrm>
+              <a:off x="5773361" y="1522623"/>
+              <a:ext cx="1313410" cy="592279"/>
+            </a:xfrm>
+            <a:prstGeom prst="flowChartMagneticDisk">
+              <a:avLst/>
+            </a:prstGeom>
+          </p:spPr>
+          <p:style>
+            <a:lnRef idx="2">
+              <a:schemeClr val="accent3">
+                <a:shade val="50000"/>
+              </a:schemeClr>
+            </a:lnRef>
+            <a:fillRef idx="1">
+              <a:schemeClr val="accent3"/>
+            </a:fillRef>
+            <a:effectRef idx="0">
+              <a:schemeClr val="accent3"/>
+            </a:effectRef>
+            <a:fontRef idx="minor">
+              <a:schemeClr val="lt1"/>
+            </a:fontRef>
+          </p:style>
+          <p:txBody>
+            <a:bodyPr lIns="0" tIns="0" rIns="0" bIns="0" rtlCol="0" anchor="ctr"/>
+            <a:lstStyle/>
+            <a:p>
+              <a:pPr algn="ctr"/>
+              <a:r>
+                <a:rPr lang="ko-KR" altLang="en-US" sz="1200" dirty="0" smtClean="0"/>
+                <a:t>재고 위치 정보</a:t>
+              </a:r>
+              <a:endParaRPr lang="ko-KR" altLang="en-US" sz="1200" dirty="0"/>
+            </a:p>
+          </p:txBody>
+        </p:sp>
+        <p:sp>
+          <p:nvSpPr>
+            <p:cNvPr id="14" name="순서도: 처리 13"/>
+            <p:cNvSpPr/>
+            <p:nvPr/>
+          </p:nvSpPr>
+          <p:spPr>
+            <a:xfrm>
+              <a:off x="2166641" y="565500"/>
+              <a:ext cx="1313410" cy="594359"/>
+            </a:xfrm>
+            <a:prstGeom prst="flowChartProcess">
+              <a:avLst/>
+            </a:prstGeom>
+          </p:spPr>
+          <p:style>
+            <a:lnRef idx="2">
+              <a:schemeClr val="accent2">
+                <a:shade val="50000"/>
+              </a:schemeClr>
+            </a:lnRef>
+            <a:fillRef idx="1">
+              <a:schemeClr val="accent2"/>
+            </a:fillRef>
+            <a:effectRef idx="0">
+              <a:schemeClr val="accent2"/>
+            </a:effectRef>
+            <a:fontRef idx="minor">
+              <a:schemeClr val="lt1"/>
+            </a:fontRef>
+          </p:style>
+          <p:txBody>
+            <a:bodyPr lIns="0" tIns="0" rIns="0" bIns="0" rtlCol="0" anchor="ctr"/>
+            <a:lstStyle/>
+            <a:p>
+              <a:pPr algn="ctr"/>
+              <a:r>
+                <a:rPr lang="ko-KR" altLang="en-US" sz="1200" dirty="0" smtClean="0"/>
+                <a:t>초기화</a:t>
+              </a:r>
+              <a:endParaRPr lang="ko-KR" altLang="en-US" sz="1200" dirty="0"/>
+            </a:p>
+          </p:txBody>
+        </p:sp>
+        <p:cxnSp>
+          <p:nvCxnSpPr>
+            <p:cNvPr id="15" name="직선 화살표 연결선 14"/>
+            <p:cNvCxnSpPr>
+              <a:stCxn id="5" idx="3"/>
+              <a:endCxn id="14" idx="1"/>
+            </p:cNvCxnSpPr>
+            <p:nvPr/>
+          </p:nvCxnSpPr>
+          <p:spPr>
+            <a:xfrm flipV="1">
+              <a:off x="1637603" y="862680"/>
+              <a:ext cx="529038" cy="7295"/>
+            </a:xfrm>
+            <a:prstGeom prst="straightConnector1">
+              <a:avLst/>
+            </a:prstGeom>
+            <a:ln w="31750">
+              <a:solidFill>
+                <a:schemeClr val="tx1"/>
+              </a:solidFill>
+              <a:headEnd w="lg" len="med"/>
+              <a:tailEnd type="triangle" w="lg" len="med"/>
+            </a:ln>
+          </p:spPr>
+          <p:style>
+            <a:lnRef idx="1">
+              <a:schemeClr val="accent1"/>
+            </a:lnRef>
+            <a:fillRef idx="0">
+              <a:schemeClr val="accent1"/>
+            </a:fillRef>
+            <a:effectRef idx="0">
+              <a:schemeClr val="accent1"/>
+            </a:effectRef>
+            <a:fontRef idx="minor">
+              <a:schemeClr val="tx1"/>
+            </a:fontRef>
+          </p:style>
+        </p:cxnSp>
+        <p:cxnSp>
+          <p:nvCxnSpPr>
+            <p:cNvPr id="16" name="직선 화살표 연결선 15"/>
+            <p:cNvCxnSpPr>
+              <a:stCxn id="14" idx="3"/>
+              <a:endCxn id="6" idx="1"/>
+            </p:cNvCxnSpPr>
+            <p:nvPr/>
+          </p:nvCxnSpPr>
+          <p:spPr>
+            <a:xfrm>
+              <a:off x="3480051" y="862680"/>
+              <a:ext cx="527029" cy="0"/>
+            </a:xfrm>
+            <a:prstGeom prst="straightConnector1">
+              <a:avLst/>
+            </a:prstGeom>
+            <a:ln w="31750">
+              <a:solidFill>
+                <a:schemeClr val="accent2"/>
+              </a:solidFill>
+              <a:headEnd w="lg" len="med"/>
+              <a:tailEnd type="triangle" w="lg" len="med"/>
+            </a:ln>
+          </p:spPr>
+          <p:style>
+            <a:lnRef idx="1">
+              <a:schemeClr val="accent1"/>
+            </a:lnRef>
+            <a:fillRef idx="0">
+              <a:schemeClr val="accent1"/>
+            </a:fillRef>
+            <a:effectRef idx="0">
+              <a:schemeClr val="accent1"/>
+            </a:effectRef>
+            <a:fontRef idx="minor">
+              <a:schemeClr val="tx1"/>
+            </a:fontRef>
+          </p:style>
+        </p:cxnSp>
+        <p:cxnSp>
+          <p:nvCxnSpPr>
+            <p:cNvPr id="17" name="꺾인 연결선 16"/>
+            <p:cNvCxnSpPr>
+              <a:stCxn id="6" idx="2"/>
+              <a:endCxn id="8" idx="1"/>
+            </p:cNvCxnSpPr>
+            <p:nvPr/>
+          </p:nvCxnSpPr>
+          <p:spPr>
+            <a:xfrm rot="5400000">
+              <a:off x="2234853" y="-94093"/>
+              <a:ext cx="1174981" cy="3682885"/>
+            </a:xfrm>
+            <a:prstGeom prst="bentConnector3">
+              <a:avLst>
+                <a:gd name="adj1" fmla="val 24059"/>
+              </a:avLst>
+            </a:prstGeom>
+            <a:ln w="31750">
+              <a:solidFill>
+                <a:schemeClr val="accent2"/>
+              </a:solidFill>
+              <a:headEnd w="lg" len="med"/>
+              <a:tailEnd type="triangle" w="lg" len="med"/>
+            </a:ln>
+          </p:spPr>
+          <p:style>
+            <a:lnRef idx="1">
+              <a:schemeClr val="accent1"/>
+            </a:lnRef>
+            <a:fillRef idx="0">
+              <a:schemeClr val="accent1"/>
+            </a:fillRef>
+            <a:effectRef idx="0">
+              <a:schemeClr val="accent1"/>
+            </a:effectRef>
+            <a:fontRef idx="minor">
+              <a:schemeClr val="tx1"/>
+            </a:fontRef>
+          </p:style>
+        </p:cxnSp>
+        <p:cxnSp>
+          <p:nvCxnSpPr>
+            <p:cNvPr id="18" name="꺾인 연결선 17"/>
+            <p:cNvCxnSpPr>
+              <a:stCxn id="6" idx="2"/>
+              <a:endCxn id="9" idx="0"/>
+            </p:cNvCxnSpPr>
+            <p:nvPr/>
+          </p:nvCxnSpPr>
+          <p:spPr>
+            <a:xfrm rot="16200000" flipH="1">
+              <a:off x="5908247" y="-84604"/>
+              <a:ext cx="1174981" cy="3663905"/>
+            </a:xfrm>
+            <a:prstGeom prst="bentConnector3">
+              <a:avLst>
+                <a:gd name="adj1" fmla="val 24059"/>
+              </a:avLst>
+            </a:prstGeom>
+            <a:ln w="31750">
+              <a:solidFill>
+                <a:schemeClr val="accent2"/>
+              </a:solidFill>
+              <a:headEnd w="lg" len="med"/>
+              <a:tailEnd type="triangle" w="lg" len="med"/>
+            </a:ln>
+          </p:spPr>
+          <p:style>
+            <a:lnRef idx="1">
+              <a:schemeClr val="accent1"/>
+            </a:lnRef>
+            <a:fillRef idx="0">
+              <a:schemeClr val="accent1"/>
+            </a:fillRef>
+            <a:effectRef idx="0">
+              <a:schemeClr val="accent1"/>
+            </a:effectRef>
+            <a:fontRef idx="minor">
+              <a:schemeClr val="tx1"/>
+            </a:fontRef>
+          </p:style>
+        </p:cxnSp>
+        <p:cxnSp>
+          <p:nvCxnSpPr>
+            <p:cNvPr id="19" name="꺾인 연결선 18"/>
+            <p:cNvCxnSpPr>
+              <a:stCxn id="8" idx="4"/>
+              <a:endCxn id="10" idx="3"/>
+            </p:cNvCxnSpPr>
+            <p:nvPr/>
+          </p:nvCxnSpPr>
+          <p:spPr>
+            <a:xfrm rot="5400000" flipH="1" flipV="1">
+              <a:off x="1495512" y="1600290"/>
+              <a:ext cx="812217" cy="1841442"/>
+            </a:xfrm>
+            <a:prstGeom prst="bentConnector3">
+              <a:avLst>
+                <a:gd name="adj1" fmla="val -6567"/>
+              </a:avLst>
+            </a:prstGeom>
+            <a:ln w="31750">
+              <a:solidFill>
+                <a:schemeClr val="tx1">
+                  <a:lumMod val="50000"/>
+                  <a:lumOff val="50000"/>
+                </a:schemeClr>
+              </a:solidFill>
+              <a:headEnd w="lg" len="med"/>
+              <a:tailEnd type="triangle" w="lg" len="med"/>
+            </a:ln>
+          </p:spPr>
+          <p:style>
+            <a:lnRef idx="1">
+              <a:schemeClr val="accent1"/>
+            </a:lnRef>
+            <a:fillRef idx="0">
+              <a:schemeClr val="accent1"/>
+            </a:fillRef>
+            <a:effectRef idx="0">
+              <a:schemeClr val="accent1"/>
+            </a:effectRef>
+            <a:fontRef idx="minor">
+              <a:schemeClr val="tx1"/>
+            </a:fontRef>
+          </p:style>
+        </p:cxnSp>
+        <p:cxnSp>
+          <p:nvCxnSpPr>
+            <p:cNvPr id="20" name="직선 화살표 연결선 19"/>
+            <p:cNvCxnSpPr>
+              <a:stCxn id="8" idx="4"/>
+              <a:endCxn id="11" idx="0"/>
+            </p:cNvCxnSpPr>
+            <p:nvPr/>
+          </p:nvCxnSpPr>
+          <p:spPr>
+            <a:xfrm>
+              <a:off x="980900" y="2927119"/>
+              <a:ext cx="0" cy="247305"/>
+            </a:xfrm>
+            <a:prstGeom prst="straightConnector1">
+              <a:avLst/>
+            </a:prstGeom>
+            <a:ln w="31750">
+              <a:solidFill>
+                <a:schemeClr val="tx1">
+                  <a:lumMod val="50000"/>
+                  <a:lumOff val="50000"/>
+                </a:schemeClr>
+              </a:solidFill>
+              <a:tailEnd type="triangle" w="lg" len="med"/>
+            </a:ln>
+          </p:spPr>
+          <p:style>
+            <a:lnRef idx="1">
+              <a:schemeClr val="accent1"/>
+            </a:lnRef>
+            <a:fillRef idx="0">
+              <a:schemeClr val="accent1"/>
+            </a:fillRef>
+            <a:effectRef idx="0">
+              <a:schemeClr val="accent1"/>
+            </a:effectRef>
+            <a:fontRef idx="minor">
+              <a:schemeClr val="tx1"/>
+            </a:fontRef>
+          </p:style>
+        </p:cxnSp>
+        <p:cxnSp>
+          <p:nvCxnSpPr>
+            <p:cNvPr id="21" name="직선 화살표 연결선 20"/>
+            <p:cNvCxnSpPr>
+              <a:stCxn id="9" idx="4"/>
+              <a:endCxn id="26" idx="1"/>
+            </p:cNvCxnSpPr>
+            <p:nvPr/>
+          </p:nvCxnSpPr>
+          <p:spPr>
+            <a:xfrm>
+              <a:off x="8196349" y="2927119"/>
+              <a:ext cx="0" cy="1074280"/>
+            </a:xfrm>
+            <a:prstGeom prst="straightConnector1">
+              <a:avLst/>
+            </a:prstGeom>
+            <a:ln w="31750">
+              <a:solidFill>
+                <a:schemeClr val="tx1">
+                  <a:lumMod val="50000"/>
+                  <a:lumOff val="50000"/>
+                </a:schemeClr>
+              </a:solidFill>
+              <a:headEnd w="lg" len="med"/>
+              <a:tailEnd type="triangle" w="lg" len="med"/>
+            </a:ln>
+          </p:spPr>
+          <p:style>
+            <a:lnRef idx="1">
+              <a:schemeClr val="accent1"/>
+            </a:lnRef>
+            <a:fillRef idx="0">
+              <a:schemeClr val="accent1"/>
+            </a:fillRef>
+            <a:effectRef idx="0">
+              <a:schemeClr val="accent1"/>
+            </a:effectRef>
+            <a:fontRef idx="minor">
+              <a:schemeClr val="tx1"/>
+            </a:fontRef>
+          </p:style>
+        </p:cxnSp>
+        <p:sp>
+          <p:nvSpPr>
+            <p:cNvPr id="22" name="순서도: 처리 21"/>
+            <p:cNvSpPr/>
+            <p:nvPr/>
+          </p:nvSpPr>
+          <p:spPr>
+            <a:xfrm>
+              <a:off x="5773361" y="3388332"/>
+              <a:ext cx="1313410" cy="594359"/>
+            </a:xfrm>
+            <a:prstGeom prst="flowChartProcess">
+              <a:avLst/>
+            </a:prstGeom>
+          </p:spPr>
+          <p:style>
+            <a:lnRef idx="2">
+              <a:schemeClr val="accent3">
+                <a:shade val="50000"/>
+              </a:schemeClr>
+            </a:lnRef>
+            <a:fillRef idx="1">
+              <a:schemeClr val="accent3"/>
+            </a:fillRef>
+            <a:effectRef idx="0">
+              <a:schemeClr val="accent3"/>
+            </a:effectRef>
+            <a:fontRef idx="minor">
+              <a:schemeClr val="lt1"/>
+            </a:fontRef>
+          </p:style>
+          <p:txBody>
+            <a:bodyPr lIns="0" tIns="0" rIns="0" bIns="0" rtlCol="0" anchor="ctr"/>
+            <a:lstStyle/>
+            <a:p>
+              <a:pPr algn="ctr"/>
+              <a:r>
+                <a:rPr lang="ko-KR" altLang="en-US" sz="1200" dirty="0" smtClean="0"/>
+                <a:t>데이터 </a:t>
+              </a:r>
+              <a:endParaRPr lang="en-US" altLang="ko-KR" sz="1200" dirty="0" smtClean="0"/>
+            </a:p>
+            <a:p>
+              <a:pPr algn="ctr"/>
+              <a:r>
+                <a:rPr lang="ko-KR" altLang="en-US" sz="1200" dirty="0" smtClean="0"/>
+                <a:t>갱신</a:t>
+              </a:r>
+              <a:endParaRPr lang="ko-KR" altLang="en-US" sz="1200" dirty="0"/>
+            </a:p>
+          </p:txBody>
+        </p:sp>
+        <p:cxnSp>
+          <p:nvCxnSpPr>
+            <p:cNvPr id="23" name="직선 화살표 연결선 22"/>
+            <p:cNvCxnSpPr>
+              <a:stCxn id="7" idx="2"/>
+              <a:endCxn id="12" idx="0"/>
+            </p:cNvCxnSpPr>
+            <p:nvPr/>
+          </p:nvCxnSpPr>
+          <p:spPr>
+            <a:xfrm flipH="1">
+              <a:off x="4663784" y="4808919"/>
+              <a:ext cx="1" cy="200307"/>
+            </a:xfrm>
+            <a:prstGeom prst="straightConnector1">
+              <a:avLst/>
+            </a:prstGeom>
+            <a:ln w="31750">
+              <a:solidFill>
+                <a:schemeClr val="accent4"/>
+              </a:solidFill>
+              <a:headEnd w="lg" len="med"/>
+              <a:tailEnd type="triangle" w="lg" len="med"/>
+            </a:ln>
+          </p:spPr>
+          <p:style>
+            <a:lnRef idx="1">
+              <a:schemeClr val="accent1"/>
+            </a:lnRef>
+            <a:fillRef idx="0">
+              <a:schemeClr val="accent1"/>
+            </a:fillRef>
+            <a:effectRef idx="0">
+              <a:schemeClr val="accent1"/>
+            </a:effectRef>
+            <a:fontRef idx="minor">
+              <a:schemeClr val="tx1"/>
+            </a:fontRef>
+          </p:style>
+        </p:cxnSp>
+        <p:cxnSp>
+          <p:nvCxnSpPr>
+            <p:cNvPr id="24" name="꺾인 연결선 23"/>
+            <p:cNvCxnSpPr>
+              <a:stCxn id="26" idx="4"/>
+              <a:endCxn id="7" idx="0"/>
+            </p:cNvCxnSpPr>
+            <p:nvPr/>
+          </p:nvCxnSpPr>
+          <p:spPr>
+            <a:xfrm rot="5400000" flipH="1">
+              <a:off x="6240508" y="2637837"/>
+              <a:ext cx="379118" cy="3532564"/>
+            </a:xfrm>
+            <a:prstGeom prst="bentConnector5">
+              <a:avLst>
+                <a:gd name="adj1" fmla="val -60298"/>
+                <a:gd name="adj2" fmla="val 75453"/>
+                <a:gd name="adj3" fmla="val 134169"/>
+              </a:avLst>
+            </a:prstGeom>
+            <a:ln w="31750">
+              <a:solidFill>
+                <a:schemeClr val="accent4"/>
+              </a:solidFill>
+              <a:headEnd w="lg" len="med"/>
+              <a:tailEnd type="triangle" w="lg" len="med"/>
+            </a:ln>
+          </p:spPr>
+          <p:style>
+            <a:lnRef idx="1">
+              <a:schemeClr val="accent1"/>
+            </a:lnRef>
+            <a:fillRef idx="0">
+              <a:schemeClr val="accent1"/>
+            </a:fillRef>
+            <a:effectRef idx="0">
+              <a:schemeClr val="accent1"/>
+            </a:effectRef>
+            <a:fontRef idx="minor">
+              <a:schemeClr val="tx1"/>
+            </a:fontRef>
+          </p:style>
+        </p:cxnSp>
+        <p:sp>
+          <p:nvSpPr>
+            <p:cNvPr id="25" name="순서도: 데이터 24"/>
+            <p:cNvSpPr/>
+            <p:nvPr/>
+          </p:nvSpPr>
+          <p:spPr>
+            <a:xfrm>
+              <a:off x="324195" y="4001399"/>
+              <a:ext cx="1313410" cy="592279"/>
+            </a:xfrm>
+            <a:prstGeom prst="flowChartInputOutput">
+              <a:avLst/>
+            </a:prstGeom>
+          </p:spPr>
+          <p:style>
+            <a:lnRef idx="2">
+              <a:schemeClr val="accent4">
+                <a:shade val="50000"/>
+              </a:schemeClr>
+            </a:lnRef>
+            <a:fillRef idx="1">
+              <a:schemeClr val="accent4"/>
+            </a:fillRef>
+            <a:effectRef idx="0">
+              <a:schemeClr val="accent4"/>
+            </a:effectRef>
+            <a:fontRef idx="minor">
+              <a:schemeClr val="lt1"/>
+            </a:fontRef>
+          </p:style>
+          <p:txBody>
+            <a:bodyPr lIns="0" tIns="0" rIns="0" bIns="0" rtlCol="0" anchor="ctr"/>
+            <a:lstStyle/>
+            <a:p>
+              <a:pPr algn="ctr"/>
+              <a:r>
+                <a:rPr lang="ko-KR" altLang="en-US" sz="1200" dirty="0" smtClean="0"/>
+                <a:t>배치 가능 </a:t>
+              </a:r>
+              <a:endParaRPr lang="en-US" altLang="ko-KR" sz="1200" dirty="0" smtClean="0"/>
+            </a:p>
+            <a:p>
+              <a:pPr algn="ctr"/>
+              <a:r>
+                <a:rPr lang="ko-KR" altLang="en-US" sz="1200" dirty="0" smtClean="0"/>
+                <a:t>여부</a:t>
+              </a:r>
+              <a:endParaRPr lang="ko-KR" altLang="en-US" sz="1200" dirty="0"/>
+            </a:p>
+          </p:txBody>
+        </p:sp>
+        <p:sp>
+          <p:nvSpPr>
+            <p:cNvPr id="26" name="순서도: 데이터 25"/>
+            <p:cNvSpPr/>
+            <p:nvPr/>
+          </p:nvSpPr>
+          <p:spPr>
+            <a:xfrm>
+              <a:off x="7539644" y="4001399"/>
+              <a:ext cx="1313410" cy="592279"/>
+            </a:xfrm>
+            <a:prstGeom prst="flowChartInputOutput">
+              <a:avLst/>
+            </a:prstGeom>
+          </p:spPr>
+          <p:style>
+            <a:lnRef idx="2">
+              <a:schemeClr val="accent4">
+                <a:shade val="50000"/>
+              </a:schemeClr>
+            </a:lnRef>
+            <a:fillRef idx="1">
+              <a:schemeClr val="accent4"/>
+            </a:fillRef>
+            <a:effectRef idx="0">
+              <a:schemeClr val="accent4"/>
+            </a:effectRef>
+            <a:fontRef idx="minor">
+              <a:schemeClr val="lt1"/>
+            </a:fontRef>
+          </p:style>
+          <p:txBody>
+            <a:bodyPr lIns="0" tIns="0" rIns="0" bIns="0" rtlCol="0" anchor="ctr"/>
+            <a:lstStyle/>
+            <a:p>
+              <a:pPr algn="ctr"/>
+              <a:r>
+                <a:rPr lang="ko-KR" altLang="en-US" sz="1200" dirty="0" smtClean="0"/>
+                <a:t>픽업 가능 </a:t>
+              </a:r>
+              <a:endParaRPr lang="en-US" altLang="ko-KR" sz="1200" dirty="0" smtClean="0"/>
+            </a:p>
+            <a:p>
+              <a:pPr algn="ctr"/>
+              <a:r>
+                <a:rPr lang="ko-KR" altLang="en-US" sz="1200" dirty="0" smtClean="0"/>
+                <a:t>여부</a:t>
+              </a:r>
+              <a:endParaRPr lang="ko-KR" altLang="en-US" sz="1200" dirty="0"/>
+            </a:p>
+          </p:txBody>
+        </p:sp>
+        <p:sp>
+          <p:nvSpPr>
+            <p:cNvPr id="27" name="순서도: 처리 26"/>
+            <p:cNvSpPr/>
+            <p:nvPr/>
+          </p:nvSpPr>
+          <p:spPr>
+            <a:xfrm>
+              <a:off x="4007080" y="3388333"/>
+              <a:ext cx="1313410" cy="594359"/>
+            </a:xfrm>
+            <a:prstGeom prst="flowChartProcess">
+              <a:avLst/>
+            </a:prstGeom>
+            <a:solidFill>
+              <a:srgbClr val="FF9900"/>
+            </a:solidFill>
+          </p:spPr>
+          <p:style>
+            <a:lnRef idx="2">
+              <a:schemeClr val="accent4">
+                <a:shade val="50000"/>
+              </a:schemeClr>
+            </a:lnRef>
+            <a:fillRef idx="1">
+              <a:schemeClr val="accent4"/>
+            </a:fillRef>
+            <a:effectRef idx="0">
+              <a:schemeClr val="accent4"/>
+            </a:effectRef>
+            <a:fontRef idx="minor">
+              <a:schemeClr val="lt1"/>
+            </a:fontRef>
+          </p:style>
+          <p:txBody>
+            <a:bodyPr lIns="0" tIns="0" rIns="0" bIns="0" rtlCol="0" anchor="ctr"/>
+            <a:lstStyle/>
+            <a:p>
+              <a:pPr algn="ctr"/>
+              <a:r>
+                <a:rPr lang="ko-KR" altLang="en-US" sz="1200" dirty="0" smtClean="0"/>
+                <a:t>재고 정리</a:t>
+              </a:r>
+              <a:endParaRPr lang="ko-KR" altLang="en-US" sz="1200" dirty="0"/>
+            </a:p>
+          </p:txBody>
+        </p:sp>
+        <p:cxnSp>
+          <p:nvCxnSpPr>
+            <p:cNvPr id="28" name="꺾인 연결선 27"/>
+            <p:cNvCxnSpPr>
+              <a:stCxn id="12" idx="2"/>
+              <a:endCxn id="22" idx="2"/>
+            </p:cNvCxnSpPr>
+            <p:nvPr/>
+          </p:nvCxnSpPr>
+          <p:spPr>
+            <a:xfrm rot="5400000" flipH="1" flipV="1">
+              <a:off x="4736478" y="3909997"/>
+              <a:ext cx="1620894" cy="1766282"/>
+            </a:xfrm>
+            <a:prstGeom prst="bentConnector3">
+              <a:avLst>
+                <a:gd name="adj1" fmla="val -3333"/>
+              </a:avLst>
+            </a:prstGeom>
+            <a:ln w="31750">
+              <a:headEnd w="lg" len="med"/>
+              <a:tailEnd type="triangle" w="lg" len="med"/>
+            </a:ln>
+          </p:spPr>
+          <p:style>
+            <a:lnRef idx="2">
+              <a:schemeClr val="accent5"/>
+            </a:lnRef>
+            <a:fillRef idx="0">
+              <a:schemeClr val="accent5"/>
+            </a:fillRef>
+            <a:effectRef idx="1">
+              <a:schemeClr val="accent5"/>
+            </a:effectRef>
+            <a:fontRef idx="minor">
+              <a:schemeClr val="tx1"/>
+            </a:fontRef>
+          </p:style>
+        </p:cxnSp>
+        <p:cxnSp>
+          <p:nvCxnSpPr>
+            <p:cNvPr id="29" name="꺾인 연결선 28"/>
+            <p:cNvCxnSpPr>
+              <a:stCxn id="26" idx="2"/>
+              <a:endCxn id="27" idx="0"/>
+            </p:cNvCxnSpPr>
+            <p:nvPr/>
+          </p:nvCxnSpPr>
+          <p:spPr>
+            <a:xfrm rot="10800000">
+              <a:off x="4663785" y="3388333"/>
+              <a:ext cx="3007200" cy="909206"/>
+            </a:xfrm>
+            <a:prstGeom prst="bentConnector4">
+              <a:avLst>
+                <a:gd name="adj1" fmla="val 14599"/>
+                <a:gd name="adj2" fmla="val 125143"/>
+              </a:avLst>
+            </a:prstGeom>
+            <a:ln w="31750">
+              <a:solidFill>
+                <a:schemeClr val="accent4"/>
+              </a:solidFill>
+              <a:headEnd w="lg" len="med"/>
+              <a:tailEnd type="triangle" w="lg" len="med"/>
+            </a:ln>
+          </p:spPr>
+          <p:style>
+            <a:lnRef idx="1">
+              <a:schemeClr val="accent1"/>
+            </a:lnRef>
+            <a:fillRef idx="0">
+              <a:schemeClr val="accent1"/>
+            </a:fillRef>
+            <a:effectRef idx="0">
+              <a:schemeClr val="accent1"/>
+            </a:effectRef>
+            <a:fontRef idx="minor">
+              <a:schemeClr val="tx1"/>
+            </a:fontRef>
+          </p:style>
+        </p:cxnSp>
+        <p:cxnSp>
+          <p:nvCxnSpPr>
+            <p:cNvPr id="30" name="직선 화살표 연결선 29"/>
+            <p:cNvCxnSpPr>
+              <a:stCxn id="27" idx="3"/>
+              <a:endCxn id="22" idx="1"/>
+            </p:cNvCxnSpPr>
+            <p:nvPr/>
+          </p:nvCxnSpPr>
+          <p:spPr>
+            <a:xfrm flipV="1">
+              <a:off x="5320490" y="3685512"/>
+              <a:ext cx="452871" cy="1"/>
+            </a:xfrm>
+            <a:prstGeom prst="straightConnector1">
+              <a:avLst/>
+            </a:prstGeom>
+            <a:ln w="31750">
+              <a:solidFill>
+                <a:schemeClr val="accent4"/>
+              </a:solidFill>
+              <a:headEnd w="lg" len="med"/>
+              <a:tailEnd type="triangle" w="lg" len="med"/>
+            </a:ln>
+          </p:spPr>
+          <p:style>
+            <a:lnRef idx="1">
+              <a:schemeClr val="accent1"/>
+            </a:lnRef>
+            <a:fillRef idx="0">
+              <a:schemeClr val="accent1"/>
+            </a:fillRef>
+            <a:effectRef idx="0">
+              <a:schemeClr val="accent1"/>
+            </a:effectRef>
+            <a:fontRef idx="minor">
+              <a:schemeClr val="tx1"/>
+            </a:fontRef>
+          </p:style>
+        </p:cxnSp>
+        <p:cxnSp>
+          <p:nvCxnSpPr>
+            <p:cNvPr id="31" name="꺾인 연결선 30"/>
+            <p:cNvCxnSpPr>
+              <a:stCxn id="25" idx="5"/>
+              <a:endCxn id="27" idx="0"/>
+            </p:cNvCxnSpPr>
+            <p:nvPr/>
+          </p:nvCxnSpPr>
+          <p:spPr>
+            <a:xfrm flipV="1">
+              <a:off x="1506264" y="3388333"/>
+              <a:ext cx="3157521" cy="909206"/>
+            </a:xfrm>
+            <a:prstGeom prst="bentConnector4">
+              <a:avLst>
+                <a:gd name="adj1" fmla="val 20363"/>
+                <a:gd name="adj2" fmla="val 125143"/>
+              </a:avLst>
+            </a:prstGeom>
+            <a:ln w="31750">
+              <a:solidFill>
+                <a:schemeClr val="accent4"/>
+              </a:solidFill>
+              <a:headEnd w="lg" len="med"/>
+              <a:tailEnd type="triangle" w="lg" len="med"/>
+            </a:ln>
+          </p:spPr>
+          <p:style>
+            <a:lnRef idx="1">
+              <a:schemeClr val="accent1"/>
+            </a:lnRef>
+            <a:fillRef idx="0">
+              <a:schemeClr val="accent1"/>
+            </a:fillRef>
+            <a:effectRef idx="0">
+              <a:schemeClr val="accent1"/>
+            </a:effectRef>
+            <a:fontRef idx="minor">
+              <a:schemeClr val="tx1"/>
+            </a:fontRef>
+          </p:style>
+        </p:cxnSp>
+        <p:cxnSp>
+          <p:nvCxnSpPr>
+            <p:cNvPr id="32" name="직선 화살표 연결선 31"/>
+            <p:cNvCxnSpPr>
+              <a:stCxn id="22" idx="0"/>
+              <a:endCxn id="13" idx="3"/>
+            </p:cNvCxnSpPr>
+            <p:nvPr/>
+          </p:nvCxnSpPr>
+          <p:spPr>
+            <a:xfrm flipV="1">
+              <a:off x="6430066" y="2114902"/>
+              <a:ext cx="0" cy="1273430"/>
+            </a:xfrm>
+            <a:prstGeom prst="straightConnector1">
+              <a:avLst/>
+            </a:prstGeom>
+            <a:ln w="31750">
+              <a:solidFill>
+                <a:schemeClr val="tx1">
+                  <a:lumMod val="50000"/>
+                  <a:lumOff val="50000"/>
+                </a:schemeClr>
+              </a:solidFill>
+              <a:headEnd w="lg" len="med"/>
+              <a:tailEnd type="triangle" w="lg" len="med"/>
+            </a:ln>
+          </p:spPr>
+          <p:style>
+            <a:lnRef idx="1">
+              <a:schemeClr val="accent1"/>
+            </a:lnRef>
+            <a:fillRef idx="0">
+              <a:schemeClr val="accent1"/>
+            </a:fillRef>
+            <a:effectRef idx="0">
+              <a:schemeClr val="accent1"/>
+            </a:effectRef>
+            <a:fontRef idx="minor">
+              <a:schemeClr val="tx1"/>
+            </a:fontRef>
+          </p:style>
+        </p:cxnSp>
+        <p:cxnSp>
+          <p:nvCxnSpPr>
+            <p:cNvPr id="33" name="꺾인 연결선 32"/>
+            <p:cNvCxnSpPr>
+              <a:stCxn id="25" idx="4"/>
+              <a:endCxn id="7" idx="0"/>
+            </p:cNvCxnSpPr>
+            <p:nvPr/>
+          </p:nvCxnSpPr>
+          <p:spPr>
+            <a:xfrm rot="5400000" flipH="1" flipV="1">
+              <a:off x="2632783" y="2562676"/>
+              <a:ext cx="379118" cy="3682885"/>
+            </a:xfrm>
+            <a:prstGeom prst="bentConnector5">
+              <a:avLst>
+                <a:gd name="adj1" fmla="val -60298"/>
+                <a:gd name="adj2" fmla="val 75035"/>
+                <a:gd name="adj3" fmla="val 132158"/>
+              </a:avLst>
+            </a:prstGeom>
+            <a:ln w="31750">
+              <a:solidFill>
+                <a:schemeClr val="accent4"/>
+              </a:solidFill>
+              <a:headEnd w="lg" len="med"/>
+              <a:tailEnd type="triangle" w="lg" len="med"/>
+            </a:ln>
+          </p:spPr>
+          <p:style>
+            <a:lnRef idx="1">
+              <a:schemeClr val="accent1"/>
+            </a:lnRef>
+            <a:fillRef idx="0">
+              <a:schemeClr val="accent1"/>
+            </a:fillRef>
+            <a:effectRef idx="0">
+              <a:schemeClr val="accent1"/>
+            </a:effectRef>
+            <a:fontRef idx="minor">
+              <a:schemeClr val="tx1"/>
+            </a:fontRef>
+          </p:style>
+        </p:cxnSp>
+        <p:cxnSp>
+          <p:nvCxnSpPr>
+            <p:cNvPr id="34" name="직선 화살표 연결선 33"/>
+            <p:cNvCxnSpPr>
+              <a:stCxn id="11" idx="2"/>
+              <a:endCxn id="25" idx="1"/>
+            </p:cNvCxnSpPr>
+            <p:nvPr/>
+          </p:nvCxnSpPr>
+          <p:spPr>
+            <a:xfrm>
+              <a:off x="980900" y="3768783"/>
+              <a:ext cx="0" cy="232616"/>
+            </a:xfrm>
+            <a:prstGeom prst="straightConnector1">
+              <a:avLst/>
+            </a:prstGeom>
+            <a:ln w="31750">
+              <a:solidFill>
+                <a:schemeClr val="accent4"/>
+              </a:solidFill>
+              <a:headEnd w="lg" len="med"/>
+              <a:tailEnd type="triangle" w="lg" len="med"/>
+            </a:ln>
+          </p:spPr>
+          <p:style>
+            <a:lnRef idx="1">
+              <a:schemeClr val="accent1"/>
+            </a:lnRef>
+            <a:fillRef idx="0">
+              <a:schemeClr val="accent1"/>
+            </a:fillRef>
+            <a:effectRef idx="0">
+              <a:schemeClr val="accent1"/>
+            </a:effectRef>
+            <a:fontRef idx="minor">
+              <a:schemeClr val="tx1"/>
+            </a:fontRef>
+          </p:style>
+        </p:cxnSp>
+        <p:cxnSp>
+          <p:nvCxnSpPr>
+            <p:cNvPr id="35" name="직선 화살표 연결선 34"/>
+            <p:cNvCxnSpPr>
+              <a:stCxn id="27" idx="2"/>
+              <a:endCxn id="7" idx="0"/>
+            </p:cNvCxnSpPr>
+            <p:nvPr/>
+          </p:nvCxnSpPr>
+          <p:spPr>
+            <a:xfrm>
+              <a:off x="4663785" y="3982692"/>
+              <a:ext cx="0" cy="231868"/>
+            </a:xfrm>
+            <a:prstGeom prst="straightConnector1">
+              <a:avLst/>
+            </a:prstGeom>
+            <a:ln w="31750">
+              <a:solidFill>
+                <a:srgbClr val="FF9900"/>
+              </a:solidFill>
+              <a:headEnd w="lg" len="med"/>
+              <a:tailEnd type="triangle" w="lg" len="med"/>
+            </a:ln>
+          </p:spPr>
+          <p:style>
+            <a:lnRef idx="1">
+              <a:schemeClr val="accent1"/>
+            </a:lnRef>
+            <a:fillRef idx="0">
+              <a:schemeClr val="accent1"/>
+            </a:fillRef>
+            <a:effectRef idx="0">
+              <a:schemeClr val="accent1"/>
+            </a:effectRef>
+            <a:fontRef idx="minor">
+              <a:schemeClr val="tx1"/>
+            </a:fontRef>
+          </p:style>
+        </p:cxnSp>
+        <p:cxnSp>
+          <p:nvCxnSpPr>
+            <p:cNvPr id="36" name="직선 화살표 연결선 35"/>
+            <p:cNvCxnSpPr>
+              <a:stCxn id="13" idx="2"/>
+              <a:endCxn id="10" idx="4"/>
+            </p:cNvCxnSpPr>
+            <p:nvPr/>
+          </p:nvCxnSpPr>
+          <p:spPr>
+            <a:xfrm flipH="1">
+              <a:off x="3479047" y="1818763"/>
+              <a:ext cx="2294314" cy="0"/>
+            </a:xfrm>
+            <a:prstGeom prst="straightConnector1">
+              <a:avLst/>
+            </a:prstGeom>
+            <a:ln w="31750">
+              <a:solidFill>
+                <a:schemeClr val="tx1">
+                  <a:lumMod val="50000"/>
+                  <a:lumOff val="50000"/>
+                </a:schemeClr>
+              </a:solidFill>
+              <a:tailEnd type="triangle" w="lg" len="med"/>
+            </a:ln>
+          </p:spPr>
+          <p:style>
+            <a:lnRef idx="1">
+              <a:schemeClr val="accent1"/>
+            </a:lnRef>
+            <a:fillRef idx="0">
+              <a:schemeClr val="accent1"/>
+            </a:fillRef>
+            <a:effectRef idx="0">
+              <a:schemeClr val="accent1"/>
+            </a:effectRef>
+            <a:fontRef idx="minor">
+              <a:schemeClr val="tx1"/>
+            </a:fontRef>
+          </p:style>
+        </p:cxnSp>
+        <p:cxnSp>
+          <p:nvCxnSpPr>
+            <p:cNvPr id="37" name="꺾인 연결선 36"/>
+            <p:cNvCxnSpPr>
+              <a:stCxn id="13" idx="4"/>
+              <a:endCxn id="9" idx="1"/>
+            </p:cNvCxnSpPr>
+            <p:nvPr/>
+          </p:nvCxnSpPr>
+          <p:spPr>
+            <a:xfrm>
+              <a:off x="7086771" y="1818763"/>
+              <a:ext cx="1109578" cy="516077"/>
+            </a:xfrm>
+            <a:prstGeom prst="bentConnector2">
+              <a:avLst/>
+            </a:prstGeom>
+            <a:ln w="31750">
+              <a:solidFill>
+                <a:schemeClr val="tx1">
+                  <a:lumMod val="50000"/>
+                  <a:lumOff val="50000"/>
+                </a:schemeClr>
+              </a:solidFill>
+              <a:headEnd w="lg" len="med"/>
+              <a:tailEnd type="triangle" w="lg" len="med"/>
+            </a:ln>
+          </p:spPr>
+          <p:style>
+            <a:lnRef idx="1">
+              <a:schemeClr val="accent1"/>
+            </a:lnRef>
+            <a:fillRef idx="0">
+              <a:schemeClr val="accent1"/>
+            </a:fillRef>
+            <a:effectRef idx="0">
+              <a:schemeClr val="accent1"/>
+            </a:effectRef>
+            <a:fontRef idx="minor">
+              <a:schemeClr val="tx1"/>
+            </a:fontRef>
+          </p:style>
+        </p:cxnSp>
+        <p:cxnSp>
+          <p:nvCxnSpPr>
+            <p:cNvPr id="38" name="꺾인 연결선 37"/>
+            <p:cNvCxnSpPr>
+              <a:stCxn id="10" idx="2"/>
+              <a:endCxn id="8" idx="0"/>
+            </p:cNvCxnSpPr>
+            <p:nvPr/>
+          </p:nvCxnSpPr>
+          <p:spPr>
+            <a:xfrm rot="10800000" flipV="1">
+              <a:off x="1112241" y="1818762"/>
+              <a:ext cx="1053396" cy="516077"/>
+            </a:xfrm>
+            <a:prstGeom prst="bentConnector2">
+              <a:avLst/>
+            </a:prstGeom>
+            <a:ln w="31750">
+              <a:solidFill>
+                <a:schemeClr val="tx1">
+                  <a:lumMod val="50000"/>
+                  <a:lumOff val="50000"/>
+                </a:schemeClr>
+              </a:solidFill>
+              <a:headEnd w="lg" len="med"/>
+              <a:tailEnd type="triangle" w="lg" len="med"/>
+            </a:ln>
+          </p:spPr>
+          <p:style>
+            <a:lnRef idx="1">
+              <a:schemeClr val="accent1"/>
+            </a:lnRef>
+            <a:fillRef idx="0">
+              <a:schemeClr val="accent1"/>
+            </a:fillRef>
+            <a:effectRef idx="0">
+              <a:schemeClr val="accent1"/>
+            </a:effectRef>
+            <a:fontRef idx="minor">
+              <a:schemeClr val="tx1"/>
+            </a:fontRef>
+          </p:style>
+        </p:cxnSp>
+        <p:sp>
+          <p:nvSpPr>
+            <p:cNvPr id="39" name="순서도: 연결자 38"/>
+            <p:cNvSpPr/>
+            <p:nvPr/>
+          </p:nvSpPr>
+          <p:spPr>
+            <a:xfrm>
+              <a:off x="4514846" y="6661508"/>
+              <a:ext cx="297874" cy="162000"/>
+            </a:xfrm>
+            <a:prstGeom prst="flowChartConnector">
+              <a:avLst/>
+            </a:prstGeom>
+          </p:spPr>
+          <p:style>
+            <a:lnRef idx="2">
+              <a:schemeClr val="dk1">
+                <a:shade val="50000"/>
+              </a:schemeClr>
+            </a:lnRef>
+            <a:fillRef idx="1">
+              <a:schemeClr val="dk1"/>
+            </a:fillRef>
+            <a:effectRef idx="0">
+              <a:schemeClr val="dk1"/>
+            </a:effectRef>
+            <a:fontRef idx="minor">
+              <a:schemeClr val="lt1"/>
+            </a:fontRef>
+          </p:style>
+          <p:txBody>
+            <a:bodyPr rtlCol="0" anchor="ctr"/>
+            <a:lstStyle/>
+            <a:p>
+              <a:pPr algn="ctr"/>
+              <a:endParaRPr lang="ko-KR" altLang="en-US" sz="1600"/>
+            </a:p>
+          </p:txBody>
+        </p:sp>
+        <p:cxnSp>
+          <p:nvCxnSpPr>
+            <p:cNvPr id="40" name="직선 화살표 연결선 39"/>
+            <p:cNvCxnSpPr>
+              <a:stCxn id="12" idx="2"/>
+              <a:endCxn id="61" idx="1"/>
+            </p:cNvCxnSpPr>
+            <p:nvPr/>
+          </p:nvCxnSpPr>
+          <p:spPr>
+            <a:xfrm flipH="1">
+              <a:off x="4663783" y="5603585"/>
+              <a:ext cx="1" cy="194020"/>
+            </a:xfrm>
+            <a:prstGeom prst="straightConnector1">
+              <a:avLst/>
+            </a:prstGeom>
+            <a:ln w="31750">
+              <a:solidFill>
+                <a:schemeClr val="accent5"/>
+              </a:solidFill>
+              <a:tailEnd type="triangle" w="lg" len="med"/>
+            </a:ln>
+          </p:spPr>
+          <p:style>
+            <a:lnRef idx="1">
+              <a:schemeClr val="accent1"/>
+            </a:lnRef>
+            <a:fillRef idx="0">
+              <a:schemeClr val="accent1"/>
+            </a:fillRef>
+            <a:effectRef idx="0">
+              <a:schemeClr val="accent1"/>
+            </a:effectRef>
+            <a:fontRef idx="minor">
+              <a:schemeClr val="tx1"/>
+            </a:fontRef>
+          </p:style>
+        </p:cxnSp>
+        <p:sp>
+          <p:nvSpPr>
+            <p:cNvPr id="41" name="순서도: 연결자 40"/>
+            <p:cNvSpPr/>
+            <p:nvPr/>
+          </p:nvSpPr>
+          <p:spPr>
+            <a:xfrm>
+              <a:off x="6281128" y="778836"/>
+              <a:ext cx="297874" cy="162000"/>
+            </a:xfrm>
+            <a:prstGeom prst="flowChartConnector">
+              <a:avLst/>
+            </a:prstGeom>
+          </p:spPr>
+          <p:style>
+            <a:lnRef idx="2">
+              <a:schemeClr val="dk1">
+                <a:shade val="50000"/>
+              </a:schemeClr>
+            </a:lnRef>
+            <a:fillRef idx="1">
+              <a:schemeClr val="dk1"/>
+            </a:fillRef>
+            <a:effectRef idx="0">
+              <a:schemeClr val="dk1"/>
+            </a:effectRef>
+            <a:fontRef idx="minor">
+              <a:schemeClr val="lt1"/>
+            </a:fontRef>
+          </p:style>
+          <p:txBody>
+            <a:bodyPr rtlCol="0" anchor="ctr"/>
+            <a:lstStyle/>
+            <a:p>
+              <a:pPr algn="ctr"/>
+              <a:endParaRPr lang="ko-KR" altLang="en-US" sz="1600"/>
+            </a:p>
+          </p:txBody>
+        </p:sp>
+        <p:cxnSp>
+          <p:nvCxnSpPr>
+            <p:cNvPr id="42" name="직선 화살표 연결선 41"/>
+            <p:cNvCxnSpPr>
+              <a:stCxn id="41" idx="2"/>
+              <a:endCxn id="6" idx="3"/>
+            </p:cNvCxnSpPr>
+            <p:nvPr/>
+          </p:nvCxnSpPr>
+          <p:spPr>
+            <a:xfrm flipH="1">
+              <a:off x="5320490" y="859836"/>
+              <a:ext cx="960638" cy="2844"/>
+            </a:xfrm>
+            <a:prstGeom prst="straightConnector1">
+              <a:avLst/>
+            </a:prstGeom>
+            <a:ln w="31750">
+              <a:solidFill>
+                <a:schemeClr val="tx1"/>
+              </a:solidFill>
+              <a:headEnd w="lg" len="med"/>
+              <a:tailEnd type="triangle" w="lg" len="med"/>
+            </a:ln>
+          </p:spPr>
+          <p:style>
+            <a:lnRef idx="1">
+              <a:schemeClr val="accent1"/>
+            </a:lnRef>
+            <a:fillRef idx="0">
+              <a:schemeClr val="accent1"/>
+            </a:fillRef>
+            <a:effectRef idx="0">
+              <a:schemeClr val="accent1"/>
+            </a:effectRef>
+            <a:fontRef idx="minor">
+              <a:schemeClr val="tx1"/>
+            </a:fontRef>
+          </p:style>
+        </p:cxnSp>
+        <p:sp>
+          <p:nvSpPr>
+            <p:cNvPr id="43" name="TextBox 42"/>
+            <p:cNvSpPr txBox="1"/>
+            <p:nvPr/>
+          </p:nvSpPr>
+          <p:spPr>
+            <a:xfrm>
+              <a:off x="4809948" y="6674244"/>
+              <a:ext cx="590204" cy="184666"/>
+            </a:xfrm>
+            <a:prstGeom prst="rect">
+              <a:avLst/>
+            </a:prstGeom>
+            <a:noFill/>
+          </p:spPr>
+          <p:txBody>
+            <a:bodyPr wrap="square" lIns="0" tIns="0" rIns="0" bIns="0" rtlCol="0">
+              <a:spAutoFit/>
+            </a:bodyPr>
+            <a:lstStyle/>
+            <a:p>
+              <a:pPr algn="ctr"/>
+              <a:r>
+                <a:rPr lang="ko-KR" altLang="en-US" sz="1200" dirty="0" smtClean="0"/>
+                <a:t>반복</a:t>
+              </a:r>
+              <a:r>
+                <a:rPr lang="en-US" altLang="ko-KR" sz="1200" dirty="0" smtClean="0"/>
+                <a:t> </a:t>
+              </a:r>
+              <a:endParaRPr lang="ko-KR" altLang="en-US" sz="1200" dirty="0"/>
+            </a:p>
+          </p:txBody>
+        </p:sp>
+        <p:sp>
+          <p:nvSpPr>
+            <p:cNvPr id="44" name="TextBox 43"/>
+            <p:cNvSpPr txBox="1"/>
+            <p:nvPr/>
+          </p:nvSpPr>
+          <p:spPr>
+            <a:xfrm>
+              <a:off x="1532920" y="2734576"/>
+              <a:ext cx="1289424" cy="184666"/>
+            </a:xfrm>
+            <a:prstGeom prst="rect">
+              <a:avLst/>
+            </a:prstGeom>
+            <a:noFill/>
+          </p:spPr>
+          <p:txBody>
+            <a:bodyPr wrap="square" lIns="0" tIns="0" rIns="0" bIns="0" rtlCol="0">
+              <a:spAutoFit/>
+            </a:bodyPr>
+            <a:lstStyle/>
+            <a:p>
+              <a:pPr algn="ctr"/>
+              <a:r>
+                <a:rPr lang="en-US" altLang="ko-KR" sz="1200" dirty="0" smtClean="0"/>
+                <a:t>NO - </a:t>
+              </a:r>
+              <a:r>
+                <a:rPr lang="ko-KR" altLang="en-US" sz="1200" dirty="0" smtClean="0"/>
+                <a:t>등록</a:t>
+              </a:r>
+              <a:endParaRPr lang="ko-KR" altLang="en-US" sz="1200" dirty="0"/>
+            </a:p>
+          </p:txBody>
+        </p:sp>
+        <p:sp>
+          <p:nvSpPr>
+            <p:cNvPr id="45" name="TextBox 44"/>
+            <p:cNvSpPr txBox="1"/>
+            <p:nvPr/>
+          </p:nvSpPr>
+          <p:spPr>
+            <a:xfrm>
+              <a:off x="7117722" y="2363335"/>
+              <a:ext cx="590204" cy="184666"/>
+            </a:xfrm>
+            <a:prstGeom prst="rect">
+              <a:avLst/>
+            </a:prstGeom>
+            <a:noFill/>
+          </p:spPr>
+          <p:txBody>
+            <a:bodyPr wrap="square" lIns="0" tIns="0" rIns="0" bIns="0" rtlCol="0">
+              <a:spAutoFit/>
+            </a:bodyPr>
+            <a:lstStyle/>
+            <a:p>
+              <a:pPr algn="ctr"/>
+              <a:r>
+                <a:rPr lang="en-US" altLang="ko-KR" sz="1200" dirty="0" smtClean="0"/>
+                <a:t>NO</a:t>
+              </a:r>
+              <a:endParaRPr lang="ko-KR" altLang="en-US" sz="1200" dirty="0"/>
+            </a:p>
+          </p:txBody>
+        </p:sp>
+        <p:sp>
+          <p:nvSpPr>
+            <p:cNvPr id="46" name="TextBox 45"/>
+            <p:cNvSpPr txBox="1"/>
+            <p:nvPr/>
+          </p:nvSpPr>
+          <p:spPr>
+            <a:xfrm>
+              <a:off x="1540292" y="4093733"/>
+              <a:ext cx="590204" cy="184666"/>
+            </a:xfrm>
+            <a:prstGeom prst="rect">
+              <a:avLst/>
+            </a:prstGeom>
+            <a:noFill/>
+          </p:spPr>
+          <p:txBody>
+            <a:bodyPr wrap="square" lIns="0" tIns="0" rIns="0" bIns="0" rtlCol="0">
+              <a:spAutoFit/>
+            </a:bodyPr>
+            <a:lstStyle/>
+            <a:p>
+              <a:pPr algn="ctr"/>
+              <a:r>
+                <a:rPr lang="en-US" altLang="ko-KR" sz="1200" dirty="0" smtClean="0"/>
+                <a:t>NO</a:t>
+              </a:r>
+              <a:endParaRPr lang="ko-KR" altLang="en-US" sz="1200" dirty="0"/>
+            </a:p>
+          </p:txBody>
+        </p:sp>
+        <p:sp>
+          <p:nvSpPr>
+            <p:cNvPr id="47" name="TextBox 46"/>
+            <p:cNvSpPr txBox="1"/>
+            <p:nvPr/>
+          </p:nvSpPr>
+          <p:spPr>
+            <a:xfrm>
+              <a:off x="7188054" y="4093733"/>
+              <a:ext cx="590204" cy="184666"/>
+            </a:xfrm>
+            <a:prstGeom prst="rect">
+              <a:avLst/>
+            </a:prstGeom>
+            <a:noFill/>
+          </p:spPr>
+          <p:txBody>
+            <a:bodyPr wrap="square" lIns="0" tIns="0" rIns="0" bIns="0" rtlCol="0">
+              <a:spAutoFit/>
+            </a:bodyPr>
+            <a:lstStyle/>
+            <a:p>
+              <a:pPr algn="ctr"/>
+              <a:r>
+                <a:rPr lang="en-US" altLang="ko-KR" sz="1200" dirty="0" smtClean="0"/>
+                <a:t>NO</a:t>
+              </a:r>
+              <a:endParaRPr lang="ko-KR" altLang="en-US" sz="1200" dirty="0"/>
+            </a:p>
+          </p:txBody>
+        </p:sp>
+        <p:sp>
+          <p:nvSpPr>
+            <p:cNvPr id="48" name="TextBox 47"/>
+            <p:cNvSpPr txBox="1"/>
+            <p:nvPr/>
+          </p:nvSpPr>
+          <p:spPr>
+            <a:xfrm>
+              <a:off x="1047398" y="4622173"/>
+              <a:ext cx="590204" cy="184666"/>
+            </a:xfrm>
+            <a:prstGeom prst="rect">
+              <a:avLst/>
+            </a:prstGeom>
+            <a:noFill/>
+          </p:spPr>
+          <p:txBody>
+            <a:bodyPr wrap="square" lIns="0" tIns="0" rIns="0" bIns="0" rtlCol="0">
+              <a:spAutoFit/>
+            </a:bodyPr>
+            <a:lstStyle/>
+            <a:p>
+              <a:pPr algn="ctr"/>
+              <a:r>
+                <a:rPr lang="en-US" altLang="ko-KR" sz="1200" dirty="0" smtClean="0"/>
+                <a:t>YES</a:t>
+              </a:r>
+              <a:endParaRPr lang="ko-KR" altLang="en-US" sz="1200" dirty="0"/>
+            </a:p>
+          </p:txBody>
+        </p:sp>
+        <p:sp>
+          <p:nvSpPr>
+            <p:cNvPr id="49" name="TextBox 48"/>
+            <p:cNvSpPr txBox="1"/>
+            <p:nvPr/>
+          </p:nvSpPr>
+          <p:spPr>
+            <a:xfrm>
+              <a:off x="7539644" y="4622173"/>
+              <a:ext cx="590204" cy="184666"/>
+            </a:xfrm>
+            <a:prstGeom prst="rect">
+              <a:avLst/>
+            </a:prstGeom>
+            <a:noFill/>
+          </p:spPr>
+          <p:txBody>
+            <a:bodyPr wrap="square" lIns="0" tIns="0" rIns="0" bIns="0" rtlCol="0">
+              <a:spAutoFit/>
+            </a:bodyPr>
+            <a:lstStyle/>
+            <a:p>
+              <a:pPr algn="ctr"/>
+              <a:r>
+                <a:rPr lang="en-US" altLang="ko-KR" sz="1200" dirty="0" smtClean="0"/>
+                <a:t>YES</a:t>
+              </a:r>
+              <a:endParaRPr lang="ko-KR" altLang="en-US" sz="1200" dirty="0"/>
+            </a:p>
+          </p:txBody>
+        </p:sp>
+        <p:sp>
+          <p:nvSpPr>
+            <p:cNvPr id="50" name="TextBox 49"/>
+            <p:cNvSpPr txBox="1"/>
+            <p:nvPr/>
+          </p:nvSpPr>
+          <p:spPr>
+            <a:xfrm>
+              <a:off x="8200156" y="2916316"/>
+              <a:ext cx="590204" cy="184666"/>
+            </a:xfrm>
+            <a:prstGeom prst="rect">
+              <a:avLst/>
+            </a:prstGeom>
+            <a:noFill/>
+          </p:spPr>
+          <p:txBody>
+            <a:bodyPr wrap="square" lIns="0" tIns="0" rIns="0" bIns="0" rtlCol="0">
+              <a:spAutoFit/>
+            </a:bodyPr>
+            <a:lstStyle/>
+            <a:p>
+              <a:pPr algn="ctr"/>
+              <a:r>
+                <a:rPr lang="en-US" altLang="ko-KR" sz="1200" dirty="0" smtClean="0"/>
+                <a:t>YES</a:t>
+              </a:r>
+              <a:endParaRPr lang="ko-KR" altLang="en-US" sz="1200" dirty="0"/>
+            </a:p>
+          </p:txBody>
+        </p:sp>
+        <p:sp>
+          <p:nvSpPr>
+            <p:cNvPr id="51" name="TextBox 50"/>
+            <p:cNvSpPr txBox="1"/>
+            <p:nvPr/>
+          </p:nvSpPr>
+          <p:spPr>
+            <a:xfrm>
+              <a:off x="332627" y="2941808"/>
+              <a:ext cx="590204" cy="184666"/>
+            </a:xfrm>
+            <a:prstGeom prst="rect">
+              <a:avLst/>
+            </a:prstGeom>
+            <a:noFill/>
+          </p:spPr>
+          <p:txBody>
+            <a:bodyPr wrap="square" lIns="0" tIns="0" rIns="0" bIns="0" rtlCol="0">
+              <a:spAutoFit/>
+            </a:bodyPr>
+            <a:lstStyle/>
+            <a:p>
+              <a:pPr algn="ctr"/>
+              <a:r>
+                <a:rPr lang="en-US" altLang="ko-KR" sz="1200" dirty="0" smtClean="0"/>
+                <a:t>YES</a:t>
+              </a:r>
+              <a:endParaRPr lang="ko-KR" altLang="en-US" sz="1200" dirty="0"/>
+            </a:p>
+          </p:txBody>
+        </p:sp>
+        <p:sp>
+          <p:nvSpPr>
+            <p:cNvPr id="52" name="TextBox 51"/>
+            <p:cNvSpPr txBox="1"/>
+            <p:nvPr/>
+          </p:nvSpPr>
+          <p:spPr>
+            <a:xfrm>
+              <a:off x="922831" y="1238553"/>
+              <a:ext cx="590204" cy="184666"/>
+            </a:xfrm>
+            <a:prstGeom prst="rect">
+              <a:avLst/>
+            </a:prstGeom>
+            <a:noFill/>
+          </p:spPr>
+          <p:txBody>
+            <a:bodyPr wrap="square" lIns="0" tIns="0" rIns="0" bIns="0" rtlCol="0">
+              <a:spAutoFit/>
+            </a:bodyPr>
+            <a:lstStyle/>
+            <a:p>
+              <a:pPr algn="ctr"/>
+              <a:r>
+                <a:rPr lang="ko-KR" altLang="en-US" sz="1200" dirty="0" smtClean="0"/>
+                <a:t>입고</a:t>
+              </a:r>
+              <a:endParaRPr lang="ko-KR" altLang="en-US" sz="1200" dirty="0"/>
+            </a:p>
+          </p:txBody>
+        </p:sp>
+        <p:sp>
+          <p:nvSpPr>
+            <p:cNvPr id="53" name="TextBox 52"/>
+            <p:cNvSpPr txBox="1"/>
+            <p:nvPr/>
+          </p:nvSpPr>
+          <p:spPr>
+            <a:xfrm>
+              <a:off x="7801576" y="1231583"/>
+              <a:ext cx="590204" cy="184666"/>
+            </a:xfrm>
+            <a:prstGeom prst="rect">
+              <a:avLst/>
+            </a:prstGeom>
+            <a:noFill/>
+          </p:spPr>
+          <p:txBody>
+            <a:bodyPr wrap="square" lIns="0" tIns="0" rIns="0" bIns="0" rtlCol="0">
+              <a:spAutoFit/>
+            </a:bodyPr>
+            <a:lstStyle/>
+            <a:p>
+              <a:pPr algn="ctr"/>
+              <a:r>
+                <a:rPr lang="ko-KR" altLang="en-US" sz="1200" dirty="0" smtClean="0"/>
+                <a:t>출고</a:t>
+              </a:r>
+              <a:endParaRPr lang="ko-KR" altLang="en-US" sz="1200" dirty="0"/>
+            </a:p>
+          </p:txBody>
+        </p:sp>
+        <p:sp>
+          <p:nvSpPr>
+            <p:cNvPr id="54" name="TextBox 53"/>
+            <p:cNvSpPr txBox="1"/>
+            <p:nvPr/>
+          </p:nvSpPr>
+          <p:spPr>
+            <a:xfrm>
+              <a:off x="4118780" y="1849755"/>
+              <a:ext cx="1065937" cy="184666"/>
+            </a:xfrm>
+            <a:prstGeom prst="rect">
+              <a:avLst/>
+            </a:prstGeom>
+            <a:noFill/>
+          </p:spPr>
+          <p:txBody>
+            <a:bodyPr wrap="square" lIns="0" tIns="0" rIns="0" bIns="0" rtlCol="0">
+              <a:spAutoFit/>
+            </a:bodyPr>
+            <a:lstStyle/>
+            <a:p>
+              <a:pPr algn="ctr"/>
+              <a:r>
+                <a:rPr lang="ko-KR" altLang="en-US" sz="1200" dirty="0" smtClean="0"/>
+                <a:t>업데이트</a:t>
+              </a:r>
+              <a:endParaRPr lang="ko-KR" altLang="en-US" sz="1200" dirty="0"/>
+            </a:p>
+          </p:txBody>
+        </p:sp>
+        <p:cxnSp>
+          <p:nvCxnSpPr>
+            <p:cNvPr id="55" name="꺾인 연결선 54"/>
+            <p:cNvCxnSpPr>
+              <a:stCxn id="61" idx="5"/>
+              <a:endCxn id="26" idx="0"/>
+            </p:cNvCxnSpPr>
+            <p:nvPr/>
+          </p:nvCxnSpPr>
+          <p:spPr>
+            <a:xfrm flipV="1">
+              <a:off x="5189147" y="4001399"/>
+              <a:ext cx="3138543" cy="2092346"/>
+            </a:xfrm>
+            <a:prstGeom prst="bentConnector4">
+              <a:avLst>
+                <a:gd name="adj1" fmla="val 121432"/>
+                <a:gd name="adj2" fmla="val 107350"/>
+              </a:avLst>
+            </a:prstGeom>
+            <a:ln w="31750">
+              <a:solidFill>
+                <a:srgbClr val="FF9900"/>
+              </a:solidFill>
+              <a:headEnd w="lg" len="med"/>
+              <a:tailEnd type="triangle" w="lg" len="med"/>
+            </a:ln>
+          </p:spPr>
+          <p:style>
+            <a:lnRef idx="1">
+              <a:schemeClr val="accent1"/>
+            </a:lnRef>
+            <a:fillRef idx="0">
+              <a:schemeClr val="accent1"/>
+            </a:fillRef>
+            <a:effectRef idx="0">
+              <a:schemeClr val="accent1"/>
+            </a:effectRef>
+            <a:fontRef idx="minor">
+              <a:schemeClr val="tx1"/>
+            </a:fontRef>
+          </p:style>
+        </p:cxnSp>
+        <p:cxnSp>
+          <p:nvCxnSpPr>
+            <p:cNvPr id="56" name="꺾인 연결선 55"/>
+            <p:cNvCxnSpPr>
+              <a:stCxn id="61" idx="2"/>
+              <a:endCxn id="25" idx="0"/>
+            </p:cNvCxnSpPr>
+            <p:nvPr/>
+          </p:nvCxnSpPr>
+          <p:spPr>
+            <a:xfrm rot="10800000">
+              <a:off x="1112241" y="4001399"/>
+              <a:ext cx="3026178" cy="2092346"/>
+            </a:xfrm>
+            <a:prstGeom prst="bentConnector4">
+              <a:avLst>
+                <a:gd name="adj1" fmla="val 130074"/>
+                <a:gd name="adj2" fmla="val 107350"/>
+              </a:avLst>
+            </a:prstGeom>
+            <a:ln w="31750">
+              <a:solidFill>
+                <a:srgbClr val="FF9900"/>
+              </a:solidFill>
+              <a:headEnd w="lg" len="med"/>
+              <a:tailEnd type="triangle" w="lg" len="med"/>
+            </a:ln>
+          </p:spPr>
+          <p:style>
+            <a:lnRef idx="1">
+              <a:schemeClr val="accent1"/>
+            </a:lnRef>
+            <a:fillRef idx="0">
+              <a:schemeClr val="accent1"/>
+            </a:fillRef>
+            <a:effectRef idx="0">
+              <a:schemeClr val="accent1"/>
+            </a:effectRef>
+            <a:fontRef idx="minor">
+              <a:schemeClr val="tx1"/>
+            </a:fontRef>
+          </p:style>
+        </p:cxnSp>
+        <p:sp>
+          <p:nvSpPr>
+            <p:cNvPr id="57" name="TextBox 56"/>
+            <p:cNvSpPr txBox="1"/>
+            <p:nvPr/>
+          </p:nvSpPr>
+          <p:spPr>
+            <a:xfrm>
+              <a:off x="6633900" y="740042"/>
+              <a:ext cx="590204" cy="184666"/>
+            </a:xfrm>
+            <a:prstGeom prst="rect">
+              <a:avLst/>
+            </a:prstGeom>
+            <a:noFill/>
+          </p:spPr>
+          <p:txBody>
+            <a:bodyPr wrap="square" lIns="0" tIns="0" rIns="0" bIns="0" rtlCol="0">
+              <a:spAutoFit/>
+            </a:bodyPr>
+            <a:lstStyle/>
+            <a:p>
+              <a:pPr algn="ctr"/>
+              <a:r>
+                <a:rPr lang="ko-KR" altLang="en-US" sz="1200" dirty="0" smtClean="0"/>
+                <a:t>반복</a:t>
+              </a:r>
+              <a:r>
+                <a:rPr lang="en-US" altLang="ko-KR" sz="1200" dirty="0" smtClean="0"/>
+                <a:t> </a:t>
+              </a:r>
+              <a:endParaRPr lang="ko-KR" altLang="en-US" sz="1200" dirty="0"/>
+            </a:p>
+          </p:txBody>
+        </p:sp>
+        <p:sp>
+          <p:nvSpPr>
+            <p:cNvPr id="58" name="순서도: 연결자 57"/>
+            <p:cNvSpPr/>
+            <p:nvPr/>
+          </p:nvSpPr>
+          <p:spPr>
+            <a:xfrm>
+              <a:off x="7122938" y="2549624"/>
+              <a:ext cx="297874" cy="162000"/>
+            </a:xfrm>
+            <a:prstGeom prst="flowChartConnector">
+              <a:avLst/>
+            </a:prstGeom>
+          </p:spPr>
+          <p:style>
+            <a:lnRef idx="2">
+              <a:schemeClr val="dk1">
+                <a:shade val="50000"/>
+              </a:schemeClr>
+            </a:lnRef>
+            <a:fillRef idx="1">
+              <a:schemeClr val="dk1"/>
+            </a:fillRef>
+            <a:effectRef idx="0">
+              <a:schemeClr val="dk1"/>
+            </a:effectRef>
+            <a:fontRef idx="minor">
+              <a:schemeClr val="lt1"/>
+            </a:fontRef>
+          </p:style>
+          <p:txBody>
+            <a:bodyPr rtlCol="0" anchor="ctr"/>
+            <a:lstStyle/>
+            <a:p>
+              <a:pPr algn="ctr"/>
+              <a:endParaRPr lang="ko-KR" altLang="en-US" sz="1600"/>
+            </a:p>
+          </p:txBody>
+        </p:sp>
+        <p:cxnSp>
+          <p:nvCxnSpPr>
+            <p:cNvPr id="59" name="직선 화살표 연결선 58"/>
+            <p:cNvCxnSpPr>
+              <a:stCxn id="9" idx="2"/>
+              <a:endCxn id="58" idx="6"/>
+            </p:cNvCxnSpPr>
+            <p:nvPr/>
+          </p:nvCxnSpPr>
+          <p:spPr>
+            <a:xfrm flipH="1" flipV="1">
+              <a:off x="7420811" y="2630624"/>
+              <a:ext cx="250174" cy="356"/>
+            </a:xfrm>
+            <a:prstGeom prst="straightConnector1">
+              <a:avLst/>
+            </a:prstGeom>
+            <a:ln w="31750">
+              <a:solidFill>
+                <a:schemeClr val="tx1"/>
+              </a:solidFill>
+              <a:headEnd w="lg" len="med"/>
+              <a:tailEnd type="triangle" w="lg" len="med"/>
+            </a:ln>
+          </p:spPr>
+          <p:style>
+            <a:lnRef idx="1">
+              <a:schemeClr val="accent1"/>
+            </a:lnRef>
+            <a:fillRef idx="0">
+              <a:schemeClr val="accent1"/>
+            </a:fillRef>
+            <a:effectRef idx="0">
+              <a:schemeClr val="accent1"/>
+            </a:effectRef>
+            <a:fontRef idx="minor">
+              <a:schemeClr val="tx1"/>
+            </a:fontRef>
+          </p:style>
+        </p:cxnSp>
+        <p:sp>
+          <p:nvSpPr>
+            <p:cNvPr id="60" name="TextBox 59"/>
+            <p:cNvSpPr txBox="1"/>
+            <p:nvPr/>
+          </p:nvSpPr>
+          <p:spPr>
+            <a:xfrm>
+              <a:off x="6496566" y="2532317"/>
+              <a:ext cx="590204" cy="184666"/>
+            </a:xfrm>
+            <a:prstGeom prst="rect">
+              <a:avLst/>
+            </a:prstGeom>
+            <a:noFill/>
+          </p:spPr>
+          <p:txBody>
+            <a:bodyPr wrap="square" lIns="0" tIns="0" rIns="0" bIns="0" rtlCol="0">
+              <a:spAutoFit/>
+            </a:bodyPr>
+            <a:lstStyle/>
+            <a:p>
+              <a:pPr algn="ctr"/>
+              <a:r>
+                <a:rPr lang="ko-KR" altLang="en-US" sz="1200" dirty="0" smtClean="0"/>
+                <a:t>반복</a:t>
+              </a:r>
+              <a:r>
+                <a:rPr lang="en-US" altLang="ko-KR" sz="1200" dirty="0" smtClean="0"/>
+                <a:t> </a:t>
+              </a:r>
+              <a:endParaRPr lang="ko-KR" altLang="en-US" sz="1200" dirty="0"/>
+            </a:p>
+          </p:txBody>
+        </p:sp>
+        <p:sp>
+          <p:nvSpPr>
+            <p:cNvPr id="61" name="순서도: 데이터 60"/>
+            <p:cNvSpPr/>
+            <p:nvPr/>
+          </p:nvSpPr>
+          <p:spPr>
+            <a:xfrm>
+              <a:off x="4007078" y="5797605"/>
+              <a:ext cx="1313410" cy="592279"/>
+            </a:xfrm>
+            <a:prstGeom prst="flowChartInputOutput">
+              <a:avLst/>
+            </a:prstGeom>
+            <a:solidFill>
+              <a:srgbClr val="FF9900"/>
+            </a:solidFill>
+          </p:spPr>
+          <p:style>
+            <a:lnRef idx="2">
+              <a:schemeClr val="accent4">
+                <a:shade val="50000"/>
+              </a:schemeClr>
+            </a:lnRef>
+            <a:fillRef idx="1">
+              <a:schemeClr val="accent4"/>
+            </a:fillRef>
+            <a:effectRef idx="0">
+              <a:schemeClr val="accent4"/>
+            </a:effectRef>
+            <a:fontRef idx="minor">
+              <a:schemeClr val="lt1"/>
+            </a:fontRef>
+          </p:style>
+          <p:txBody>
+            <a:bodyPr lIns="0" tIns="0" rIns="0" bIns="0" rtlCol="0" anchor="ctr"/>
+            <a:lstStyle/>
+            <a:p>
+              <a:pPr algn="ctr"/>
+              <a:r>
+                <a:rPr lang="ko-KR" altLang="en-US" sz="1200" dirty="0" smtClean="0"/>
+                <a:t>미션 완료 </a:t>
+              </a:r>
+              <a:r>
+                <a:rPr lang="ko-KR" altLang="en-US" sz="1200" dirty="0" smtClean="0"/>
+                <a:t>여부 </a:t>
+              </a:r>
+              <a:endParaRPr lang="en-US" altLang="ko-KR" sz="1200" dirty="0" smtClean="0"/>
+            </a:p>
+          </p:txBody>
+        </p:sp>
+        <p:sp>
+          <p:nvSpPr>
+            <p:cNvPr id="62" name="TextBox 61"/>
+            <p:cNvSpPr txBox="1"/>
+            <p:nvPr/>
+          </p:nvSpPr>
+          <p:spPr>
+            <a:xfrm>
+              <a:off x="3926889" y="6671634"/>
+              <a:ext cx="590204" cy="184666"/>
+            </a:xfrm>
+            <a:prstGeom prst="rect">
+              <a:avLst/>
+            </a:prstGeom>
+            <a:noFill/>
+          </p:spPr>
+          <p:txBody>
+            <a:bodyPr wrap="square" lIns="0" tIns="0" rIns="0" bIns="0" rtlCol="0">
+              <a:spAutoFit/>
+            </a:bodyPr>
+            <a:lstStyle/>
+            <a:p>
+              <a:pPr algn="ctr"/>
+              <a:r>
+                <a:rPr lang="en-US" altLang="ko-KR" sz="1200" dirty="0" smtClean="0"/>
+                <a:t>YES</a:t>
+              </a:r>
+              <a:endParaRPr lang="ko-KR" altLang="en-US" sz="1200" dirty="0"/>
+            </a:p>
+          </p:txBody>
+        </p:sp>
+        <p:cxnSp>
+          <p:nvCxnSpPr>
+            <p:cNvPr id="63" name="직선 화살표 연결선 62"/>
+            <p:cNvCxnSpPr>
+              <a:stCxn id="61" idx="4"/>
+              <a:endCxn id="39" idx="0"/>
+            </p:cNvCxnSpPr>
+            <p:nvPr/>
+          </p:nvCxnSpPr>
+          <p:spPr>
+            <a:xfrm>
+              <a:off x="4663784" y="6389884"/>
+              <a:ext cx="0" cy="271624"/>
+            </a:xfrm>
+            <a:prstGeom prst="straightConnector1">
+              <a:avLst/>
+            </a:prstGeom>
+            <a:ln w="31750">
+              <a:solidFill>
+                <a:srgbClr val="FF9900"/>
+              </a:solidFill>
+              <a:headEnd w="lg" len="med"/>
+              <a:tailEnd type="triangle" w="lg" len="med"/>
+            </a:ln>
+          </p:spPr>
+          <p:style>
+            <a:lnRef idx="1">
+              <a:schemeClr val="accent1"/>
+            </a:lnRef>
+            <a:fillRef idx="0">
+              <a:schemeClr val="accent1"/>
+            </a:fillRef>
+            <a:effectRef idx="0">
+              <a:schemeClr val="accent1"/>
+            </a:effectRef>
+            <a:fontRef idx="minor">
+              <a:schemeClr val="tx1"/>
+            </a:fontRef>
+          </p:style>
+        </p:cxnSp>
+        <p:sp>
+          <p:nvSpPr>
+            <p:cNvPr id="64" name="TextBox 63"/>
+            <p:cNvSpPr txBox="1"/>
+            <p:nvPr/>
+          </p:nvSpPr>
+          <p:spPr>
+            <a:xfrm>
+              <a:off x="2870682" y="5904955"/>
+              <a:ext cx="1350689" cy="184666"/>
+            </a:xfrm>
+            <a:prstGeom prst="rect">
+              <a:avLst/>
+            </a:prstGeom>
+            <a:noFill/>
+          </p:spPr>
+          <p:txBody>
+            <a:bodyPr wrap="square" lIns="0" tIns="0" rIns="0" bIns="0" rtlCol="0">
+              <a:spAutoFit/>
+            </a:bodyPr>
+            <a:lstStyle/>
+            <a:p>
+              <a:pPr algn="ctr"/>
+              <a:r>
+                <a:rPr lang="en-US" altLang="ko-KR" sz="1200" dirty="0" smtClean="0"/>
+                <a:t>NO - </a:t>
+              </a:r>
+              <a:r>
+                <a:rPr lang="ko-KR" altLang="en-US" sz="1200" dirty="0" smtClean="0"/>
+                <a:t>입고</a:t>
+              </a:r>
+              <a:endParaRPr lang="ko-KR" altLang="en-US" sz="1200" dirty="0"/>
+            </a:p>
+          </p:txBody>
+        </p:sp>
+        <p:sp>
+          <p:nvSpPr>
+            <p:cNvPr id="65" name="TextBox 64"/>
+            <p:cNvSpPr txBox="1"/>
+            <p:nvPr/>
+          </p:nvSpPr>
+          <p:spPr>
+            <a:xfrm>
+              <a:off x="5237925" y="5897295"/>
+              <a:ext cx="1350689" cy="184666"/>
+            </a:xfrm>
+            <a:prstGeom prst="rect">
+              <a:avLst/>
+            </a:prstGeom>
+            <a:noFill/>
+          </p:spPr>
+          <p:txBody>
+            <a:bodyPr wrap="square" lIns="0" tIns="0" rIns="0" bIns="0" rtlCol="0">
+              <a:spAutoFit/>
+            </a:bodyPr>
+            <a:lstStyle/>
+            <a:p>
+              <a:pPr algn="ctr"/>
+              <a:r>
+                <a:rPr lang="en-US" altLang="ko-KR" sz="1200" dirty="0" smtClean="0"/>
+                <a:t>NO - </a:t>
+              </a:r>
+              <a:r>
+                <a:rPr lang="ko-KR" altLang="en-US" sz="1200" dirty="0" smtClean="0"/>
+                <a:t>출고</a:t>
+              </a:r>
+              <a:endParaRPr lang="ko-KR" altLang="en-US" sz="1200" dirty="0"/>
+            </a:p>
+          </p:txBody>
+        </p:sp>
+      </p:grpSp>
+    </p:spTree>
+    <p:extLst>
+      <p:ext uri="{BB962C8B-B14F-4D97-AF65-F5344CB8AC3E}">
+        <p14:creationId xmlns:p14="http://schemas.microsoft.com/office/powerpoint/2010/main" val="4230607408"/>
+      </p:ext>
+    </p:extLst>
+  </p:cSld>
+  <p:clrMapOvr>
+    <a:masterClrMapping/>
+  </p:clrMapOvr>
+</p:sld>
+</file>
+
 <file path=ppt/slides/slide2.xml><?xml version="1.0" encoding="utf-8"?>
 <p:sld xmlns:a="http://schemas.openxmlformats.org/drawingml/2006/main" xmlns:r="http://schemas.openxmlformats.org/officeDocument/2006/relationships" xmlns:p="http://schemas.openxmlformats.org/presentationml/2006/main">
   <p:cSld>
@@ -7039,7 +11435,7 @@
       </p:sp>
       <p:pic>
         <p:nvPicPr>
-          <p:cNvPr id="25" name="그림 24"/>
+          <p:cNvPr id="28" name="그림 27"/>
           <p:cNvPicPr>
             <a:picLocks noChangeAspect="1"/>
           </p:cNvPicPr>
@@ -7053,8 +11449,8 @@
         </p:blipFill>
         <p:spPr>
           <a:xfrm>
-            <a:off x="1344322" y="797475"/>
-            <a:ext cx="9485604" cy="5560914"/>
+            <a:off x="1344321" y="807881"/>
+            <a:ext cx="9467856" cy="5550508"/>
           </a:xfrm>
           <a:prstGeom prst="rect">
             <a:avLst/>
@@ -7098,6 +11494,32 @@
           <a:chExt cx="0" cy="0"/>
         </a:xfrm>
       </p:grpSpPr>
+      <p:pic>
+        <p:nvPicPr>
+          <p:cNvPr id="7" name="그림 6"/>
+          <p:cNvPicPr>
+            <a:picLocks noChangeAspect="1"/>
+          </p:cNvPicPr>
+          <p:nvPr/>
+        </p:nvPicPr>
+        <p:blipFill>
+          <a:blip r:embed="rId2">
+            <a:lum bright="70000" contrast="-70000"/>
+          </a:blip>
+          <a:stretch>
+            <a:fillRect/>
+          </a:stretch>
+        </p:blipFill>
+        <p:spPr>
+          <a:xfrm>
+            <a:off x="1344321" y="797475"/>
+            <a:ext cx="9485606" cy="5560914"/>
+          </a:xfrm>
+          <a:prstGeom prst="rect">
+            <a:avLst/>
+          </a:prstGeom>
+        </p:spPr>
+      </p:pic>
       <p:sp>
         <p:nvSpPr>
           <p:cNvPr id="10" name="제목 9"/>
@@ -7144,32 +11566,6 @@
           </a:p>
         </p:txBody>
       </p:sp>
-      <p:pic>
-        <p:nvPicPr>
-          <p:cNvPr id="19" name="그림 18"/>
-          <p:cNvPicPr>
-            <a:picLocks noChangeAspect="1"/>
-          </p:cNvPicPr>
-          <p:nvPr/>
-        </p:nvPicPr>
-        <p:blipFill>
-          <a:blip r:embed="rId2">
-            <a:lum bright="70000" contrast="-70000"/>
-          </a:blip>
-          <a:stretch>
-            <a:fillRect/>
-          </a:stretch>
-        </p:blipFill>
-        <p:spPr>
-          <a:xfrm>
-            <a:off x="1342800" y="799200"/>
-            <a:ext cx="9487459" cy="5562000"/>
-          </a:xfrm>
-          <a:prstGeom prst="rect">
-            <a:avLst/>
-          </a:prstGeom>
-        </p:spPr>
-      </p:pic>
       <p:pic>
         <p:nvPicPr>
           <p:cNvPr id="195" name="그림 194"/>
@@ -7267,11 +11663,7 @@
             </a:r>
             <a:r>
               <a:rPr lang="en-US" altLang="ko-KR" sz="3200" dirty="0" smtClean="0"/>
-              <a:t>: 2</a:t>
-            </a:r>
-            <a:r>
-              <a:rPr lang="ko-KR" altLang="en-US" sz="3200" dirty="0" smtClean="0"/>
-              <a:t>월 </a:t>
+              <a:t>: </a:t>
             </a:r>
             <a:endParaRPr lang="ko-KR" altLang="en-US" sz="3200" dirty="0"/>
           </a:p>
@@ -7279,7 +11671,7 @@
       </p:sp>
       <p:pic>
         <p:nvPicPr>
-          <p:cNvPr id="5" name="그림 4"/>
+          <p:cNvPr id="4" name="그림 3"/>
           <p:cNvPicPr>
             <a:picLocks noChangeAspect="1"/>
           </p:cNvPicPr>
@@ -7293,8 +11685,8 @@
         </p:blipFill>
         <p:spPr>
           <a:xfrm>
-            <a:off x="1344322" y="797475"/>
-            <a:ext cx="9485604" cy="5560914"/>
+            <a:off x="1344321" y="797475"/>
+            <a:ext cx="9485606" cy="5560914"/>
           </a:xfrm>
           <a:prstGeom prst="rect">
             <a:avLst/>
@@ -7304,7 +11696,7 @@
     </p:spTree>
     <p:extLst>
       <p:ext uri="{BB962C8B-B14F-4D97-AF65-F5344CB8AC3E}">
-        <p14:creationId xmlns:p14="http://schemas.microsoft.com/office/powerpoint/2010/main" val="1622379398"/>
+        <p14:creationId xmlns:p14="http://schemas.microsoft.com/office/powerpoint/2010/main" val="3224606993"/>
       </p:ext>
     </p:extLst>
   </p:cSld>
@@ -7370,113 +11762,6 @@
             </a:r>
             <a:r>
               <a:rPr lang="ko-KR" altLang="en-US" sz="3200" dirty="0" smtClean="0"/>
-              <a:t>구성 계획 </a:t>
-            </a:r>
-            <a:r>
-              <a:rPr lang="en-US" altLang="ko-KR" sz="3200" dirty="0" smtClean="0"/>
-              <a:t>: 2</a:t>
-            </a:r>
-            <a:r>
-              <a:rPr lang="ko-KR" altLang="en-US" sz="3200" dirty="0" smtClean="0"/>
-              <a:t>월 중순</a:t>
-            </a:r>
-            <a:endParaRPr lang="ko-KR" altLang="en-US" sz="3200" dirty="0"/>
-          </a:p>
-        </p:txBody>
-      </p:sp>
-      <p:pic>
-        <p:nvPicPr>
-          <p:cNvPr id="5" name="그림 4"/>
-          <p:cNvPicPr>
-            <a:picLocks noChangeAspect="1"/>
-          </p:cNvPicPr>
-          <p:nvPr/>
-        </p:nvPicPr>
-        <p:blipFill>
-          <a:blip r:embed="rId2"/>
-          <a:stretch>
-            <a:fillRect/>
-          </a:stretch>
-        </p:blipFill>
-        <p:spPr>
-          <a:xfrm>
-            <a:off x="1344322" y="797475"/>
-            <a:ext cx="9485604" cy="5560914"/>
-          </a:xfrm>
-          <a:prstGeom prst="rect">
-            <a:avLst/>
-          </a:prstGeom>
-        </p:spPr>
-      </p:pic>
-    </p:spTree>
-    <p:extLst>
-      <p:ext uri="{BB962C8B-B14F-4D97-AF65-F5344CB8AC3E}">
-        <p14:creationId xmlns:p14="http://schemas.microsoft.com/office/powerpoint/2010/main" val="3224606993"/>
-      </p:ext>
-    </p:extLst>
-  </p:cSld>
-  <p:clrMapOvr>
-    <a:masterClrMapping/>
-  </p:clrMapOvr>
-  <p:timing>
-    <p:tnLst>
-      <p:par>
-        <p:cTn id="1" dur="indefinite" restart="never" nodeType="tmRoot"/>
-      </p:par>
-    </p:tnLst>
-  </p:timing>
-</p:sld>
-</file>
-
-<file path=ppt/slides/slide6.xml><?xml version="1.0" encoding="utf-8"?>
-<p:sld xmlns:a="http://schemas.openxmlformats.org/drawingml/2006/main" xmlns:r="http://schemas.openxmlformats.org/officeDocument/2006/relationships" xmlns:p="http://schemas.openxmlformats.org/presentationml/2006/main">
-  <p:cSld>
-    <p:spTree>
-      <p:nvGrpSpPr>
-        <p:cNvPr id="1" name=""/>
-        <p:cNvGrpSpPr/>
-        <p:nvPr/>
-      </p:nvGrpSpPr>
-      <p:grpSpPr>
-        <a:xfrm>
-          <a:off x="0" y="0"/>
-          <a:ext cx="0" cy="0"/>
-          <a:chOff x="0" y="0"/>
-          <a:chExt cx="0" cy="0"/>
-        </a:xfrm>
-      </p:grpSpPr>
-      <p:sp>
-        <p:nvSpPr>
-          <p:cNvPr id="10" name="제목 9"/>
-          <p:cNvSpPr>
-            <a:spLocks noGrp="1"/>
-          </p:cNvSpPr>
-          <p:nvPr>
-            <p:ph type="title"/>
-          </p:nvPr>
-        </p:nvSpPr>
-        <p:spPr>
-          <a:xfrm>
-            <a:off x="0" y="0"/>
-            <a:ext cx="5436524" cy="540327"/>
-          </a:xfrm>
-        </p:spPr>
-        <p:txBody>
-          <a:bodyPr>
-            <a:noAutofit/>
-          </a:bodyPr>
-          <a:lstStyle/>
-          <a:p>
-            <a:r>
-              <a:rPr lang="ko-KR" altLang="en-US" sz="3200" dirty="0" smtClean="0"/>
-              <a:t>시스템</a:t>
-            </a:r>
-            <a:r>
-              <a:rPr lang="en-US" altLang="ko-KR" sz="3200" dirty="0" smtClean="0"/>
-              <a:t> </a:t>
-            </a:r>
-            <a:r>
-              <a:rPr lang="ko-KR" altLang="en-US" sz="3200" dirty="0" smtClean="0"/>
               <a:t>세부 구성 </a:t>
             </a:r>
             <a:r>
@@ -7503,7 +11788,12 @@
               <a:gd name="adj" fmla="val 9734"/>
             </a:avLst>
           </a:prstGeom>
-          <a:noFill/>
+          <a:solidFill>
+            <a:schemeClr val="accent2">
+              <a:lumMod val="20000"/>
+              <a:lumOff val="80000"/>
+            </a:schemeClr>
+          </a:solidFill>
           <a:ln w="28575">
             <a:solidFill>
               <a:schemeClr val="accent2"/>
@@ -8277,7 +12567,7 @@
 </p:sld>
 </file>
 
-<file path=ppt/slides/slide7.xml><?xml version="1.0" encoding="utf-8"?>
+<file path=ppt/slides/slide6.xml><?xml version="1.0" encoding="utf-8"?>
 <p:sld xmlns:a="http://schemas.openxmlformats.org/drawingml/2006/main" xmlns:r="http://schemas.openxmlformats.org/officeDocument/2006/relationships" xmlns:p="http://schemas.openxmlformats.org/presentationml/2006/main">
   <p:cSld>
     <p:spTree>
@@ -8352,7 +12642,12 @@
               <a:gd name="adj" fmla="val 9734"/>
             </a:avLst>
           </a:prstGeom>
-          <a:noFill/>
+          <a:solidFill>
+            <a:schemeClr val="accent4">
+              <a:lumMod val="20000"/>
+              <a:lumOff val="80000"/>
+            </a:schemeClr>
+          </a:solidFill>
           <a:ln w="28575">
             <a:solidFill>
               <a:schemeClr val="accent4">
@@ -8409,23 +12704,7 @@
                   <a:sysClr val="windowText" lastClr="000000"/>
                 </a:solidFill>
               </a:rPr>
-              <a:t>M/W -&gt; </a:t>
-            </a:r>
-            <a:r>
-              <a:rPr lang="ko-KR" altLang="en-US" sz="3200" dirty="0" err="1">
-                <a:solidFill>
-                  <a:sysClr val="windowText" lastClr="000000"/>
-                </a:solidFill>
-              </a:rPr>
-              <a:t>갠</a:t>
-            </a:r>
-            <a:r>
-              <a:rPr lang="ko-KR" altLang="en-US" sz="3200" dirty="0" err="1" smtClean="0">
-                <a:solidFill>
-                  <a:sysClr val="windowText" lastClr="000000"/>
-                </a:solidFill>
-              </a:rPr>
-              <a:t>트리</a:t>
+              <a:t>M/W </a:t>
             </a:r>
             <a:r>
               <a:rPr lang="ko-KR" altLang="en-US" sz="3200" dirty="0" smtClean="0">
@@ -8433,7 +12712,7 @@
                   <a:sysClr val="windowText" lastClr="000000"/>
                 </a:solidFill>
               </a:rPr>
-              <a:t> 제어</a:t>
+              <a:t>명령</a:t>
             </a:r>
             <a:r>
               <a:rPr lang="en-US" altLang="ko-KR" sz="3200" dirty="0" smtClean="0">
@@ -8444,12 +12723,28 @@
               <a:t> </a:t>
             </a:r>
             <a:r>
+              <a:rPr lang="ko-KR" altLang="en-US" sz="3200" dirty="0" smtClean="0">
+                <a:solidFill>
+                  <a:sysClr val="windowText" lastClr="000000"/>
+                </a:solidFill>
+              </a:rPr>
+              <a:t>수신 </a:t>
+            </a:r>
+            <a:r>
+              <a:rPr lang="en-US" altLang="ko-KR" sz="3200" dirty="0" smtClean="0">
+                <a:solidFill>
+                  <a:sysClr val="windowText" lastClr="000000"/>
+                </a:solidFill>
+              </a:rPr>
+              <a:t>-&gt; </a:t>
+            </a:r>
+            <a:r>
               <a:rPr lang="ko-KR" altLang="en-US" sz="3200" dirty="0" err="1" smtClean="0">
                 <a:solidFill>
                   <a:sysClr val="windowText" lastClr="000000"/>
                 </a:solidFill>
               </a:rPr>
-              <a:t>로직</a:t>
+              <a:t>제어부</a:t>
             </a:r>
             <a:r>
               <a:rPr lang="ko-KR" altLang="en-US" sz="3200" dirty="0" smtClean="0">
@@ -8465,7 +12760,7 @@
                   <a:sysClr val="windowText" lastClr="000000"/>
                 </a:solidFill>
               </a:rPr>
-              <a:t>-&gt; </a:t>
+              <a:t>(</a:t>
             </a:r>
             <a:r>
               <a:rPr lang="ko-KR" altLang="en-US" sz="3200" dirty="0" err="1" smtClean="0">
@@ -8473,7 +12768,15 @@
                   <a:sysClr val="windowText" lastClr="000000"/>
                 </a:solidFill>
               </a:rPr>
-              <a:t>제어부</a:t>
+              <a:t>모드버스</a:t>
+            </a:r>
+            <a:r>
+              <a:rPr lang="ko-KR" altLang="en-US" sz="3200" dirty="0" smtClean="0">
+                <a:solidFill>
+                  <a:sysClr val="windowText" lastClr="000000"/>
+                </a:solidFill>
+              </a:rPr>
+              <a:t> 통신</a:t>
             </a:r>
             <a:r>
               <a:rPr lang="en-US" altLang="ko-KR" sz="3200" dirty="0" smtClean="0">
@@ -8481,7 +12784,7 @@
                   <a:sysClr val="windowText" lastClr="000000"/>
                 </a:solidFill>
               </a:rPr>
-              <a:t> </a:t>
+              <a:t>) </a:t>
             </a:r>
           </a:p>
           <a:p>
@@ -8529,6 +12832,30 @@
                 </a:solidFill>
               </a:rPr>
               <a:t>스택형</a:t>
+            </a:r>
+            <a:r>
+              <a:rPr lang="en-US" altLang="ko-KR" sz="3200" dirty="0" smtClean="0">
+                <a:solidFill>
+                  <a:sysClr val="windowText" lastClr="000000"/>
+                </a:solidFill>
+              </a:rPr>
+              <a:t>(</a:t>
+            </a:r>
+            <a:r>
+              <a:rPr lang="ko-KR" altLang="en-US" sz="3200" dirty="0" smtClean="0">
+                <a:solidFill>
+                  <a:sysClr val="windowText" lastClr="000000"/>
+                </a:solidFill>
+              </a:rPr>
+              <a:t>갠트리</a:t>
+            </a:r>
+            <a:r>
+              <a:rPr lang="en-US" altLang="ko-KR" sz="3200" dirty="0" smtClean="0">
+                <a:solidFill>
+                  <a:sysClr val="windowText" lastClr="000000"/>
+                </a:solidFill>
+              </a:rPr>
+              <a:t>)</a:t>
             </a:r>
             <a:r>
               <a:rPr lang="ko-KR" altLang="en-US" sz="3200" dirty="0" smtClean="0">
@@ -8604,7 +12931,7 @@
                   <a:sysClr val="windowText" lastClr="000000"/>
                 </a:solidFill>
               </a:rPr>
-              <a:t>전달 </a:t>
+              <a:t>수신 </a:t>
             </a:r>
             <a:r>
               <a:rPr lang="en-US" altLang="ko-KR" sz="3200" dirty="0" smtClean="0">
@@ -8612,15 +12939,16 @@
                   <a:sysClr val="windowText" lastClr="000000"/>
                 </a:solidFill>
               </a:rPr>
-              <a:t>-&gt; M/W</a:t>
-            </a:r>
-            <a:endParaRPr lang="ko-KR" altLang="en-US" sz="3200" dirty="0">
-              <a:solidFill>
-                <a:sysClr val="windowText" lastClr="000000"/>
-              </a:solidFill>
-            </a:endParaRPr>
-          </a:p>
-          <a:p>
+              <a:t>-&gt; M/W </a:t>
+            </a:r>
+            <a:r>
+              <a:rPr lang="ko-KR" altLang="en-US" sz="3200" dirty="0">
+                <a:solidFill>
+                  <a:sysClr val="windowText" lastClr="000000"/>
+                </a:solidFill>
+              </a:rPr>
+              <a:t>전달</a:t>
+            </a:r>
             <a:endParaRPr lang="en-US" altLang="ko-KR" sz="5400" dirty="0">
               <a:solidFill>
                 <a:sysClr val="windowText" lastClr="000000"/>
@@ -9217,6 +13545,2651 @@
 </p:sld>
 </file>
 
+<file path=ppt/slides/slide7.xml><?xml version="1.0" encoding="utf-8"?>
+<p:sld xmlns:a="http://schemas.openxmlformats.org/drawingml/2006/main" xmlns:r="http://schemas.openxmlformats.org/officeDocument/2006/relationships" xmlns:p="http://schemas.openxmlformats.org/presentationml/2006/main">
+  <p:cSld>
+    <p:spTree>
+      <p:nvGrpSpPr>
+        <p:cNvPr id="1" name=""/>
+        <p:cNvGrpSpPr/>
+        <p:nvPr/>
+      </p:nvGrpSpPr>
+      <p:grpSpPr>
+        <a:xfrm>
+          <a:off x="0" y="0"/>
+          <a:ext cx="0" cy="0"/>
+          <a:chOff x="0" y="0"/>
+          <a:chExt cx="0" cy="0"/>
+        </a:xfrm>
+      </p:grpSpPr>
+      <p:grpSp>
+        <p:nvGrpSpPr>
+          <p:cNvPr id="3" name="그룹 2"/>
+          <p:cNvGrpSpPr/>
+          <p:nvPr/>
+        </p:nvGrpSpPr>
+        <p:grpSpPr>
+          <a:xfrm>
+            <a:off x="2453120" y="379931"/>
+            <a:ext cx="9027620" cy="6394652"/>
+            <a:chOff x="74815" y="564035"/>
+            <a:chExt cx="9027620" cy="6394652"/>
+          </a:xfrm>
+        </p:grpSpPr>
+        <p:sp>
+          <p:nvSpPr>
+            <p:cNvPr id="4" name="모서리가 둥근 직사각형 3"/>
+            <p:cNvSpPr/>
+            <p:nvPr/>
+          </p:nvSpPr>
+          <p:spPr>
+            <a:xfrm>
+              <a:off x="74815" y="2218501"/>
+              <a:ext cx="9027620" cy="4266951"/>
+            </a:xfrm>
+            <a:prstGeom prst="roundRect">
+              <a:avLst>
+                <a:gd name="adj" fmla="val 6147"/>
+              </a:avLst>
+            </a:prstGeom>
+            <a:solidFill>
+              <a:schemeClr val="accent4">
+                <a:lumMod val="20000"/>
+                <a:lumOff val="80000"/>
+              </a:schemeClr>
+            </a:solidFill>
+            <a:ln w="19050">
+              <a:solidFill>
+                <a:schemeClr val="accent4"/>
+              </a:solidFill>
+              <a:prstDash val="dash"/>
+            </a:ln>
+          </p:spPr>
+          <p:style>
+            <a:lnRef idx="2">
+              <a:schemeClr val="accent1">
+                <a:shade val="50000"/>
+              </a:schemeClr>
+            </a:lnRef>
+            <a:fillRef idx="1">
+              <a:schemeClr val="accent1"/>
+            </a:fillRef>
+            <a:effectRef idx="0">
+              <a:schemeClr val="accent1"/>
+            </a:effectRef>
+            <a:fontRef idx="minor">
+              <a:schemeClr val="lt1"/>
+            </a:fontRef>
+          </p:style>
+          <p:txBody>
+            <a:bodyPr rtlCol="0" anchor="t"/>
+            <a:lstStyle/>
+            <a:p>
+              <a:pPr algn="ctr"/>
+              <a:r>
+                <a:rPr lang="en-US" altLang="ko-KR" sz="2400" b="1" dirty="0" smtClean="0">
+                  <a:solidFill>
+                    <a:schemeClr val="tx1"/>
+                  </a:solidFill>
+                </a:rPr>
+                <a:t>WCS</a:t>
+              </a:r>
+              <a:endParaRPr lang="ko-KR" altLang="en-US" sz="2400" b="1" dirty="0">
+                <a:solidFill>
+                  <a:schemeClr val="tx1"/>
+                </a:solidFill>
+              </a:endParaRPr>
+            </a:p>
+          </p:txBody>
+        </p:sp>
+        <p:sp>
+          <p:nvSpPr>
+            <p:cNvPr id="5" name="순서도: 대체 처리 4"/>
+            <p:cNvSpPr/>
+            <p:nvPr/>
+          </p:nvSpPr>
+          <p:spPr>
+            <a:xfrm>
+              <a:off x="324194" y="564035"/>
+              <a:ext cx="1313409" cy="611880"/>
+            </a:xfrm>
+            <a:prstGeom prst="flowChartAlternateProcess">
+              <a:avLst/>
+            </a:prstGeom>
+          </p:spPr>
+          <p:style>
+            <a:lnRef idx="2">
+              <a:schemeClr val="dk1">
+                <a:shade val="50000"/>
+              </a:schemeClr>
+            </a:lnRef>
+            <a:fillRef idx="1">
+              <a:schemeClr val="dk1"/>
+            </a:fillRef>
+            <a:effectRef idx="0">
+              <a:schemeClr val="dk1"/>
+            </a:effectRef>
+            <a:fontRef idx="minor">
+              <a:schemeClr val="lt1"/>
+            </a:fontRef>
+          </p:style>
+          <p:txBody>
+            <a:bodyPr lIns="0" tIns="0" rIns="0" bIns="0" rtlCol="0" anchor="ctr"/>
+            <a:lstStyle/>
+            <a:p>
+              <a:pPr algn="ctr"/>
+              <a:r>
+                <a:rPr lang="ko-KR" altLang="en-US" sz="1400" dirty="0" smtClean="0"/>
+                <a:t>시작</a:t>
+              </a:r>
+              <a:endParaRPr lang="ko-KR" altLang="en-US" sz="1400" dirty="0"/>
+            </a:p>
+          </p:txBody>
+        </p:sp>
+        <p:sp>
+          <p:nvSpPr>
+            <p:cNvPr id="6" name="순서도: 처리 5"/>
+            <p:cNvSpPr/>
+            <p:nvPr/>
+          </p:nvSpPr>
+          <p:spPr>
+            <a:xfrm>
+              <a:off x="4007080" y="565500"/>
+              <a:ext cx="1313410" cy="594359"/>
+            </a:xfrm>
+            <a:prstGeom prst="flowChartProcess">
+              <a:avLst/>
+            </a:prstGeom>
+          </p:spPr>
+          <p:style>
+            <a:lnRef idx="2">
+              <a:schemeClr val="accent2">
+                <a:shade val="50000"/>
+              </a:schemeClr>
+            </a:lnRef>
+            <a:fillRef idx="1">
+              <a:schemeClr val="accent2"/>
+            </a:fillRef>
+            <a:effectRef idx="0">
+              <a:schemeClr val="accent2"/>
+            </a:effectRef>
+            <a:fontRef idx="minor">
+              <a:schemeClr val="lt1"/>
+            </a:fontRef>
+          </p:style>
+          <p:txBody>
+            <a:bodyPr lIns="0" tIns="0" rIns="0" bIns="0" rtlCol="0" anchor="ctr"/>
+            <a:lstStyle/>
+            <a:p>
+              <a:pPr algn="ctr"/>
+              <a:r>
+                <a:rPr lang="ko-KR" altLang="en-US" sz="1400" dirty="0" smtClean="0"/>
+                <a:t>명령 대기</a:t>
+              </a:r>
+              <a:endParaRPr lang="en-US" altLang="ko-KR" sz="1400" dirty="0" smtClean="0"/>
+            </a:p>
+            <a:p>
+              <a:pPr algn="ctr"/>
+              <a:r>
+                <a:rPr lang="en-US" altLang="ko-KR" sz="1400" dirty="0" smtClean="0"/>
+                <a:t>(</a:t>
+              </a:r>
+              <a:r>
+                <a:rPr lang="ko-KR" altLang="en-US" sz="1400" dirty="0" smtClean="0"/>
+                <a:t>반복</a:t>
+              </a:r>
+              <a:r>
+                <a:rPr lang="en-US" altLang="ko-KR" sz="1400" dirty="0" smtClean="0"/>
+                <a:t>)</a:t>
+              </a:r>
+              <a:endParaRPr lang="ko-KR" altLang="en-US" sz="1400" dirty="0"/>
+            </a:p>
+          </p:txBody>
+        </p:sp>
+        <p:sp>
+          <p:nvSpPr>
+            <p:cNvPr id="7" name="순서도: 처리 6"/>
+            <p:cNvSpPr/>
+            <p:nvPr/>
+          </p:nvSpPr>
+          <p:spPr>
+            <a:xfrm>
+              <a:off x="4007080" y="4214560"/>
+              <a:ext cx="1313410" cy="594359"/>
+            </a:xfrm>
+            <a:prstGeom prst="flowChartProcess">
+              <a:avLst/>
+            </a:prstGeom>
+          </p:spPr>
+          <p:style>
+            <a:lnRef idx="2">
+              <a:schemeClr val="accent4">
+                <a:shade val="50000"/>
+              </a:schemeClr>
+            </a:lnRef>
+            <a:fillRef idx="1">
+              <a:schemeClr val="accent4"/>
+            </a:fillRef>
+            <a:effectRef idx="0">
+              <a:schemeClr val="accent4"/>
+            </a:effectRef>
+            <a:fontRef idx="minor">
+              <a:schemeClr val="lt1"/>
+            </a:fontRef>
+          </p:style>
+          <p:txBody>
+            <a:bodyPr lIns="0" tIns="0" rIns="0" bIns="0" rtlCol="0" anchor="ctr"/>
+            <a:lstStyle/>
+            <a:p>
+              <a:pPr algn="ctr"/>
+              <a:r>
+                <a:rPr lang="ko-KR" altLang="en-US" sz="1400" dirty="0" smtClean="0"/>
+                <a:t>이동 명령</a:t>
+              </a:r>
+              <a:endParaRPr lang="en-US" altLang="ko-KR" sz="1400" dirty="0" smtClean="0"/>
+            </a:p>
+            <a:p>
+              <a:pPr algn="ctr"/>
+              <a:r>
+                <a:rPr lang="ko-KR" altLang="en-US" sz="1400" dirty="0" smtClean="0"/>
+                <a:t>생성</a:t>
+              </a:r>
+              <a:endParaRPr lang="ko-KR" altLang="en-US" sz="1400" dirty="0"/>
+            </a:p>
+          </p:txBody>
+        </p:sp>
+        <p:sp>
+          <p:nvSpPr>
+            <p:cNvPr id="8" name="순서도: 데이터 7"/>
+            <p:cNvSpPr/>
+            <p:nvPr/>
+          </p:nvSpPr>
+          <p:spPr>
+            <a:xfrm>
+              <a:off x="324195" y="2334840"/>
+              <a:ext cx="1313410" cy="592279"/>
+            </a:xfrm>
+            <a:prstGeom prst="flowChartInputOutput">
+              <a:avLst/>
+            </a:prstGeom>
+          </p:spPr>
+          <p:style>
+            <a:lnRef idx="2">
+              <a:schemeClr val="accent3">
+                <a:shade val="50000"/>
+              </a:schemeClr>
+            </a:lnRef>
+            <a:fillRef idx="1">
+              <a:schemeClr val="accent3"/>
+            </a:fillRef>
+            <a:effectRef idx="0">
+              <a:schemeClr val="accent3"/>
+            </a:effectRef>
+            <a:fontRef idx="minor">
+              <a:schemeClr val="lt1"/>
+            </a:fontRef>
+          </p:style>
+          <p:txBody>
+            <a:bodyPr lIns="0" tIns="0" rIns="0" bIns="0" rtlCol="0" anchor="ctr"/>
+            <a:lstStyle/>
+            <a:p>
+              <a:pPr algn="ctr"/>
+              <a:r>
+                <a:rPr lang="ko-KR" altLang="en-US" sz="1400" dirty="0" smtClean="0"/>
+                <a:t>제품 등록</a:t>
+              </a:r>
+              <a:endParaRPr lang="en-US" altLang="ko-KR" sz="1400" dirty="0" smtClean="0"/>
+            </a:p>
+            <a:p>
+              <a:pPr algn="ctr"/>
+              <a:r>
+                <a:rPr lang="ko-KR" altLang="en-US" sz="1400" dirty="0" smtClean="0"/>
+                <a:t> 여부 </a:t>
+              </a:r>
+              <a:endParaRPr lang="en-US" altLang="ko-KR" sz="1400" dirty="0" smtClean="0"/>
+            </a:p>
+          </p:txBody>
+        </p:sp>
+        <p:sp>
+          <p:nvSpPr>
+            <p:cNvPr id="9" name="순서도: 데이터 8"/>
+            <p:cNvSpPr/>
+            <p:nvPr/>
+          </p:nvSpPr>
+          <p:spPr>
+            <a:xfrm>
+              <a:off x="7539644" y="2334840"/>
+              <a:ext cx="1313410" cy="592279"/>
+            </a:xfrm>
+            <a:prstGeom prst="flowChartInputOutput">
+              <a:avLst/>
+            </a:prstGeom>
+          </p:spPr>
+          <p:style>
+            <a:lnRef idx="2">
+              <a:schemeClr val="accent3">
+                <a:shade val="50000"/>
+              </a:schemeClr>
+            </a:lnRef>
+            <a:fillRef idx="1">
+              <a:schemeClr val="accent3"/>
+            </a:fillRef>
+            <a:effectRef idx="0">
+              <a:schemeClr val="accent3"/>
+            </a:effectRef>
+            <a:fontRef idx="minor">
+              <a:schemeClr val="lt1"/>
+            </a:fontRef>
+          </p:style>
+          <p:txBody>
+            <a:bodyPr lIns="0" tIns="0" rIns="0" bIns="0" rtlCol="0" anchor="ctr"/>
+            <a:lstStyle/>
+            <a:p>
+              <a:pPr algn="ctr"/>
+              <a:r>
+                <a:rPr lang="ko-KR" altLang="en-US" sz="1400" dirty="0" smtClean="0"/>
+                <a:t>재고 보유 여부</a:t>
+              </a:r>
+              <a:endParaRPr lang="ko-KR" altLang="en-US" sz="1400" dirty="0"/>
+            </a:p>
+          </p:txBody>
+        </p:sp>
+        <p:sp>
+          <p:nvSpPr>
+            <p:cNvPr id="10" name="순서도: 자기 디스크 9"/>
+            <p:cNvSpPr/>
+            <p:nvPr/>
+          </p:nvSpPr>
+          <p:spPr>
+            <a:xfrm>
+              <a:off x="2165637" y="1522623"/>
+              <a:ext cx="1313410" cy="592279"/>
+            </a:xfrm>
+            <a:prstGeom prst="flowChartMagneticDisk">
+              <a:avLst/>
+            </a:prstGeom>
+          </p:spPr>
+          <p:style>
+            <a:lnRef idx="2">
+              <a:schemeClr val="accent3">
+                <a:shade val="50000"/>
+              </a:schemeClr>
+            </a:lnRef>
+            <a:fillRef idx="1">
+              <a:schemeClr val="accent3"/>
+            </a:fillRef>
+            <a:effectRef idx="0">
+              <a:schemeClr val="accent3"/>
+            </a:effectRef>
+            <a:fontRef idx="minor">
+              <a:schemeClr val="lt1"/>
+            </a:fontRef>
+          </p:style>
+          <p:txBody>
+            <a:bodyPr lIns="0" tIns="0" rIns="0" bIns="0" rtlCol="0" anchor="ctr"/>
+            <a:lstStyle/>
+            <a:p>
+              <a:pPr algn="ctr"/>
+              <a:r>
+                <a:rPr lang="ko-KR" altLang="en-US" sz="1400" dirty="0" smtClean="0"/>
+                <a:t>제품 등록 정보</a:t>
+              </a:r>
+              <a:endParaRPr lang="ko-KR" altLang="en-US" sz="1400" dirty="0"/>
+            </a:p>
+          </p:txBody>
+        </p:sp>
+        <p:sp>
+          <p:nvSpPr>
+            <p:cNvPr id="11" name="순서도: 처리 10"/>
+            <p:cNvSpPr/>
+            <p:nvPr/>
+          </p:nvSpPr>
+          <p:spPr>
+            <a:xfrm>
+              <a:off x="324195" y="3174424"/>
+              <a:ext cx="1313410" cy="594359"/>
+            </a:xfrm>
+            <a:prstGeom prst="flowChartProcess">
+              <a:avLst/>
+            </a:prstGeom>
+          </p:spPr>
+          <p:style>
+            <a:lnRef idx="2">
+              <a:schemeClr val="accent4">
+                <a:shade val="50000"/>
+              </a:schemeClr>
+            </a:lnRef>
+            <a:fillRef idx="1">
+              <a:schemeClr val="accent4"/>
+            </a:fillRef>
+            <a:effectRef idx="0">
+              <a:schemeClr val="accent4"/>
+            </a:effectRef>
+            <a:fontRef idx="minor">
+              <a:schemeClr val="lt1"/>
+            </a:fontRef>
+          </p:style>
+          <p:txBody>
+            <a:bodyPr lIns="0" tIns="0" rIns="0" bIns="0" rtlCol="0" anchor="ctr"/>
+            <a:lstStyle/>
+            <a:p>
+              <a:pPr algn="ctr"/>
+              <a:r>
+                <a:rPr lang="ko-KR" altLang="en-US" sz="1400" dirty="0" smtClean="0"/>
+                <a:t>공간 탐색</a:t>
+              </a:r>
+              <a:endParaRPr lang="ko-KR" altLang="en-US" sz="1400" dirty="0"/>
+            </a:p>
+          </p:txBody>
+        </p:sp>
+        <p:sp>
+          <p:nvSpPr>
+            <p:cNvPr id="12" name="순서도: 처리 11"/>
+            <p:cNvSpPr/>
+            <p:nvPr/>
+          </p:nvSpPr>
+          <p:spPr>
+            <a:xfrm>
+              <a:off x="4007079" y="5009226"/>
+              <a:ext cx="1313410" cy="594359"/>
+            </a:xfrm>
+            <a:prstGeom prst="flowChartProcess">
+              <a:avLst/>
+            </a:prstGeom>
+          </p:spPr>
+          <p:style>
+            <a:lnRef idx="2">
+              <a:schemeClr val="accent5">
+                <a:shade val="50000"/>
+              </a:schemeClr>
+            </a:lnRef>
+            <a:fillRef idx="1">
+              <a:schemeClr val="accent5"/>
+            </a:fillRef>
+            <a:effectRef idx="0">
+              <a:schemeClr val="accent5"/>
+            </a:effectRef>
+            <a:fontRef idx="minor">
+              <a:schemeClr val="lt1"/>
+            </a:fontRef>
+          </p:style>
+          <p:txBody>
+            <a:bodyPr lIns="0" tIns="0" rIns="0" bIns="0" rtlCol="0" anchor="ctr"/>
+            <a:lstStyle/>
+            <a:p>
+              <a:pPr algn="ctr"/>
+              <a:r>
+                <a:rPr lang="ko-KR" altLang="en-US" sz="1400" dirty="0" err="1" smtClean="0"/>
+                <a:t>제어부</a:t>
+              </a:r>
+              <a:r>
+                <a:rPr lang="ko-KR" altLang="en-US" sz="1400" dirty="0" smtClean="0"/>
+                <a:t> </a:t>
+              </a:r>
+              <a:endParaRPr lang="en-US" altLang="ko-KR" sz="1400" dirty="0" smtClean="0"/>
+            </a:p>
+            <a:p>
+              <a:pPr algn="ctr"/>
+              <a:r>
+                <a:rPr lang="ko-KR" altLang="en-US" sz="1400" dirty="0" smtClean="0"/>
+                <a:t>동작</a:t>
+              </a:r>
+              <a:endParaRPr lang="ko-KR" altLang="en-US" sz="1400" dirty="0"/>
+            </a:p>
+          </p:txBody>
+        </p:sp>
+        <p:sp>
+          <p:nvSpPr>
+            <p:cNvPr id="13" name="순서도: 자기 디스크 12"/>
+            <p:cNvSpPr/>
+            <p:nvPr/>
+          </p:nvSpPr>
+          <p:spPr>
+            <a:xfrm>
+              <a:off x="5773361" y="1522623"/>
+              <a:ext cx="1313410" cy="592279"/>
+            </a:xfrm>
+            <a:prstGeom prst="flowChartMagneticDisk">
+              <a:avLst/>
+            </a:prstGeom>
+          </p:spPr>
+          <p:style>
+            <a:lnRef idx="2">
+              <a:schemeClr val="accent3">
+                <a:shade val="50000"/>
+              </a:schemeClr>
+            </a:lnRef>
+            <a:fillRef idx="1">
+              <a:schemeClr val="accent3"/>
+            </a:fillRef>
+            <a:effectRef idx="0">
+              <a:schemeClr val="accent3"/>
+            </a:effectRef>
+            <a:fontRef idx="minor">
+              <a:schemeClr val="lt1"/>
+            </a:fontRef>
+          </p:style>
+          <p:txBody>
+            <a:bodyPr lIns="0" tIns="0" rIns="0" bIns="0" rtlCol="0" anchor="ctr"/>
+            <a:lstStyle/>
+            <a:p>
+              <a:pPr algn="ctr"/>
+              <a:r>
+                <a:rPr lang="ko-KR" altLang="en-US" sz="1400" dirty="0" smtClean="0"/>
+                <a:t>재고 위치 정보</a:t>
+              </a:r>
+              <a:endParaRPr lang="ko-KR" altLang="en-US" sz="1400" dirty="0"/>
+            </a:p>
+          </p:txBody>
+        </p:sp>
+        <p:sp>
+          <p:nvSpPr>
+            <p:cNvPr id="14" name="순서도: 처리 13"/>
+            <p:cNvSpPr/>
+            <p:nvPr/>
+          </p:nvSpPr>
+          <p:spPr>
+            <a:xfrm>
+              <a:off x="2166641" y="565500"/>
+              <a:ext cx="1313410" cy="594359"/>
+            </a:xfrm>
+            <a:prstGeom prst="flowChartProcess">
+              <a:avLst/>
+            </a:prstGeom>
+          </p:spPr>
+          <p:style>
+            <a:lnRef idx="2">
+              <a:schemeClr val="accent2">
+                <a:shade val="50000"/>
+              </a:schemeClr>
+            </a:lnRef>
+            <a:fillRef idx="1">
+              <a:schemeClr val="accent2"/>
+            </a:fillRef>
+            <a:effectRef idx="0">
+              <a:schemeClr val="accent2"/>
+            </a:effectRef>
+            <a:fontRef idx="minor">
+              <a:schemeClr val="lt1"/>
+            </a:fontRef>
+          </p:style>
+          <p:txBody>
+            <a:bodyPr lIns="0" tIns="0" rIns="0" bIns="0" rtlCol="0" anchor="ctr"/>
+            <a:lstStyle/>
+            <a:p>
+              <a:pPr algn="ctr"/>
+              <a:r>
+                <a:rPr lang="ko-KR" altLang="en-US" sz="1400" dirty="0" smtClean="0"/>
+                <a:t>초기화</a:t>
+              </a:r>
+              <a:endParaRPr lang="ko-KR" altLang="en-US" sz="1400" dirty="0"/>
+            </a:p>
+          </p:txBody>
+        </p:sp>
+        <p:cxnSp>
+          <p:nvCxnSpPr>
+            <p:cNvPr id="15" name="직선 화살표 연결선 14"/>
+            <p:cNvCxnSpPr>
+              <a:stCxn id="5" idx="3"/>
+              <a:endCxn id="14" idx="1"/>
+            </p:cNvCxnSpPr>
+            <p:nvPr/>
+          </p:nvCxnSpPr>
+          <p:spPr>
+            <a:xfrm flipV="1">
+              <a:off x="1637603" y="862680"/>
+              <a:ext cx="529038" cy="7295"/>
+            </a:xfrm>
+            <a:prstGeom prst="straightConnector1">
+              <a:avLst/>
+            </a:prstGeom>
+            <a:ln w="31750">
+              <a:solidFill>
+                <a:schemeClr val="tx1"/>
+              </a:solidFill>
+              <a:headEnd w="lg" len="med"/>
+              <a:tailEnd type="triangle" w="lg" len="med"/>
+            </a:ln>
+          </p:spPr>
+          <p:style>
+            <a:lnRef idx="1">
+              <a:schemeClr val="accent1"/>
+            </a:lnRef>
+            <a:fillRef idx="0">
+              <a:schemeClr val="accent1"/>
+            </a:fillRef>
+            <a:effectRef idx="0">
+              <a:schemeClr val="accent1"/>
+            </a:effectRef>
+            <a:fontRef idx="minor">
+              <a:schemeClr val="tx1"/>
+            </a:fontRef>
+          </p:style>
+        </p:cxnSp>
+        <p:cxnSp>
+          <p:nvCxnSpPr>
+            <p:cNvPr id="16" name="직선 화살표 연결선 15"/>
+            <p:cNvCxnSpPr>
+              <a:stCxn id="14" idx="3"/>
+              <a:endCxn id="6" idx="1"/>
+            </p:cNvCxnSpPr>
+            <p:nvPr/>
+          </p:nvCxnSpPr>
+          <p:spPr>
+            <a:xfrm>
+              <a:off x="3480051" y="862680"/>
+              <a:ext cx="527029" cy="0"/>
+            </a:xfrm>
+            <a:prstGeom prst="straightConnector1">
+              <a:avLst/>
+            </a:prstGeom>
+            <a:ln w="31750">
+              <a:solidFill>
+                <a:schemeClr val="accent2"/>
+              </a:solidFill>
+              <a:headEnd w="lg" len="med"/>
+              <a:tailEnd type="triangle" w="lg" len="med"/>
+            </a:ln>
+          </p:spPr>
+          <p:style>
+            <a:lnRef idx="1">
+              <a:schemeClr val="accent1"/>
+            </a:lnRef>
+            <a:fillRef idx="0">
+              <a:schemeClr val="accent1"/>
+            </a:fillRef>
+            <a:effectRef idx="0">
+              <a:schemeClr val="accent1"/>
+            </a:effectRef>
+            <a:fontRef idx="minor">
+              <a:schemeClr val="tx1"/>
+            </a:fontRef>
+          </p:style>
+        </p:cxnSp>
+        <p:cxnSp>
+          <p:nvCxnSpPr>
+            <p:cNvPr id="17" name="꺾인 연결선 16"/>
+            <p:cNvCxnSpPr>
+              <a:stCxn id="6" idx="2"/>
+              <a:endCxn id="8" idx="1"/>
+            </p:cNvCxnSpPr>
+            <p:nvPr/>
+          </p:nvCxnSpPr>
+          <p:spPr>
+            <a:xfrm rot="5400000">
+              <a:off x="2234853" y="-94093"/>
+              <a:ext cx="1174981" cy="3682885"/>
+            </a:xfrm>
+            <a:prstGeom prst="bentConnector3">
+              <a:avLst>
+                <a:gd name="adj1" fmla="val 24059"/>
+              </a:avLst>
+            </a:prstGeom>
+            <a:ln w="31750">
+              <a:solidFill>
+                <a:schemeClr val="accent2"/>
+              </a:solidFill>
+              <a:headEnd w="lg" len="med"/>
+              <a:tailEnd type="triangle" w="lg" len="med"/>
+            </a:ln>
+          </p:spPr>
+          <p:style>
+            <a:lnRef idx="1">
+              <a:schemeClr val="accent1"/>
+            </a:lnRef>
+            <a:fillRef idx="0">
+              <a:schemeClr val="accent1"/>
+            </a:fillRef>
+            <a:effectRef idx="0">
+              <a:schemeClr val="accent1"/>
+            </a:effectRef>
+            <a:fontRef idx="minor">
+              <a:schemeClr val="tx1"/>
+            </a:fontRef>
+          </p:style>
+        </p:cxnSp>
+        <p:cxnSp>
+          <p:nvCxnSpPr>
+            <p:cNvPr id="18" name="꺾인 연결선 17"/>
+            <p:cNvCxnSpPr>
+              <a:stCxn id="6" idx="2"/>
+              <a:endCxn id="9" idx="0"/>
+            </p:cNvCxnSpPr>
+            <p:nvPr/>
+          </p:nvCxnSpPr>
+          <p:spPr>
+            <a:xfrm rot="16200000" flipH="1">
+              <a:off x="5908247" y="-84604"/>
+              <a:ext cx="1174981" cy="3663905"/>
+            </a:xfrm>
+            <a:prstGeom prst="bentConnector3">
+              <a:avLst>
+                <a:gd name="adj1" fmla="val 24059"/>
+              </a:avLst>
+            </a:prstGeom>
+            <a:ln w="31750">
+              <a:solidFill>
+                <a:schemeClr val="accent2"/>
+              </a:solidFill>
+              <a:headEnd w="lg" len="med"/>
+              <a:tailEnd type="triangle" w="lg" len="med"/>
+            </a:ln>
+          </p:spPr>
+          <p:style>
+            <a:lnRef idx="1">
+              <a:schemeClr val="accent1"/>
+            </a:lnRef>
+            <a:fillRef idx="0">
+              <a:schemeClr val="accent1"/>
+            </a:fillRef>
+            <a:effectRef idx="0">
+              <a:schemeClr val="accent1"/>
+            </a:effectRef>
+            <a:fontRef idx="minor">
+              <a:schemeClr val="tx1"/>
+            </a:fontRef>
+          </p:style>
+        </p:cxnSp>
+        <p:cxnSp>
+          <p:nvCxnSpPr>
+            <p:cNvPr id="19" name="꺾인 연결선 18"/>
+            <p:cNvCxnSpPr>
+              <a:stCxn id="8" idx="4"/>
+              <a:endCxn id="10" idx="3"/>
+            </p:cNvCxnSpPr>
+            <p:nvPr/>
+          </p:nvCxnSpPr>
+          <p:spPr>
+            <a:xfrm rot="5400000" flipH="1" flipV="1">
+              <a:off x="1495512" y="1600290"/>
+              <a:ext cx="812217" cy="1841442"/>
+            </a:xfrm>
+            <a:prstGeom prst="bentConnector3">
+              <a:avLst>
+                <a:gd name="adj1" fmla="val -6567"/>
+              </a:avLst>
+            </a:prstGeom>
+            <a:ln w="31750">
+              <a:solidFill>
+                <a:schemeClr val="tx1">
+                  <a:lumMod val="50000"/>
+                  <a:lumOff val="50000"/>
+                </a:schemeClr>
+              </a:solidFill>
+              <a:headEnd w="lg" len="med"/>
+              <a:tailEnd type="triangle" w="lg" len="med"/>
+            </a:ln>
+          </p:spPr>
+          <p:style>
+            <a:lnRef idx="1">
+              <a:schemeClr val="accent1"/>
+            </a:lnRef>
+            <a:fillRef idx="0">
+              <a:schemeClr val="accent1"/>
+            </a:fillRef>
+            <a:effectRef idx="0">
+              <a:schemeClr val="accent1"/>
+            </a:effectRef>
+            <a:fontRef idx="minor">
+              <a:schemeClr val="tx1"/>
+            </a:fontRef>
+          </p:style>
+        </p:cxnSp>
+        <p:cxnSp>
+          <p:nvCxnSpPr>
+            <p:cNvPr id="20" name="직선 화살표 연결선 19"/>
+            <p:cNvCxnSpPr>
+              <a:stCxn id="8" idx="4"/>
+              <a:endCxn id="11" idx="0"/>
+            </p:cNvCxnSpPr>
+            <p:nvPr/>
+          </p:nvCxnSpPr>
+          <p:spPr>
+            <a:xfrm>
+              <a:off x="980900" y="2927119"/>
+              <a:ext cx="0" cy="247305"/>
+            </a:xfrm>
+            <a:prstGeom prst="straightConnector1">
+              <a:avLst/>
+            </a:prstGeom>
+            <a:ln w="31750">
+              <a:solidFill>
+                <a:schemeClr val="tx1">
+                  <a:lumMod val="50000"/>
+                  <a:lumOff val="50000"/>
+                </a:schemeClr>
+              </a:solidFill>
+              <a:tailEnd type="triangle" w="lg" len="med"/>
+            </a:ln>
+          </p:spPr>
+          <p:style>
+            <a:lnRef idx="1">
+              <a:schemeClr val="accent1"/>
+            </a:lnRef>
+            <a:fillRef idx="0">
+              <a:schemeClr val="accent1"/>
+            </a:fillRef>
+            <a:effectRef idx="0">
+              <a:schemeClr val="accent1"/>
+            </a:effectRef>
+            <a:fontRef idx="minor">
+              <a:schemeClr val="tx1"/>
+            </a:fontRef>
+          </p:style>
+        </p:cxnSp>
+        <p:cxnSp>
+          <p:nvCxnSpPr>
+            <p:cNvPr id="21" name="직선 화살표 연결선 20"/>
+            <p:cNvCxnSpPr>
+              <a:stCxn id="9" idx="4"/>
+              <a:endCxn id="26" idx="1"/>
+            </p:cNvCxnSpPr>
+            <p:nvPr/>
+          </p:nvCxnSpPr>
+          <p:spPr>
+            <a:xfrm>
+              <a:off x="8196349" y="2927119"/>
+              <a:ext cx="0" cy="1074280"/>
+            </a:xfrm>
+            <a:prstGeom prst="straightConnector1">
+              <a:avLst/>
+            </a:prstGeom>
+            <a:ln w="31750">
+              <a:solidFill>
+                <a:schemeClr val="tx1">
+                  <a:lumMod val="50000"/>
+                  <a:lumOff val="50000"/>
+                </a:schemeClr>
+              </a:solidFill>
+              <a:headEnd w="lg" len="med"/>
+              <a:tailEnd type="triangle" w="lg" len="med"/>
+            </a:ln>
+          </p:spPr>
+          <p:style>
+            <a:lnRef idx="1">
+              <a:schemeClr val="accent1"/>
+            </a:lnRef>
+            <a:fillRef idx="0">
+              <a:schemeClr val="accent1"/>
+            </a:fillRef>
+            <a:effectRef idx="0">
+              <a:schemeClr val="accent1"/>
+            </a:effectRef>
+            <a:fontRef idx="minor">
+              <a:schemeClr val="tx1"/>
+            </a:fontRef>
+          </p:style>
+        </p:cxnSp>
+        <p:sp>
+          <p:nvSpPr>
+            <p:cNvPr id="22" name="순서도: 처리 21"/>
+            <p:cNvSpPr/>
+            <p:nvPr/>
+          </p:nvSpPr>
+          <p:spPr>
+            <a:xfrm>
+              <a:off x="5773361" y="3388332"/>
+              <a:ext cx="1313410" cy="594359"/>
+            </a:xfrm>
+            <a:prstGeom prst="flowChartProcess">
+              <a:avLst/>
+            </a:prstGeom>
+          </p:spPr>
+          <p:style>
+            <a:lnRef idx="2">
+              <a:schemeClr val="accent3">
+                <a:shade val="50000"/>
+              </a:schemeClr>
+            </a:lnRef>
+            <a:fillRef idx="1">
+              <a:schemeClr val="accent3"/>
+            </a:fillRef>
+            <a:effectRef idx="0">
+              <a:schemeClr val="accent3"/>
+            </a:effectRef>
+            <a:fontRef idx="minor">
+              <a:schemeClr val="lt1"/>
+            </a:fontRef>
+          </p:style>
+          <p:txBody>
+            <a:bodyPr lIns="0" tIns="0" rIns="0" bIns="0" rtlCol="0" anchor="ctr"/>
+            <a:lstStyle/>
+            <a:p>
+              <a:pPr algn="ctr"/>
+              <a:r>
+                <a:rPr lang="ko-KR" altLang="en-US" sz="1400" dirty="0" smtClean="0"/>
+                <a:t>데이터 </a:t>
+              </a:r>
+              <a:endParaRPr lang="en-US" altLang="ko-KR" sz="1400" dirty="0" smtClean="0"/>
+            </a:p>
+            <a:p>
+              <a:pPr algn="ctr"/>
+              <a:r>
+                <a:rPr lang="ko-KR" altLang="en-US" sz="1400" dirty="0" smtClean="0"/>
+                <a:t>갱신</a:t>
+              </a:r>
+              <a:endParaRPr lang="ko-KR" altLang="en-US" sz="1400" dirty="0"/>
+            </a:p>
+          </p:txBody>
+        </p:sp>
+        <p:cxnSp>
+          <p:nvCxnSpPr>
+            <p:cNvPr id="23" name="직선 화살표 연결선 22"/>
+            <p:cNvCxnSpPr>
+              <a:stCxn id="7" idx="2"/>
+              <a:endCxn id="12" idx="0"/>
+            </p:cNvCxnSpPr>
+            <p:nvPr/>
+          </p:nvCxnSpPr>
+          <p:spPr>
+            <a:xfrm flipH="1">
+              <a:off x="4663784" y="4808919"/>
+              <a:ext cx="1" cy="200307"/>
+            </a:xfrm>
+            <a:prstGeom prst="straightConnector1">
+              <a:avLst/>
+            </a:prstGeom>
+            <a:ln w="31750">
+              <a:solidFill>
+                <a:schemeClr val="accent4"/>
+              </a:solidFill>
+              <a:headEnd w="lg" len="med"/>
+              <a:tailEnd type="triangle" w="lg" len="med"/>
+            </a:ln>
+          </p:spPr>
+          <p:style>
+            <a:lnRef idx="1">
+              <a:schemeClr val="accent1"/>
+            </a:lnRef>
+            <a:fillRef idx="0">
+              <a:schemeClr val="accent1"/>
+            </a:fillRef>
+            <a:effectRef idx="0">
+              <a:schemeClr val="accent1"/>
+            </a:effectRef>
+            <a:fontRef idx="minor">
+              <a:schemeClr val="tx1"/>
+            </a:fontRef>
+          </p:style>
+        </p:cxnSp>
+        <p:cxnSp>
+          <p:nvCxnSpPr>
+            <p:cNvPr id="24" name="꺾인 연결선 23"/>
+            <p:cNvCxnSpPr>
+              <a:stCxn id="26" idx="4"/>
+              <a:endCxn id="7" idx="0"/>
+            </p:cNvCxnSpPr>
+            <p:nvPr/>
+          </p:nvCxnSpPr>
+          <p:spPr>
+            <a:xfrm rot="5400000" flipH="1">
+              <a:off x="6240508" y="2637837"/>
+              <a:ext cx="379118" cy="3532564"/>
+            </a:xfrm>
+            <a:prstGeom prst="bentConnector5">
+              <a:avLst>
+                <a:gd name="adj1" fmla="val -60298"/>
+                <a:gd name="adj2" fmla="val 75453"/>
+                <a:gd name="adj3" fmla="val 134169"/>
+              </a:avLst>
+            </a:prstGeom>
+            <a:ln w="31750">
+              <a:solidFill>
+                <a:schemeClr val="accent4"/>
+              </a:solidFill>
+              <a:headEnd w="lg" len="med"/>
+              <a:tailEnd type="triangle" w="lg" len="med"/>
+            </a:ln>
+          </p:spPr>
+          <p:style>
+            <a:lnRef idx="1">
+              <a:schemeClr val="accent1"/>
+            </a:lnRef>
+            <a:fillRef idx="0">
+              <a:schemeClr val="accent1"/>
+            </a:fillRef>
+            <a:effectRef idx="0">
+              <a:schemeClr val="accent1"/>
+            </a:effectRef>
+            <a:fontRef idx="minor">
+              <a:schemeClr val="tx1"/>
+            </a:fontRef>
+          </p:style>
+        </p:cxnSp>
+        <p:sp>
+          <p:nvSpPr>
+            <p:cNvPr id="25" name="순서도: 데이터 24"/>
+            <p:cNvSpPr/>
+            <p:nvPr/>
+          </p:nvSpPr>
+          <p:spPr>
+            <a:xfrm>
+              <a:off x="324195" y="4001399"/>
+              <a:ext cx="1313410" cy="592279"/>
+            </a:xfrm>
+            <a:prstGeom prst="flowChartInputOutput">
+              <a:avLst/>
+            </a:prstGeom>
+          </p:spPr>
+          <p:style>
+            <a:lnRef idx="2">
+              <a:schemeClr val="accent4">
+                <a:shade val="50000"/>
+              </a:schemeClr>
+            </a:lnRef>
+            <a:fillRef idx="1">
+              <a:schemeClr val="accent4"/>
+            </a:fillRef>
+            <a:effectRef idx="0">
+              <a:schemeClr val="accent4"/>
+            </a:effectRef>
+            <a:fontRef idx="minor">
+              <a:schemeClr val="lt1"/>
+            </a:fontRef>
+          </p:style>
+          <p:txBody>
+            <a:bodyPr lIns="0" tIns="0" rIns="0" bIns="0" rtlCol="0" anchor="ctr"/>
+            <a:lstStyle/>
+            <a:p>
+              <a:pPr algn="ctr"/>
+              <a:r>
+                <a:rPr lang="ko-KR" altLang="en-US" sz="1400" dirty="0" smtClean="0"/>
+                <a:t>배치 가능 </a:t>
+              </a:r>
+              <a:endParaRPr lang="en-US" altLang="ko-KR" sz="1400" dirty="0" smtClean="0"/>
+            </a:p>
+            <a:p>
+              <a:pPr algn="ctr"/>
+              <a:r>
+                <a:rPr lang="ko-KR" altLang="en-US" sz="1400" dirty="0" smtClean="0"/>
+                <a:t>여부</a:t>
+              </a:r>
+              <a:endParaRPr lang="ko-KR" altLang="en-US" sz="1400" dirty="0"/>
+            </a:p>
+          </p:txBody>
+        </p:sp>
+        <p:sp>
+          <p:nvSpPr>
+            <p:cNvPr id="26" name="순서도: 데이터 25"/>
+            <p:cNvSpPr/>
+            <p:nvPr/>
+          </p:nvSpPr>
+          <p:spPr>
+            <a:xfrm>
+              <a:off x="7539644" y="4001399"/>
+              <a:ext cx="1313410" cy="592279"/>
+            </a:xfrm>
+            <a:prstGeom prst="flowChartInputOutput">
+              <a:avLst/>
+            </a:prstGeom>
+          </p:spPr>
+          <p:style>
+            <a:lnRef idx="2">
+              <a:schemeClr val="accent4">
+                <a:shade val="50000"/>
+              </a:schemeClr>
+            </a:lnRef>
+            <a:fillRef idx="1">
+              <a:schemeClr val="accent4"/>
+            </a:fillRef>
+            <a:effectRef idx="0">
+              <a:schemeClr val="accent4"/>
+            </a:effectRef>
+            <a:fontRef idx="minor">
+              <a:schemeClr val="lt1"/>
+            </a:fontRef>
+          </p:style>
+          <p:txBody>
+            <a:bodyPr lIns="0" tIns="0" rIns="0" bIns="0" rtlCol="0" anchor="ctr"/>
+            <a:lstStyle/>
+            <a:p>
+              <a:pPr algn="ctr"/>
+              <a:r>
+                <a:rPr lang="ko-KR" altLang="en-US" sz="1400" dirty="0" smtClean="0"/>
+                <a:t>픽업 가능 </a:t>
+              </a:r>
+              <a:endParaRPr lang="en-US" altLang="ko-KR" sz="1400" dirty="0" smtClean="0"/>
+            </a:p>
+            <a:p>
+              <a:pPr algn="ctr"/>
+              <a:r>
+                <a:rPr lang="ko-KR" altLang="en-US" sz="1400" dirty="0" smtClean="0"/>
+                <a:t>여부</a:t>
+              </a:r>
+              <a:endParaRPr lang="ko-KR" altLang="en-US" sz="1400" dirty="0"/>
+            </a:p>
+          </p:txBody>
+        </p:sp>
+        <p:sp>
+          <p:nvSpPr>
+            <p:cNvPr id="27" name="순서도: 처리 26"/>
+            <p:cNvSpPr/>
+            <p:nvPr/>
+          </p:nvSpPr>
+          <p:spPr>
+            <a:xfrm>
+              <a:off x="4007080" y="3388333"/>
+              <a:ext cx="1313410" cy="594359"/>
+            </a:xfrm>
+            <a:prstGeom prst="flowChartProcess">
+              <a:avLst/>
+            </a:prstGeom>
+            <a:solidFill>
+              <a:srgbClr val="FF9900"/>
+            </a:solidFill>
+          </p:spPr>
+          <p:style>
+            <a:lnRef idx="2">
+              <a:schemeClr val="accent4">
+                <a:shade val="50000"/>
+              </a:schemeClr>
+            </a:lnRef>
+            <a:fillRef idx="1">
+              <a:schemeClr val="accent4"/>
+            </a:fillRef>
+            <a:effectRef idx="0">
+              <a:schemeClr val="accent4"/>
+            </a:effectRef>
+            <a:fontRef idx="minor">
+              <a:schemeClr val="lt1"/>
+            </a:fontRef>
+          </p:style>
+          <p:txBody>
+            <a:bodyPr lIns="0" tIns="0" rIns="0" bIns="0" rtlCol="0" anchor="ctr"/>
+            <a:lstStyle/>
+            <a:p>
+              <a:pPr algn="ctr"/>
+              <a:r>
+                <a:rPr lang="ko-KR" altLang="en-US" sz="1400" dirty="0" smtClean="0"/>
+                <a:t>재고 정리</a:t>
+              </a:r>
+              <a:endParaRPr lang="ko-KR" altLang="en-US" sz="1400" dirty="0"/>
+            </a:p>
+          </p:txBody>
+        </p:sp>
+        <p:cxnSp>
+          <p:nvCxnSpPr>
+            <p:cNvPr id="28" name="꺾인 연결선 27"/>
+            <p:cNvCxnSpPr>
+              <a:stCxn id="12" idx="2"/>
+              <a:endCxn id="22" idx="2"/>
+            </p:cNvCxnSpPr>
+            <p:nvPr/>
+          </p:nvCxnSpPr>
+          <p:spPr>
+            <a:xfrm rot="5400000" flipH="1" flipV="1">
+              <a:off x="4736478" y="3909997"/>
+              <a:ext cx="1620894" cy="1766282"/>
+            </a:xfrm>
+            <a:prstGeom prst="bentConnector3">
+              <a:avLst>
+                <a:gd name="adj1" fmla="val -3333"/>
+              </a:avLst>
+            </a:prstGeom>
+            <a:ln w="31750">
+              <a:headEnd w="lg" len="med"/>
+              <a:tailEnd type="triangle" w="lg" len="med"/>
+            </a:ln>
+          </p:spPr>
+          <p:style>
+            <a:lnRef idx="2">
+              <a:schemeClr val="accent5"/>
+            </a:lnRef>
+            <a:fillRef idx="0">
+              <a:schemeClr val="accent5"/>
+            </a:fillRef>
+            <a:effectRef idx="1">
+              <a:schemeClr val="accent5"/>
+            </a:effectRef>
+            <a:fontRef idx="minor">
+              <a:schemeClr val="tx1"/>
+            </a:fontRef>
+          </p:style>
+        </p:cxnSp>
+        <p:cxnSp>
+          <p:nvCxnSpPr>
+            <p:cNvPr id="29" name="꺾인 연결선 28"/>
+            <p:cNvCxnSpPr>
+              <a:stCxn id="26" idx="2"/>
+              <a:endCxn id="27" idx="0"/>
+            </p:cNvCxnSpPr>
+            <p:nvPr/>
+          </p:nvCxnSpPr>
+          <p:spPr>
+            <a:xfrm rot="10800000">
+              <a:off x="4663785" y="3388333"/>
+              <a:ext cx="3007200" cy="909206"/>
+            </a:xfrm>
+            <a:prstGeom prst="bentConnector4">
+              <a:avLst>
+                <a:gd name="adj1" fmla="val 14599"/>
+                <a:gd name="adj2" fmla="val 125143"/>
+              </a:avLst>
+            </a:prstGeom>
+            <a:ln w="31750">
+              <a:solidFill>
+                <a:schemeClr val="accent4"/>
+              </a:solidFill>
+              <a:headEnd w="lg" len="med"/>
+              <a:tailEnd type="triangle" w="lg" len="med"/>
+            </a:ln>
+          </p:spPr>
+          <p:style>
+            <a:lnRef idx="1">
+              <a:schemeClr val="accent1"/>
+            </a:lnRef>
+            <a:fillRef idx="0">
+              <a:schemeClr val="accent1"/>
+            </a:fillRef>
+            <a:effectRef idx="0">
+              <a:schemeClr val="accent1"/>
+            </a:effectRef>
+            <a:fontRef idx="minor">
+              <a:schemeClr val="tx1"/>
+            </a:fontRef>
+          </p:style>
+        </p:cxnSp>
+        <p:cxnSp>
+          <p:nvCxnSpPr>
+            <p:cNvPr id="30" name="직선 화살표 연결선 29"/>
+            <p:cNvCxnSpPr>
+              <a:stCxn id="27" idx="3"/>
+              <a:endCxn id="22" idx="1"/>
+            </p:cNvCxnSpPr>
+            <p:nvPr/>
+          </p:nvCxnSpPr>
+          <p:spPr>
+            <a:xfrm flipV="1">
+              <a:off x="5320490" y="3685512"/>
+              <a:ext cx="452871" cy="1"/>
+            </a:xfrm>
+            <a:prstGeom prst="straightConnector1">
+              <a:avLst/>
+            </a:prstGeom>
+            <a:ln w="31750">
+              <a:solidFill>
+                <a:schemeClr val="accent4"/>
+              </a:solidFill>
+              <a:headEnd w="lg" len="med"/>
+              <a:tailEnd type="triangle" w="lg" len="med"/>
+            </a:ln>
+          </p:spPr>
+          <p:style>
+            <a:lnRef idx="1">
+              <a:schemeClr val="accent1"/>
+            </a:lnRef>
+            <a:fillRef idx="0">
+              <a:schemeClr val="accent1"/>
+            </a:fillRef>
+            <a:effectRef idx="0">
+              <a:schemeClr val="accent1"/>
+            </a:effectRef>
+            <a:fontRef idx="minor">
+              <a:schemeClr val="tx1"/>
+            </a:fontRef>
+          </p:style>
+        </p:cxnSp>
+        <p:cxnSp>
+          <p:nvCxnSpPr>
+            <p:cNvPr id="31" name="꺾인 연결선 30"/>
+            <p:cNvCxnSpPr>
+              <a:stCxn id="25" idx="5"/>
+              <a:endCxn id="27" idx="0"/>
+            </p:cNvCxnSpPr>
+            <p:nvPr/>
+          </p:nvCxnSpPr>
+          <p:spPr>
+            <a:xfrm flipV="1">
+              <a:off x="1506264" y="3388333"/>
+              <a:ext cx="3157521" cy="909206"/>
+            </a:xfrm>
+            <a:prstGeom prst="bentConnector4">
+              <a:avLst>
+                <a:gd name="adj1" fmla="val 23042"/>
+                <a:gd name="adj2" fmla="val 125143"/>
+              </a:avLst>
+            </a:prstGeom>
+            <a:ln w="31750">
+              <a:solidFill>
+                <a:schemeClr val="accent4"/>
+              </a:solidFill>
+              <a:headEnd w="lg" len="med"/>
+              <a:tailEnd type="triangle" w="lg" len="med"/>
+            </a:ln>
+          </p:spPr>
+          <p:style>
+            <a:lnRef idx="1">
+              <a:schemeClr val="accent1"/>
+            </a:lnRef>
+            <a:fillRef idx="0">
+              <a:schemeClr val="accent1"/>
+            </a:fillRef>
+            <a:effectRef idx="0">
+              <a:schemeClr val="accent1"/>
+            </a:effectRef>
+            <a:fontRef idx="minor">
+              <a:schemeClr val="tx1"/>
+            </a:fontRef>
+          </p:style>
+        </p:cxnSp>
+        <p:cxnSp>
+          <p:nvCxnSpPr>
+            <p:cNvPr id="32" name="직선 화살표 연결선 31"/>
+            <p:cNvCxnSpPr>
+              <a:stCxn id="22" idx="0"/>
+              <a:endCxn id="13" idx="3"/>
+            </p:cNvCxnSpPr>
+            <p:nvPr/>
+          </p:nvCxnSpPr>
+          <p:spPr>
+            <a:xfrm flipV="1">
+              <a:off x="6430066" y="2114902"/>
+              <a:ext cx="0" cy="1273430"/>
+            </a:xfrm>
+            <a:prstGeom prst="straightConnector1">
+              <a:avLst/>
+            </a:prstGeom>
+            <a:ln w="31750">
+              <a:solidFill>
+                <a:schemeClr val="tx1">
+                  <a:lumMod val="50000"/>
+                  <a:lumOff val="50000"/>
+                </a:schemeClr>
+              </a:solidFill>
+              <a:headEnd w="lg" len="med"/>
+              <a:tailEnd type="triangle" w="lg" len="med"/>
+            </a:ln>
+          </p:spPr>
+          <p:style>
+            <a:lnRef idx="1">
+              <a:schemeClr val="accent1"/>
+            </a:lnRef>
+            <a:fillRef idx="0">
+              <a:schemeClr val="accent1"/>
+            </a:fillRef>
+            <a:effectRef idx="0">
+              <a:schemeClr val="accent1"/>
+            </a:effectRef>
+            <a:fontRef idx="minor">
+              <a:schemeClr val="tx1"/>
+            </a:fontRef>
+          </p:style>
+        </p:cxnSp>
+        <p:cxnSp>
+          <p:nvCxnSpPr>
+            <p:cNvPr id="33" name="꺾인 연결선 32"/>
+            <p:cNvCxnSpPr>
+              <a:stCxn id="25" idx="4"/>
+              <a:endCxn id="7" idx="0"/>
+            </p:cNvCxnSpPr>
+            <p:nvPr/>
+          </p:nvCxnSpPr>
+          <p:spPr>
+            <a:xfrm rot="5400000" flipH="1" flipV="1">
+              <a:off x="2632783" y="2562676"/>
+              <a:ext cx="379118" cy="3682885"/>
+            </a:xfrm>
+            <a:prstGeom prst="bentConnector5">
+              <a:avLst>
+                <a:gd name="adj1" fmla="val -60298"/>
+                <a:gd name="adj2" fmla="val 75035"/>
+                <a:gd name="adj3" fmla="val 132158"/>
+              </a:avLst>
+            </a:prstGeom>
+            <a:ln w="31750">
+              <a:solidFill>
+                <a:schemeClr val="accent4"/>
+              </a:solidFill>
+              <a:headEnd w="lg" len="med"/>
+              <a:tailEnd type="triangle" w="lg" len="med"/>
+            </a:ln>
+          </p:spPr>
+          <p:style>
+            <a:lnRef idx="1">
+              <a:schemeClr val="accent1"/>
+            </a:lnRef>
+            <a:fillRef idx="0">
+              <a:schemeClr val="accent1"/>
+            </a:fillRef>
+            <a:effectRef idx="0">
+              <a:schemeClr val="accent1"/>
+            </a:effectRef>
+            <a:fontRef idx="minor">
+              <a:schemeClr val="tx1"/>
+            </a:fontRef>
+          </p:style>
+        </p:cxnSp>
+        <p:cxnSp>
+          <p:nvCxnSpPr>
+            <p:cNvPr id="34" name="직선 화살표 연결선 33"/>
+            <p:cNvCxnSpPr>
+              <a:stCxn id="11" idx="2"/>
+              <a:endCxn id="25" idx="1"/>
+            </p:cNvCxnSpPr>
+            <p:nvPr/>
+          </p:nvCxnSpPr>
+          <p:spPr>
+            <a:xfrm>
+              <a:off x="980900" y="3768783"/>
+              <a:ext cx="0" cy="232616"/>
+            </a:xfrm>
+            <a:prstGeom prst="straightConnector1">
+              <a:avLst/>
+            </a:prstGeom>
+            <a:ln w="31750">
+              <a:solidFill>
+                <a:schemeClr val="accent4"/>
+              </a:solidFill>
+              <a:headEnd w="lg" len="med"/>
+              <a:tailEnd type="triangle" w="lg" len="med"/>
+            </a:ln>
+          </p:spPr>
+          <p:style>
+            <a:lnRef idx="1">
+              <a:schemeClr val="accent1"/>
+            </a:lnRef>
+            <a:fillRef idx="0">
+              <a:schemeClr val="accent1"/>
+            </a:fillRef>
+            <a:effectRef idx="0">
+              <a:schemeClr val="accent1"/>
+            </a:effectRef>
+            <a:fontRef idx="minor">
+              <a:schemeClr val="tx1"/>
+            </a:fontRef>
+          </p:style>
+        </p:cxnSp>
+        <p:cxnSp>
+          <p:nvCxnSpPr>
+            <p:cNvPr id="35" name="직선 화살표 연결선 34"/>
+            <p:cNvCxnSpPr>
+              <a:stCxn id="27" idx="2"/>
+              <a:endCxn id="7" idx="0"/>
+            </p:cNvCxnSpPr>
+            <p:nvPr/>
+          </p:nvCxnSpPr>
+          <p:spPr>
+            <a:xfrm>
+              <a:off x="4663785" y="3982692"/>
+              <a:ext cx="0" cy="231868"/>
+            </a:xfrm>
+            <a:prstGeom prst="straightConnector1">
+              <a:avLst/>
+            </a:prstGeom>
+            <a:ln w="31750">
+              <a:solidFill>
+                <a:srgbClr val="FF9900"/>
+              </a:solidFill>
+              <a:headEnd w="lg" len="med"/>
+              <a:tailEnd type="triangle" w="lg" len="med"/>
+            </a:ln>
+          </p:spPr>
+          <p:style>
+            <a:lnRef idx="1">
+              <a:schemeClr val="accent1"/>
+            </a:lnRef>
+            <a:fillRef idx="0">
+              <a:schemeClr val="accent1"/>
+            </a:fillRef>
+            <a:effectRef idx="0">
+              <a:schemeClr val="accent1"/>
+            </a:effectRef>
+            <a:fontRef idx="minor">
+              <a:schemeClr val="tx1"/>
+            </a:fontRef>
+          </p:style>
+        </p:cxnSp>
+        <p:cxnSp>
+          <p:nvCxnSpPr>
+            <p:cNvPr id="36" name="직선 화살표 연결선 35"/>
+            <p:cNvCxnSpPr>
+              <a:stCxn id="13" idx="2"/>
+              <a:endCxn id="10" idx="4"/>
+            </p:cNvCxnSpPr>
+            <p:nvPr/>
+          </p:nvCxnSpPr>
+          <p:spPr>
+            <a:xfrm flipH="1">
+              <a:off x="3479047" y="1818763"/>
+              <a:ext cx="2294314" cy="0"/>
+            </a:xfrm>
+            <a:prstGeom prst="straightConnector1">
+              <a:avLst/>
+            </a:prstGeom>
+            <a:ln w="31750">
+              <a:solidFill>
+                <a:schemeClr val="tx1">
+                  <a:lumMod val="50000"/>
+                  <a:lumOff val="50000"/>
+                </a:schemeClr>
+              </a:solidFill>
+              <a:tailEnd type="triangle" w="lg" len="med"/>
+            </a:ln>
+          </p:spPr>
+          <p:style>
+            <a:lnRef idx="1">
+              <a:schemeClr val="accent1"/>
+            </a:lnRef>
+            <a:fillRef idx="0">
+              <a:schemeClr val="accent1"/>
+            </a:fillRef>
+            <a:effectRef idx="0">
+              <a:schemeClr val="accent1"/>
+            </a:effectRef>
+            <a:fontRef idx="minor">
+              <a:schemeClr val="tx1"/>
+            </a:fontRef>
+          </p:style>
+        </p:cxnSp>
+        <p:cxnSp>
+          <p:nvCxnSpPr>
+            <p:cNvPr id="37" name="꺾인 연결선 36"/>
+            <p:cNvCxnSpPr>
+              <a:stCxn id="13" idx="4"/>
+              <a:endCxn id="9" idx="1"/>
+            </p:cNvCxnSpPr>
+            <p:nvPr/>
+          </p:nvCxnSpPr>
+          <p:spPr>
+            <a:xfrm>
+              <a:off x="7086771" y="1818763"/>
+              <a:ext cx="1109578" cy="516077"/>
+            </a:xfrm>
+            <a:prstGeom prst="bentConnector2">
+              <a:avLst/>
+            </a:prstGeom>
+            <a:ln w="31750">
+              <a:solidFill>
+                <a:schemeClr val="tx1">
+                  <a:lumMod val="50000"/>
+                  <a:lumOff val="50000"/>
+                </a:schemeClr>
+              </a:solidFill>
+              <a:headEnd w="lg" len="med"/>
+              <a:tailEnd type="triangle" w="lg" len="med"/>
+            </a:ln>
+          </p:spPr>
+          <p:style>
+            <a:lnRef idx="1">
+              <a:schemeClr val="accent1"/>
+            </a:lnRef>
+            <a:fillRef idx="0">
+              <a:schemeClr val="accent1"/>
+            </a:fillRef>
+            <a:effectRef idx="0">
+              <a:schemeClr val="accent1"/>
+            </a:effectRef>
+            <a:fontRef idx="minor">
+              <a:schemeClr val="tx1"/>
+            </a:fontRef>
+          </p:style>
+        </p:cxnSp>
+        <p:cxnSp>
+          <p:nvCxnSpPr>
+            <p:cNvPr id="38" name="꺾인 연결선 37"/>
+            <p:cNvCxnSpPr>
+              <a:stCxn id="10" idx="2"/>
+              <a:endCxn id="8" idx="0"/>
+            </p:cNvCxnSpPr>
+            <p:nvPr/>
+          </p:nvCxnSpPr>
+          <p:spPr>
+            <a:xfrm rot="10800000" flipV="1">
+              <a:off x="1112241" y="1818762"/>
+              <a:ext cx="1053396" cy="516077"/>
+            </a:xfrm>
+            <a:prstGeom prst="bentConnector2">
+              <a:avLst/>
+            </a:prstGeom>
+            <a:ln w="31750">
+              <a:solidFill>
+                <a:schemeClr val="tx1">
+                  <a:lumMod val="50000"/>
+                  <a:lumOff val="50000"/>
+                </a:schemeClr>
+              </a:solidFill>
+              <a:headEnd w="lg" len="med"/>
+              <a:tailEnd type="triangle" w="lg" len="med"/>
+            </a:ln>
+          </p:spPr>
+          <p:style>
+            <a:lnRef idx="1">
+              <a:schemeClr val="accent1"/>
+            </a:lnRef>
+            <a:fillRef idx="0">
+              <a:schemeClr val="accent1"/>
+            </a:fillRef>
+            <a:effectRef idx="0">
+              <a:schemeClr val="accent1"/>
+            </a:effectRef>
+            <a:fontRef idx="minor">
+              <a:schemeClr val="tx1"/>
+            </a:fontRef>
+          </p:style>
+        </p:cxnSp>
+        <p:sp>
+          <p:nvSpPr>
+            <p:cNvPr id="39" name="순서도: 연결자 38"/>
+            <p:cNvSpPr/>
+            <p:nvPr/>
+          </p:nvSpPr>
+          <p:spPr>
+            <a:xfrm>
+              <a:off x="4514846" y="6661508"/>
+              <a:ext cx="297873" cy="297179"/>
+            </a:xfrm>
+            <a:prstGeom prst="flowChartConnector">
+              <a:avLst/>
+            </a:prstGeom>
+          </p:spPr>
+          <p:style>
+            <a:lnRef idx="2">
+              <a:schemeClr val="dk1">
+                <a:shade val="50000"/>
+              </a:schemeClr>
+            </a:lnRef>
+            <a:fillRef idx="1">
+              <a:schemeClr val="dk1"/>
+            </a:fillRef>
+            <a:effectRef idx="0">
+              <a:schemeClr val="dk1"/>
+            </a:effectRef>
+            <a:fontRef idx="minor">
+              <a:schemeClr val="lt1"/>
+            </a:fontRef>
+          </p:style>
+          <p:txBody>
+            <a:bodyPr rtlCol="0" anchor="ctr"/>
+            <a:lstStyle/>
+            <a:p>
+              <a:pPr algn="ctr"/>
+              <a:endParaRPr lang="ko-KR" altLang="en-US"/>
+            </a:p>
+          </p:txBody>
+        </p:sp>
+        <p:cxnSp>
+          <p:nvCxnSpPr>
+            <p:cNvPr id="40" name="직선 화살표 연결선 39"/>
+            <p:cNvCxnSpPr>
+              <a:stCxn id="12" idx="2"/>
+              <a:endCxn id="61" idx="1"/>
+            </p:cNvCxnSpPr>
+            <p:nvPr/>
+          </p:nvCxnSpPr>
+          <p:spPr>
+            <a:xfrm flipH="1">
+              <a:off x="4663783" y="5603585"/>
+              <a:ext cx="1" cy="194020"/>
+            </a:xfrm>
+            <a:prstGeom prst="straightConnector1">
+              <a:avLst/>
+            </a:prstGeom>
+            <a:ln w="31750">
+              <a:solidFill>
+                <a:schemeClr val="accent5"/>
+              </a:solidFill>
+              <a:tailEnd type="triangle" w="lg" len="med"/>
+            </a:ln>
+          </p:spPr>
+          <p:style>
+            <a:lnRef idx="1">
+              <a:schemeClr val="accent1"/>
+            </a:lnRef>
+            <a:fillRef idx="0">
+              <a:schemeClr val="accent1"/>
+            </a:fillRef>
+            <a:effectRef idx="0">
+              <a:schemeClr val="accent1"/>
+            </a:effectRef>
+            <a:fontRef idx="minor">
+              <a:schemeClr val="tx1"/>
+            </a:fontRef>
+          </p:style>
+        </p:cxnSp>
+        <p:sp>
+          <p:nvSpPr>
+            <p:cNvPr id="41" name="순서도: 연결자 40"/>
+            <p:cNvSpPr/>
+            <p:nvPr/>
+          </p:nvSpPr>
+          <p:spPr>
+            <a:xfrm>
+              <a:off x="6281129" y="718992"/>
+              <a:ext cx="297873" cy="297179"/>
+            </a:xfrm>
+            <a:prstGeom prst="flowChartConnector">
+              <a:avLst/>
+            </a:prstGeom>
+          </p:spPr>
+          <p:style>
+            <a:lnRef idx="2">
+              <a:schemeClr val="dk1">
+                <a:shade val="50000"/>
+              </a:schemeClr>
+            </a:lnRef>
+            <a:fillRef idx="1">
+              <a:schemeClr val="dk1"/>
+            </a:fillRef>
+            <a:effectRef idx="0">
+              <a:schemeClr val="dk1"/>
+            </a:effectRef>
+            <a:fontRef idx="minor">
+              <a:schemeClr val="lt1"/>
+            </a:fontRef>
+          </p:style>
+          <p:txBody>
+            <a:bodyPr rtlCol="0" anchor="ctr"/>
+            <a:lstStyle/>
+            <a:p>
+              <a:pPr algn="ctr"/>
+              <a:endParaRPr lang="ko-KR" altLang="en-US"/>
+            </a:p>
+          </p:txBody>
+        </p:sp>
+        <p:cxnSp>
+          <p:nvCxnSpPr>
+            <p:cNvPr id="42" name="직선 화살표 연결선 41"/>
+            <p:cNvCxnSpPr>
+              <a:stCxn id="41" idx="2"/>
+              <a:endCxn id="6" idx="3"/>
+            </p:cNvCxnSpPr>
+            <p:nvPr/>
+          </p:nvCxnSpPr>
+          <p:spPr>
+            <a:xfrm flipH="1" flipV="1">
+              <a:off x="5320490" y="862680"/>
+              <a:ext cx="960639" cy="4902"/>
+            </a:xfrm>
+            <a:prstGeom prst="straightConnector1">
+              <a:avLst/>
+            </a:prstGeom>
+            <a:ln w="31750">
+              <a:solidFill>
+                <a:schemeClr val="tx1"/>
+              </a:solidFill>
+              <a:headEnd w="lg" len="med"/>
+              <a:tailEnd type="triangle" w="lg" len="med"/>
+            </a:ln>
+          </p:spPr>
+          <p:style>
+            <a:lnRef idx="1">
+              <a:schemeClr val="accent1"/>
+            </a:lnRef>
+            <a:fillRef idx="0">
+              <a:schemeClr val="accent1"/>
+            </a:fillRef>
+            <a:effectRef idx="0">
+              <a:schemeClr val="accent1"/>
+            </a:effectRef>
+            <a:fontRef idx="minor">
+              <a:schemeClr val="tx1"/>
+            </a:fontRef>
+          </p:style>
+        </p:cxnSp>
+        <p:sp>
+          <p:nvSpPr>
+            <p:cNvPr id="43" name="TextBox 42"/>
+            <p:cNvSpPr txBox="1"/>
+            <p:nvPr/>
+          </p:nvSpPr>
+          <p:spPr>
+            <a:xfrm>
+              <a:off x="4809948" y="6674244"/>
+              <a:ext cx="590204" cy="276999"/>
+            </a:xfrm>
+            <a:prstGeom prst="rect">
+              <a:avLst/>
+            </a:prstGeom>
+            <a:noFill/>
+          </p:spPr>
+          <p:txBody>
+            <a:bodyPr wrap="square" lIns="0" tIns="0" rIns="0" bIns="0" rtlCol="0">
+              <a:spAutoFit/>
+            </a:bodyPr>
+            <a:lstStyle/>
+            <a:p>
+              <a:pPr algn="ctr"/>
+              <a:r>
+                <a:rPr lang="ko-KR" altLang="en-US" dirty="0" smtClean="0"/>
+                <a:t>반복</a:t>
+              </a:r>
+              <a:r>
+                <a:rPr lang="en-US" altLang="ko-KR" dirty="0" smtClean="0"/>
+                <a:t> </a:t>
+              </a:r>
+              <a:endParaRPr lang="ko-KR" altLang="en-US" dirty="0"/>
+            </a:p>
+          </p:txBody>
+        </p:sp>
+        <p:sp>
+          <p:nvSpPr>
+            <p:cNvPr id="44" name="TextBox 43"/>
+            <p:cNvSpPr txBox="1"/>
+            <p:nvPr/>
+          </p:nvSpPr>
+          <p:spPr>
+            <a:xfrm>
+              <a:off x="1532918" y="2658479"/>
+              <a:ext cx="1144898" cy="276999"/>
+            </a:xfrm>
+            <a:prstGeom prst="rect">
+              <a:avLst/>
+            </a:prstGeom>
+            <a:noFill/>
+          </p:spPr>
+          <p:txBody>
+            <a:bodyPr wrap="square" lIns="0" tIns="0" rIns="0" bIns="0" rtlCol="0">
+              <a:spAutoFit/>
+            </a:bodyPr>
+            <a:lstStyle/>
+            <a:p>
+              <a:pPr algn="ctr"/>
+              <a:r>
+                <a:rPr lang="en-US" altLang="ko-KR" dirty="0" smtClean="0"/>
+                <a:t>NO - </a:t>
+              </a:r>
+              <a:r>
+                <a:rPr lang="ko-KR" altLang="en-US" dirty="0" smtClean="0"/>
+                <a:t>등록</a:t>
+              </a:r>
+              <a:endParaRPr lang="ko-KR" altLang="en-US" dirty="0"/>
+            </a:p>
+          </p:txBody>
+        </p:sp>
+        <p:sp>
+          <p:nvSpPr>
+            <p:cNvPr id="45" name="TextBox 44"/>
+            <p:cNvSpPr txBox="1"/>
+            <p:nvPr/>
+          </p:nvSpPr>
+          <p:spPr>
+            <a:xfrm>
+              <a:off x="7225114" y="2296728"/>
+              <a:ext cx="590204" cy="276999"/>
+            </a:xfrm>
+            <a:prstGeom prst="rect">
+              <a:avLst/>
+            </a:prstGeom>
+            <a:noFill/>
+          </p:spPr>
+          <p:txBody>
+            <a:bodyPr wrap="square" lIns="0" tIns="0" rIns="0" bIns="0" rtlCol="0">
+              <a:spAutoFit/>
+            </a:bodyPr>
+            <a:lstStyle/>
+            <a:p>
+              <a:pPr algn="ctr"/>
+              <a:r>
+                <a:rPr lang="en-US" altLang="ko-KR" dirty="0" smtClean="0"/>
+                <a:t>NO</a:t>
+              </a:r>
+              <a:endParaRPr lang="ko-KR" altLang="en-US" dirty="0"/>
+            </a:p>
+          </p:txBody>
+        </p:sp>
+        <p:sp>
+          <p:nvSpPr>
+            <p:cNvPr id="46" name="TextBox 45"/>
+            <p:cNvSpPr txBox="1"/>
+            <p:nvPr/>
+          </p:nvSpPr>
+          <p:spPr>
+            <a:xfrm>
+              <a:off x="1500446" y="4020539"/>
+              <a:ext cx="590204" cy="276999"/>
+            </a:xfrm>
+            <a:prstGeom prst="rect">
+              <a:avLst/>
+            </a:prstGeom>
+            <a:noFill/>
+          </p:spPr>
+          <p:txBody>
+            <a:bodyPr wrap="square" lIns="0" tIns="0" rIns="0" bIns="0" rtlCol="0">
+              <a:spAutoFit/>
+            </a:bodyPr>
+            <a:lstStyle/>
+            <a:p>
+              <a:pPr algn="ctr"/>
+              <a:r>
+                <a:rPr lang="en-US" altLang="ko-KR" dirty="0" smtClean="0"/>
+                <a:t>NO</a:t>
+              </a:r>
+              <a:endParaRPr lang="ko-KR" altLang="en-US" dirty="0"/>
+            </a:p>
+          </p:txBody>
+        </p:sp>
+        <p:sp>
+          <p:nvSpPr>
+            <p:cNvPr id="47" name="TextBox 46"/>
+            <p:cNvSpPr txBox="1"/>
+            <p:nvPr/>
+          </p:nvSpPr>
+          <p:spPr>
+            <a:xfrm>
+              <a:off x="7205472" y="4014253"/>
+              <a:ext cx="590204" cy="276999"/>
+            </a:xfrm>
+            <a:prstGeom prst="rect">
+              <a:avLst/>
+            </a:prstGeom>
+            <a:noFill/>
+          </p:spPr>
+          <p:txBody>
+            <a:bodyPr wrap="square" lIns="0" tIns="0" rIns="0" bIns="0" rtlCol="0">
+              <a:spAutoFit/>
+            </a:bodyPr>
+            <a:lstStyle/>
+            <a:p>
+              <a:pPr algn="ctr"/>
+              <a:r>
+                <a:rPr lang="en-US" altLang="ko-KR" dirty="0" smtClean="0"/>
+                <a:t>NO</a:t>
+              </a:r>
+              <a:endParaRPr lang="ko-KR" altLang="en-US" dirty="0"/>
+            </a:p>
+          </p:txBody>
+        </p:sp>
+        <p:sp>
+          <p:nvSpPr>
+            <p:cNvPr id="48" name="TextBox 47"/>
+            <p:cNvSpPr txBox="1"/>
+            <p:nvPr/>
+          </p:nvSpPr>
+          <p:spPr>
+            <a:xfrm>
+              <a:off x="1498785" y="4494054"/>
+              <a:ext cx="590204" cy="276999"/>
+            </a:xfrm>
+            <a:prstGeom prst="rect">
+              <a:avLst/>
+            </a:prstGeom>
+            <a:noFill/>
+          </p:spPr>
+          <p:txBody>
+            <a:bodyPr wrap="square" lIns="0" tIns="0" rIns="0" bIns="0" rtlCol="0">
+              <a:spAutoFit/>
+            </a:bodyPr>
+            <a:lstStyle/>
+            <a:p>
+              <a:pPr algn="ctr"/>
+              <a:r>
+                <a:rPr lang="en-US" altLang="ko-KR" dirty="0" smtClean="0"/>
+                <a:t>YES</a:t>
+              </a:r>
+              <a:endParaRPr lang="ko-KR" altLang="en-US" dirty="0"/>
+            </a:p>
+          </p:txBody>
+        </p:sp>
+        <p:sp>
+          <p:nvSpPr>
+            <p:cNvPr id="49" name="TextBox 48"/>
+            <p:cNvSpPr txBox="1"/>
+            <p:nvPr/>
+          </p:nvSpPr>
+          <p:spPr>
+            <a:xfrm>
+              <a:off x="7040792" y="4494053"/>
+              <a:ext cx="590204" cy="276999"/>
+            </a:xfrm>
+            <a:prstGeom prst="rect">
+              <a:avLst/>
+            </a:prstGeom>
+            <a:noFill/>
+          </p:spPr>
+          <p:txBody>
+            <a:bodyPr wrap="square" lIns="0" tIns="0" rIns="0" bIns="0" rtlCol="0">
+              <a:spAutoFit/>
+            </a:bodyPr>
+            <a:lstStyle/>
+            <a:p>
+              <a:pPr algn="ctr"/>
+              <a:r>
+                <a:rPr lang="en-US" altLang="ko-KR" dirty="0" smtClean="0"/>
+                <a:t>YES</a:t>
+              </a:r>
+              <a:endParaRPr lang="ko-KR" altLang="en-US" dirty="0"/>
+            </a:p>
+          </p:txBody>
+        </p:sp>
+        <p:sp>
+          <p:nvSpPr>
+            <p:cNvPr id="50" name="TextBox 49"/>
+            <p:cNvSpPr txBox="1"/>
+            <p:nvPr/>
+          </p:nvSpPr>
+          <p:spPr>
+            <a:xfrm>
+              <a:off x="8200156" y="2916316"/>
+              <a:ext cx="590204" cy="276999"/>
+            </a:xfrm>
+            <a:prstGeom prst="rect">
+              <a:avLst/>
+            </a:prstGeom>
+            <a:noFill/>
+          </p:spPr>
+          <p:txBody>
+            <a:bodyPr wrap="square" lIns="0" tIns="0" rIns="0" bIns="0" rtlCol="0">
+              <a:spAutoFit/>
+            </a:bodyPr>
+            <a:lstStyle/>
+            <a:p>
+              <a:pPr algn="ctr"/>
+              <a:r>
+                <a:rPr lang="en-US" altLang="ko-KR" dirty="0" smtClean="0"/>
+                <a:t>YES</a:t>
+              </a:r>
+              <a:endParaRPr lang="ko-KR" altLang="en-US" dirty="0"/>
+            </a:p>
+          </p:txBody>
+        </p:sp>
+        <p:sp>
+          <p:nvSpPr>
+            <p:cNvPr id="51" name="TextBox 50"/>
+            <p:cNvSpPr txBox="1"/>
+            <p:nvPr/>
+          </p:nvSpPr>
+          <p:spPr>
+            <a:xfrm>
+              <a:off x="347791" y="2914609"/>
+              <a:ext cx="590204" cy="276999"/>
+            </a:xfrm>
+            <a:prstGeom prst="rect">
+              <a:avLst/>
+            </a:prstGeom>
+            <a:noFill/>
+          </p:spPr>
+          <p:txBody>
+            <a:bodyPr wrap="square" lIns="0" tIns="0" rIns="0" bIns="0" rtlCol="0">
+              <a:spAutoFit/>
+            </a:bodyPr>
+            <a:lstStyle/>
+            <a:p>
+              <a:pPr algn="ctr"/>
+              <a:r>
+                <a:rPr lang="en-US" altLang="ko-KR" dirty="0" smtClean="0"/>
+                <a:t>YES</a:t>
+              </a:r>
+              <a:endParaRPr lang="ko-KR" altLang="en-US" dirty="0"/>
+            </a:p>
+          </p:txBody>
+        </p:sp>
+        <p:sp>
+          <p:nvSpPr>
+            <p:cNvPr id="52" name="TextBox 51"/>
+            <p:cNvSpPr txBox="1"/>
+            <p:nvPr/>
+          </p:nvSpPr>
+          <p:spPr>
+            <a:xfrm>
+              <a:off x="4024615" y="1169118"/>
+              <a:ext cx="590204" cy="276999"/>
+            </a:xfrm>
+            <a:prstGeom prst="rect">
+              <a:avLst/>
+            </a:prstGeom>
+            <a:noFill/>
+          </p:spPr>
+          <p:txBody>
+            <a:bodyPr wrap="square" lIns="0" tIns="0" rIns="0" bIns="0" rtlCol="0">
+              <a:spAutoFit/>
+            </a:bodyPr>
+            <a:lstStyle/>
+            <a:p>
+              <a:pPr algn="ctr"/>
+              <a:r>
+                <a:rPr lang="ko-KR" altLang="en-US" dirty="0" smtClean="0"/>
+                <a:t>입고</a:t>
+              </a:r>
+              <a:endParaRPr lang="ko-KR" altLang="en-US" dirty="0"/>
+            </a:p>
+          </p:txBody>
+        </p:sp>
+        <p:sp>
+          <p:nvSpPr>
+            <p:cNvPr id="53" name="TextBox 52"/>
+            <p:cNvSpPr txBox="1"/>
+            <p:nvPr/>
+          </p:nvSpPr>
+          <p:spPr>
+            <a:xfrm>
+              <a:off x="4727308" y="1155459"/>
+              <a:ext cx="590204" cy="276999"/>
+            </a:xfrm>
+            <a:prstGeom prst="rect">
+              <a:avLst/>
+            </a:prstGeom>
+            <a:noFill/>
+          </p:spPr>
+          <p:txBody>
+            <a:bodyPr wrap="square" lIns="0" tIns="0" rIns="0" bIns="0" rtlCol="0">
+              <a:spAutoFit/>
+            </a:bodyPr>
+            <a:lstStyle/>
+            <a:p>
+              <a:pPr algn="ctr"/>
+              <a:r>
+                <a:rPr lang="ko-KR" altLang="en-US" dirty="0" smtClean="0"/>
+                <a:t>출고</a:t>
+              </a:r>
+              <a:endParaRPr lang="ko-KR" altLang="en-US" dirty="0"/>
+            </a:p>
+          </p:txBody>
+        </p:sp>
+        <p:sp>
+          <p:nvSpPr>
+            <p:cNvPr id="54" name="TextBox 53"/>
+            <p:cNvSpPr txBox="1"/>
+            <p:nvPr/>
+          </p:nvSpPr>
+          <p:spPr>
+            <a:xfrm>
+              <a:off x="4090119" y="1941502"/>
+              <a:ext cx="1065936" cy="276999"/>
+            </a:xfrm>
+            <a:prstGeom prst="rect">
+              <a:avLst/>
+            </a:prstGeom>
+            <a:noFill/>
+          </p:spPr>
+          <p:txBody>
+            <a:bodyPr wrap="square" lIns="0" tIns="0" rIns="0" bIns="0" rtlCol="0">
+              <a:spAutoFit/>
+            </a:bodyPr>
+            <a:lstStyle/>
+            <a:p>
+              <a:pPr algn="ctr"/>
+              <a:r>
+                <a:rPr lang="ko-KR" altLang="en-US" smtClean="0"/>
+                <a:t>업데이트</a:t>
+              </a:r>
+              <a:endParaRPr lang="ko-KR" altLang="en-US" dirty="0"/>
+            </a:p>
+          </p:txBody>
+        </p:sp>
+        <p:cxnSp>
+          <p:nvCxnSpPr>
+            <p:cNvPr id="55" name="꺾인 연결선 54"/>
+            <p:cNvCxnSpPr>
+              <a:stCxn id="61" idx="5"/>
+              <a:endCxn id="26" idx="0"/>
+            </p:cNvCxnSpPr>
+            <p:nvPr/>
+          </p:nvCxnSpPr>
+          <p:spPr>
+            <a:xfrm flipV="1">
+              <a:off x="5189147" y="4001399"/>
+              <a:ext cx="3138543" cy="2092346"/>
+            </a:xfrm>
+            <a:prstGeom prst="bentConnector4">
+              <a:avLst>
+                <a:gd name="adj1" fmla="val 121432"/>
+                <a:gd name="adj2" fmla="val 107350"/>
+              </a:avLst>
+            </a:prstGeom>
+            <a:ln w="31750">
+              <a:solidFill>
+                <a:srgbClr val="FF9900"/>
+              </a:solidFill>
+              <a:headEnd w="lg" len="med"/>
+              <a:tailEnd type="triangle" w="lg" len="med"/>
+            </a:ln>
+          </p:spPr>
+          <p:style>
+            <a:lnRef idx="1">
+              <a:schemeClr val="accent1"/>
+            </a:lnRef>
+            <a:fillRef idx="0">
+              <a:schemeClr val="accent1"/>
+            </a:fillRef>
+            <a:effectRef idx="0">
+              <a:schemeClr val="accent1"/>
+            </a:effectRef>
+            <a:fontRef idx="minor">
+              <a:schemeClr val="tx1"/>
+            </a:fontRef>
+          </p:style>
+        </p:cxnSp>
+        <p:cxnSp>
+          <p:nvCxnSpPr>
+            <p:cNvPr id="56" name="꺾인 연결선 55"/>
+            <p:cNvCxnSpPr>
+              <a:stCxn id="61" idx="2"/>
+              <a:endCxn id="25" idx="0"/>
+            </p:cNvCxnSpPr>
+            <p:nvPr/>
+          </p:nvCxnSpPr>
+          <p:spPr>
+            <a:xfrm rot="10800000">
+              <a:off x="1112241" y="4001399"/>
+              <a:ext cx="3026178" cy="2092346"/>
+            </a:xfrm>
+            <a:prstGeom prst="bentConnector4">
+              <a:avLst>
+                <a:gd name="adj1" fmla="val 130074"/>
+                <a:gd name="adj2" fmla="val 107350"/>
+              </a:avLst>
+            </a:prstGeom>
+            <a:ln w="31750">
+              <a:solidFill>
+                <a:srgbClr val="FF9900"/>
+              </a:solidFill>
+              <a:headEnd w="lg" len="med"/>
+              <a:tailEnd type="triangle" w="lg" len="med"/>
+            </a:ln>
+          </p:spPr>
+          <p:style>
+            <a:lnRef idx="1">
+              <a:schemeClr val="accent1"/>
+            </a:lnRef>
+            <a:fillRef idx="0">
+              <a:schemeClr val="accent1"/>
+            </a:fillRef>
+            <a:effectRef idx="0">
+              <a:schemeClr val="accent1"/>
+            </a:effectRef>
+            <a:fontRef idx="minor">
+              <a:schemeClr val="tx1"/>
+            </a:fontRef>
+          </p:style>
+        </p:cxnSp>
+        <p:sp>
+          <p:nvSpPr>
+            <p:cNvPr id="57" name="TextBox 56"/>
+            <p:cNvSpPr txBox="1"/>
+            <p:nvPr/>
+          </p:nvSpPr>
+          <p:spPr>
+            <a:xfrm>
+              <a:off x="6633900" y="740042"/>
+              <a:ext cx="590204" cy="276999"/>
+            </a:xfrm>
+            <a:prstGeom prst="rect">
+              <a:avLst/>
+            </a:prstGeom>
+            <a:noFill/>
+          </p:spPr>
+          <p:txBody>
+            <a:bodyPr wrap="square" lIns="0" tIns="0" rIns="0" bIns="0" rtlCol="0">
+              <a:spAutoFit/>
+            </a:bodyPr>
+            <a:lstStyle/>
+            <a:p>
+              <a:pPr algn="ctr"/>
+              <a:r>
+                <a:rPr lang="ko-KR" altLang="en-US" dirty="0" smtClean="0"/>
+                <a:t>반복</a:t>
+              </a:r>
+              <a:r>
+                <a:rPr lang="en-US" altLang="ko-KR" dirty="0" smtClean="0"/>
+                <a:t> </a:t>
+              </a:r>
+              <a:endParaRPr lang="ko-KR" altLang="en-US" dirty="0"/>
+            </a:p>
+          </p:txBody>
+        </p:sp>
+        <p:sp>
+          <p:nvSpPr>
+            <p:cNvPr id="58" name="순서도: 연결자 57"/>
+            <p:cNvSpPr/>
+            <p:nvPr/>
+          </p:nvSpPr>
+          <p:spPr>
+            <a:xfrm>
+              <a:off x="7038021" y="2479177"/>
+              <a:ext cx="297873" cy="297179"/>
+            </a:xfrm>
+            <a:prstGeom prst="flowChartConnector">
+              <a:avLst/>
+            </a:prstGeom>
+          </p:spPr>
+          <p:style>
+            <a:lnRef idx="2">
+              <a:schemeClr val="dk1">
+                <a:shade val="50000"/>
+              </a:schemeClr>
+            </a:lnRef>
+            <a:fillRef idx="1">
+              <a:schemeClr val="dk1"/>
+            </a:fillRef>
+            <a:effectRef idx="0">
+              <a:schemeClr val="dk1"/>
+            </a:effectRef>
+            <a:fontRef idx="minor">
+              <a:schemeClr val="lt1"/>
+            </a:fontRef>
+          </p:style>
+          <p:txBody>
+            <a:bodyPr rtlCol="0" anchor="ctr"/>
+            <a:lstStyle/>
+            <a:p>
+              <a:pPr algn="ctr"/>
+              <a:endParaRPr lang="ko-KR" altLang="en-US"/>
+            </a:p>
+          </p:txBody>
+        </p:sp>
+        <p:cxnSp>
+          <p:nvCxnSpPr>
+            <p:cNvPr id="59" name="직선 화살표 연결선 58"/>
+            <p:cNvCxnSpPr>
+              <a:stCxn id="9" idx="2"/>
+              <a:endCxn id="58" idx="6"/>
+            </p:cNvCxnSpPr>
+            <p:nvPr/>
+          </p:nvCxnSpPr>
+          <p:spPr>
+            <a:xfrm flipH="1" flipV="1">
+              <a:off x="7335894" y="2627767"/>
+              <a:ext cx="335091" cy="3213"/>
+            </a:xfrm>
+            <a:prstGeom prst="straightConnector1">
+              <a:avLst/>
+            </a:prstGeom>
+            <a:ln w="31750">
+              <a:solidFill>
+                <a:schemeClr val="tx1"/>
+              </a:solidFill>
+              <a:headEnd w="lg" len="med"/>
+              <a:tailEnd type="triangle" w="lg" len="med"/>
+            </a:ln>
+          </p:spPr>
+          <p:style>
+            <a:lnRef idx="1">
+              <a:schemeClr val="accent1"/>
+            </a:lnRef>
+            <a:fillRef idx="0">
+              <a:schemeClr val="accent1"/>
+            </a:fillRef>
+            <a:effectRef idx="0">
+              <a:schemeClr val="accent1"/>
+            </a:effectRef>
+            <a:fontRef idx="minor">
+              <a:schemeClr val="tx1"/>
+            </a:fontRef>
+          </p:style>
+        </p:cxnSp>
+        <p:sp>
+          <p:nvSpPr>
+            <p:cNvPr id="60" name="TextBox 59"/>
+            <p:cNvSpPr txBox="1"/>
+            <p:nvPr/>
+          </p:nvSpPr>
+          <p:spPr>
+            <a:xfrm>
+              <a:off x="6486004" y="2492509"/>
+              <a:ext cx="590204" cy="276999"/>
+            </a:xfrm>
+            <a:prstGeom prst="rect">
+              <a:avLst/>
+            </a:prstGeom>
+            <a:noFill/>
+          </p:spPr>
+          <p:txBody>
+            <a:bodyPr wrap="square" lIns="0" tIns="0" rIns="0" bIns="0" rtlCol="0">
+              <a:spAutoFit/>
+            </a:bodyPr>
+            <a:lstStyle/>
+            <a:p>
+              <a:pPr algn="ctr"/>
+              <a:r>
+                <a:rPr lang="ko-KR" altLang="en-US" dirty="0" smtClean="0"/>
+                <a:t>반복</a:t>
+              </a:r>
+              <a:r>
+                <a:rPr lang="en-US" altLang="ko-KR" dirty="0" smtClean="0"/>
+                <a:t> </a:t>
+              </a:r>
+              <a:endParaRPr lang="ko-KR" altLang="en-US" dirty="0"/>
+            </a:p>
+          </p:txBody>
+        </p:sp>
+        <p:sp>
+          <p:nvSpPr>
+            <p:cNvPr id="61" name="순서도: 데이터 60"/>
+            <p:cNvSpPr/>
+            <p:nvPr/>
+          </p:nvSpPr>
+          <p:spPr>
+            <a:xfrm>
+              <a:off x="4007078" y="5797605"/>
+              <a:ext cx="1313410" cy="592279"/>
+            </a:xfrm>
+            <a:prstGeom prst="flowChartInputOutput">
+              <a:avLst/>
+            </a:prstGeom>
+            <a:solidFill>
+              <a:srgbClr val="FF9900"/>
+            </a:solidFill>
+          </p:spPr>
+          <p:style>
+            <a:lnRef idx="2">
+              <a:schemeClr val="accent4">
+                <a:shade val="50000"/>
+              </a:schemeClr>
+            </a:lnRef>
+            <a:fillRef idx="1">
+              <a:schemeClr val="accent4"/>
+            </a:fillRef>
+            <a:effectRef idx="0">
+              <a:schemeClr val="accent4"/>
+            </a:effectRef>
+            <a:fontRef idx="minor">
+              <a:schemeClr val="lt1"/>
+            </a:fontRef>
+          </p:style>
+          <p:txBody>
+            <a:bodyPr lIns="0" tIns="0" rIns="0" bIns="0" rtlCol="0" anchor="ctr"/>
+            <a:lstStyle/>
+            <a:p>
+              <a:pPr algn="ctr"/>
+              <a:r>
+                <a:rPr lang="ko-KR" altLang="en-US" sz="1400" dirty="0" smtClean="0"/>
+                <a:t>미션 완료</a:t>
+              </a:r>
+              <a:endParaRPr lang="en-US" altLang="ko-KR" sz="1400" dirty="0" smtClean="0"/>
+            </a:p>
+            <a:p>
+              <a:pPr algn="ctr"/>
+              <a:r>
+                <a:rPr lang="ko-KR" altLang="en-US" sz="1400" dirty="0" smtClean="0"/>
+                <a:t> 여부 </a:t>
+              </a:r>
+              <a:endParaRPr lang="en-US" altLang="ko-KR" sz="1400" dirty="0" smtClean="0"/>
+            </a:p>
+          </p:txBody>
+        </p:sp>
+        <p:sp>
+          <p:nvSpPr>
+            <p:cNvPr id="62" name="TextBox 61"/>
+            <p:cNvSpPr txBox="1"/>
+            <p:nvPr/>
+          </p:nvSpPr>
+          <p:spPr>
+            <a:xfrm>
+              <a:off x="3926889" y="6671634"/>
+              <a:ext cx="590204" cy="276999"/>
+            </a:xfrm>
+            <a:prstGeom prst="rect">
+              <a:avLst/>
+            </a:prstGeom>
+            <a:noFill/>
+          </p:spPr>
+          <p:txBody>
+            <a:bodyPr wrap="square" lIns="0" tIns="0" rIns="0" bIns="0" rtlCol="0">
+              <a:spAutoFit/>
+            </a:bodyPr>
+            <a:lstStyle/>
+            <a:p>
+              <a:pPr algn="ctr"/>
+              <a:r>
+                <a:rPr lang="en-US" altLang="ko-KR" dirty="0" smtClean="0"/>
+                <a:t>YES</a:t>
+              </a:r>
+              <a:endParaRPr lang="ko-KR" altLang="en-US" dirty="0"/>
+            </a:p>
+          </p:txBody>
+        </p:sp>
+        <p:cxnSp>
+          <p:nvCxnSpPr>
+            <p:cNvPr id="63" name="직선 화살표 연결선 62"/>
+            <p:cNvCxnSpPr>
+              <a:stCxn id="61" idx="4"/>
+              <a:endCxn id="39" idx="0"/>
+            </p:cNvCxnSpPr>
+            <p:nvPr/>
+          </p:nvCxnSpPr>
+          <p:spPr>
+            <a:xfrm>
+              <a:off x="4663783" y="6389884"/>
+              <a:ext cx="0" cy="271624"/>
+            </a:xfrm>
+            <a:prstGeom prst="straightConnector1">
+              <a:avLst/>
+            </a:prstGeom>
+            <a:ln w="31750">
+              <a:solidFill>
+                <a:srgbClr val="FF9900"/>
+              </a:solidFill>
+              <a:headEnd w="lg" len="med"/>
+              <a:tailEnd type="triangle" w="lg" len="med"/>
+            </a:ln>
+          </p:spPr>
+          <p:style>
+            <a:lnRef idx="1">
+              <a:schemeClr val="accent1"/>
+            </a:lnRef>
+            <a:fillRef idx="0">
+              <a:schemeClr val="accent1"/>
+            </a:fillRef>
+            <a:effectRef idx="0">
+              <a:schemeClr val="accent1"/>
+            </a:effectRef>
+            <a:fontRef idx="minor">
+              <a:schemeClr val="tx1"/>
+            </a:fontRef>
+          </p:style>
+        </p:cxnSp>
+        <p:sp>
+          <p:nvSpPr>
+            <p:cNvPr id="64" name="TextBox 63"/>
+            <p:cNvSpPr txBox="1"/>
+            <p:nvPr/>
+          </p:nvSpPr>
+          <p:spPr>
+            <a:xfrm>
+              <a:off x="2953678" y="5789060"/>
+              <a:ext cx="1165470" cy="276999"/>
+            </a:xfrm>
+            <a:prstGeom prst="rect">
+              <a:avLst/>
+            </a:prstGeom>
+            <a:noFill/>
+          </p:spPr>
+          <p:txBody>
+            <a:bodyPr wrap="square" lIns="0" tIns="0" rIns="0" bIns="0" rtlCol="0">
+              <a:spAutoFit/>
+            </a:bodyPr>
+            <a:lstStyle/>
+            <a:p>
+              <a:pPr algn="ctr"/>
+              <a:r>
+                <a:rPr lang="en-US" altLang="ko-KR" dirty="0" smtClean="0"/>
+                <a:t>NO - </a:t>
+              </a:r>
+              <a:r>
+                <a:rPr lang="ko-KR" altLang="en-US" dirty="0" smtClean="0"/>
+                <a:t>입고</a:t>
+              </a:r>
+              <a:endParaRPr lang="ko-KR" altLang="en-US" dirty="0"/>
+            </a:p>
+          </p:txBody>
+        </p:sp>
+        <p:sp>
+          <p:nvSpPr>
+            <p:cNvPr id="65" name="TextBox 64"/>
+            <p:cNvSpPr txBox="1"/>
+            <p:nvPr/>
+          </p:nvSpPr>
+          <p:spPr>
+            <a:xfrm>
+              <a:off x="5320922" y="5781400"/>
+              <a:ext cx="1165470" cy="276999"/>
+            </a:xfrm>
+            <a:prstGeom prst="rect">
+              <a:avLst/>
+            </a:prstGeom>
+            <a:noFill/>
+          </p:spPr>
+          <p:txBody>
+            <a:bodyPr wrap="square" lIns="0" tIns="0" rIns="0" bIns="0" rtlCol="0">
+              <a:spAutoFit/>
+            </a:bodyPr>
+            <a:lstStyle/>
+            <a:p>
+              <a:pPr algn="ctr"/>
+              <a:r>
+                <a:rPr lang="en-US" altLang="ko-KR" dirty="0" smtClean="0"/>
+                <a:t>NO - </a:t>
+              </a:r>
+              <a:r>
+                <a:rPr lang="ko-KR" altLang="en-US" dirty="0" smtClean="0"/>
+                <a:t>출고</a:t>
+              </a:r>
+              <a:endParaRPr lang="ko-KR" altLang="en-US" dirty="0"/>
+            </a:p>
+          </p:txBody>
+        </p:sp>
+      </p:grpSp>
+      <p:sp>
+        <p:nvSpPr>
+          <p:cNvPr id="66" name="제목 9"/>
+          <p:cNvSpPr>
+            <a:spLocks noGrp="1"/>
+          </p:cNvSpPr>
+          <p:nvPr>
+            <p:ph type="title"/>
+          </p:nvPr>
+        </p:nvSpPr>
+        <p:spPr>
+          <a:xfrm>
+            <a:off x="-2598" y="10932"/>
+            <a:ext cx="2455718" cy="737999"/>
+          </a:xfrm>
+        </p:spPr>
+        <p:txBody>
+          <a:bodyPr>
+            <a:noAutofit/>
+          </a:bodyPr>
+          <a:lstStyle/>
+          <a:p>
+            <a:r>
+              <a:rPr lang="ko-KR" altLang="en-US" sz="3200" dirty="0" err="1" smtClean="0"/>
+              <a:t>플로우</a:t>
+            </a:r>
+            <a:r>
+              <a:rPr lang="en-US" altLang="ko-KR" sz="3200" dirty="0" smtClean="0"/>
+              <a:t> </a:t>
+            </a:r>
+            <a:r>
+              <a:rPr lang="ko-KR" altLang="en-US" sz="3200" dirty="0" smtClean="0"/>
+              <a:t>차트</a:t>
+            </a:r>
+            <a:endParaRPr lang="ko-KR" altLang="en-US" sz="3200" dirty="0"/>
+          </a:p>
+        </p:txBody>
+      </p:sp>
+    </p:spTree>
+    <p:extLst>
+      <p:ext uri="{BB962C8B-B14F-4D97-AF65-F5344CB8AC3E}">
+        <p14:creationId xmlns:p14="http://schemas.microsoft.com/office/powerpoint/2010/main" val="713568445"/>
+      </p:ext>
+    </p:extLst>
+  </p:cSld>
+  <p:clrMapOvr>
+    <a:masterClrMapping/>
+  </p:clrMapOvr>
+</p:sld>
+</file>
+
 <file path=ppt/slides/slide8.xml><?xml version="1.0" encoding="utf-8"?>
 <p:sld xmlns:a="http://schemas.openxmlformats.org/drawingml/2006/main" xmlns:r="http://schemas.openxmlformats.org/officeDocument/2006/relationships" xmlns:p="http://schemas.openxmlformats.org/presentationml/2006/main">
   <p:cSld>
@@ -9496,7 +16469,7 @@
             <a:pPr algn="ctr"/>
             <a:r>
               <a:rPr lang="en-US" altLang="ko-KR" sz="2400" b="1" dirty="0" smtClean="0"/>
-              <a:t>(SPS, MICUBE)</a:t>
+              <a:t>(SPS)</a:t>
             </a:r>
             <a:endParaRPr lang="ko-KR" altLang="en-US" sz="2400" b="1" dirty="0"/>
           </a:p>
@@ -10226,7 +17199,7 @@
         </p:nvSpPr>
         <p:spPr>
           <a:xfrm>
-            <a:off x="8994845" y="1352867"/>
+            <a:off x="8978693" y="1352867"/>
             <a:ext cx="1708249" cy="5010606"/>
           </a:xfrm>
           <a:prstGeom prst="roundRect">
@@ -10301,8 +17274,12 @@
           <a:p>
             <a:pPr algn="ctr"/>
             <a:r>
+              <a:rPr lang="ko-KR" altLang="en-US" sz="1200" b="1" dirty="0" smtClean="0"/>
+              <a:t>실제 </a:t>
+            </a:r>
+            <a:r>
               <a:rPr lang="ko-KR" altLang="en-US" sz="1200" b="1" dirty="0"/>
-              <a:t>가상 물리 </a:t>
+              <a:t>물리 </a:t>
             </a:r>
             <a:r>
               <a:rPr lang="ko-KR" altLang="en-US" sz="1200" b="1" dirty="0" smtClean="0"/>
@@ -10458,16 +17435,12 @@
           <a:p>
             <a:pPr algn="ctr"/>
             <a:r>
-              <a:rPr lang="en-US" altLang="ko-KR" sz="3600" b="1" dirty="0"/>
-              <a:t>(Open</a:t>
-            </a:r>
-            <a:r>
-              <a:rPr lang="ko-KR" altLang="en-US" sz="3600" b="1" dirty="0"/>
-              <a:t> </a:t>
-            </a:r>
-            <a:r>
-              <a:rPr lang="en-US" altLang="ko-KR" sz="3600" b="1" dirty="0"/>
-              <a:t>Source</a:t>
+              <a:rPr lang="en-US" altLang="ko-KR" sz="3600" b="1" dirty="0" smtClean="0"/>
+              <a:t>(</a:t>
+            </a:r>
+            <a:r>
+              <a:rPr lang="en-US" altLang="ko-KR" sz="3600" b="1" dirty="0" err="1" smtClean="0"/>
+              <a:t>Odoo</a:t>
             </a:r>
             <a:r>
               <a:rPr lang="en-US" altLang="ko-KR" sz="3600" b="1" dirty="0" smtClean="0"/>
@@ -10592,7 +17565,7 @@
         </p:nvGrpSpPr>
         <p:grpSpPr>
           <a:xfrm>
-            <a:off x="1120029" y="-1814287"/>
+            <a:off x="1120029" y="-1377642"/>
             <a:ext cx="9934189" cy="1552447"/>
             <a:chOff x="5561045" y="3384247"/>
             <a:chExt cx="2799184" cy="3643370"/>
@@ -10645,7 +17618,7 @@
             </a:fontRef>
           </p:style>
           <p:txBody>
-            <a:bodyPr bIns="0" rtlCol="0" anchor="b"/>
+            <a:bodyPr bIns="0" rtlCol="0" anchor="t"/>
             <a:lstStyle/>
             <a:p>
               <a:pPr algn="ctr"/>
@@ -10673,29 +17646,26 @@
           </p:nvSpPr>
           <p:spPr>
             <a:xfrm>
-              <a:off x="5689429" y="3865656"/>
-              <a:ext cx="1223947" cy="1327044"/>
+              <a:off x="5689429" y="4324461"/>
+              <a:ext cx="847009" cy="1327044"/>
             </a:xfrm>
             <a:prstGeom prst="roundRect">
               <a:avLst>
                 <a:gd name="adj" fmla="val 0"/>
               </a:avLst>
             </a:prstGeom>
-            <a:solidFill>
-              <a:srgbClr val="002060"/>
-            </a:solidFill>
           </p:spPr>
           <p:style>
             <a:lnRef idx="2">
-              <a:schemeClr val="accent1">
+              <a:schemeClr val="dk1">
                 <a:shade val="50000"/>
               </a:schemeClr>
             </a:lnRef>
             <a:fillRef idx="1">
-              <a:schemeClr val="accent1"/>
+              <a:schemeClr val="dk1"/>
             </a:fillRef>
             <a:effectRef idx="0">
-              <a:schemeClr val="accent1"/>
+              <a:schemeClr val="dk1"/>
             </a:effectRef>
             <a:fontRef idx="minor">
               <a:schemeClr val="lt1"/>
@@ -10726,34 +17696,27 @@
           </p:nvSpPr>
           <p:spPr>
             <a:xfrm>
-              <a:off x="6913376" y="3865653"/>
-              <a:ext cx="1316225" cy="1327044"/>
+              <a:off x="7382592" y="4335681"/>
+              <a:ext cx="847009" cy="1344744"/>
             </a:xfrm>
             <a:prstGeom prst="roundRect">
               <a:avLst>
                 <a:gd name="adj" fmla="val 0"/>
               </a:avLst>
             </a:prstGeom>
-            <a:solidFill>
-              <a:srgbClr val="002060"/>
-            </a:solidFill>
-            <a:ln w="12700">
-              <a:solidFill>
-                <a:schemeClr val="accent6">
-                  <a:lumMod val="75000"/>
-                </a:schemeClr>
-              </a:solidFill>
-            </a:ln>
+            <a:ln/>
           </p:spPr>
           <p:style>
-            <a:lnRef idx="3">
-              <a:schemeClr val="lt1"/>
+            <a:lnRef idx="2">
+              <a:schemeClr val="dk1">
+                <a:shade val="50000"/>
+              </a:schemeClr>
             </a:lnRef>
             <a:fillRef idx="1">
-              <a:schemeClr val="accent6"/>
+              <a:schemeClr val="dk1"/>
             </a:fillRef>
-            <a:effectRef idx="1">
-              <a:schemeClr val="accent6"/>
+            <a:effectRef idx="0">
+              <a:schemeClr val="dk1"/>
             </a:effectRef>
             <a:fontRef idx="minor">
               <a:schemeClr val="lt1"/>
@@ -10765,8 +17728,16 @@
             <a:p>
               <a:pPr algn="ctr"/>
               <a:r>
+                <a:rPr lang="ko-KR" altLang="en-US" dirty="0" smtClean="0"/>
+                <a:t>기타</a:t>
+              </a:r>
+              <a:r>
                 <a:rPr lang="en-US" altLang="ko-KR" dirty="0" smtClean="0"/>
-                <a:t>HMI</a:t>
+                <a:t> </a:t>
+              </a:r>
+              <a:r>
+                <a:rPr lang="en-US" altLang="ko-KR" dirty="0" smtClean="0"/>
+                <a:t>…</a:t>
               </a:r>
               <a:endParaRPr lang="ko-KR" altLang="en-US" dirty="0"/>
             </a:p>
@@ -10780,7 +17751,7 @@
           </p:nvSpPr>
           <p:spPr>
             <a:xfrm>
-              <a:off x="5689429" y="5171403"/>
+              <a:off x="5689429" y="5659130"/>
               <a:ext cx="2540172" cy="1166273"/>
             </a:xfrm>
             <a:prstGeom prst="roundRect">
@@ -10818,6 +17789,53 @@
             </a:p>
           </p:txBody>
         </p:sp>
+        <p:sp>
+          <p:nvSpPr>
+            <p:cNvPr id="44" name="모서리가 둥근 직사각형 43"/>
+            <p:cNvSpPr/>
+            <p:nvPr/>
+          </p:nvSpPr>
+          <p:spPr>
+            <a:xfrm>
+              <a:off x="6536439" y="4335681"/>
+              <a:ext cx="846153" cy="1294646"/>
+            </a:xfrm>
+            <a:prstGeom prst="roundRect">
+              <a:avLst>
+                <a:gd name="adj" fmla="val 0"/>
+              </a:avLst>
+            </a:prstGeom>
+            <a:ln/>
+          </p:spPr>
+          <p:style>
+            <a:lnRef idx="2">
+              <a:schemeClr val="dk1">
+                <a:shade val="50000"/>
+              </a:schemeClr>
+            </a:lnRef>
+            <a:fillRef idx="1">
+              <a:schemeClr val="dk1"/>
+            </a:fillRef>
+            <a:effectRef idx="0">
+              <a:schemeClr val="dk1"/>
+            </a:effectRef>
+            <a:fontRef idx="minor">
+              <a:schemeClr val="lt1"/>
+            </a:fontRef>
+          </p:style>
+          <p:txBody>
+            <a:bodyPr rtlCol="0" anchor="ctr"/>
+            <a:lstStyle/>
+            <a:p>
+              <a:pPr algn="ctr"/>
+              <a:r>
+                <a:rPr lang="en-US" altLang="ko-KR" dirty="0" smtClean="0"/>
+                <a:t>HMI</a:t>
+              </a:r>
+              <a:endParaRPr lang="ko-KR" altLang="en-US" dirty="0"/>
+            </a:p>
+          </p:txBody>
+        </p:sp>
       </p:grpSp>
       <p:sp>
         <p:nvSpPr>
@@ -10827,8 +17845,8 @@
         </p:nvSpPr>
         <p:spPr>
           <a:xfrm>
-            <a:off x="5149719" y="-310168"/>
-            <a:ext cx="1875488" cy="945687"/>
+            <a:off x="5619031" y="29641"/>
+            <a:ext cx="946822" cy="738728"/>
           </a:xfrm>
           <a:prstGeom prst="upDownArrow">
             <a:avLst>
@@ -10839,15 +17857,15 @@
         </p:spPr>
         <p:style>
           <a:lnRef idx="2">
-            <a:schemeClr val="accent1">
+            <a:schemeClr val="accent3">
               <a:shade val="50000"/>
             </a:schemeClr>
           </a:lnRef>
           <a:fillRef idx="1">
-            <a:schemeClr val="accent1"/>
+            <a:schemeClr val="accent3"/>
           </a:fillRef>
           <a:effectRef idx="0">
-            <a:schemeClr val="accent1"/>
+            <a:schemeClr val="accent3"/>
           </a:effectRef>
           <a:fontRef idx="minor">
             <a:schemeClr val="lt1"/>
@@ -10865,7 +17883,1002 @@
     </p:spTree>
     <p:extLst>
       <p:ext uri="{BB962C8B-B14F-4D97-AF65-F5344CB8AC3E}">
-        <p14:creationId xmlns:p14="http://schemas.microsoft.com/office/powerpoint/2010/main" val="1761311731"/>
+        <p14:creationId xmlns:p14="http://schemas.microsoft.com/office/powerpoint/2010/main" val="1675591499"/>
+      </p:ext>
+    </p:extLst>
+  </p:cSld>
+  <p:clrMapOvr>
+    <a:masterClrMapping/>
+  </p:clrMapOvr>
+  <p:timing>
+    <p:tnLst>
+      <p:par>
+        <p:cTn id="1" dur="indefinite" restart="never" nodeType="tmRoot"/>
+      </p:par>
+    </p:tnLst>
+  </p:timing>
+</p:sld>
+</file>
+
+<file path=ppt/slides/slide9.xml><?xml version="1.0" encoding="utf-8"?>
+<p:sld xmlns:a="http://schemas.openxmlformats.org/drawingml/2006/main" xmlns:r="http://schemas.openxmlformats.org/officeDocument/2006/relationships" xmlns:p="http://schemas.openxmlformats.org/presentationml/2006/main">
+  <p:cSld>
+    <p:spTree>
+      <p:nvGrpSpPr>
+        <p:cNvPr id="1" name=""/>
+        <p:cNvGrpSpPr/>
+        <p:nvPr/>
+      </p:nvGrpSpPr>
+      <p:grpSpPr>
+        <a:xfrm>
+          <a:off x="0" y="0"/>
+          <a:ext cx="0" cy="0"/>
+          <a:chOff x="0" y="0"/>
+          <a:chExt cx="0" cy="0"/>
+        </a:xfrm>
+      </p:grpSpPr>
+      <p:sp>
+        <p:nvSpPr>
+          <p:cNvPr id="10" name="제목 9"/>
+          <p:cNvSpPr>
+            <a:spLocks noGrp="1"/>
+          </p:cNvSpPr>
+          <p:nvPr>
+            <p:ph type="title"/>
+          </p:nvPr>
+        </p:nvSpPr>
+        <p:spPr>
+          <a:xfrm>
+            <a:off x="0" y="0"/>
+            <a:ext cx="5436524" cy="540327"/>
+          </a:xfrm>
+        </p:spPr>
+        <p:txBody>
+          <a:bodyPr>
+            <a:noAutofit/>
+          </a:bodyPr>
+          <a:lstStyle/>
+          <a:p>
+            <a:r>
+              <a:rPr lang="ko-KR" altLang="en-US" sz="3200" dirty="0" smtClean="0"/>
+              <a:t>시스템</a:t>
+            </a:r>
+            <a:r>
+              <a:rPr lang="en-US" altLang="ko-KR" sz="3200" dirty="0" smtClean="0"/>
+              <a:t> </a:t>
+            </a:r>
+            <a:r>
+              <a:rPr lang="ko-KR" altLang="en-US" sz="3200" dirty="0" smtClean="0"/>
+              <a:t>세부 구성 </a:t>
+            </a:r>
+            <a:r>
+              <a:rPr lang="en-US" altLang="ko-KR" sz="3200" dirty="0" smtClean="0"/>
+              <a:t>– M/W</a:t>
+            </a:r>
+            <a:endParaRPr lang="ko-KR" altLang="en-US" sz="3200" dirty="0"/>
+          </a:p>
+        </p:txBody>
+      </p:sp>
+      <p:grpSp>
+        <p:nvGrpSpPr>
+          <p:cNvPr id="19" name="그룹 18"/>
+          <p:cNvGrpSpPr/>
+          <p:nvPr/>
+        </p:nvGrpSpPr>
+        <p:grpSpPr>
+          <a:xfrm>
+            <a:off x="137369" y="1082289"/>
+            <a:ext cx="5687359" cy="5368016"/>
+            <a:chOff x="841457" y="1192017"/>
+            <a:chExt cx="5422183" cy="5368016"/>
+          </a:xfrm>
+        </p:grpSpPr>
+        <p:grpSp>
+          <p:nvGrpSpPr>
+            <p:cNvPr id="22" name="그룹 21"/>
+            <p:cNvGrpSpPr/>
+            <p:nvPr/>
+          </p:nvGrpSpPr>
+          <p:grpSpPr>
+            <a:xfrm>
+              <a:off x="2532415" y="1192017"/>
+              <a:ext cx="3731225" cy="5368012"/>
+              <a:chOff x="2532415" y="1192017"/>
+              <a:chExt cx="6135336" cy="5368012"/>
+            </a:xfrm>
+          </p:grpSpPr>
+          <p:sp>
+            <p:nvSpPr>
+              <p:cNvPr id="26" name="모서리가 둥근 직사각형 25"/>
+              <p:cNvSpPr/>
+              <p:nvPr/>
+            </p:nvSpPr>
+            <p:spPr>
+              <a:xfrm>
+                <a:off x="2532415" y="1192017"/>
+                <a:ext cx="6135336" cy="2628501"/>
+              </a:xfrm>
+              <a:prstGeom prst="roundRect">
+                <a:avLst>
+                  <a:gd name="adj" fmla="val 9734"/>
+                </a:avLst>
+              </a:prstGeom>
+              <a:solidFill>
+                <a:schemeClr val="accent4">
+                  <a:lumMod val="20000"/>
+                  <a:lumOff val="80000"/>
+                </a:schemeClr>
+              </a:solidFill>
+              <a:ln w="28575">
+                <a:solidFill>
+                  <a:schemeClr val="accent4">
+                    <a:lumMod val="60000"/>
+                    <a:lumOff val="40000"/>
+                  </a:schemeClr>
+                </a:solidFill>
+                <a:prstDash val="dash"/>
+              </a:ln>
+            </p:spPr>
+            <p:style>
+              <a:lnRef idx="2">
+                <a:schemeClr val="accent1">
+                  <a:shade val="50000"/>
+                </a:schemeClr>
+              </a:lnRef>
+              <a:fillRef idx="1">
+                <a:schemeClr val="accent1"/>
+              </a:fillRef>
+              <a:effectRef idx="0">
+                <a:schemeClr val="accent1"/>
+              </a:effectRef>
+              <a:fontRef idx="minor">
+                <a:schemeClr val="lt1"/>
+              </a:fontRef>
+            </p:style>
+            <p:txBody>
+              <a:bodyPr tIns="0" rIns="0" bIns="0" rtlCol="0" anchor="t"/>
+              <a:lstStyle/>
+              <a:p>
+                <a:pPr>
+                  <a:lnSpc>
+                    <a:spcPct val="150000"/>
+                  </a:lnSpc>
+                </a:pPr>
+                <a:r>
+                  <a:rPr lang="en-US" altLang="ko-KR" sz="3200" b="1" dirty="0" smtClean="0">
+                    <a:solidFill>
+                      <a:sysClr val="windowText" lastClr="000000"/>
+                    </a:solidFill>
+                  </a:rPr>
+                  <a:t>WCS</a:t>
+                </a:r>
+                <a:endParaRPr lang="en-US" altLang="ko-KR" sz="1600" b="1" dirty="0" smtClean="0">
+                  <a:solidFill>
+                    <a:sysClr val="windowText" lastClr="000000"/>
+                  </a:solidFill>
+                </a:endParaRPr>
+              </a:p>
+              <a:p>
+                <a:pPr marL="180000" lvl="0" indent="-180000">
+                  <a:lnSpc>
+                    <a:spcPct val="200000"/>
+                  </a:lnSpc>
+                  <a:buFont typeface="Arial" panose="020B0604020202020204" pitchFamily="34" charset="0"/>
+                  <a:buChar char="•"/>
+                </a:pPr>
+                <a:r>
+                  <a:rPr lang="en-US" altLang="ko-KR" sz="1400" spc="-100" dirty="0" smtClean="0">
+                    <a:solidFill>
+                      <a:sysClr val="windowText" lastClr="000000"/>
+                    </a:solidFill>
+                  </a:rPr>
+                  <a:t>M/W </a:t>
+                </a:r>
+                <a:r>
+                  <a:rPr lang="ko-KR" altLang="en-US" sz="1400" spc="-100" dirty="0" smtClean="0">
+                    <a:solidFill>
+                      <a:sysClr val="windowText" lastClr="000000"/>
+                    </a:solidFill>
+                  </a:rPr>
+                  <a:t>명령</a:t>
+                </a:r>
+                <a:r>
+                  <a:rPr lang="en-US" altLang="ko-KR" sz="1400" spc="-100" dirty="0" smtClean="0">
+                    <a:solidFill>
+                      <a:sysClr val="windowText" lastClr="000000"/>
+                    </a:solidFill>
+                  </a:rPr>
+                  <a:t> </a:t>
+                </a:r>
+                <a:r>
+                  <a:rPr lang="ko-KR" altLang="en-US" sz="1400" spc="-100" dirty="0" smtClean="0">
+                    <a:solidFill>
+                      <a:sysClr val="windowText" lastClr="000000"/>
+                    </a:solidFill>
+                  </a:rPr>
+                  <a:t>수신 </a:t>
+                </a:r>
+                <a:r>
+                  <a:rPr lang="en-US" altLang="ko-KR" sz="1400" spc="-100" dirty="0" smtClean="0">
+                    <a:solidFill>
+                      <a:sysClr val="windowText" lastClr="000000"/>
+                    </a:solidFill>
+                  </a:rPr>
+                  <a:t>-&gt; </a:t>
+                </a:r>
+                <a:r>
+                  <a:rPr lang="ko-KR" altLang="en-US" sz="1400" spc="-100" dirty="0" err="1" smtClean="0">
+                    <a:solidFill>
+                      <a:sysClr val="windowText" lastClr="000000"/>
+                    </a:solidFill>
+                  </a:rPr>
+                  <a:t>제어부</a:t>
+                </a:r>
+                <a:r>
+                  <a:rPr lang="ko-KR" altLang="en-US" sz="1400" spc="-100" dirty="0" smtClean="0">
+                    <a:solidFill>
+                      <a:sysClr val="windowText" lastClr="000000"/>
+                    </a:solidFill>
+                  </a:rPr>
+                  <a:t> 명령 전달 </a:t>
+                </a:r>
+                <a:r>
+                  <a:rPr lang="en-US" altLang="ko-KR" sz="1400" spc="-100" dirty="0" smtClean="0">
+                    <a:solidFill>
+                      <a:sysClr val="windowText" lastClr="000000"/>
+                    </a:solidFill>
+                  </a:rPr>
+                  <a:t>(</a:t>
+                </a:r>
+                <a:r>
+                  <a:rPr lang="ko-KR" altLang="en-US" sz="1400" spc="-100" dirty="0" err="1" smtClean="0">
+                    <a:solidFill>
+                      <a:sysClr val="windowText" lastClr="000000"/>
+                    </a:solidFill>
+                  </a:rPr>
+                  <a:t>모드버스</a:t>
+                </a:r>
+                <a:r>
+                  <a:rPr lang="en-US" altLang="ko-KR" sz="1400" spc="-100" dirty="0" smtClean="0">
+                    <a:solidFill>
+                      <a:sysClr val="windowText" lastClr="000000"/>
+                    </a:solidFill>
+                  </a:rPr>
+                  <a:t>)</a:t>
+                </a:r>
+              </a:p>
+              <a:p>
+                <a:pPr marL="360000" lvl="1" indent="-180000">
+                  <a:lnSpc>
+                    <a:spcPct val="200000"/>
+                  </a:lnSpc>
+                  <a:buFont typeface="Wingdings" panose="05000000000000000000" pitchFamily="2" charset="2"/>
+                  <a:buChar char="§"/>
+                </a:pPr>
+                <a:r>
+                  <a:rPr lang="ko-KR" altLang="en-US" sz="1400" spc="-100" dirty="0" smtClean="0">
+                    <a:solidFill>
+                      <a:sysClr val="windowText" lastClr="000000"/>
+                    </a:solidFill>
+                  </a:rPr>
+                  <a:t>제어 </a:t>
+                </a:r>
+                <a:r>
+                  <a:rPr lang="ko-KR" altLang="en-US" sz="1400" spc="-100" dirty="0" err="1" smtClean="0">
+                    <a:solidFill>
+                      <a:sysClr val="windowText" lastClr="000000"/>
+                    </a:solidFill>
+                  </a:rPr>
+                  <a:t>로직</a:t>
+                </a:r>
+                <a:r>
+                  <a:rPr lang="ko-KR" altLang="en-US" sz="1400" spc="-100" dirty="0" smtClean="0">
+                    <a:solidFill>
+                      <a:sysClr val="windowText" lastClr="000000"/>
+                    </a:solidFill>
+                  </a:rPr>
+                  <a:t> </a:t>
+                </a:r>
+                <a:r>
+                  <a:rPr lang="en-US" altLang="ko-KR" sz="1400" spc="-100" dirty="0" smtClean="0">
+                    <a:solidFill>
+                      <a:sysClr val="windowText" lastClr="000000"/>
+                    </a:solidFill>
+                  </a:rPr>
+                  <a:t>: </a:t>
+                </a:r>
+                <a:r>
+                  <a:rPr lang="ko-KR" altLang="en-US" sz="1400" spc="-100" dirty="0" err="1" smtClean="0">
+                    <a:solidFill>
+                      <a:sysClr val="windowText" lastClr="000000"/>
+                    </a:solidFill>
+                  </a:rPr>
+                  <a:t>스택형</a:t>
+                </a:r>
+                <a:r>
+                  <a:rPr lang="en-US" altLang="ko-KR" sz="1400" spc="-100" dirty="0" smtClean="0">
+                    <a:solidFill>
+                      <a:sysClr val="windowText" lastClr="000000"/>
+                    </a:solidFill>
+                  </a:rPr>
+                  <a:t>(</a:t>
+                </a:r>
+                <a:r>
+                  <a:rPr lang="ko-KR" altLang="en-US" sz="1400" spc="-100" dirty="0" smtClean="0">
+                    <a:solidFill>
+                      <a:sysClr val="windowText" lastClr="000000"/>
+                    </a:solidFill>
+                  </a:rPr>
+                  <a:t>갠트리</a:t>
+                </a:r>
+                <a:r>
+                  <a:rPr lang="en-US" altLang="ko-KR" sz="1400" spc="-100" dirty="0" smtClean="0">
+                    <a:solidFill>
+                      <a:sysClr val="windowText" lastClr="000000"/>
+                    </a:solidFill>
+                  </a:rPr>
+                  <a:t>)</a:t>
+                </a:r>
+                <a:r>
+                  <a:rPr lang="ko-KR" altLang="en-US" sz="1400" spc="-100" dirty="0" smtClean="0">
+                    <a:solidFill>
+                      <a:sysClr val="windowText" lastClr="000000"/>
+                    </a:solidFill>
+                  </a:rPr>
+                  <a:t> 배치</a:t>
+                </a:r>
+                <a:r>
+                  <a:rPr lang="en-US" altLang="ko-KR" sz="1400" spc="-100" dirty="0" smtClean="0">
+                    <a:solidFill>
+                      <a:sysClr val="windowText" lastClr="000000"/>
+                    </a:solidFill>
+                  </a:rPr>
+                  <a:t>(FILO)</a:t>
+                </a:r>
+                <a:r>
+                  <a:rPr lang="ko-KR" altLang="en-US" sz="1400" spc="-100" dirty="0" smtClean="0">
+                    <a:solidFill>
+                      <a:sysClr val="windowText" lastClr="000000"/>
+                    </a:solidFill>
+                  </a:rPr>
+                  <a:t> 최적화</a:t>
+                </a:r>
+                <a:endParaRPr lang="en-US" altLang="ko-KR" sz="1400" spc="-100" dirty="0" smtClean="0">
+                  <a:solidFill>
+                    <a:sysClr val="windowText" lastClr="000000"/>
+                  </a:solidFill>
+                </a:endParaRPr>
+              </a:p>
+              <a:p>
+                <a:pPr marL="180000" indent="-180000">
+                  <a:lnSpc>
+                    <a:spcPct val="200000"/>
+                  </a:lnSpc>
+                  <a:buFont typeface="Arial" panose="020B0604020202020204" pitchFamily="34" charset="0"/>
+                  <a:buChar char="•"/>
+                </a:pPr>
+                <a:r>
+                  <a:rPr lang="ko-KR" altLang="en-US" sz="1400" spc="-100" dirty="0" smtClean="0">
+                    <a:solidFill>
+                      <a:sysClr val="windowText" lastClr="000000"/>
+                    </a:solidFill>
+                  </a:rPr>
+                  <a:t>작업 </a:t>
+                </a:r>
+                <a:r>
+                  <a:rPr lang="ko-KR" altLang="en-US" sz="1400" spc="-100" dirty="0">
+                    <a:solidFill>
+                      <a:sysClr val="windowText" lastClr="000000"/>
+                    </a:solidFill>
+                  </a:rPr>
+                  <a:t>결과 </a:t>
+                </a:r>
+                <a:r>
+                  <a:rPr lang="ko-KR" altLang="en-US" sz="1400" spc="-100" dirty="0" smtClean="0">
+                    <a:solidFill>
+                      <a:sysClr val="windowText" lastClr="000000"/>
+                    </a:solidFill>
+                  </a:rPr>
+                  <a:t>수신 </a:t>
+                </a:r>
+                <a:r>
+                  <a:rPr lang="en-US" altLang="ko-KR" sz="1400" spc="-100" dirty="0" smtClean="0">
+                    <a:solidFill>
+                      <a:sysClr val="windowText" lastClr="000000"/>
+                    </a:solidFill>
+                  </a:rPr>
+                  <a:t>-&gt; M/W </a:t>
+                </a:r>
+                <a:r>
+                  <a:rPr lang="ko-KR" altLang="en-US" sz="1400" spc="-100" dirty="0">
+                    <a:solidFill>
+                      <a:sysClr val="windowText" lastClr="000000"/>
+                    </a:solidFill>
+                  </a:rPr>
+                  <a:t>전달</a:t>
+                </a:r>
+                <a:endParaRPr lang="en-US" altLang="ko-KR" sz="2800" spc="-100" dirty="0">
+                  <a:solidFill>
+                    <a:sysClr val="windowText" lastClr="000000"/>
+                  </a:solidFill>
+                </a:endParaRPr>
+              </a:p>
+            </p:txBody>
+          </p:sp>
+          <p:sp>
+            <p:nvSpPr>
+              <p:cNvPr id="27" name="모서리가 둥근 직사각형 26"/>
+              <p:cNvSpPr/>
+              <p:nvPr/>
+            </p:nvSpPr>
+            <p:spPr>
+              <a:xfrm>
+                <a:off x="2532415" y="4071842"/>
+                <a:ext cx="6135336" cy="566750"/>
+              </a:xfrm>
+              <a:prstGeom prst="roundRect">
+                <a:avLst/>
+              </a:prstGeom>
+            </p:spPr>
+            <p:style>
+              <a:lnRef idx="2">
+                <a:schemeClr val="accent2">
+                  <a:shade val="50000"/>
+                </a:schemeClr>
+              </a:lnRef>
+              <a:fillRef idx="1">
+                <a:schemeClr val="accent2"/>
+              </a:fillRef>
+              <a:effectRef idx="0">
+                <a:schemeClr val="accent2"/>
+              </a:effectRef>
+              <a:fontRef idx="minor">
+                <a:schemeClr val="lt1"/>
+              </a:fontRef>
+            </p:style>
+            <p:txBody>
+              <a:bodyPr rtlCol="0" anchor="ctr"/>
+              <a:lstStyle/>
+              <a:p>
+                <a:pPr algn="ctr"/>
+                <a:r>
+                  <a:rPr lang="en-US" altLang="ko-KR" sz="2000" b="1" dirty="0" smtClean="0"/>
+                  <a:t>M/W</a:t>
+                </a:r>
+              </a:p>
+              <a:p>
+                <a:pPr algn="ctr"/>
+                <a:r>
+                  <a:rPr lang="en-US" altLang="ko-KR" dirty="0" smtClean="0"/>
+                  <a:t>(SPS)</a:t>
+                </a:r>
+                <a:endParaRPr lang="ko-KR" altLang="en-US" dirty="0"/>
+              </a:p>
+            </p:txBody>
+          </p:sp>
+          <p:grpSp>
+            <p:nvGrpSpPr>
+              <p:cNvPr id="28" name="그룹 27"/>
+              <p:cNvGrpSpPr/>
+              <p:nvPr/>
+            </p:nvGrpSpPr>
+            <p:grpSpPr>
+              <a:xfrm>
+                <a:off x="2532415" y="4804756"/>
+                <a:ext cx="6135336" cy="1755273"/>
+                <a:chOff x="8421057" y="3101835"/>
+                <a:chExt cx="3618543" cy="2453443"/>
+              </a:xfrm>
+            </p:grpSpPr>
+            <p:sp>
+              <p:nvSpPr>
+                <p:cNvPr id="31" name="모서리가 둥근 직사각형 30"/>
+                <p:cNvSpPr/>
+                <p:nvPr/>
+              </p:nvSpPr>
+              <p:spPr>
+                <a:xfrm>
+                  <a:off x="8421057" y="3101835"/>
+                  <a:ext cx="3618543" cy="2453443"/>
+                </a:xfrm>
+                <a:prstGeom prst="roundRect">
+                  <a:avLst>
+                    <a:gd name="adj" fmla="val 6334"/>
+                  </a:avLst>
+                </a:prstGeom>
+                <a:solidFill>
+                  <a:srgbClr val="FFFFFF">
+                    <a:alpha val="70000"/>
+                  </a:srgbClr>
+                </a:solidFill>
+                <a:ln w="28575">
+                  <a:solidFill>
+                    <a:srgbClr val="FFC000"/>
+                  </a:solidFill>
+                  <a:prstDash val="dash"/>
+                </a:ln>
+              </p:spPr>
+              <p:style>
+                <a:lnRef idx="2">
+                  <a:schemeClr val="accent1">
+                    <a:shade val="50000"/>
+                  </a:schemeClr>
+                </a:lnRef>
+                <a:fillRef idx="1">
+                  <a:schemeClr val="accent1"/>
+                </a:fillRef>
+                <a:effectRef idx="0">
+                  <a:schemeClr val="accent1"/>
+                </a:effectRef>
+                <a:fontRef idx="minor">
+                  <a:schemeClr val="lt1"/>
+                </a:fontRef>
+              </p:style>
+              <p:txBody>
+                <a:bodyPr bIns="0" rtlCol="0" anchor="b"/>
+                <a:lstStyle/>
+                <a:p>
+                  <a:pPr algn="ctr"/>
+                  <a:r>
+                    <a:rPr lang="ko-KR" altLang="en-US" b="1" dirty="0" smtClean="0">
+                      <a:solidFill>
+                        <a:schemeClr val="tx1"/>
+                      </a:solidFill>
+                    </a:rPr>
+                    <a:t>창고 전산 관리 </a:t>
+                  </a:r>
+                  <a:r>
+                    <a:rPr lang="en-US" altLang="ko-KR" b="1" dirty="0" smtClean="0">
+                      <a:solidFill>
+                        <a:schemeClr val="tx1"/>
+                      </a:solidFill>
+                    </a:rPr>
+                    <a:t>S/W</a:t>
+                  </a:r>
+                  <a:endParaRPr lang="ko-KR" altLang="en-US" b="1" dirty="0">
+                    <a:solidFill>
+                      <a:schemeClr val="tx1"/>
+                    </a:solidFill>
+                  </a:endParaRPr>
+                </a:p>
+              </p:txBody>
+            </p:sp>
+            <p:sp>
+              <p:nvSpPr>
+                <p:cNvPr id="32" name="모서리가 둥근 직사각형 31"/>
+                <p:cNvSpPr/>
+                <p:nvPr/>
+              </p:nvSpPr>
+              <p:spPr>
+                <a:xfrm>
+                  <a:off x="8587021" y="3895553"/>
+                  <a:ext cx="1645264" cy="1189202"/>
+                </a:xfrm>
+                <a:prstGeom prst="roundRect">
+                  <a:avLst>
+                    <a:gd name="adj" fmla="val 0"/>
+                  </a:avLst>
+                </a:prstGeom>
+              </p:spPr>
+              <p:style>
+                <a:lnRef idx="2">
+                  <a:schemeClr val="accent1">
+                    <a:shade val="50000"/>
+                  </a:schemeClr>
+                </a:lnRef>
+                <a:fillRef idx="1">
+                  <a:schemeClr val="accent1"/>
+                </a:fillRef>
+                <a:effectRef idx="0">
+                  <a:schemeClr val="accent1"/>
+                </a:effectRef>
+                <a:fontRef idx="minor">
+                  <a:schemeClr val="lt1"/>
+                </a:fontRef>
+              </p:style>
+              <p:txBody>
+                <a:bodyPr rtlCol="0" anchor="ctr"/>
+                <a:lstStyle/>
+                <a:p>
+                  <a:pPr algn="ctr"/>
+                  <a:r>
+                    <a:rPr lang="en-US" altLang="ko-KR" sz="2400" b="1" dirty="0" smtClean="0"/>
+                    <a:t>WES</a:t>
+                  </a:r>
+                </a:p>
+                <a:p>
+                  <a:pPr algn="ctr"/>
+                  <a:r>
+                    <a:rPr lang="en-US" altLang="ko-KR" dirty="0" smtClean="0"/>
+                    <a:t>(</a:t>
+                  </a:r>
+                  <a:r>
+                    <a:rPr lang="ko-KR" altLang="en-US" dirty="0" smtClean="0"/>
+                    <a:t>구성 필요</a:t>
+                  </a:r>
+                  <a:r>
+                    <a:rPr lang="en-US" altLang="ko-KR" dirty="0" smtClean="0"/>
+                    <a:t>)</a:t>
+                  </a:r>
+                  <a:endParaRPr lang="ko-KR" altLang="en-US" dirty="0"/>
+                </a:p>
+              </p:txBody>
+            </p:sp>
+            <p:sp>
+              <p:nvSpPr>
+                <p:cNvPr id="33" name="모서리가 둥근 직사각형 32"/>
+                <p:cNvSpPr/>
+                <p:nvPr/>
+              </p:nvSpPr>
+              <p:spPr>
+                <a:xfrm>
+                  <a:off x="10232285" y="3895553"/>
+                  <a:ext cx="1638450" cy="1189202"/>
+                </a:xfrm>
+                <a:prstGeom prst="roundRect">
+                  <a:avLst>
+                    <a:gd name="adj" fmla="val 0"/>
+                  </a:avLst>
+                </a:prstGeom>
+                <a:ln w="12700">
+                  <a:solidFill>
+                    <a:schemeClr val="accent6">
+                      <a:lumMod val="75000"/>
+                    </a:schemeClr>
+                  </a:solidFill>
+                </a:ln>
+              </p:spPr>
+              <p:style>
+                <a:lnRef idx="3">
+                  <a:schemeClr val="lt1"/>
+                </a:lnRef>
+                <a:fillRef idx="1">
+                  <a:schemeClr val="accent6"/>
+                </a:fillRef>
+                <a:effectRef idx="1">
+                  <a:schemeClr val="accent6"/>
+                </a:effectRef>
+                <a:fontRef idx="minor">
+                  <a:schemeClr val="lt1"/>
+                </a:fontRef>
+              </p:style>
+              <p:txBody>
+                <a:bodyPr rtlCol="0" anchor="ctr"/>
+                <a:lstStyle/>
+                <a:p>
+                  <a:pPr algn="ctr"/>
+                  <a:r>
+                    <a:rPr lang="en-US" altLang="ko-KR" sz="2400" b="1" dirty="0" smtClean="0"/>
+                    <a:t>WMS</a:t>
+                  </a:r>
+                </a:p>
+                <a:p>
+                  <a:pPr algn="ctr"/>
+                  <a:r>
+                    <a:rPr lang="en-US" altLang="ko-KR" dirty="0" smtClean="0"/>
+                    <a:t>(Open</a:t>
+                  </a:r>
+                  <a:r>
+                    <a:rPr lang="ko-KR" altLang="en-US" dirty="0" smtClean="0"/>
+                    <a:t> </a:t>
+                  </a:r>
+                  <a:r>
+                    <a:rPr lang="en-US" altLang="ko-KR" dirty="0" smtClean="0"/>
+                    <a:t>Source)</a:t>
+                  </a:r>
+                  <a:endParaRPr lang="ko-KR" altLang="en-US" dirty="0"/>
+                </a:p>
+              </p:txBody>
+            </p:sp>
+            <p:sp>
+              <p:nvSpPr>
+                <p:cNvPr id="34" name="모서리가 둥근 직사각형 33"/>
+                <p:cNvSpPr/>
+                <p:nvPr/>
+              </p:nvSpPr>
+              <p:spPr>
+                <a:xfrm>
+                  <a:off x="8588470" y="3308130"/>
+                  <a:ext cx="3283715" cy="587422"/>
+                </a:xfrm>
+                <a:prstGeom prst="roundRect">
+                  <a:avLst>
+                    <a:gd name="adj" fmla="val 0"/>
+                  </a:avLst>
+                </a:prstGeom>
+              </p:spPr>
+              <p:style>
+                <a:lnRef idx="2">
+                  <a:schemeClr val="accent3">
+                    <a:shade val="50000"/>
+                  </a:schemeClr>
+                </a:lnRef>
+                <a:fillRef idx="1">
+                  <a:schemeClr val="accent3"/>
+                </a:fillRef>
+                <a:effectRef idx="0">
+                  <a:schemeClr val="accent3"/>
+                </a:effectRef>
+                <a:fontRef idx="minor">
+                  <a:schemeClr val="lt1"/>
+                </a:fontRef>
+              </p:style>
+              <p:txBody>
+                <a:bodyPr rtlCol="0" anchor="ctr"/>
+                <a:lstStyle/>
+                <a:p>
+                  <a:pPr algn="ctr"/>
+                  <a:r>
+                    <a:rPr lang="en-US" altLang="ko-KR" sz="2400" b="1" dirty="0" smtClean="0"/>
+                    <a:t>DB</a:t>
+                  </a:r>
+                  <a:endParaRPr lang="ko-KR" altLang="en-US" sz="2400" b="1" dirty="0"/>
+                </a:p>
+              </p:txBody>
+            </p:sp>
+          </p:grpSp>
+          <p:sp>
+            <p:nvSpPr>
+              <p:cNvPr id="29" name="오른쪽 화살표 28"/>
+              <p:cNvSpPr/>
+              <p:nvPr/>
+            </p:nvSpPr>
+            <p:spPr>
+              <a:xfrm rot="5400000">
+                <a:off x="3896434" y="3569778"/>
+                <a:ext cx="552746" cy="750014"/>
+              </a:xfrm>
+              <a:prstGeom prst="rightArrow">
+                <a:avLst/>
+              </a:prstGeom>
+            </p:spPr>
+            <p:style>
+              <a:lnRef idx="2">
+                <a:schemeClr val="accent1">
+                  <a:shade val="50000"/>
+                </a:schemeClr>
+              </a:lnRef>
+              <a:fillRef idx="1">
+                <a:schemeClr val="accent1"/>
+              </a:fillRef>
+              <a:effectRef idx="0">
+                <a:schemeClr val="accent1"/>
+              </a:effectRef>
+              <a:fontRef idx="minor">
+                <a:schemeClr val="lt1"/>
+              </a:fontRef>
+            </p:style>
+            <p:txBody>
+              <a:bodyPr rtlCol="0" anchor="ctr"/>
+              <a:lstStyle/>
+              <a:p>
+                <a:pPr algn="ctr"/>
+                <a:endParaRPr lang="ko-KR" altLang="en-US"/>
+              </a:p>
+            </p:txBody>
+          </p:sp>
+          <p:sp>
+            <p:nvSpPr>
+              <p:cNvPr id="30" name="위쪽/아래쪽 화살표 29"/>
+              <p:cNvSpPr/>
+              <p:nvPr/>
+            </p:nvSpPr>
+            <p:spPr>
+              <a:xfrm>
+                <a:off x="6823501" y="4412992"/>
+                <a:ext cx="642683" cy="622989"/>
+              </a:xfrm>
+              <a:prstGeom prst="upDownArrow">
+                <a:avLst/>
+              </a:prstGeom>
+            </p:spPr>
+            <p:style>
+              <a:lnRef idx="2">
+                <a:schemeClr val="accent1">
+                  <a:shade val="50000"/>
+                </a:schemeClr>
+              </a:lnRef>
+              <a:fillRef idx="1">
+                <a:schemeClr val="accent1"/>
+              </a:fillRef>
+              <a:effectRef idx="0">
+                <a:schemeClr val="accent1"/>
+              </a:effectRef>
+              <a:fontRef idx="minor">
+                <a:schemeClr val="lt1"/>
+              </a:fontRef>
+            </p:style>
+            <p:txBody>
+              <a:bodyPr rtlCol="0" anchor="ctr"/>
+              <a:lstStyle/>
+              <a:p>
+                <a:pPr algn="ctr"/>
+                <a:endParaRPr lang="ko-KR" altLang="en-US"/>
+              </a:p>
+            </p:txBody>
+          </p:sp>
+        </p:grpSp>
+        <p:sp>
+          <p:nvSpPr>
+            <p:cNvPr id="23" name="모서리가 둥근 직사각형 22"/>
+            <p:cNvSpPr/>
+            <p:nvPr/>
+          </p:nvSpPr>
+          <p:spPr>
+            <a:xfrm>
+              <a:off x="841457" y="1192019"/>
+              <a:ext cx="1404641" cy="5368014"/>
+            </a:xfrm>
+            <a:prstGeom prst="roundRect">
+              <a:avLst/>
+            </a:prstGeom>
+          </p:spPr>
+          <p:style>
+            <a:lnRef idx="2">
+              <a:schemeClr val="accent5">
+                <a:shade val="50000"/>
+              </a:schemeClr>
+            </a:lnRef>
+            <a:fillRef idx="1">
+              <a:schemeClr val="accent5"/>
+            </a:fillRef>
+            <a:effectRef idx="0">
+              <a:schemeClr val="accent5"/>
+            </a:effectRef>
+            <a:fontRef idx="minor">
+              <a:schemeClr val="lt1"/>
+            </a:fontRef>
+          </p:style>
+          <p:txBody>
+            <a:bodyPr lIns="0" tIns="0" rIns="0" bIns="0" rtlCol="0" anchor="ctr"/>
+            <a:lstStyle/>
+            <a:p>
+              <a:pPr algn="ctr"/>
+              <a:r>
+                <a:rPr lang="ko-KR" altLang="en-US" sz="2800" b="1" dirty="0" err="1" smtClean="0"/>
+                <a:t>제어부</a:t>
+              </a:r>
+              <a:endParaRPr lang="en-US" altLang="ko-KR" sz="2800" b="1" dirty="0" smtClean="0"/>
+            </a:p>
+            <a:p>
+              <a:pPr algn="ctr"/>
+              <a:endParaRPr lang="en-US" altLang="ko-KR" sz="2000" b="1" dirty="0" smtClean="0"/>
+            </a:p>
+            <a:p>
+              <a:pPr algn="ctr"/>
+              <a:r>
+                <a:rPr lang="ko-KR" altLang="en-US" sz="2000" dirty="0" smtClean="0"/>
+                <a:t>시뮬</a:t>
+              </a:r>
+              <a:r>
+                <a:rPr lang="ko-KR" altLang="en-US" sz="2000" dirty="0"/>
+                <a:t>레</a:t>
+              </a:r>
+              <a:r>
+                <a:rPr lang="ko-KR" altLang="en-US" sz="2000" dirty="0" smtClean="0"/>
+                <a:t>이션</a:t>
+              </a:r>
+              <a:r>
+                <a:rPr lang="en-US" altLang="ko-KR" sz="2000" dirty="0" smtClean="0"/>
+                <a:t> </a:t>
+              </a:r>
+              <a:r>
+                <a:rPr lang="en-US" altLang="ko-KR" sz="2000" dirty="0" err="1" smtClean="0"/>
+                <a:t>RoboDK</a:t>
+              </a:r>
+              <a:endParaRPr lang="en-US" altLang="ko-KR" sz="2000" dirty="0" smtClean="0"/>
+            </a:p>
+            <a:p>
+              <a:pPr algn="ctr"/>
+              <a:endParaRPr lang="en-US" altLang="ko-KR" sz="2000" dirty="0" smtClean="0"/>
+            </a:p>
+            <a:p>
+              <a:pPr algn="ctr"/>
+              <a:r>
+                <a:rPr lang="ko-KR" altLang="en-US" sz="2000" dirty="0" err="1" smtClean="0"/>
+                <a:t>실세계</a:t>
+              </a:r>
+              <a:r>
+                <a:rPr lang="ko-KR" altLang="en-US" sz="2000" dirty="0" smtClean="0"/>
+                <a:t> </a:t>
+              </a:r>
+              <a:endParaRPr lang="en-US" altLang="ko-KR" sz="2000" dirty="0" smtClean="0"/>
+            </a:p>
+            <a:p>
+              <a:pPr algn="ctr"/>
+              <a:r>
+                <a:rPr lang="en-US" altLang="ko-KR" sz="2000" dirty="0" smtClean="0"/>
+                <a:t>PLC</a:t>
+              </a:r>
+              <a:endParaRPr lang="ko-KR" altLang="en-US" sz="2000" dirty="0"/>
+            </a:p>
+          </p:txBody>
+        </p:sp>
+        <p:sp>
+          <p:nvSpPr>
+            <p:cNvPr id="24" name="왼쪽 화살표 23"/>
+            <p:cNvSpPr/>
+            <p:nvPr/>
+          </p:nvSpPr>
+          <p:spPr>
+            <a:xfrm>
+              <a:off x="2110574" y="2380388"/>
+              <a:ext cx="477561" cy="801860"/>
+            </a:xfrm>
+            <a:prstGeom prst="leftArrow">
+              <a:avLst/>
+            </a:prstGeom>
+          </p:spPr>
+          <p:style>
+            <a:lnRef idx="2">
+              <a:schemeClr val="accent1">
+                <a:shade val="50000"/>
+              </a:schemeClr>
+            </a:lnRef>
+            <a:fillRef idx="1">
+              <a:schemeClr val="accent1"/>
+            </a:fillRef>
+            <a:effectRef idx="0">
+              <a:schemeClr val="accent1"/>
+            </a:effectRef>
+            <a:fontRef idx="minor">
+              <a:schemeClr val="lt1"/>
+            </a:fontRef>
+          </p:style>
+          <p:txBody>
+            <a:bodyPr rtlCol="0" anchor="ctr"/>
+            <a:lstStyle/>
+            <a:p>
+              <a:pPr algn="ctr"/>
+              <a:endParaRPr lang="ko-KR" altLang="en-US"/>
+            </a:p>
+          </p:txBody>
+        </p:sp>
+        <p:sp>
+          <p:nvSpPr>
+            <p:cNvPr id="25" name="오른쪽 화살표 24"/>
+            <p:cNvSpPr/>
+            <p:nvPr/>
+          </p:nvSpPr>
+          <p:spPr>
+            <a:xfrm>
+              <a:off x="2169314" y="3976537"/>
+              <a:ext cx="477561" cy="788159"/>
+            </a:xfrm>
+            <a:prstGeom prst="rightArrow">
+              <a:avLst/>
+            </a:prstGeom>
+          </p:spPr>
+          <p:style>
+            <a:lnRef idx="2">
+              <a:schemeClr val="accent1">
+                <a:shade val="50000"/>
+              </a:schemeClr>
+            </a:lnRef>
+            <a:fillRef idx="1">
+              <a:schemeClr val="accent1"/>
+            </a:fillRef>
+            <a:effectRef idx="0">
+              <a:schemeClr val="accent1"/>
+            </a:effectRef>
+            <a:fontRef idx="minor">
+              <a:schemeClr val="lt1"/>
+            </a:fontRef>
+          </p:style>
+          <p:txBody>
+            <a:bodyPr rtlCol="0" anchor="ctr"/>
+            <a:lstStyle/>
+            <a:p>
+              <a:pPr algn="ctr"/>
+              <a:endParaRPr lang="ko-KR" altLang="en-US"/>
+            </a:p>
+          </p:txBody>
+        </p:sp>
+      </p:grpSp>
+    </p:spTree>
+    <p:extLst>
+      <p:ext uri="{BB962C8B-B14F-4D97-AF65-F5344CB8AC3E}">
+        <p14:creationId xmlns:p14="http://schemas.microsoft.com/office/powerpoint/2010/main" val="3843748216"/>
       </p:ext>
     </p:extLst>
   </p:cSld>
@@ -10923,76 +18936,16 @@
         <a:srgbClr val="954F72"/>
       </a:folHlink>
     </a:clrScheme>
-    <a:fontScheme name="Office">
+    <a:fontScheme name="고양">
       <a:majorFont>
-        <a:latin typeface="맑은 고딕" panose="020F0302020204030204"/>
-        <a:ea typeface=""/>
+        <a:latin typeface="고양일산 R"/>
+        <a:ea typeface="고양일산 R"/>
         <a:cs typeface=""/>
-        <a:font script="Jpan" typeface="游ゴシック Light"/>
-        <a:font script="Hang" typeface="맑은 고딕"/>
-        <a:font script="Hans" typeface="等线 Light"/>
-        <a:font script="Hant" typeface="新細明體"/>
-        <a:font script="Arab" typeface="Times New Roman"/>
-        <a:font script="Hebr" typeface="Times New Roman"/>
-        <a:font script="Thai" typeface="Angsana New"/>
-        <a:font script="Ethi" typeface="Nyala"/>
-        <a:font script="Beng" typeface="Vrinda"/>
-        <a:font script="Gujr" typeface="Shruti"/>
-        <a:font script="Khmr" typeface="MoolBoran"/>
-        <a:font script="Knda" typeface="Tunga"/>
-        <a:font script="Guru" typeface="Raavi"/>
-        <a:font script="Cans" typeface="Euphemia"/>
-        <a:font script="Cher" typeface="Plantagenet Cherokee"/>
-        <a:font script="Yiii" typeface="Microsoft Yi Baiti"/>
-        <a:font script="Tibt" typeface="Microsoft Himalaya"/>
-        <a:font script="Thaa" typeface="MV Boli"/>
-        <a:font script="Deva" typeface="Mangal"/>
-        <a:font script="Telu" typeface="Gautami"/>
-        <a:font script="Taml" typeface="Latha"/>
-        <a:font script="Syrc" typeface="Estrangelo Edessa"/>
-        <a:font script="Orya" typeface="Kalinga"/>
-        <a:font script="Mlym" typeface="Kartika"/>
-        <a:font script="Laoo" typeface="DokChampa"/>
-        <a:font script="Sinh" typeface="Iskoola Pota"/>
-        <a:font script="Mong" typeface="Mongolian Baiti"/>
-        <a:font script="Viet" typeface="Times New Roman"/>
-        <a:font script="Uigh" typeface="Microsoft Uighur"/>
-        <a:font script="Geor" typeface="Sylfaen"/>
       </a:majorFont>
       <a:minorFont>
-        <a:latin typeface="맑은 고딕" panose="020F0502020204030204"/>
-        <a:ea typeface=""/>
+        <a:latin typeface="나눔고딕"/>
+        <a:ea typeface="나눔고딕"/>
         <a:cs typeface=""/>
-        <a:font script="Jpan" typeface="游ゴシック"/>
-        <a:font script="Hang" typeface="맑은 고딕"/>
-        <a:font script="Hans" typeface="等线"/>
-        <a:font script="Hant" typeface="新細明體"/>
-        <a:font script="Arab" typeface="Arial"/>
-        <a:font script="Hebr" typeface="Arial"/>
-        <a:font script="Thai" typeface="Cordia New"/>
-        <a:font script="Ethi" typeface="Nyala"/>
-        <a:font script="Beng" typeface="Vrinda"/>
-        <a:font script="Gujr" typeface="Shruti"/>
-        <a:font script="Khmr" typeface="DaunPenh"/>
-        <a:font script="Knda" typeface="Tunga"/>
-        <a:font script="Guru" typeface="Raavi"/>
-        <a:font script="Cans" typeface="Euphemia"/>
-        <a:font script="Cher" typeface="Plantagenet Cherokee"/>
-        <a:font script="Yiii" typeface="Microsoft Yi Baiti"/>
-        <a:font script="Tibt" typeface="Microsoft Himalaya"/>
-        <a:font script="Thaa" typeface="MV Boli"/>
-        <a:font script="Deva" typeface="Mangal"/>
-        <a:font script="Telu" typeface="Gautami"/>
-        <a:font script="Taml" typeface="Latha"/>
-        <a:font script="Syrc" typeface="Estrangelo Edessa"/>
-        <a:font script="Orya" typeface="Kalinga"/>
-        <a:font script="Mlym" typeface="Kartika"/>
-        <a:font script="Laoo" typeface="DokChampa"/>
-        <a:font script="Sinh" typeface="Iskoola Pota"/>
-        <a:font script="Mong" typeface="Mongolian Baiti"/>
-        <a:font script="Viet" typeface="Arial"/>
-        <a:font script="Uigh" typeface="Microsoft Uighur"/>
-        <a:font script="Geor" typeface="Sylfaen"/>
       </a:minorFont>
     </a:fontScheme>
     <a:fmtScheme name="Office">

--- a/doc/시스템 개념.pptx
+++ b/doc/시스템 개념.pptx
@@ -1552,40 +1552,40 @@
     </dgm:pt>
   </dgm:ptLst>
   <dgm:cxnLst>
+    <dgm:cxn modelId="{1872435F-7E44-4DB1-86C1-89469AD16A32}" srcId="{71403A17-7633-40C1-9DD1-F48010F1D42F}" destId="{45FE60E3-5329-4FC6-BF52-2E8D5F6E393C}" srcOrd="2" destOrd="0" parTransId="{9E26B424-6F55-4A71-BF93-43F2E15A1DD7}" sibTransId="{D8E4B919-6F3E-44A4-A58C-CD0CCD6C9492}"/>
+    <dgm:cxn modelId="{E853CAB3-0BDC-4A64-AC3B-7B50CD4CE8D2}" type="presOf" srcId="{CDBD3D8E-3522-4951-9FF8-0D8486CBEAF3}" destId="{4522B831-3FD9-46A4-8BBC-6881DC1BD5F6}" srcOrd="1" destOrd="2" presId="urn:microsoft.com/office/officeart/2005/8/layout/venn1"/>
+    <dgm:cxn modelId="{81D5E39D-560B-48FD-A79F-A200E3614BFB}" type="presOf" srcId="{F5800B0D-DBFD-46C6-B468-75CC55379768}" destId="{4522B831-3FD9-46A4-8BBC-6881DC1BD5F6}" srcOrd="1" destOrd="1" presId="urn:microsoft.com/office/officeart/2005/8/layout/venn1"/>
+    <dgm:cxn modelId="{020DE9EC-A35A-4F45-9BAB-D3D823B0CB55}" type="presOf" srcId="{45FE60E3-5329-4FC6-BF52-2E8D5F6E393C}" destId="{3F2F6218-954C-4A34-8C2E-74C8F0FF1D71}" srcOrd="0" destOrd="3" presId="urn:microsoft.com/office/officeart/2005/8/layout/venn1"/>
+    <dgm:cxn modelId="{6C932DDB-2F5F-4FD9-AC45-1ED8B572AA69}" type="presOf" srcId="{286E7E16-A8BE-464F-BA00-DB570C2B0AB3}" destId="{B8D1994B-08EB-499F-8D8D-6B697550A969}" srcOrd="0" destOrd="3" presId="urn:microsoft.com/office/officeart/2005/8/layout/venn1"/>
     <dgm:cxn modelId="{696B3D13-4F41-49A1-BC08-EB7FA8E03E97}" type="presOf" srcId="{71403A17-7633-40C1-9DD1-F48010F1D42F}" destId="{C1417630-0DF0-46E2-8BE3-3ADBF55A5E74}" srcOrd="1" destOrd="0" presId="urn:microsoft.com/office/officeart/2005/8/layout/venn1"/>
+    <dgm:cxn modelId="{03808C10-DE17-4885-98B6-4D550AB48776}" srcId="{15340374-ADE8-41BE-9FCB-E95A20BEEB6C}" destId="{A2184906-6E96-4BFF-A216-2CDCC29C7387}" srcOrd="2" destOrd="0" parTransId="{A5E20DB2-7C06-40E4-92CD-7C620C12834B}" sibTransId="{E6903F04-4159-4A80-B6F4-6219F3E817D4}"/>
+    <dgm:cxn modelId="{A5F849D4-095B-45AD-9C34-EF648DF90319}" type="presOf" srcId="{1F5CB5FF-85F2-4F33-BD67-4C99B6B76D3B}" destId="{3F2F6218-954C-4A34-8C2E-74C8F0FF1D71}" srcOrd="0" destOrd="1" presId="urn:microsoft.com/office/officeart/2005/8/layout/venn1"/>
+    <dgm:cxn modelId="{46FD4F7C-F410-477E-A876-9AAF1F37B5D4}" srcId="{A2184906-6E96-4BFF-A216-2CDCC29C7387}" destId="{D394152D-0036-4447-9299-97FF6C305010}" srcOrd="1" destOrd="0" parTransId="{F3A8BC52-E7F2-4D91-9F17-E67D9A03C8BD}" sibTransId="{C91E8421-6DD9-46FC-AD05-759DEAA8ECA2}"/>
+    <dgm:cxn modelId="{6EA6E512-FFF6-49BD-B23D-BE834808BCBE}" srcId="{71403A17-7633-40C1-9DD1-F48010F1D42F}" destId="{1F5CB5FF-85F2-4F33-BD67-4C99B6B76D3B}" srcOrd="0" destOrd="0" parTransId="{F2E51F6F-9907-4AF4-89EF-5C151FB53009}" sibTransId="{4EA8AD30-241D-4E18-8B51-D192124A966A}"/>
+    <dgm:cxn modelId="{71298D5B-0F8F-4A19-8225-25A992FE7F3F}" srcId="{71403A17-7633-40C1-9DD1-F48010F1D42F}" destId="{457308CD-8D94-4D65-ABB6-F4DBD4292B5A}" srcOrd="1" destOrd="0" parTransId="{8E129A2C-705F-4E7B-A2DB-8FD53FD20047}" sibTransId="{31E781C3-6691-411E-A777-E8FF0E17C6D1}"/>
+    <dgm:cxn modelId="{422F0330-C025-4A10-85B6-92DFB1F6B1EB}" type="presOf" srcId="{E3536D26-453B-4E26-B4B8-CB924A57BEA3}" destId="{28279656-3B19-4C60-B0CB-CC9D49852849}" srcOrd="0" destOrd="0" presId="urn:microsoft.com/office/officeart/2005/8/layout/venn1"/>
+    <dgm:cxn modelId="{9C84ECAA-8D57-44F9-AE50-2D1A997329D7}" type="presOf" srcId="{B7501A83-673F-48D3-901C-1A5638320F98}" destId="{9F8B2F5E-0CD2-4EE1-A20B-E04095427357}" srcOrd="1" destOrd="1" presId="urn:microsoft.com/office/officeart/2005/8/layout/venn1"/>
     <dgm:cxn modelId="{07F8E6AA-B4DE-4D2B-AB16-FD6C01C8EA98}" type="presOf" srcId="{F5800B0D-DBFD-46C6-B468-75CC55379768}" destId="{28279656-3B19-4C60-B0CB-CC9D49852849}" srcOrd="0" destOrd="1" presId="urn:microsoft.com/office/officeart/2005/8/layout/venn1"/>
+    <dgm:cxn modelId="{825ABFBB-D125-43C6-91B1-90E8FA8C9BA8}" type="presOf" srcId="{D394152D-0036-4447-9299-97FF6C305010}" destId="{9F8B2F5E-0CD2-4EE1-A20B-E04095427357}" srcOrd="1" destOrd="2" presId="urn:microsoft.com/office/officeart/2005/8/layout/venn1"/>
+    <dgm:cxn modelId="{9CCCD6CB-005D-4480-BD18-DBE2B45800DD}" srcId="{A2184906-6E96-4BFF-A216-2CDCC29C7387}" destId="{B7501A83-673F-48D3-901C-1A5638320F98}" srcOrd="0" destOrd="0" parTransId="{BAF783B5-6488-4B87-9BF3-CC8B669A2DA2}" sibTransId="{77800786-83DB-45ED-8704-04AD81BC9665}"/>
+    <dgm:cxn modelId="{7271D029-7630-47A8-9F1C-3DFA97F37A01}" type="presOf" srcId="{A2184906-6E96-4BFF-A216-2CDCC29C7387}" destId="{B8D1994B-08EB-499F-8D8D-6B697550A969}" srcOrd="0" destOrd="0" presId="urn:microsoft.com/office/officeart/2005/8/layout/venn1"/>
+    <dgm:cxn modelId="{FAF56295-6EA4-43D9-8F62-3555F0380F83}" srcId="{15340374-ADE8-41BE-9FCB-E95A20BEEB6C}" destId="{71403A17-7633-40C1-9DD1-F48010F1D42F}" srcOrd="1" destOrd="0" parTransId="{67B5E8E2-6CE7-461C-9A6F-1A373D6519D6}" sibTransId="{086E3947-CE65-401E-BE6A-4133465ADE09}"/>
+    <dgm:cxn modelId="{C84AF86C-7743-4671-A55A-DE8EC0082B15}" srcId="{15340374-ADE8-41BE-9FCB-E95A20BEEB6C}" destId="{E3536D26-453B-4E26-B4B8-CB924A57BEA3}" srcOrd="0" destOrd="0" parTransId="{87359AA6-D096-4144-B525-837972547487}" sibTransId="{049667EC-DE78-4FD8-9AB0-0381F293E3FA}"/>
+    <dgm:cxn modelId="{1A740AE2-370D-4532-82A9-2B87964A9B96}" type="presOf" srcId="{1F5CB5FF-85F2-4F33-BD67-4C99B6B76D3B}" destId="{C1417630-0DF0-46E2-8BE3-3ADBF55A5E74}" srcOrd="1" destOrd="1" presId="urn:microsoft.com/office/officeart/2005/8/layout/venn1"/>
+    <dgm:cxn modelId="{A36AC054-93EE-4C58-AAAF-32A4F4D37229}" type="presOf" srcId="{71403A17-7633-40C1-9DD1-F48010F1D42F}" destId="{3F2F6218-954C-4A34-8C2E-74C8F0FF1D71}" srcOrd="0" destOrd="0" presId="urn:microsoft.com/office/officeart/2005/8/layout/venn1"/>
+    <dgm:cxn modelId="{EC3C6870-978B-4CEE-8B1A-CFAC3D3FDA3C}" type="presOf" srcId="{286E7E16-A8BE-464F-BA00-DB570C2B0AB3}" destId="{9F8B2F5E-0CD2-4EE1-A20B-E04095427357}" srcOrd="1" destOrd="3" presId="urn:microsoft.com/office/officeart/2005/8/layout/venn1"/>
+    <dgm:cxn modelId="{BE6117D3-2FAC-432A-B42A-046602E9D6CB}" type="presOf" srcId="{457308CD-8D94-4D65-ABB6-F4DBD4292B5A}" destId="{C1417630-0DF0-46E2-8BE3-3ADBF55A5E74}" srcOrd="1" destOrd="2" presId="urn:microsoft.com/office/officeart/2005/8/layout/venn1"/>
+    <dgm:cxn modelId="{F7800975-CDAC-4274-B8DD-B2EF385C0EC3}" type="presOf" srcId="{D394152D-0036-4447-9299-97FF6C305010}" destId="{B8D1994B-08EB-499F-8D8D-6B697550A969}" srcOrd="0" destOrd="2" presId="urn:microsoft.com/office/officeart/2005/8/layout/venn1"/>
     <dgm:cxn modelId="{643184E1-C9B8-4702-AB78-D119F8CA500D}" srcId="{A2184906-6E96-4BFF-A216-2CDCC29C7387}" destId="{286E7E16-A8BE-464F-BA00-DB570C2B0AB3}" srcOrd="2" destOrd="0" parTransId="{718FBCBD-3AB4-48C2-81D2-71EA7BCA7744}" sibTransId="{CB42638A-034D-4692-8DDC-76AD77C29BEB}"/>
-    <dgm:cxn modelId="{422F0330-C025-4A10-85B6-92DFB1F6B1EB}" type="presOf" srcId="{E3536D26-453B-4E26-B4B8-CB924A57BEA3}" destId="{28279656-3B19-4C60-B0CB-CC9D49852849}" srcOrd="0" destOrd="0" presId="urn:microsoft.com/office/officeart/2005/8/layout/venn1"/>
+    <dgm:cxn modelId="{7A7F530B-2A9A-4E4C-9861-B05567EC4B0B}" type="presOf" srcId="{457308CD-8D94-4D65-ABB6-F4DBD4292B5A}" destId="{3F2F6218-954C-4A34-8C2E-74C8F0FF1D71}" srcOrd="0" destOrd="2" presId="urn:microsoft.com/office/officeart/2005/8/layout/venn1"/>
+    <dgm:cxn modelId="{AD1B2CC9-6EDE-41D7-A451-36BCCCE405D3}" type="presOf" srcId="{E3536D26-453B-4E26-B4B8-CB924A57BEA3}" destId="{4522B831-3FD9-46A4-8BBC-6881DC1BD5F6}" srcOrd="1" destOrd="0" presId="urn:microsoft.com/office/officeart/2005/8/layout/venn1"/>
     <dgm:cxn modelId="{A0810127-8366-4173-A3EC-E82FEDFCAD09}" type="presOf" srcId="{15340374-ADE8-41BE-9FCB-E95A20BEEB6C}" destId="{6651E0AF-CE0F-4162-B8DB-468E33360625}" srcOrd="0" destOrd="0" presId="urn:microsoft.com/office/officeart/2005/8/layout/venn1"/>
-    <dgm:cxn modelId="{FAF56295-6EA4-43D9-8F62-3555F0380F83}" srcId="{15340374-ADE8-41BE-9FCB-E95A20BEEB6C}" destId="{71403A17-7633-40C1-9DD1-F48010F1D42F}" srcOrd="1" destOrd="0" parTransId="{67B5E8E2-6CE7-461C-9A6F-1A373D6519D6}" sibTransId="{086E3947-CE65-401E-BE6A-4133465ADE09}"/>
-    <dgm:cxn modelId="{03808C10-DE17-4885-98B6-4D550AB48776}" srcId="{15340374-ADE8-41BE-9FCB-E95A20BEEB6C}" destId="{A2184906-6E96-4BFF-A216-2CDCC29C7387}" srcOrd="2" destOrd="0" parTransId="{A5E20DB2-7C06-40E4-92CD-7C620C12834B}" sibTransId="{E6903F04-4159-4A80-B6F4-6219F3E817D4}"/>
-    <dgm:cxn modelId="{1872435F-7E44-4DB1-86C1-89469AD16A32}" srcId="{71403A17-7633-40C1-9DD1-F48010F1D42F}" destId="{45FE60E3-5329-4FC6-BF52-2E8D5F6E393C}" srcOrd="2" destOrd="0" parTransId="{9E26B424-6F55-4A71-BF93-43F2E15A1DD7}" sibTransId="{D8E4B919-6F3E-44A4-A58C-CD0CCD6C9492}"/>
-    <dgm:cxn modelId="{9C84ECAA-8D57-44F9-AE50-2D1A997329D7}" type="presOf" srcId="{B7501A83-673F-48D3-901C-1A5638320F98}" destId="{9F8B2F5E-0CD2-4EE1-A20B-E04095427357}" srcOrd="1" destOrd="1" presId="urn:microsoft.com/office/officeart/2005/8/layout/venn1"/>
-    <dgm:cxn modelId="{F7800975-CDAC-4274-B8DD-B2EF385C0EC3}" type="presOf" srcId="{D394152D-0036-4447-9299-97FF6C305010}" destId="{B8D1994B-08EB-499F-8D8D-6B697550A969}" srcOrd="0" destOrd="2" presId="urn:microsoft.com/office/officeart/2005/8/layout/venn1"/>
-    <dgm:cxn modelId="{E853CAB3-0BDC-4A64-AC3B-7B50CD4CE8D2}" type="presOf" srcId="{CDBD3D8E-3522-4951-9FF8-0D8486CBEAF3}" destId="{4522B831-3FD9-46A4-8BBC-6881DC1BD5F6}" srcOrd="1" destOrd="2" presId="urn:microsoft.com/office/officeart/2005/8/layout/venn1"/>
-    <dgm:cxn modelId="{71298D5B-0F8F-4A19-8225-25A992FE7F3F}" srcId="{71403A17-7633-40C1-9DD1-F48010F1D42F}" destId="{457308CD-8D94-4D65-ABB6-F4DBD4292B5A}" srcOrd="1" destOrd="0" parTransId="{8E129A2C-705F-4E7B-A2DB-8FD53FD20047}" sibTransId="{31E781C3-6691-411E-A777-E8FF0E17C6D1}"/>
-    <dgm:cxn modelId="{EC3C6870-978B-4CEE-8B1A-CFAC3D3FDA3C}" type="presOf" srcId="{286E7E16-A8BE-464F-BA00-DB570C2B0AB3}" destId="{9F8B2F5E-0CD2-4EE1-A20B-E04095427357}" srcOrd="1" destOrd="3" presId="urn:microsoft.com/office/officeart/2005/8/layout/venn1"/>
-    <dgm:cxn modelId="{020DE9EC-A35A-4F45-9BAB-D3D823B0CB55}" type="presOf" srcId="{45FE60E3-5329-4FC6-BF52-2E8D5F6E393C}" destId="{3F2F6218-954C-4A34-8C2E-74C8F0FF1D71}" srcOrd="0" destOrd="3" presId="urn:microsoft.com/office/officeart/2005/8/layout/venn1"/>
+    <dgm:cxn modelId="{D1DAB7D9-5B22-4EDE-8638-53F24C8B99D2}" type="presOf" srcId="{A2184906-6E96-4BFF-A216-2CDCC29C7387}" destId="{9F8B2F5E-0CD2-4EE1-A20B-E04095427357}" srcOrd="1" destOrd="0" presId="urn:microsoft.com/office/officeart/2005/8/layout/venn1"/>
     <dgm:cxn modelId="{717CCFC6-DF4F-4529-84A6-A6A4E73EDEA1}" srcId="{E3536D26-453B-4E26-B4B8-CB924A57BEA3}" destId="{CDBD3D8E-3522-4951-9FF8-0D8486CBEAF3}" srcOrd="1" destOrd="0" parTransId="{8DB145C8-1D1A-4E60-A01D-3CE136F64F76}" sibTransId="{28F75634-104C-4200-B3F8-641EBF3C8931}"/>
-    <dgm:cxn modelId="{BE6117D3-2FAC-432A-B42A-046602E9D6CB}" type="presOf" srcId="{457308CD-8D94-4D65-ABB6-F4DBD4292B5A}" destId="{C1417630-0DF0-46E2-8BE3-3ADBF55A5E74}" srcOrd="1" destOrd="2" presId="urn:microsoft.com/office/officeart/2005/8/layout/venn1"/>
-    <dgm:cxn modelId="{7A7F530B-2A9A-4E4C-9861-B05567EC4B0B}" type="presOf" srcId="{457308CD-8D94-4D65-ABB6-F4DBD4292B5A}" destId="{3F2F6218-954C-4A34-8C2E-74C8F0FF1D71}" srcOrd="0" destOrd="2" presId="urn:microsoft.com/office/officeart/2005/8/layout/venn1"/>
-    <dgm:cxn modelId="{A36AC054-93EE-4C58-AAAF-32A4F4D37229}" type="presOf" srcId="{71403A17-7633-40C1-9DD1-F48010F1D42F}" destId="{3F2F6218-954C-4A34-8C2E-74C8F0FF1D71}" srcOrd="0" destOrd="0" presId="urn:microsoft.com/office/officeart/2005/8/layout/venn1"/>
-    <dgm:cxn modelId="{6C932DDB-2F5F-4FD9-AC45-1ED8B572AA69}" type="presOf" srcId="{286E7E16-A8BE-464F-BA00-DB570C2B0AB3}" destId="{B8D1994B-08EB-499F-8D8D-6B697550A969}" srcOrd="0" destOrd="3" presId="urn:microsoft.com/office/officeart/2005/8/layout/venn1"/>
-    <dgm:cxn modelId="{7271D029-7630-47A8-9F1C-3DFA97F37A01}" type="presOf" srcId="{A2184906-6E96-4BFF-A216-2CDCC29C7387}" destId="{B8D1994B-08EB-499F-8D8D-6B697550A969}" srcOrd="0" destOrd="0" presId="urn:microsoft.com/office/officeart/2005/8/layout/venn1"/>
-    <dgm:cxn modelId="{825ABFBB-D125-43C6-91B1-90E8FA8C9BA8}" type="presOf" srcId="{D394152D-0036-4447-9299-97FF6C305010}" destId="{9F8B2F5E-0CD2-4EE1-A20B-E04095427357}" srcOrd="1" destOrd="2" presId="urn:microsoft.com/office/officeart/2005/8/layout/venn1"/>
-    <dgm:cxn modelId="{C84AF86C-7743-4671-A55A-DE8EC0082B15}" srcId="{15340374-ADE8-41BE-9FCB-E95A20BEEB6C}" destId="{E3536D26-453B-4E26-B4B8-CB924A57BEA3}" srcOrd="0" destOrd="0" parTransId="{87359AA6-D096-4144-B525-837972547487}" sibTransId="{049667EC-DE78-4FD8-9AB0-0381F293E3FA}"/>
-    <dgm:cxn modelId="{46FD4F7C-F410-477E-A876-9AAF1F37B5D4}" srcId="{A2184906-6E96-4BFF-A216-2CDCC29C7387}" destId="{D394152D-0036-4447-9299-97FF6C305010}" srcOrd="1" destOrd="0" parTransId="{F3A8BC52-E7F2-4D91-9F17-E67D9A03C8BD}" sibTransId="{C91E8421-6DD9-46FC-AD05-759DEAA8ECA2}"/>
-    <dgm:cxn modelId="{9CCCD6CB-005D-4480-BD18-DBE2B45800DD}" srcId="{A2184906-6E96-4BFF-A216-2CDCC29C7387}" destId="{B7501A83-673F-48D3-901C-1A5638320F98}" srcOrd="0" destOrd="0" parTransId="{BAF783B5-6488-4B87-9BF3-CC8B669A2DA2}" sibTransId="{77800786-83DB-45ED-8704-04AD81BC9665}"/>
-    <dgm:cxn modelId="{6EA6E512-FFF6-49BD-B23D-BE834808BCBE}" srcId="{71403A17-7633-40C1-9DD1-F48010F1D42F}" destId="{1F5CB5FF-85F2-4F33-BD67-4C99B6B76D3B}" srcOrd="0" destOrd="0" parTransId="{F2E51F6F-9907-4AF4-89EF-5C151FB53009}" sibTransId="{4EA8AD30-241D-4E18-8B51-D192124A966A}"/>
-    <dgm:cxn modelId="{1A740AE2-370D-4532-82A9-2B87964A9B96}" type="presOf" srcId="{1F5CB5FF-85F2-4F33-BD67-4C99B6B76D3B}" destId="{C1417630-0DF0-46E2-8BE3-3ADBF55A5E74}" srcOrd="1" destOrd="1" presId="urn:microsoft.com/office/officeart/2005/8/layout/venn1"/>
+    <dgm:cxn modelId="{0E7FF733-D484-40BF-8AF8-CA9B9062131A}" type="presOf" srcId="{B7501A83-673F-48D3-901C-1A5638320F98}" destId="{B8D1994B-08EB-499F-8D8D-6B697550A969}" srcOrd="0" destOrd="1" presId="urn:microsoft.com/office/officeart/2005/8/layout/venn1"/>
+    <dgm:cxn modelId="{D95F334F-FC08-4B06-9F87-C1D1C5130939}" srcId="{E3536D26-453B-4E26-B4B8-CB924A57BEA3}" destId="{F5800B0D-DBFD-46C6-B468-75CC55379768}" srcOrd="0" destOrd="0" parTransId="{635337F6-6FA1-4204-A496-DC577A4EA034}" sibTransId="{858E93E1-8B88-40AB-9CB2-2DFDE67A31F2}"/>
+    <dgm:cxn modelId="{F620EB41-558D-4764-B7DC-5F7653C9A2E0}" type="presOf" srcId="{45FE60E3-5329-4FC6-BF52-2E8D5F6E393C}" destId="{C1417630-0DF0-46E2-8BE3-3ADBF55A5E74}" srcOrd="1" destOrd="3" presId="urn:microsoft.com/office/officeart/2005/8/layout/venn1"/>
     <dgm:cxn modelId="{10302CE5-8019-4AF0-926C-51A3AAB4FDAD}" type="presOf" srcId="{CDBD3D8E-3522-4951-9FF8-0D8486CBEAF3}" destId="{28279656-3B19-4C60-B0CB-CC9D49852849}" srcOrd="0" destOrd="2" presId="urn:microsoft.com/office/officeart/2005/8/layout/venn1"/>
-    <dgm:cxn modelId="{F620EB41-558D-4764-B7DC-5F7653C9A2E0}" type="presOf" srcId="{45FE60E3-5329-4FC6-BF52-2E8D5F6E393C}" destId="{C1417630-0DF0-46E2-8BE3-3ADBF55A5E74}" srcOrd="1" destOrd="3" presId="urn:microsoft.com/office/officeart/2005/8/layout/venn1"/>
-    <dgm:cxn modelId="{A5F849D4-095B-45AD-9C34-EF648DF90319}" type="presOf" srcId="{1F5CB5FF-85F2-4F33-BD67-4C99B6B76D3B}" destId="{3F2F6218-954C-4A34-8C2E-74C8F0FF1D71}" srcOrd="0" destOrd="1" presId="urn:microsoft.com/office/officeart/2005/8/layout/venn1"/>
-    <dgm:cxn modelId="{0E7FF733-D484-40BF-8AF8-CA9B9062131A}" type="presOf" srcId="{B7501A83-673F-48D3-901C-1A5638320F98}" destId="{B8D1994B-08EB-499F-8D8D-6B697550A969}" srcOrd="0" destOrd="1" presId="urn:microsoft.com/office/officeart/2005/8/layout/venn1"/>
-    <dgm:cxn modelId="{81D5E39D-560B-48FD-A79F-A200E3614BFB}" type="presOf" srcId="{F5800B0D-DBFD-46C6-B468-75CC55379768}" destId="{4522B831-3FD9-46A4-8BBC-6881DC1BD5F6}" srcOrd="1" destOrd="1" presId="urn:microsoft.com/office/officeart/2005/8/layout/venn1"/>
-    <dgm:cxn modelId="{D1DAB7D9-5B22-4EDE-8638-53F24C8B99D2}" type="presOf" srcId="{A2184906-6E96-4BFF-A216-2CDCC29C7387}" destId="{9F8B2F5E-0CD2-4EE1-A20B-E04095427357}" srcOrd="1" destOrd="0" presId="urn:microsoft.com/office/officeart/2005/8/layout/venn1"/>
-    <dgm:cxn modelId="{D95F334F-FC08-4B06-9F87-C1D1C5130939}" srcId="{E3536D26-453B-4E26-B4B8-CB924A57BEA3}" destId="{F5800B0D-DBFD-46C6-B468-75CC55379768}" srcOrd="0" destOrd="0" parTransId="{635337F6-6FA1-4204-A496-DC577A4EA034}" sibTransId="{858E93E1-8B88-40AB-9CB2-2DFDE67A31F2}"/>
-    <dgm:cxn modelId="{AD1B2CC9-6EDE-41D7-A451-36BCCCE405D3}" type="presOf" srcId="{E3536D26-453B-4E26-B4B8-CB924A57BEA3}" destId="{4522B831-3FD9-46A4-8BBC-6881DC1BD5F6}" srcOrd="1" destOrd="0" presId="urn:microsoft.com/office/officeart/2005/8/layout/venn1"/>
     <dgm:cxn modelId="{C5F881AC-DF2F-43A8-9F7B-E42F52D4D439}" type="presParOf" srcId="{6651E0AF-CE0F-4162-B8DB-468E33360625}" destId="{28279656-3B19-4C60-B0CB-CC9D49852849}" srcOrd="0" destOrd="0" presId="urn:microsoft.com/office/officeart/2005/8/layout/venn1"/>
     <dgm:cxn modelId="{30C2E55D-50CE-4468-927A-4775B9CF2F1B}" type="presParOf" srcId="{6651E0AF-CE0F-4162-B8DB-468E33360625}" destId="{4522B831-3FD9-46A4-8BBC-6881DC1BD5F6}" srcOrd="1" destOrd="0" presId="urn:microsoft.com/office/officeart/2005/8/layout/venn1"/>
     <dgm:cxn modelId="{EAAE165D-5E1B-4F00-A91C-C1E275DECB2F}" type="presParOf" srcId="{6651E0AF-CE0F-4162-B8DB-468E33360625}" destId="{3F2F6218-954C-4A34-8C2E-74C8F0FF1D71}" srcOrd="2" destOrd="0" presId="urn:microsoft.com/office/officeart/2005/8/layout/venn1"/>
@@ -4041,7 +4041,7 @@
           <a:p>
             <a:fld id="{3C9918EF-AF9F-43F7-8C5C-CC604C6A12F3}" type="datetimeFigureOut">
               <a:rPr lang="ko-KR" altLang="en-US" smtClean="0"/>
-              <a:t>2024-02-14</a:t>
+              <a:t>2024-05-07</a:t>
             </a:fld>
             <a:endParaRPr lang="ko-KR" altLang="en-US"/>
           </a:p>
@@ -4211,7 +4211,7 @@
           <a:p>
             <a:fld id="{3C9918EF-AF9F-43F7-8C5C-CC604C6A12F3}" type="datetimeFigureOut">
               <a:rPr lang="ko-KR" altLang="en-US" smtClean="0"/>
-              <a:t>2024-02-14</a:t>
+              <a:t>2024-05-07</a:t>
             </a:fld>
             <a:endParaRPr lang="ko-KR" altLang="en-US"/>
           </a:p>
@@ -4391,7 +4391,7 @@
           <a:p>
             <a:fld id="{3C9918EF-AF9F-43F7-8C5C-CC604C6A12F3}" type="datetimeFigureOut">
               <a:rPr lang="ko-KR" altLang="en-US" smtClean="0"/>
-              <a:t>2024-02-14</a:t>
+              <a:t>2024-05-07</a:t>
             </a:fld>
             <a:endParaRPr lang="ko-KR" altLang="en-US"/>
           </a:p>
@@ -4561,7 +4561,7 @@
           <a:p>
             <a:fld id="{3C9918EF-AF9F-43F7-8C5C-CC604C6A12F3}" type="datetimeFigureOut">
               <a:rPr lang="ko-KR" altLang="en-US" smtClean="0"/>
-              <a:t>2024-02-14</a:t>
+              <a:t>2024-05-07</a:t>
             </a:fld>
             <a:endParaRPr lang="ko-KR" altLang="en-US"/>
           </a:p>
@@ -4807,7 +4807,7 @@
           <a:p>
             <a:fld id="{3C9918EF-AF9F-43F7-8C5C-CC604C6A12F3}" type="datetimeFigureOut">
               <a:rPr lang="ko-KR" altLang="en-US" smtClean="0"/>
-              <a:t>2024-02-14</a:t>
+              <a:t>2024-05-07</a:t>
             </a:fld>
             <a:endParaRPr lang="ko-KR" altLang="en-US"/>
           </a:p>
@@ -5039,7 +5039,7 @@
           <a:p>
             <a:fld id="{3C9918EF-AF9F-43F7-8C5C-CC604C6A12F3}" type="datetimeFigureOut">
               <a:rPr lang="ko-KR" altLang="en-US" smtClean="0"/>
-              <a:t>2024-02-14</a:t>
+              <a:t>2024-05-07</a:t>
             </a:fld>
             <a:endParaRPr lang="ko-KR" altLang="en-US"/>
           </a:p>
@@ -5406,7 +5406,7 @@
           <a:p>
             <a:fld id="{3C9918EF-AF9F-43F7-8C5C-CC604C6A12F3}" type="datetimeFigureOut">
               <a:rPr lang="ko-KR" altLang="en-US" smtClean="0"/>
-              <a:t>2024-02-14</a:t>
+              <a:t>2024-05-07</a:t>
             </a:fld>
             <a:endParaRPr lang="ko-KR" altLang="en-US"/>
           </a:p>
@@ -5524,7 +5524,7 @@
           <a:p>
             <a:fld id="{3C9918EF-AF9F-43F7-8C5C-CC604C6A12F3}" type="datetimeFigureOut">
               <a:rPr lang="ko-KR" altLang="en-US" smtClean="0"/>
-              <a:t>2024-02-14</a:t>
+              <a:t>2024-05-07</a:t>
             </a:fld>
             <a:endParaRPr lang="ko-KR" altLang="en-US"/>
           </a:p>
@@ -5619,7 +5619,7 @@
           <a:p>
             <a:fld id="{3C9918EF-AF9F-43F7-8C5C-CC604C6A12F3}" type="datetimeFigureOut">
               <a:rPr lang="ko-KR" altLang="en-US" smtClean="0"/>
-              <a:t>2024-02-14</a:t>
+              <a:t>2024-05-07</a:t>
             </a:fld>
             <a:endParaRPr lang="ko-KR" altLang="en-US"/>
           </a:p>
@@ -5896,7 +5896,7 @@
           <a:p>
             <a:fld id="{3C9918EF-AF9F-43F7-8C5C-CC604C6A12F3}" type="datetimeFigureOut">
               <a:rPr lang="ko-KR" altLang="en-US" smtClean="0"/>
-              <a:t>2024-02-14</a:t>
+              <a:t>2024-05-07</a:t>
             </a:fld>
             <a:endParaRPr lang="ko-KR" altLang="en-US"/>
           </a:p>
@@ -6149,7 +6149,7 @@
           <a:p>
             <a:fld id="{3C9918EF-AF9F-43F7-8C5C-CC604C6A12F3}" type="datetimeFigureOut">
               <a:rPr lang="ko-KR" altLang="en-US" smtClean="0"/>
-              <a:t>2024-02-14</a:t>
+              <a:t>2024-05-07</a:t>
             </a:fld>
             <a:endParaRPr lang="ko-KR" altLang="en-US"/>
           </a:p>
@@ -6362,7 +6362,7 @@
           <a:p>
             <a:fld id="{3C9918EF-AF9F-43F7-8C5C-CC604C6A12F3}" type="datetimeFigureOut">
               <a:rPr lang="ko-KR" altLang="en-US" smtClean="0"/>
-              <a:t>2024-02-14</a:t>
+              <a:t>2024-05-07</a:t>
             </a:fld>
             <a:endParaRPr lang="ko-KR" altLang="en-US"/>
           </a:p>
@@ -7164,7 +7164,7 @@
         <p:spPr>
           <a:xfrm>
             <a:off x="102641" y="111972"/>
-            <a:ext cx="5436524" cy="540327"/>
+            <a:ext cx="6955384" cy="540327"/>
           </a:xfrm>
         </p:spPr>
         <p:txBody>
@@ -7183,7 +7183,19 @@
             </a:r>
             <a:r>
               <a:rPr lang="ko-KR" altLang="en-US" sz="3200" dirty="0" smtClean="0"/>
-              <a:t>구성</a:t>
+              <a:t>구성 </a:t>
+            </a:r>
+            <a:r>
+              <a:rPr lang="en-US" altLang="ko-KR" sz="3200" dirty="0" smtClean="0"/>
+              <a:t>(MICUBE</a:t>
+            </a:r>
+            <a:r>
+              <a:rPr lang="ko-KR" altLang="en-US" sz="3200" dirty="0" smtClean="0"/>
+              <a:t> 추가 협의 필요</a:t>
+            </a:r>
+            <a:r>
+              <a:rPr lang="en-US" altLang="ko-KR" sz="3200" dirty="0" smtClean="0"/>
+              <a:t>)</a:t>
             </a:r>
             <a:endParaRPr lang="ko-KR" altLang="en-US" sz="3200" dirty="0"/>
           </a:p>
@@ -8488,11 +8500,7 @@
                   </a:r>
                   <a:r>
                     <a:rPr lang="en-US" altLang="ko-KR" sz="1600" dirty="0" smtClean="0"/>
-                    <a:t> </a:t>
-                  </a:r>
-                  <a:r>
-                    <a:rPr lang="en-US" altLang="ko-KR" sz="1600" dirty="0" smtClean="0"/>
-                    <a:t>…</a:t>
+                    <a:t> …</a:t>
                   </a:r>
                   <a:endParaRPr lang="ko-KR" altLang="en-US" sz="1600" dirty="0"/>
                 </a:p>
@@ -8600,7 +8608,7 @@
             </p:nvSpPr>
             <p:spPr>
               <a:xfrm>
-                <a:off x="5694799" y="17367"/>
+                <a:off x="5610805" y="114441"/>
                 <a:ext cx="946822" cy="738729"/>
               </a:xfrm>
               <a:prstGeom prst="upDownArrow">
@@ -8736,6 +8744,1340 @@
           </p:txBody>
         </p:sp>
       </p:grpSp>
+      <p:grpSp>
+        <p:nvGrpSpPr>
+          <p:cNvPr id="33" name="그룹 32"/>
+          <p:cNvGrpSpPr/>
+          <p:nvPr/>
+        </p:nvGrpSpPr>
+        <p:grpSpPr>
+          <a:xfrm>
+            <a:off x="6285726" y="576218"/>
+            <a:ext cx="5634140" cy="6256422"/>
+            <a:chOff x="2682546" y="260351"/>
+            <a:chExt cx="6826908" cy="6256422"/>
+          </a:xfrm>
+        </p:grpSpPr>
+        <p:grpSp>
+          <p:nvGrpSpPr>
+            <p:cNvPr id="34" name="그룹 33"/>
+            <p:cNvGrpSpPr/>
+            <p:nvPr/>
+          </p:nvGrpSpPr>
+          <p:grpSpPr>
+            <a:xfrm>
+              <a:off x="2682546" y="260351"/>
+              <a:ext cx="6826908" cy="6256422"/>
+              <a:chOff x="1120029" y="-1377642"/>
+              <a:chExt cx="9936751" cy="7970307"/>
+            </a:xfrm>
+          </p:grpSpPr>
+          <p:sp>
+            <p:nvSpPr>
+              <p:cNvPr id="36" name="모서리가 둥근 직사각형 35"/>
+              <p:cNvSpPr/>
+              <p:nvPr/>
+            </p:nvSpPr>
+            <p:spPr>
+              <a:xfrm>
+                <a:off x="1122592" y="652300"/>
+                <a:ext cx="4964529" cy="5940365"/>
+              </a:xfrm>
+              <a:prstGeom prst="roundRect">
+                <a:avLst>
+                  <a:gd name="adj" fmla="val 2978"/>
+                </a:avLst>
+              </a:prstGeom>
+              <a:noFill/>
+              <a:ln w="28575">
+                <a:solidFill>
+                  <a:schemeClr val="accent1"/>
+                </a:solidFill>
+                <a:prstDash val="dash"/>
+              </a:ln>
+            </p:spPr>
+            <p:style>
+              <a:lnRef idx="2">
+                <a:schemeClr val="accent1">
+                  <a:shade val="50000"/>
+                </a:schemeClr>
+              </a:lnRef>
+              <a:fillRef idx="1">
+                <a:schemeClr val="accent1"/>
+              </a:fillRef>
+              <a:effectRef idx="0">
+                <a:schemeClr val="accent1"/>
+              </a:effectRef>
+              <a:fontRef idx="minor">
+                <a:schemeClr val="lt1"/>
+              </a:fontRef>
+            </p:style>
+            <p:txBody>
+              <a:bodyPr rtlCol="0" anchor="t"/>
+              <a:lstStyle/>
+              <a:p>
+                <a:r>
+                  <a:rPr lang="en-US" altLang="ko-KR" sz="2000" b="1" dirty="0" err="1" smtClean="0">
+                    <a:solidFill>
+                      <a:sysClr val="windowText" lastClr="000000"/>
+                    </a:solidFill>
+                  </a:rPr>
+                  <a:t>DTw</a:t>
+                </a:r>
+                <a:endParaRPr lang="ko-KR" altLang="en-US" sz="2000" b="1" dirty="0">
+                  <a:solidFill>
+                    <a:sysClr val="windowText" lastClr="000000"/>
+                  </a:solidFill>
+                </a:endParaRPr>
+              </a:p>
+            </p:txBody>
+          </p:sp>
+          <p:sp>
+            <p:nvSpPr>
+              <p:cNvPr id="37" name="모서리가 둥근 직사각형 36"/>
+              <p:cNvSpPr/>
+              <p:nvPr/>
+            </p:nvSpPr>
+            <p:spPr>
+              <a:xfrm>
+                <a:off x="6087800" y="652299"/>
+                <a:ext cx="4968980" cy="5940366"/>
+              </a:xfrm>
+              <a:prstGeom prst="roundRect">
+                <a:avLst>
+                  <a:gd name="adj" fmla="val 2550"/>
+                </a:avLst>
+              </a:prstGeom>
+              <a:noFill/>
+              <a:ln w="28575">
+                <a:solidFill>
+                  <a:srgbClr val="00B050"/>
+                </a:solidFill>
+                <a:prstDash val="dash"/>
+              </a:ln>
+            </p:spPr>
+            <p:style>
+              <a:lnRef idx="2">
+                <a:schemeClr val="accent1">
+                  <a:shade val="50000"/>
+                </a:schemeClr>
+              </a:lnRef>
+              <a:fillRef idx="1">
+                <a:schemeClr val="accent1"/>
+              </a:fillRef>
+              <a:effectRef idx="0">
+                <a:schemeClr val="accent1"/>
+              </a:effectRef>
+              <a:fontRef idx="minor">
+                <a:schemeClr val="lt1"/>
+              </a:fontRef>
+            </p:style>
+            <p:txBody>
+              <a:bodyPr rtlCol="0" anchor="t" anchorCtr="0"/>
+              <a:lstStyle/>
+              <a:p>
+                <a:pPr algn="r"/>
+                <a:r>
+                  <a:rPr lang="en-US" altLang="ko-KR" sz="2000" b="1" dirty="0" smtClean="0">
+                    <a:solidFill>
+                      <a:schemeClr val="tx1"/>
+                    </a:solidFill>
+                  </a:rPr>
+                  <a:t>Real World</a:t>
+                </a:r>
+              </a:p>
+            </p:txBody>
+          </p:sp>
+          <p:sp>
+            <p:nvSpPr>
+              <p:cNvPr id="38" name="모서리가 둥근 직사각형 37"/>
+              <p:cNvSpPr/>
+              <p:nvPr/>
+            </p:nvSpPr>
+            <p:spPr>
+              <a:xfrm>
+                <a:off x="1564516" y="1352866"/>
+                <a:ext cx="1708249" cy="5010607"/>
+              </a:xfrm>
+              <a:prstGeom prst="roundRect">
+                <a:avLst/>
+              </a:prstGeom>
+            </p:spPr>
+            <p:style>
+              <a:lnRef idx="2">
+                <a:schemeClr val="accent5">
+                  <a:shade val="50000"/>
+                </a:schemeClr>
+              </a:lnRef>
+              <a:fillRef idx="1">
+                <a:schemeClr val="accent5"/>
+              </a:fillRef>
+              <a:effectRef idx="0">
+                <a:schemeClr val="accent5"/>
+              </a:effectRef>
+              <a:fontRef idx="minor">
+                <a:schemeClr val="lt1"/>
+              </a:fontRef>
+            </p:style>
+            <p:txBody>
+              <a:bodyPr lIns="0" tIns="0" rIns="0" bIns="0" rtlCol="0" anchor="ctr"/>
+              <a:lstStyle/>
+              <a:p>
+                <a:pPr algn="ctr"/>
+                <a:r>
+                  <a:rPr lang="en-US" altLang="ko-KR" sz="2000" b="1" dirty="0" smtClean="0"/>
+                  <a:t>Sim.</a:t>
+                </a:r>
+              </a:p>
+              <a:p>
+                <a:pPr algn="ctr"/>
+                <a:endParaRPr lang="en-US" altLang="ko-KR" sz="2000" b="1" dirty="0" smtClean="0"/>
+              </a:p>
+              <a:p>
+                <a:pPr algn="ctr"/>
+                <a:r>
+                  <a:rPr lang="en-US" altLang="ko-KR" sz="1200" b="1" dirty="0" smtClean="0"/>
+                  <a:t>(</a:t>
+                </a:r>
+                <a:r>
+                  <a:rPr lang="en-US" altLang="ko-KR" sz="1400" b="1" dirty="0" err="1" smtClean="0"/>
+                  <a:t>RoboDK</a:t>
+                </a:r>
+                <a:r>
+                  <a:rPr lang="en-US" altLang="ko-KR" sz="1200" b="1" dirty="0" smtClean="0"/>
+                  <a:t>)</a:t>
+                </a:r>
+                <a:endParaRPr lang="ko-KR" altLang="en-US" sz="1200" b="1" dirty="0"/>
+              </a:p>
+            </p:txBody>
+          </p:sp>
+          <p:sp>
+            <p:nvSpPr>
+              <p:cNvPr id="40" name="모서리가 둥근 직사각형 39"/>
+              <p:cNvSpPr/>
+              <p:nvPr/>
+            </p:nvSpPr>
+            <p:spPr>
+              <a:xfrm>
+                <a:off x="3714689" y="3448480"/>
+                <a:ext cx="4758305" cy="1570041"/>
+              </a:xfrm>
+              <a:prstGeom prst="roundRect">
+                <a:avLst/>
+              </a:prstGeom>
+            </p:spPr>
+            <p:style>
+              <a:lnRef idx="2">
+                <a:schemeClr val="accent2">
+                  <a:shade val="50000"/>
+                </a:schemeClr>
+              </a:lnRef>
+              <a:fillRef idx="1">
+                <a:schemeClr val="accent2"/>
+              </a:fillRef>
+              <a:effectRef idx="0">
+                <a:schemeClr val="accent2"/>
+              </a:effectRef>
+              <a:fontRef idx="minor">
+                <a:schemeClr val="lt1"/>
+              </a:fontRef>
+            </p:style>
+            <p:txBody>
+              <a:bodyPr rtlCol="0" anchor="ctr"/>
+              <a:lstStyle/>
+              <a:p>
+                <a:pPr algn="ctr"/>
+                <a:r>
+                  <a:rPr lang="en-US" altLang="ko-KR" sz="1600" b="1" dirty="0" smtClean="0"/>
+                  <a:t>M/W (DB API)</a:t>
+                </a:r>
+              </a:p>
+              <a:p>
+                <a:pPr algn="ctr"/>
+                <a:endParaRPr lang="en-US" altLang="ko-KR" sz="1600" b="1" dirty="0"/>
+              </a:p>
+              <a:p>
+                <a:pPr algn="ctr"/>
+                <a:endParaRPr lang="en-US" altLang="ko-KR" sz="1600" b="1" dirty="0" smtClean="0"/>
+              </a:p>
+              <a:p>
+                <a:pPr algn="ctr"/>
+                <a:endParaRPr lang="ko-KR" altLang="en-US" sz="1600" b="1" dirty="0"/>
+              </a:p>
+            </p:txBody>
+          </p:sp>
+          <p:sp>
+            <p:nvSpPr>
+              <p:cNvPr id="39" name="모서리가 둥근 직사각형 38"/>
+              <p:cNvSpPr/>
+              <p:nvPr/>
+            </p:nvSpPr>
+            <p:spPr>
+              <a:xfrm>
+                <a:off x="3714688" y="4035044"/>
+                <a:ext cx="4758307" cy="2308841"/>
+              </a:xfrm>
+              <a:prstGeom prst="roundRect">
+                <a:avLst/>
+              </a:prstGeom>
+            </p:spPr>
+            <p:style>
+              <a:lnRef idx="2">
+                <a:schemeClr val="accent4">
+                  <a:shade val="50000"/>
+                </a:schemeClr>
+              </a:lnRef>
+              <a:fillRef idx="1">
+                <a:schemeClr val="accent4"/>
+              </a:fillRef>
+              <a:effectRef idx="0">
+                <a:schemeClr val="accent4"/>
+              </a:effectRef>
+              <a:fontRef idx="minor">
+                <a:schemeClr val="lt1"/>
+              </a:fontRef>
+            </p:style>
+            <p:txBody>
+              <a:bodyPr rtlCol="0" anchor="ctr"/>
+              <a:lstStyle/>
+              <a:p>
+                <a:pPr algn="ctr"/>
+                <a:r>
+                  <a:rPr lang="en-US" altLang="ko-KR" sz="2000" b="1" dirty="0" smtClean="0"/>
+                  <a:t>WCS </a:t>
+                </a:r>
+              </a:p>
+              <a:p>
+                <a:pPr algn="ctr"/>
+                <a:r>
+                  <a:rPr lang="en-US" altLang="ko-KR" sz="2000" b="1" dirty="0" smtClean="0"/>
+                  <a:t>(</a:t>
+                </a:r>
+                <a:r>
+                  <a:rPr lang="en-US" altLang="ko-KR" sz="2000" b="1" dirty="0" smtClean="0"/>
+                  <a:t>SPS+MICUBE)</a:t>
+                </a:r>
+                <a:endParaRPr lang="ko-KR" altLang="en-US" sz="2000" b="1" dirty="0"/>
+              </a:p>
+            </p:txBody>
+          </p:sp>
+          <p:sp>
+            <p:nvSpPr>
+              <p:cNvPr id="41" name="왼쪽 화살표 40"/>
+              <p:cNvSpPr/>
+              <p:nvPr/>
+            </p:nvSpPr>
+            <p:spPr>
+              <a:xfrm>
+                <a:off x="3043534" y="5142056"/>
+                <a:ext cx="1462504" cy="784238"/>
+              </a:xfrm>
+              <a:prstGeom prst="leftArrow">
+                <a:avLst>
+                  <a:gd name="adj1" fmla="val 50000"/>
+                  <a:gd name="adj2" fmla="val 42121"/>
+                </a:avLst>
+              </a:prstGeom>
+            </p:spPr>
+            <p:style>
+              <a:lnRef idx="2">
+                <a:schemeClr val="accent4">
+                  <a:shade val="50000"/>
+                </a:schemeClr>
+              </a:lnRef>
+              <a:fillRef idx="1">
+                <a:schemeClr val="accent4"/>
+              </a:fillRef>
+              <a:effectRef idx="0">
+                <a:schemeClr val="accent4"/>
+              </a:effectRef>
+              <a:fontRef idx="minor">
+                <a:schemeClr val="lt1"/>
+              </a:fontRef>
+            </p:style>
+            <p:txBody>
+              <a:bodyPr lIns="0" tIns="0" rIns="0" bIns="0" rtlCol="0" anchor="ctr">
+                <a:noAutofit/>
+              </a:bodyPr>
+              <a:lstStyle/>
+              <a:p>
+                <a:pPr algn="ctr"/>
+                <a:r>
+                  <a:rPr lang="ko-KR" altLang="en-US" sz="1100" b="1" dirty="0" smtClean="0">
+                    <a:solidFill>
+                      <a:schemeClr val="tx1"/>
+                    </a:solidFill>
+                  </a:rPr>
+                  <a:t>설비 제어</a:t>
+                </a:r>
+                <a:endParaRPr lang="ko-KR" altLang="en-US" sz="1100" b="1" dirty="0">
+                  <a:solidFill>
+                    <a:schemeClr val="tx1"/>
+                  </a:solidFill>
+                </a:endParaRPr>
+              </a:p>
+            </p:txBody>
+          </p:sp>
+          <p:sp>
+            <p:nvSpPr>
+              <p:cNvPr id="42" name="오른쪽 화살표 41"/>
+              <p:cNvSpPr/>
+              <p:nvPr/>
+            </p:nvSpPr>
+            <p:spPr>
+              <a:xfrm>
+                <a:off x="3044215" y="4232687"/>
+                <a:ext cx="1461825" cy="784715"/>
+              </a:xfrm>
+              <a:prstGeom prst="rightArrow">
+                <a:avLst>
+                  <a:gd name="adj1" fmla="val 50000"/>
+                  <a:gd name="adj2" fmla="val 51305"/>
+                </a:avLst>
+              </a:prstGeom>
+            </p:spPr>
+            <p:style>
+              <a:lnRef idx="2">
+                <a:schemeClr val="accent5">
+                  <a:shade val="50000"/>
+                </a:schemeClr>
+              </a:lnRef>
+              <a:fillRef idx="1">
+                <a:schemeClr val="accent5"/>
+              </a:fillRef>
+              <a:effectRef idx="0">
+                <a:schemeClr val="accent5"/>
+              </a:effectRef>
+              <a:fontRef idx="minor">
+                <a:schemeClr val="lt1"/>
+              </a:fontRef>
+            </p:style>
+            <p:txBody>
+              <a:bodyPr lIns="0" tIns="0" rIns="0" bIns="0" rtlCol="0" anchor="ctr">
+                <a:noAutofit/>
+              </a:bodyPr>
+              <a:lstStyle/>
+              <a:p>
+                <a:pPr algn="ctr"/>
+                <a:r>
+                  <a:rPr lang="ko-KR" altLang="en-US" sz="1050" b="1" dirty="0" smtClean="0"/>
+                  <a:t>가상 물리 정보</a:t>
+                </a:r>
+                <a:endParaRPr lang="ko-KR" altLang="en-US" sz="1050" b="1" dirty="0"/>
+              </a:p>
+            </p:txBody>
+          </p:sp>
+          <p:grpSp>
+            <p:nvGrpSpPr>
+              <p:cNvPr id="43" name="그룹 42"/>
+              <p:cNvGrpSpPr/>
+              <p:nvPr/>
+            </p:nvGrpSpPr>
+            <p:grpSpPr>
+              <a:xfrm>
+                <a:off x="3714688" y="1071293"/>
+                <a:ext cx="4758307" cy="2116268"/>
+                <a:chOff x="5323903" y="2634868"/>
+                <a:chExt cx="3187039" cy="4392752"/>
+              </a:xfrm>
+            </p:grpSpPr>
+            <p:sp>
+              <p:nvSpPr>
+                <p:cNvPr id="60" name="모서리가 둥근 직사각형 59"/>
+                <p:cNvSpPr/>
+                <p:nvPr/>
+              </p:nvSpPr>
+              <p:spPr>
+                <a:xfrm>
+                  <a:off x="5323903" y="2634868"/>
+                  <a:ext cx="3187039" cy="4392752"/>
+                </a:xfrm>
+                <a:prstGeom prst="roundRect">
+                  <a:avLst>
+                    <a:gd name="adj" fmla="val 6334"/>
+                  </a:avLst>
+                </a:prstGeom>
+                <a:solidFill>
+                  <a:srgbClr val="FFFFFF">
+                    <a:alpha val="70000"/>
+                  </a:srgbClr>
+                </a:solidFill>
+                <a:ln w="28575">
+                  <a:solidFill>
+                    <a:srgbClr val="FFC000"/>
+                  </a:solidFill>
+                  <a:prstDash val="dash"/>
+                </a:ln>
+              </p:spPr>
+              <p:style>
+                <a:lnRef idx="2">
+                  <a:schemeClr val="accent1">
+                    <a:shade val="50000"/>
+                  </a:schemeClr>
+                </a:lnRef>
+                <a:fillRef idx="1">
+                  <a:schemeClr val="accent1"/>
+                </a:fillRef>
+                <a:effectRef idx="0">
+                  <a:schemeClr val="accent1"/>
+                </a:effectRef>
+                <a:fontRef idx="minor">
+                  <a:schemeClr val="lt1"/>
+                </a:fontRef>
+              </p:style>
+              <p:txBody>
+                <a:bodyPr bIns="0" rtlCol="0" anchor="b"/>
+                <a:lstStyle/>
+                <a:p>
+                  <a:pPr algn="ctr"/>
+                  <a:r>
+                    <a:rPr lang="ko-KR" altLang="en-US" sz="1100" b="1" dirty="0" smtClean="0">
+                      <a:solidFill>
+                        <a:schemeClr val="tx1"/>
+                      </a:solidFill>
+                    </a:rPr>
+                    <a:t>창고 전산 관리 </a:t>
+                  </a:r>
+                  <a:r>
+                    <a:rPr lang="en-US" altLang="ko-KR" sz="1100" b="1" dirty="0" smtClean="0">
+                      <a:solidFill>
+                        <a:schemeClr val="tx1"/>
+                      </a:solidFill>
+                    </a:rPr>
+                    <a:t>S/W</a:t>
+                  </a:r>
+                  <a:endParaRPr lang="ko-KR" altLang="en-US" sz="1100" b="1" dirty="0">
+                    <a:solidFill>
+                      <a:schemeClr val="tx1"/>
+                    </a:solidFill>
+                  </a:endParaRPr>
+                </a:p>
+              </p:txBody>
+            </p:sp>
+            <p:sp>
+              <p:nvSpPr>
+                <p:cNvPr id="61" name="모서리가 둥근 직사각형 60"/>
+                <p:cNvSpPr/>
+                <p:nvPr/>
+              </p:nvSpPr>
+              <p:spPr>
+                <a:xfrm>
+                  <a:off x="5616076" y="5173416"/>
+                  <a:ext cx="2596172" cy="1166272"/>
+                </a:xfrm>
+                <a:prstGeom prst="roundRect">
+                  <a:avLst>
+                    <a:gd name="adj" fmla="val 0"/>
+                  </a:avLst>
+                </a:prstGeom>
+              </p:spPr>
+              <p:style>
+                <a:lnRef idx="2">
+                  <a:schemeClr val="accent3">
+                    <a:shade val="50000"/>
+                  </a:schemeClr>
+                </a:lnRef>
+                <a:fillRef idx="1">
+                  <a:schemeClr val="accent3"/>
+                </a:fillRef>
+                <a:effectRef idx="0">
+                  <a:schemeClr val="accent3"/>
+                </a:effectRef>
+                <a:fontRef idx="minor">
+                  <a:schemeClr val="lt1"/>
+                </a:fontRef>
+              </p:style>
+              <p:txBody>
+                <a:bodyPr rtlCol="0" anchor="ctr"/>
+                <a:lstStyle/>
+                <a:p>
+                  <a:pPr algn="ctr"/>
+                  <a:r>
+                    <a:rPr lang="en-US" altLang="ko-KR" sz="1600" b="1" dirty="0" smtClean="0"/>
+                    <a:t>DB</a:t>
+                  </a:r>
+                  <a:endParaRPr lang="ko-KR" altLang="en-US" sz="1600" b="1" dirty="0"/>
+                </a:p>
+              </p:txBody>
+            </p:sp>
+          </p:grpSp>
+          <p:sp>
+            <p:nvSpPr>
+              <p:cNvPr id="46" name="위쪽 화살표 45"/>
+              <p:cNvSpPr/>
+              <p:nvPr/>
+            </p:nvSpPr>
+            <p:spPr>
+              <a:xfrm rot="10800000">
+                <a:off x="4077754" y="2734458"/>
+                <a:ext cx="1204378" cy="860400"/>
+              </a:xfrm>
+              <a:prstGeom prst="upArrow">
+                <a:avLst/>
+              </a:prstGeom>
+            </p:spPr>
+            <p:style>
+              <a:lnRef idx="2">
+                <a:schemeClr val="accent3">
+                  <a:shade val="50000"/>
+                </a:schemeClr>
+              </a:lnRef>
+              <a:fillRef idx="1">
+                <a:schemeClr val="accent3"/>
+              </a:fillRef>
+              <a:effectRef idx="0">
+                <a:schemeClr val="accent3"/>
+              </a:effectRef>
+              <a:fontRef idx="minor">
+                <a:schemeClr val="lt1"/>
+              </a:fontRef>
+            </p:style>
+            <p:txBody>
+              <a:bodyPr lIns="0" tIns="0" rIns="0" bIns="0" rtlCol="0" anchor="ctr">
+                <a:noAutofit/>
+                <a:scene3d>
+                  <a:camera prst="orthographicFront">
+                    <a:rot lat="0" lon="0" rev="10800000"/>
+                  </a:camera>
+                  <a:lightRig rig="threePt" dir="t"/>
+                </a:scene3d>
+              </a:bodyPr>
+              <a:lstStyle/>
+              <a:p>
+                <a:pPr algn="ctr"/>
+                <a:r>
+                  <a:rPr lang="ko-KR" altLang="en-US" sz="1100" b="1" dirty="0" smtClean="0">
+                    <a:solidFill>
+                      <a:schemeClr val="tx1"/>
+                    </a:solidFill>
+                  </a:rPr>
+                  <a:t>위치 </a:t>
+                </a:r>
+                <a:endParaRPr lang="en-US" altLang="ko-KR" sz="1100" b="1" dirty="0" smtClean="0">
+                  <a:solidFill>
+                    <a:schemeClr val="tx1"/>
+                  </a:solidFill>
+                </a:endParaRPr>
+              </a:p>
+              <a:p>
+                <a:pPr algn="ctr"/>
+                <a:r>
+                  <a:rPr lang="ko-KR" altLang="en-US" sz="1100" b="1" dirty="0" smtClean="0">
+                    <a:solidFill>
+                      <a:schemeClr val="tx1"/>
+                    </a:solidFill>
+                  </a:rPr>
+                  <a:t>정보</a:t>
+                </a:r>
+                <a:endParaRPr lang="ko-KR" altLang="en-US" sz="1100" b="1" dirty="0">
+                  <a:solidFill>
+                    <a:schemeClr val="tx1"/>
+                  </a:solidFill>
+                </a:endParaRPr>
+              </a:p>
+            </p:txBody>
+          </p:sp>
+          <p:sp>
+            <p:nvSpPr>
+              <p:cNvPr id="47" name="아래쪽 화살표 46"/>
+              <p:cNvSpPr/>
+              <p:nvPr/>
+            </p:nvSpPr>
+            <p:spPr>
+              <a:xfrm rot="10800000">
+                <a:off x="6976710" y="2817240"/>
+                <a:ext cx="1118366" cy="860400"/>
+              </a:xfrm>
+              <a:prstGeom prst="downArrow">
+                <a:avLst/>
+              </a:prstGeom>
+            </p:spPr>
+            <p:style>
+              <a:lnRef idx="2">
+                <a:schemeClr val="accent2">
+                  <a:shade val="50000"/>
+                </a:schemeClr>
+              </a:lnRef>
+              <a:fillRef idx="1">
+                <a:schemeClr val="accent2"/>
+              </a:fillRef>
+              <a:effectRef idx="0">
+                <a:schemeClr val="accent2"/>
+              </a:effectRef>
+              <a:fontRef idx="minor">
+                <a:schemeClr val="lt1"/>
+              </a:fontRef>
+            </p:style>
+            <p:txBody>
+              <a:bodyPr lIns="0" tIns="0" rIns="0" bIns="0" rtlCol="0" anchor="ctr">
+                <a:noAutofit/>
+                <a:scene3d>
+                  <a:camera prst="orthographicFront">
+                    <a:rot lat="0" lon="0" rev="10800000"/>
+                  </a:camera>
+                  <a:lightRig rig="threePt" dir="t"/>
+                </a:scene3d>
+              </a:bodyPr>
+              <a:lstStyle/>
+              <a:p>
+                <a:pPr algn="ctr"/>
+                <a:r>
+                  <a:rPr lang="ko-KR" altLang="en-US" sz="1100" b="1" dirty="0" smtClean="0">
+                    <a:solidFill>
+                      <a:schemeClr val="tx1"/>
+                    </a:solidFill>
+                  </a:rPr>
+                  <a:t>제어 </a:t>
+                </a:r>
+                <a:endParaRPr lang="en-US" altLang="ko-KR" sz="1100" b="1" dirty="0" smtClean="0">
+                  <a:solidFill>
+                    <a:schemeClr val="tx1"/>
+                  </a:solidFill>
+                </a:endParaRPr>
+              </a:p>
+              <a:p>
+                <a:pPr algn="ctr"/>
+                <a:r>
+                  <a:rPr lang="ko-KR" altLang="en-US" sz="1100" b="1" dirty="0" smtClean="0">
+                    <a:solidFill>
+                      <a:schemeClr val="tx1"/>
+                    </a:solidFill>
+                  </a:rPr>
+                  <a:t>결과</a:t>
+                </a:r>
+                <a:endParaRPr lang="ko-KR" altLang="en-US" sz="1100" b="1" dirty="0">
+                  <a:solidFill>
+                    <a:schemeClr val="tx1"/>
+                  </a:solidFill>
+                </a:endParaRPr>
+              </a:p>
+            </p:txBody>
+          </p:sp>
+          <p:sp>
+            <p:nvSpPr>
+              <p:cNvPr id="48" name="모서리가 둥근 직사각형 47"/>
+              <p:cNvSpPr/>
+              <p:nvPr/>
+            </p:nvSpPr>
+            <p:spPr>
+              <a:xfrm>
+                <a:off x="8978693" y="1352867"/>
+                <a:ext cx="1708249" cy="5010606"/>
+              </a:xfrm>
+              <a:prstGeom prst="roundRect">
+                <a:avLst/>
+              </a:prstGeom>
+            </p:spPr>
+            <p:style>
+              <a:lnRef idx="2">
+                <a:schemeClr val="accent5">
+                  <a:shade val="50000"/>
+                </a:schemeClr>
+              </a:lnRef>
+              <a:fillRef idx="1">
+                <a:schemeClr val="accent5"/>
+              </a:fillRef>
+              <a:effectRef idx="0">
+                <a:schemeClr val="accent5"/>
+              </a:effectRef>
+              <a:fontRef idx="minor">
+                <a:schemeClr val="lt1"/>
+              </a:fontRef>
+            </p:style>
+            <p:txBody>
+              <a:bodyPr lIns="0" tIns="0" rIns="0" bIns="0" rtlCol="0" anchor="ctr"/>
+              <a:lstStyle/>
+              <a:p>
+                <a:pPr algn="ctr"/>
+                <a:r>
+                  <a:rPr lang="en-US" altLang="ko-KR" sz="2000" b="1" dirty="0" smtClean="0"/>
+                  <a:t>PLC</a:t>
+                </a:r>
+                <a:endParaRPr lang="ko-KR" altLang="en-US" sz="2000" b="1" dirty="0"/>
+              </a:p>
+            </p:txBody>
+          </p:sp>
+          <p:sp>
+            <p:nvSpPr>
+              <p:cNvPr id="49" name="왼쪽 화살표 48"/>
+              <p:cNvSpPr/>
+              <p:nvPr/>
+            </p:nvSpPr>
+            <p:spPr>
+              <a:xfrm>
+                <a:off x="7737855" y="4269328"/>
+                <a:ext cx="1461932" cy="784238"/>
+              </a:xfrm>
+              <a:prstGeom prst="leftArrow">
+                <a:avLst>
+                  <a:gd name="adj1" fmla="val 50000"/>
+                  <a:gd name="adj2" fmla="val 45916"/>
+                </a:avLst>
+              </a:prstGeom>
+            </p:spPr>
+            <p:style>
+              <a:lnRef idx="2">
+                <a:schemeClr val="accent5">
+                  <a:shade val="50000"/>
+                </a:schemeClr>
+              </a:lnRef>
+              <a:fillRef idx="1">
+                <a:schemeClr val="accent5"/>
+              </a:fillRef>
+              <a:effectRef idx="0">
+                <a:schemeClr val="accent5"/>
+              </a:effectRef>
+              <a:fontRef idx="minor">
+                <a:schemeClr val="lt1"/>
+              </a:fontRef>
+            </p:style>
+            <p:txBody>
+              <a:bodyPr lIns="0" tIns="0" rIns="0" bIns="0" rtlCol="0" anchor="ctr">
+                <a:noAutofit/>
+              </a:bodyPr>
+              <a:lstStyle/>
+              <a:p>
+                <a:pPr algn="ctr"/>
+                <a:r>
+                  <a:rPr lang="ko-KR" altLang="en-US" sz="1050" b="1" dirty="0" smtClean="0"/>
+                  <a:t>실제 </a:t>
+                </a:r>
+                <a:r>
+                  <a:rPr lang="ko-KR" altLang="en-US" sz="1050" b="1" dirty="0"/>
+                  <a:t>물리 </a:t>
+                </a:r>
+                <a:r>
+                  <a:rPr lang="ko-KR" altLang="en-US" sz="1050" b="1" dirty="0" smtClean="0"/>
+                  <a:t>정보</a:t>
+                </a:r>
+                <a:endParaRPr lang="ko-KR" altLang="en-US" sz="1050" b="1" dirty="0"/>
+              </a:p>
+            </p:txBody>
+          </p:sp>
+          <p:sp>
+            <p:nvSpPr>
+              <p:cNvPr id="50" name="오른쪽 화살표 49"/>
+              <p:cNvSpPr/>
+              <p:nvPr/>
+            </p:nvSpPr>
+            <p:spPr>
+              <a:xfrm>
+                <a:off x="7737176" y="5139005"/>
+                <a:ext cx="1461932" cy="784238"/>
+              </a:xfrm>
+              <a:prstGeom prst="rightArrow">
+                <a:avLst/>
+              </a:prstGeom>
+            </p:spPr>
+            <p:style>
+              <a:lnRef idx="2">
+                <a:schemeClr val="accent4">
+                  <a:shade val="50000"/>
+                </a:schemeClr>
+              </a:lnRef>
+              <a:fillRef idx="1">
+                <a:schemeClr val="accent4"/>
+              </a:fillRef>
+              <a:effectRef idx="0">
+                <a:schemeClr val="accent4"/>
+              </a:effectRef>
+              <a:fontRef idx="minor">
+                <a:schemeClr val="lt1"/>
+              </a:fontRef>
+            </p:style>
+            <p:txBody>
+              <a:bodyPr lIns="0" tIns="0" rIns="0" bIns="0" rtlCol="0" anchor="ctr">
+                <a:noAutofit/>
+              </a:bodyPr>
+              <a:lstStyle/>
+              <a:p>
+                <a:pPr algn="ctr"/>
+                <a:r>
+                  <a:rPr lang="ko-KR" altLang="en-US" sz="1100" b="1" dirty="0">
+                    <a:solidFill>
+                      <a:schemeClr val="tx1"/>
+                    </a:solidFill>
+                  </a:rPr>
+                  <a:t>설비 </a:t>
+                </a:r>
+                <a:r>
+                  <a:rPr lang="ko-KR" altLang="en-US" sz="1100" b="1" dirty="0" smtClean="0">
+                    <a:solidFill>
+                      <a:schemeClr val="tx1"/>
+                    </a:solidFill>
+                  </a:rPr>
+                  <a:t>제어</a:t>
+                </a:r>
+                <a:endParaRPr lang="ko-KR" altLang="en-US" sz="1100" b="1" dirty="0">
+                  <a:solidFill>
+                    <a:schemeClr val="tx1"/>
+                  </a:solidFill>
+                </a:endParaRPr>
+              </a:p>
+            </p:txBody>
+          </p:sp>
+          <p:grpSp>
+            <p:nvGrpSpPr>
+              <p:cNvPr id="53" name="그룹 52"/>
+              <p:cNvGrpSpPr/>
+              <p:nvPr/>
+            </p:nvGrpSpPr>
+            <p:grpSpPr>
+              <a:xfrm>
+                <a:off x="1120029" y="-1377642"/>
+                <a:ext cx="9934189" cy="1552447"/>
+                <a:chOff x="5561045" y="3384247"/>
+                <a:chExt cx="2799184" cy="3643370"/>
+              </a:xfrm>
+            </p:grpSpPr>
+            <p:sp>
+              <p:nvSpPr>
+                <p:cNvPr id="55" name="모서리가 둥근 직사각형 54"/>
+                <p:cNvSpPr/>
+                <p:nvPr/>
+              </p:nvSpPr>
+              <p:spPr>
+                <a:xfrm>
+                  <a:off x="5561045" y="3384247"/>
+                  <a:ext cx="2799184" cy="3643370"/>
+                </a:xfrm>
+                <a:prstGeom prst="roundRect">
+                  <a:avLst>
+                    <a:gd name="adj" fmla="val 6334"/>
+                  </a:avLst>
+                </a:prstGeom>
+                <a:solidFill>
+                  <a:srgbClr val="FFFFFF">
+                    <a:alpha val="70000"/>
+                  </a:srgbClr>
+                </a:solidFill>
+                <a:ln w="28575">
+                  <a:solidFill>
+                    <a:schemeClr val="bg1">
+                      <a:lumMod val="50000"/>
+                    </a:schemeClr>
+                  </a:solidFill>
+                  <a:prstDash val="dash"/>
+                </a:ln>
+              </p:spPr>
+              <p:style>
+                <a:lnRef idx="2">
+                  <a:schemeClr val="accent1">
+                    <a:shade val="50000"/>
+                  </a:schemeClr>
+                </a:lnRef>
+                <a:fillRef idx="1">
+                  <a:schemeClr val="accent1"/>
+                </a:fillRef>
+                <a:effectRef idx="0">
+                  <a:schemeClr val="accent1"/>
+                </a:effectRef>
+                <a:fontRef idx="minor">
+                  <a:schemeClr val="lt1"/>
+                </a:fontRef>
+              </p:style>
+              <p:txBody>
+                <a:bodyPr bIns="0" rtlCol="0" anchor="t"/>
+                <a:lstStyle/>
+                <a:p>
+                  <a:pPr algn="ctr"/>
+                  <a:r>
+                    <a:rPr lang="ko-KR" altLang="en-US" sz="1400" b="1" dirty="0" smtClean="0">
+                      <a:solidFill>
+                        <a:schemeClr val="tx1"/>
+                      </a:solidFill>
+                    </a:rPr>
+                    <a:t>유저 인터페이스</a:t>
+                  </a:r>
+                  <a:endParaRPr lang="ko-KR" altLang="en-US" sz="1400" b="1" dirty="0">
+                    <a:solidFill>
+                      <a:schemeClr val="tx1"/>
+                    </a:solidFill>
+                  </a:endParaRPr>
+                </a:p>
+              </p:txBody>
+            </p:sp>
+            <p:sp>
+              <p:nvSpPr>
+                <p:cNvPr id="56" name="모서리가 둥근 직사각형 55"/>
+                <p:cNvSpPr/>
+                <p:nvPr/>
+              </p:nvSpPr>
+              <p:spPr>
+                <a:xfrm>
+                  <a:off x="5689429" y="4335681"/>
+                  <a:ext cx="847009" cy="1318727"/>
+                </a:xfrm>
+                <a:prstGeom prst="roundRect">
+                  <a:avLst>
+                    <a:gd name="adj" fmla="val 0"/>
+                  </a:avLst>
+                </a:prstGeom>
+              </p:spPr>
+              <p:style>
+                <a:lnRef idx="2">
+                  <a:schemeClr val="dk1">
+                    <a:shade val="50000"/>
+                  </a:schemeClr>
+                </a:lnRef>
+                <a:fillRef idx="1">
+                  <a:schemeClr val="dk1"/>
+                </a:fillRef>
+                <a:effectRef idx="0">
+                  <a:schemeClr val="dk1"/>
+                </a:effectRef>
+                <a:fontRef idx="minor">
+                  <a:schemeClr val="lt1"/>
+                </a:fontRef>
+              </p:style>
+              <p:txBody>
+                <a:bodyPr rtlCol="0" anchor="ctr"/>
+                <a:lstStyle/>
+                <a:p>
+                  <a:pPr algn="ctr"/>
+                  <a:r>
+                    <a:rPr lang="ko-KR" altLang="en-US" sz="1600" dirty="0" err="1" smtClean="0"/>
+                    <a:t>왭</a:t>
+                  </a:r>
+                  <a:r>
+                    <a:rPr lang="ko-KR" altLang="en-US" sz="1600" dirty="0" smtClean="0"/>
+                    <a:t> </a:t>
+                  </a:r>
+                  <a:endParaRPr lang="ko-KR" altLang="en-US" sz="1600" dirty="0"/>
+                </a:p>
+              </p:txBody>
+            </p:sp>
+            <p:sp>
+              <p:nvSpPr>
+                <p:cNvPr id="57" name="모서리가 둥근 직사각형 56"/>
+                <p:cNvSpPr/>
+                <p:nvPr/>
+              </p:nvSpPr>
+              <p:spPr>
+                <a:xfrm>
+                  <a:off x="7382592" y="4335681"/>
+                  <a:ext cx="847009" cy="1344744"/>
+                </a:xfrm>
+                <a:prstGeom prst="roundRect">
+                  <a:avLst>
+                    <a:gd name="adj" fmla="val 0"/>
+                  </a:avLst>
+                </a:prstGeom>
+                <a:ln/>
+              </p:spPr>
+              <p:style>
+                <a:lnRef idx="2">
+                  <a:schemeClr val="dk1">
+                    <a:shade val="50000"/>
+                  </a:schemeClr>
+                </a:lnRef>
+                <a:fillRef idx="1">
+                  <a:schemeClr val="dk1"/>
+                </a:fillRef>
+                <a:effectRef idx="0">
+                  <a:schemeClr val="dk1"/>
+                </a:effectRef>
+                <a:fontRef idx="minor">
+                  <a:schemeClr val="lt1"/>
+                </a:fontRef>
+              </p:style>
+              <p:txBody>
+                <a:bodyPr rtlCol="0" anchor="ctr"/>
+                <a:lstStyle/>
+                <a:p>
+                  <a:pPr algn="ctr"/>
+                  <a:r>
+                    <a:rPr lang="ko-KR" altLang="en-US" sz="1600" dirty="0" smtClean="0"/>
+                    <a:t>기타</a:t>
+                  </a:r>
+                  <a:r>
+                    <a:rPr lang="en-US" altLang="ko-KR" sz="1600" dirty="0" smtClean="0"/>
+                    <a:t> …</a:t>
+                  </a:r>
+                  <a:endParaRPr lang="ko-KR" altLang="en-US" sz="1600" dirty="0"/>
+                </a:p>
+              </p:txBody>
+            </p:sp>
+            <p:sp>
+              <p:nvSpPr>
+                <p:cNvPr id="58" name="모서리가 둥근 직사각형 57"/>
+                <p:cNvSpPr/>
+                <p:nvPr/>
+              </p:nvSpPr>
+              <p:spPr>
+                <a:xfrm>
+                  <a:off x="5689429" y="5659130"/>
+                  <a:ext cx="2540172" cy="1166273"/>
+                </a:xfrm>
+                <a:prstGeom prst="roundRect">
+                  <a:avLst>
+                    <a:gd name="adj" fmla="val 0"/>
+                  </a:avLst>
+                </a:prstGeom>
+              </p:spPr>
+              <p:style>
+                <a:lnRef idx="2">
+                  <a:schemeClr val="accent3">
+                    <a:shade val="50000"/>
+                  </a:schemeClr>
+                </a:lnRef>
+                <a:fillRef idx="1">
+                  <a:schemeClr val="accent3"/>
+                </a:fillRef>
+                <a:effectRef idx="0">
+                  <a:schemeClr val="accent3"/>
+                </a:effectRef>
+                <a:fontRef idx="minor">
+                  <a:schemeClr val="lt1"/>
+                </a:fontRef>
+              </p:style>
+              <p:txBody>
+                <a:bodyPr rtlCol="0" anchor="ctr"/>
+                <a:lstStyle/>
+                <a:p>
+                  <a:pPr algn="ctr"/>
+                  <a:r>
+                    <a:rPr lang="en-US" altLang="ko-KR" sz="1600" b="1" dirty="0" smtClean="0"/>
+                    <a:t>API</a:t>
+                  </a:r>
+                  <a:endParaRPr lang="ko-KR" altLang="en-US" sz="1600" b="1" dirty="0"/>
+                </a:p>
+              </p:txBody>
+            </p:sp>
+            <p:sp>
+              <p:nvSpPr>
+                <p:cNvPr id="59" name="모서리가 둥근 직사각형 58"/>
+                <p:cNvSpPr/>
+                <p:nvPr/>
+              </p:nvSpPr>
+              <p:spPr>
+                <a:xfrm>
+                  <a:off x="6536439" y="4335681"/>
+                  <a:ext cx="846153" cy="1294646"/>
+                </a:xfrm>
+                <a:prstGeom prst="roundRect">
+                  <a:avLst>
+                    <a:gd name="adj" fmla="val 0"/>
+                  </a:avLst>
+                </a:prstGeom>
+                <a:ln/>
+              </p:spPr>
+              <p:style>
+                <a:lnRef idx="2">
+                  <a:schemeClr val="dk1">
+                    <a:shade val="50000"/>
+                  </a:schemeClr>
+                </a:lnRef>
+                <a:fillRef idx="1">
+                  <a:schemeClr val="dk1"/>
+                </a:fillRef>
+                <a:effectRef idx="0">
+                  <a:schemeClr val="dk1"/>
+                </a:effectRef>
+                <a:fontRef idx="minor">
+                  <a:schemeClr val="lt1"/>
+                </a:fontRef>
+              </p:style>
+              <p:txBody>
+                <a:bodyPr rtlCol="0" anchor="ctr"/>
+                <a:lstStyle/>
+                <a:p>
+                  <a:pPr algn="ctr"/>
+                  <a:r>
+                    <a:rPr lang="en-US" altLang="ko-KR" sz="1600" dirty="0" smtClean="0"/>
+                    <a:t>HMI</a:t>
+                  </a:r>
+                  <a:endParaRPr lang="ko-KR" altLang="en-US" sz="1600" dirty="0"/>
+                </a:p>
+              </p:txBody>
+            </p:sp>
+          </p:grpSp>
+          <p:sp>
+            <p:nvSpPr>
+              <p:cNvPr id="54" name="위쪽/아래쪽 화살표 53"/>
+              <p:cNvSpPr/>
+              <p:nvPr/>
+            </p:nvSpPr>
+            <p:spPr>
+              <a:xfrm>
+                <a:off x="5627604" y="114441"/>
+                <a:ext cx="946822" cy="738729"/>
+              </a:xfrm>
+              <a:prstGeom prst="upDownArrow">
+                <a:avLst>
+                  <a:gd name="adj1" fmla="val 50000"/>
+                  <a:gd name="adj2" fmla="val 33528"/>
+                </a:avLst>
+              </a:prstGeom>
+            </p:spPr>
+            <p:style>
+              <a:lnRef idx="2">
+                <a:schemeClr val="accent3">
+                  <a:shade val="50000"/>
+                </a:schemeClr>
+              </a:lnRef>
+              <a:fillRef idx="1">
+                <a:schemeClr val="accent3"/>
+              </a:fillRef>
+              <a:effectRef idx="0">
+                <a:schemeClr val="accent3"/>
+              </a:effectRef>
+              <a:fontRef idx="minor">
+                <a:schemeClr val="lt1"/>
+              </a:fontRef>
+            </p:style>
+            <p:txBody>
+              <a:bodyPr rtlCol="0" anchor="ctr"/>
+              <a:lstStyle/>
+              <a:p>
+                <a:pPr algn="ctr"/>
+                <a:endParaRPr lang="ko-KR" altLang="en-US" sz="1600"/>
+              </a:p>
+            </p:txBody>
+          </p:sp>
+        </p:grpSp>
+        <p:sp>
+          <p:nvSpPr>
+            <p:cNvPr id="35" name="직사각형 34"/>
+            <p:cNvSpPr/>
+            <p:nvPr/>
+          </p:nvSpPr>
+          <p:spPr>
+            <a:xfrm>
+              <a:off x="4764871" y="2277355"/>
+              <a:ext cx="2662260" cy="862985"/>
+            </a:xfrm>
+            <a:prstGeom prst="rect">
+              <a:avLst/>
+            </a:prstGeom>
+            <a:gradFill>
+              <a:gsLst>
+                <a:gs pos="50000">
+                  <a:srgbClr val="5B9BD5"/>
+                </a:gs>
+                <a:gs pos="50000">
+                  <a:srgbClr val="70AD47"/>
+                </a:gs>
+              </a:gsLst>
+              <a:lin ang="1800000" scaled="0"/>
+            </a:gradFill>
+          </p:spPr>
+          <p:style>
+            <a:lnRef idx="2">
+              <a:schemeClr val="accent1">
+                <a:shade val="50000"/>
+              </a:schemeClr>
+            </a:lnRef>
+            <a:fillRef idx="1">
+              <a:schemeClr val="accent1"/>
+            </a:fillRef>
+            <a:effectRef idx="0">
+              <a:schemeClr val="accent1"/>
+            </a:effectRef>
+            <a:fontRef idx="minor">
+              <a:schemeClr val="lt1"/>
+            </a:fontRef>
+          </p:style>
+          <p:txBody>
+            <a:bodyPr lIns="144000" tIns="288000" rIns="144000" bIns="252000" numCol="2" spcCol="72000" rtlCol="0" anchor="ctr">
+              <a:noAutofit/>
+            </a:bodyPr>
+            <a:lstStyle/>
+            <a:p>
+              <a:pPr algn="ctr"/>
+              <a:r>
+                <a:rPr lang="en-US" altLang="ko-KR" sz="1400" b="1" dirty="0" smtClean="0"/>
+                <a:t>WES</a:t>
+              </a:r>
+            </a:p>
+            <a:p>
+              <a:pPr algn="ctr"/>
+              <a:r>
+                <a:rPr lang="en-US" altLang="ko-KR" sz="1400" b="1" dirty="0" smtClean="0"/>
+                <a:t>(</a:t>
+              </a:r>
+              <a:r>
+                <a:rPr lang="ko-KR" altLang="en-US" sz="1400" b="1" dirty="0" smtClean="0"/>
+                <a:t>구성 필요</a:t>
+              </a:r>
+              <a:r>
+                <a:rPr lang="en-US" altLang="ko-KR" sz="1400" b="1" dirty="0" smtClean="0"/>
+                <a:t>)</a:t>
+              </a:r>
+              <a:r>
+                <a:rPr lang="en-US" altLang="ko-KR" sz="1400" b="1" dirty="0"/>
+                <a:t> </a:t>
+              </a:r>
+            </a:p>
+            <a:p>
+              <a:pPr algn="ctr"/>
+              <a:r>
+                <a:rPr lang="en-US" altLang="ko-KR" sz="1400" b="1" dirty="0" smtClean="0"/>
+                <a:t>WMS</a:t>
+              </a:r>
+              <a:endParaRPr lang="en-US" altLang="ko-KR" sz="1400" b="1" dirty="0"/>
+            </a:p>
+            <a:p>
+              <a:pPr algn="ctr"/>
+              <a:r>
+                <a:rPr lang="en-US" altLang="ko-KR" sz="1400" b="1" dirty="0" smtClean="0"/>
+                <a:t>(</a:t>
+              </a:r>
+              <a:r>
+                <a:rPr lang="en-US" altLang="ko-KR" sz="1400" b="1" dirty="0" err="1" smtClean="0"/>
+                <a:t>Odoo</a:t>
+              </a:r>
+              <a:r>
+                <a:rPr lang="en-US" altLang="ko-KR" sz="1400" b="1" dirty="0" smtClean="0"/>
+                <a:t>)</a:t>
+              </a:r>
+              <a:endParaRPr lang="ko-KR" altLang="en-US" sz="1400" b="1" dirty="0"/>
+            </a:p>
+          </p:txBody>
+        </p:sp>
+      </p:grpSp>
+      <p:sp>
+        <p:nvSpPr>
+          <p:cNvPr id="63" name="오른쪽 화살표 62"/>
+          <p:cNvSpPr/>
+          <p:nvPr/>
+        </p:nvSpPr>
+        <p:spPr>
+          <a:xfrm>
+            <a:off x="5774420" y="3506962"/>
+            <a:ext cx="627998" cy="420294"/>
+          </a:xfrm>
+          <a:prstGeom prst="rightArrow">
+            <a:avLst/>
+          </a:prstGeom>
+        </p:spPr>
+        <p:style>
+          <a:lnRef idx="2">
+            <a:schemeClr val="accent5">
+              <a:shade val="50000"/>
+            </a:schemeClr>
+          </a:lnRef>
+          <a:fillRef idx="1">
+            <a:schemeClr val="accent5"/>
+          </a:fillRef>
+          <a:effectRef idx="0">
+            <a:schemeClr val="accent5"/>
+          </a:effectRef>
+          <a:fontRef idx="minor">
+            <a:schemeClr val="lt1"/>
+          </a:fontRef>
+        </p:style>
+        <p:txBody>
+          <a:bodyPr lIns="0" tIns="0" rIns="0" bIns="0" rtlCol="0" anchor="ctr">
+            <a:noAutofit/>
+          </a:bodyPr>
+          <a:lstStyle/>
+          <a:p>
+            <a:pPr algn="ctr"/>
+            <a:endParaRPr lang="ko-KR" altLang="en-US" sz="1050" b="1" dirty="0"/>
+          </a:p>
+        </p:txBody>
+      </p:sp>
     </p:spTree>
     <p:extLst>
       <p:ext uri="{BB962C8B-B14F-4D97-AF65-F5344CB8AC3E}">
@@ -11213,11 +12555,7 @@
               <a:pPr algn="ctr"/>
               <a:r>
                 <a:rPr lang="ko-KR" altLang="en-US" sz="1200" dirty="0" smtClean="0"/>
-                <a:t>미션 완료 </a:t>
-              </a:r>
-              <a:r>
-                <a:rPr lang="ko-KR" altLang="en-US" sz="1200" dirty="0" smtClean="0"/>
-                <a:t>여부 </a:t>
+                <a:t>미션 완료 여부 </a:t>
               </a:r>
               <a:endParaRPr lang="en-US" altLang="ko-KR" sz="1200" dirty="0" smtClean="0"/>
             </a:p>
@@ -17733,11 +19071,7 @@
               </a:r>
               <a:r>
                 <a:rPr lang="en-US" altLang="ko-KR" dirty="0" smtClean="0"/>
-                <a:t> </a:t>
-              </a:r>
-              <a:r>
-                <a:rPr lang="en-US" altLang="ko-KR" dirty="0" smtClean="0"/>
-                <a:t>…</a:t>
+                <a:t> …</a:t>
               </a:r>
               <a:endParaRPr lang="ko-KR" altLang="en-US" dirty="0"/>
             </a:p>
